--- a/Docs/PPP, final.pptx
+++ b/Docs/PPP, final.pptx
@@ -14,18 +14,18 @@
     <p:sldId id="284" r:id="rId5"/>
     <p:sldId id="268" r:id="rId6"/>
     <p:sldId id="285" r:id="rId7"/>
-    <p:sldId id="278" r:id="rId8"/>
-    <p:sldId id="279" r:id="rId9"/>
-    <p:sldId id="280" r:id="rId10"/>
-    <p:sldId id="281" r:id="rId11"/>
-    <p:sldId id="282" r:id="rId12"/>
-    <p:sldId id="286" r:id="rId13"/>
-    <p:sldId id="274" r:id="rId14"/>
-    <p:sldId id="290" r:id="rId15"/>
-    <p:sldId id="288" r:id="rId16"/>
-    <p:sldId id="289" r:id="rId17"/>
-    <p:sldId id="276" r:id="rId18"/>
-    <p:sldId id="265" r:id="rId19"/>
+    <p:sldId id="281" r:id="rId8"/>
+    <p:sldId id="282" r:id="rId9"/>
+    <p:sldId id="286" r:id="rId10"/>
+    <p:sldId id="274" r:id="rId11"/>
+    <p:sldId id="290" r:id="rId12"/>
+    <p:sldId id="288" r:id="rId13"/>
+    <p:sldId id="289" r:id="rId14"/>
+    <p:sldId id="276" r:id="rId15"/>
+    <p:sldId id="265" r:id="rId16"/>
+    <p:sldId id="278" r:id="rId17"/>
+    <p:sldId id="279" r:id="rId18"/>
+    <p:sldId id="280" r:id="rId19"/>
   </p:sldIdLst>
   <p:sldSz cx="12192000" cy="6858000"/>
   <p:notesSz cx="6858000" cy="9144000"/>
@@ -214,7 +214,7 @@
           <a:p>
             <a:fld id="{1E47D41A-4042-B543-AE22-1ED09200DB20}" type="datetimeFigureOut">
               <a:rPr lang="en-GB" smtClean="0"/>
-              <a:t>26/01/2020</a:t>
+              <a:t>29/01/2020</a:t>
             </a:fld>
             <a:endParaRPr lang="en-GB"/>
           </a:p>
@@ -715,7 +715,7 @@
           <a:p>
             <a:fld id="{2831AEBB-41E9-A04A-9C64-38B7EC6FB69A}" type="slidenum">
               <a:rPr lang="en-GB" smtClean="0"/>
-              <a:t>12</a:t>
+              <a:t>9</a:t>
             </a:fld>
             <a:endParaRPr lang="en-GB"/>
           </a:p>
@@ -865,7 +865,7 @@
           <a:p>
             <a:fld id="{14FA74A2-3722-1A41-8512-46265943785A}" type="datetime1">
               <a:rPr lang="nl-NL" smtClean="0"/>
-              <a:t>26-1-2020</a:t>
+              <a:t>29-1-2020</a:t>
             </a:fld>
             <a:endParaRPr lang="en-GB"/>
           </a:p>
@@ -1035,7 +1035,7 @@
           <a:p>
             <a:fld id="{F95A9C9F-8C45-7343-9CDB-F9A485B697FF}" type="datetime1">
               <a:rPr lang="nl-NL" smtClean="0"/>
-              <a:t>26-1-2020</a:t>
+              <a:t>29-1-2020</a:t>
             </a:fld>
             <a:endParaRPr lang="en-GB"/>
           </a:p>
@@ -1215,7 +1215,7 @@
           <a:p>
             <a:fld id="{F023C2D3-547E-4849-B250-ECC27C4ADAB2}" type="datetime1">
               <a:rPr lang="nl-NL" smtClean="0"/>
-              <a:t>26-1-2020</a:t>
+              <a:t>29-1-2020</a:t>
             </a:fld>
             <a:endParaRPr lang="en-GB"/>
           </a:p>
@@ -1385,7 +1385,7 @@
           <a:p>
             <a:fld id="{7ED8645F-302A-FC4F-B65E-BE44BD7D0BFE}" type="datetime1">
               <a:rPr lang="nl-NL" smtClean="0"/>
-              <a:t>26-1-2020</a:t>
+              <a:t>29-1-2020</a:t>
             </a:fld>
             <a:endParaRPr lang="en-GB"/>
           </a:p>
@@ -1631,7 +1631,7 @@
           <a:p>
             <a:fld id="{3F37FD0C-92E3-6147-B017-5A3F3FC940DB}" type="datetime1">
               <a:rPr lang="nl-NL" smtClean="0"/>
-              <a:t>26-1-2020</a:t>
+              <a:t>29-1-2020</a:t>
             </a:fld>
             <a:endParaRPr lang="en-GB"/>
           </a:p>
@@ -1863,7 +1863,7 @@
           <a:p>
             <a:fld id="{12999FB7-638F-064F-9F1B-5A2B67E58CFF}" type="datetime1">
               <a:rPr lang="nl-NL" smtClean="0"/>
-              <a:t>26-1-2020</a:t>
+              <a:t>29-1-2020</a:t>
             </a:fld>
             <a:endParaRPr lang="en-GB"/>
           </a:p>
@@ -2230,7 +2230,7 @@
           <a:p>
             <a:fld id="{A1CFFDEF-85F2-E847-8D85-682A9D98BAB3}" type="datetime1">
               <a:rPr lang="nl-NL" smtClean="0"/>
-              <a:t>26-1-2020</a:t>
+              <a:t>29-1-2020</a:t>
             </a:fld>
             <a:endParaRPr lang="en-GB"/>
           </a:p>
@@ -2348,7 +2348,7 @@
           <a:p>
             <a:fld id="{028B6388-FB3E-614B-A3B7-D097F68BF908}" type="datetime1">
               <a:rPr lang="nl-NL" smtClean="0"/>
-              <a:t>26-1-2020</a:t>
+              <a:t>29-1-2020</a:t>
             </a:fld>
             <a:endParaRPr lang="en-GB"/>
           </a:p>
@@ -2443,7 +2443,7 @@
           <a:p>
             <a:fld id="{139C7612-8A5C-2E4F-AB2E-9CC1B411E701}" type="datetime1">
               <a:rPr lang="nl-NL" smtClean="0"/>
-              <a:t>26-1-2020</a:t>
+              <a:t>29-1-2020</a:t>
             </a:fld>
             <a:endParaRPr lang="en-GB"/>
           </a:p>
@@ -2720,7 +2720,7 @@
           <a:p>
             <a:fld id="{C00946DD-15F0-6346-9ACF-7E04BBC1DA84}" type="datetime1">
               <a:rPr lang="nl-NL" smtClean="0"/>
-              <a:t>26-1-2020</a:t>
+              <a:t>29-1-2020</a:t>
             </a:fld>
             <a:endParaRPr lang="en-GB"/>
           </a:p>
@@ -2977,7 +2977,7 @@
           <a:p>
             <a:fld id="{3D169EF2-A6C6-B04D-A2C4-C446C863F365}" type="datetime1">
               <a:rPr lang="nl-NL" smtClean="0"/>
-              <a:t>26-1-2020</a:t>
+              <a:t>29-1-2020</a:t>
             </a:fld>
             <a:endParaRPr lang="en-GB"/>
           </a:p>
@@ -3190,7 +3190,7 @@
           <a:p>
             <a:fld id="{9C1111A9-A1AF-C34E-B614-37051BC839D5}" type="datetime1">
               <a:rPr lang="nl-NL" smtClean="0"/>
-              <a:t>26-1-2020</a:t>
+              <a:t>29-1-2020</a:t>
             </a:fld>
             <a:endParaRPr lang="en-GB"/>
           </a:p>
@@ -3737,721 +3737,6 @@
 <file path=ppt/slides/slide10.xml><?xml version="1.0" encoding="utf-8"?>
 <p:sld xmlns:a="http://schemas.openxmlformats.org/drawingml/2006/main" xmlns:r="http://schemas.openxmlformats.org/officeDocument/2006/relationships" xmlns:p="http://schemas.openxmlformats.org/presentationml/2006/main">
   <p:cSld>
-    <p:spTree>
-      <p:nvGrpSpPr>
-        <p:cNvPr id="1" name=""/>
-        <p:cNvGrpSpPr/>
-        <p:nvPr/>
-      </p:nvGrpSpPr>
-      <p:grpSpPr>
-        <a:xfrm>
-          <a:off x="0" y="0"/>
-          <a:ext cx="0" cy="0"/>
-          <a:chOff x="0" y="0"/>
-          <a:chExt cx="0" cy="0"/>
-        </a:xfrm>
-      </p:grpSpPr>
-      <p:sp>
-        <p:nvSpPr>
-          <p:cNvPr id="2" name="Titel 1">
-            <a:extLst>
-              <a:ext uri="{FF2B5EF4-FFF2-40B4-BE49-F238E27FC236}">
-                <a16:creationId xmlns:a16="http://schemas.microsoft.com/office/drawing/2014/main" id="{BDECAEB1-542A-F848-9D2C-B10DFE956AB7}"/>
-              </a:ext>
-            </a:extLst>
-          </p:cNvPr>
-          <p:cNvSpPr>
-            <a:spLocks noGrp="1"/>
-          </p:cNvSpPr>
-          <p:nvPr>
-            <p:ph type="title"/>
-          </p:nvPr>
-        </p:nvSpPr>
-        <p:spPr/>
-        <p:txBody>
-          <a:bodyPr/>
-          <a:lstStyle/>
-          <a:p>
-            <a:r>
-              <a:rPr lang="en-GB" dirty="0"/>
-              <a:t>2. Extended Heuristic Algorithm</a:t>
-            </a:r>
-          </a:p>
-        </p:txBody>
-      </p:sp>
-      <p:sp>
-        <p:nvSpPr>
-          <p:cNvPr id="3" name="Tijdelijke aanduiding voor inhoud 2">
-            <a:extLst>
-              <a:ext uri="{FF2B5EF4-FFF2-40B4-BE49-F238E27FC236}">
-                <a16:creationId xmlns:a16="http://schemas.microsoft.com/office/drawing/2014/main" id="{6B57B016-94D5-F646-9976-362E7188E1F0}"/>
-              </a:ext>
-            </a:extLst>
-          </p:cNvPr>
-          <p:cNvSpPr>
-            <a:spLocks noGrp="1"/>
-          </p:cNvSpPr>
-          <p:nvPr>
-            <p:ph sz="half" idx="1"/>
-          </p:nvPr>
-        </p:nvSpPr>
-        <p:spPr/>
-        <p:txBody>
-          <a:bodyPr/>
-          <a:lstStyle/>
-          <a:p>
-            <a:r>
-              <a:rPr lang="en-GB" dirty="0"/>
-              <a:t>Divide chain S up into n parts S</a:t>
-            </a:r>
-            <a:r>
-              <a:rPr lang="en-GB" baseline="-25000" dirty="0"/>
-              <a:t>i</a:t>
-            </a:r>
-            <a:r>
-              <a:rPr lang="en-GB" dirty="0"/>
-              <a:t> of predetermined length.</a:t>
-            </a:r>
-          </a:p>
-          <a:p>
-            <a:r>
-              <a:rPr lang="en-GB" dirty="0"/>
-              <a:t>Fold S</a:t>
-            </a:r>
-            <a:r>
-              <a:rPr lang="en-GB" baseline="-25000" dirty="0"/>
-              <a:t>1</a:t>
-            </a:r>
-            <a:r>
-              <a:rPr lang="en-GB" dirty="0"/>
-              <a:t> optimally against S</a:t>
-            </a:r>
-            <a:r>
-              <a:rPr lang="en-GB" baseline="-25000" dirty="0"/>
-              <a:t>0 </a:t>
-            </a:r>
-            <a:r>
-              <a:rPr lang="en-GB" dirty="0"/>
-              <a:t>by going through all permutations (with self-avoidance), then fold S</a:t>
-            </a:r>
-            <a:r>
-              <a:rPr lang="en-GB" baseline="-25000" dirty="0"/>
-              <a:t>2</a:t>
-            </a:r>
-            <a:r>
-              <a:rPr lang="en-GB" dirty="0"/>
-              <a:t> optimally against S</a:t>
-            </a:r>
-            <a:r>
-              <a:rPr lang="en-GB" baseline="-25000" dirty="0"/>
-              <a:t>0 </a:t>
-            </a:r>
-            <a:r>
-              <a:rPr lang="en-US" dirty="0"/>
-              <a:t>∪</a:t>
-            </a:r>
-            <a:r>
-              <a:rPr lang="en-GB" dirty="0"/>
-              <a:t> S</a:t>
-            </a:r>
-            <a:r>
-              <a:rPr lang="en-GB" baseline="-25000" dirty="0"/>
-              <a:t>1</a:t>
-            </a:r>
-            <a:r>
-              <a:rPr lang="en-GB" dirty="0"/>
-              <a:t>, etc. up until S</a:t>
-            </a:r>
-            <a:r>
-              <a:rPr lang="en-GB" baseline="-25000" dirty="0"/>
-              <a:t>n</a:t>
-            </a:r>
-            <a:r>
-              <a:rPr lang="en-GB" dirty="0"/>
-              <a:t>.</a:t>
-            </a:r>
-          </a:p>
-          <a:p>
-            <a:r>
-              <a:rPr lang="en-GB" dirty="0"/>
-              <a:t>Optimal means most H-H contacts.</a:t>
-            </a:r>
-          </a:p>
-        </p:txBody>
-      </p:sp>
-      <p:pic>
-        <p:nvPicPr>
-          <p:cNvPr id="5" name="Tijdelijke aanduiding voor inhoud 4">
-            <a:extLst>
-              <a:ext uri="{FF2B5EF4-FFF2-40B4-BE49-F238E27FC236}">
-                <a16:creationId xmlns:a16="http://schemas.microsoft.com/office/drawing/2014/main" id="{A55ADCDF-EAAB-47DA-9B57-A0CE26AA48DA}"/>
-              </a:ext>
-            </a:extLst>
-          </p:cNvPr>
-          <p:cNvPicPr>
-            <a:picLocks noGrp="1" noChangeAspect="1"/>
-          </p:cNvPicPr>
-          <p:nvPr>
-            <p:ph sz="half" idx="2"/>
-          </p:nvPr>
-        </p:nvPicPr>
-        <p:blipFill>
-          <a:blip r:embed="rId2"/>
-          <a:stretch>
-            <a:fillRect/>
-          </a:stretch>
-        </p:blipFill>
-        <p:spPr>
-          <a:xfrm>
-            <a:off x="6172202" y="2564691"/>
-            <a:ext cx="5181600" cy="2238205"/>
-          </a:xfrm>
-          <a:prstGeom prst="rect">
-            <a:avLst/>
-          </a:prstGeom>
-        </p:spPr>
-      </p:pic>
-      <p:sp>
-        <p:nvSpPr>
-          <p:cNvPr id="6" name="Tekstvak 5">
-            <a:extLst>
-              <a:ext uri="{FF2B5EF4-FFF2-40B4-BE49-F238E27FC236}">
-                <a16:creationId xmlns:a16="http://schemas.microsoft.com/office/drawing/2014/main" id="{72D80279-86D1-44DE-A941-63237F704A60}"/>
-              </a:ext>
-            </a:extLst>
-          </p:cNvPr>
-          <p:cNvSpPr txBox="1"/>
-          <p:nvPr/>
-        </p:nvSpPr>
-        <p:spPr>
-          <a:xfrm>
-            <a:off x="1098550" y="6032500"/>
-            <a:ext cx="10185400" cy="646331"/>
-          </a:xfrm>
-          <a:prstGeom prst="rect">
-            <a:avLst/>
-          </a:prstGeom>
-          <a:noFill/>
-        </p:spPr>
-        <p:txBody>
-          <a:bodyPr wrap="square" rtlCol="0">
-            <a:spAutoFit/>
-          </a:bodyPr>
-          <a:lstStyle/>
-          <a:p>
-            <a:r>
-              <a:rPr lang="en-US" dirty="0"/>
-              <a:t>Source: </a:t>
-            </a:r>
-            <a:r>
-              <a:rPr lang="en-US" dirty="0" err="1"/>
-              <a:t>Traykov</a:t>
-            </a:r>
-            <a:r>
-              <a:rPr lang="en-US" dirty="0"/>
-              <a:t>, </a:t>
-            </a:r>
-            <a:r>
-              <a:rPr lang="en-US" dirty="0" err="1"/>
-              <a:t>Metodi</a:t>
-            </a:r>
-            <a:r>
-              <a:rPr lang="en-US" dirty="0"/>
-              <a:t>, et al. "Algorithm for protein folding problem in 3D lattice HP model." </a:t>
-            </a:r>
-            <a:r>
-              <a:rPr lang="en-US" i="1" dirty="0"/>
-              <a:t>International Journal of Biology and Biomedicine</a:t>
-            </a:r>
-            <a:r>
-              <a:rPr lang="en-US" dirty="0"/>
-              <a:t> 3 (2018).</a:t>
-            </a:r>
-          </a:p>
-        </p:txBody>
-      </p:sp>
-      <p:sp>
-        <p:nvSpPr>
-          <p:cNvPr id="4" name="Tijdelijke aanduiding voor dianummer 3">
-            <a:extLst>
-              <a:ext uri="{FF2B5EF4-FFF2-40B4-BE49-F238E27FC236}">
-                <a16:creationId xmlns:a16="http://schemas.microsoft.com/office/drawing/2014/main" id="{586D7EA0-94AD-4F4B-98CE-1EC793E3A1D8}"/>
-              </a:ext>
-            </a:extLst>
-          </p:cNvPr>
-          <p:cNvSpPr>
-            <a:spLocks noGrp="1"/>
-          </p:cNvSpPr>
-          <p:nvPr>
-            <p:ph type="sldNum" sz="quarter" idx="12"/>
-          </p:nvPr>
-        </p:nvSpPr>
-        <p:spPr/>
-        <p:txBody>
-          <a:bodyPr/>
-          <a:lstStyle/>
-          <a:p>
-            <a:fld id="{D1892F8F-5571-E246-B053-E27A62D47BEF}" type="slidenum">
-              <a:rPr lang="en-GB" smtClean="0"/>
-              <a:t>10</a:t>
-            </a:fld>
-            <a:endParaRPr lang="en-GB"/>
-          </a:p>
-        </p:txBody>
-      </p:sp>
-    </p:spTree>
-    <p:extLst>
-      <p:ext uri="{BB962C8B-B14F-4D97-AF65-F5344CB8AC3E}">
-        <p14:creationId xmlns:p14="http://schemas.microsoft.com/office/powerpoint/2010/main" val="2280938724"/>
-      </p:ext>
-    </p:extLst>
-  </p:cSld>
-  <p:clrMapOvr>
-    <a:masterClrMapping/>
-  </p:clrMapOvr>
-</p:sld>
-</file>
-
-<file path=ppt/slides/slide11.xml><?xml version="1.0" encoding="utf-8"?>
-<p:sld xmlns:a="http://schemas.openxmlformats.org/drawingml/2006/main" xmlns:r="http://schemas.openxmlformats.org/officeDocument/2006/relationships" xmlns:p="http://schemas.openxmlformats.org/presentationml/2006/main">
-  <p:cSld>
-    <p:spTree>
-      <p:nvGrpSpPr>
-        <p:cNvPr id="1" name=""/>
-        <p:cNvGrpSpPr/>
-        <p:nvPr/>
-      </p:nvGrpSpPr>
-      <p:grpSpPr>
-        <a:xfrm>
-          <a:off x="0" y="0"/>
-          <a:ext cx="0" cy="0"/>
-          <a:chOff x="0" y="0"/>
-          <a:chExt cx="0" cy="0"/>
-        </a:xfrm>
-      </p:grpSpPr>
-      <p:sp>
-        <p:nvSpPr>
-          <p:cNvPr id="2" name="Titel 1">
-            <a:extLst>
-              <a:ext uri="{FF2B5EF4-FFF2-40B4-BE49-F238E27FC236}">
-                <a16:creationId xmlns:a16="http://schemas.microsoft.com/office/drawing/2014/main" id="{BDECAEB1-542A-F848-9D2C-B10DFE956AB7}"/>
-              </a:ext>
-            </a:extLst>
-          </p:cNvPr>
-          <p:cNvSpPr>
-            <a:spLocks noGrp="1"/>
-          </p:cNvSpPr>
-          <p:nvPr>
-            <p:ph type="title"/>
-          </p:nvPr>
-        </p:nvSpPr>
-        <p:spPr/>
-        <p:txBody>
-          <a:bodyPr/>
-          <a:lstStyle/>
-          <a:p>
-            <a:r>
-              <a:rPr lang="en-GB" dirty="0"/>
-              <a:t>2. Breadth-first: Beam Search</a:t>
-            </a:r>
-          </a:p>
-        </p:txBody>
-      </p:sp>
-      <p:sp>
-        <p:nvSpPr>
-          <p:cNvPr id="3" name="Tijdelijke aanduiding voor inhoud 2">
-            <a:extLst>
-              <a:ext uri="{FF2B5EF4-FFF2-40B4-BE49-F238E27FC236}">
-                <a16:creationId xmlns:a16="http://schemas.microsoft.com/office/drawing/2014/main" id="{6B57B016-94D5-F646-9976-362E7188E1F0}"/>
-              </a:ext>
-            </a:extLst>
-          </p:cNvPr>
-          <p:cNvSpPr>
-            <a:spLocks noGrp="1"/>
-          </p:cNvSpPr>
-          <p:nvPr>
-            <p:ph sz="half" idx="1"/>
-          </p:nvPr>
-        </p:nvSpPr>
-        <p:spPr/>
-        <p:txBody>
-          <a:bodyPr/>
-          <a:lstStyle/>
-          <a:p>
-            <a:r>
-              <a:rPr lang="en-GB" dirty="0"/>
-              <a:t>Combination of breadth-first and greedy.</a:t>
-            </a:r>
-          </a:p>
-          <a:p>
-            <a:r>
-              <a:rPr lang="en-GB" dirty="0"/>
-              <a:t>Goes through all moves from {u, d, l, r, </a:t>
-            </a:r>
-            <a:r>
-              <a:rPr lang="en-GB" dirty="0" err="1"/>
-              <a:t>i</a:t>
-            </a:r>
-            <a:r>
-              <a:rPr lang="en-GB" dirty="0"/>
-              <a:t>, o} and selects the n best moves (based on ‘beam width’).</a:t>
-            </a:r>
-          </a:p>
-          <a:p>
-            <a:r>
-              <a:rPr lang="en-GB" dirty="0"/>
-              <a:t>Beam Search based on stability</a:t>
-            </a:r>
-          </a:p>
-        </p:txBody>
-      </p:sp>
-      <p:pic>
-        <p:nvPicPr>
-          <p:cNvPr id="3074" name="Picture 2" descr="Afbeeldingsresultaat voor beam search">
-            <a:extLst>
-              <a:ext uri="{FF2B5EF4-FFF2-40B4-BE49-F238E27FC236}">
-                <a16:creationId xmlns:a16="http://schemas.microsoft.com/office/drawing/2014/main" id="{2CAFA68E-8EBF-4DCC-83BC-2C80569331AD}"/>
-              </a:ext>
-            </a:extLst>
-          </p:cNvPr>
-          <p:cNvPicPr>
-            <a:picLocks noGrp="1" noChangeAspect="1" noChangeArrowheads="1"/>
-          </p:cNvPicPr>
-          <p:nvPr>
-            <p:ph sz="half" idx="2"/>
-          </p:nvPr>
-        </p:nvPicPr>
-        <p:blipFill>
-          <a:blip r:embed="rId2">
-            <a:extLst>
-              <a:ext uri="{28A0092B-C50C-407E-A947-70E740481C1C}">
-                <a14:useLocalDpi xmlns:a14="http://schemas.microsoft.com/office/drawing/2010/main" val="0"/>
-              </a:ext>
-            </a:extLst>
-          </a:blip>
-          <a:srcRect/>
-          <a:stretch>
-            <a:fillRect/>
-          </a:stretch>
-        </p:blipFill>
-        <p:spPr bwMode="auto">
-          <a:xfrm>
-            <a:off x="6172202" y="2467304"/>
-            <a:ext cx="5181600" cy="2420280"/>
-          </a:xfrm>
-          <a:prstGeom prst="rect">
-            <a:avLst/>
-          </a:prstGeom>
-          <a:noFill/>
-          <a:extLst>
-            <a:ext uri="{909E8E84-426E-40DD-AFC4-6F175D3DCCD1}">
-              <a14:hiddenFill xmlns:a14="http://schemas.microsoft.com/office/drawing/2010/main">
-                <a:solidFill>
-                  <a:srgbClr val="FFFFFF"/>
-                </a:solidFill>
-              </a14:hiddenFill>
-            </a:ext>
-          </a:extLst>
-        </p:spPr>
-      </p:pic>
-      <p:sp>
-        <p:nvSpPr>
-          <p:cNvPr id="4" name="Tijdelijke aanduiding voor dianummer 3">
-            <a:extLst>
-              <a:ext uri="{FF2B5EF4-FFF2-40B4-BE49-F238E27FC236}">
-                <a16:creationId xmlns:a16="http://schemas.microsoft.com/office/drawing/2014/main" id="{B78FA2CF-309C-7741-B78B-29A8D3C4359F}"/>
-              </a:ext>
-            </a:extLst>
-          </p:cNvPr>
-          <p:cNvSpPr>
-            <a:spLocks noGrp="1"/>
-          </p:cNvSpPr>
-          <p:nvPr>
-            <p:ph type="sldNum" sz="quarter" idx="12"/>
-          </p:nvPr>
-        </p:nvSpPr>
-        <p:spPr/>
-        <p:txBody>
-          <a:bodyPr/>
-          <a:lstStyle/>
-          <a:p>
-            <a:fld id="{D1892F8F-5571-E246-B053-E27A62D47BEF}" type="slidenum">
-              <a:rPr lang="en-GB" smtClean="0"/>
-              <a:t>11</a:t>
-            </a:fld>
-            <a:endParaRPr lang="en-GB"/>
-          </a:p>
-        </p:txBody>
-      </p:sp>
-    </p:spTree>
-    <p:extLst>
-      <p:ext uri="{BB962C8B-B14F-4D97-AF65-F5344CB8AC3E}">
-        <p14:creationId xmlns:p14="http://schemas.microsoft.com/office/powerpoint/2010/main" val="143121407"/>
-      </p:ext>
-    </p:extLst>
-  </p:cSld>
-  <p:clrMapOvr>
-    <a:masterClrMapping/>
-  </p:clrMapOvr>
-</p:sld>
-</file>
-
-<file path=ppt/slides/slide12.xml><?xml version="1.0" encoding="utf-8"?>
-<p:sld xmlns:a="http://schemas.openxmlformats.org/drawingml/2006/main" xmlns:r="http://schemas.openxmlformats.org/officeDocument/2006/relationships" xmlns:p="http://schemas.openxmlformats.org/presentationml/2006/main">
-  <p:cSld>
-    <p:spTree>
-      <p:nvGrpSpPr>
-        <p:cNvPr id="1" name=""/>
-        <p:cNvGrpSpPr/>
-        <p:nvPr/>
-      </p:nvGrpSpPr>
-      <p:grpSpPr>
-        <a:xfrm>
-          <a:off x="0" y="0"/>
-          <a:ext cx="0" cy="0"/>
-          <a:chOff x="0" y="0"/>
-          <a:chExt cx="0" cy="0"/>
-        </a:xfrm>
-      </p:grpSpPr>
-      <p:sp>
-        <p:nvSpPr>
-          <p:cNvPr id="2" name="Titel 1">
-            <a:extLst>
-              <a:ext uri="{FF2B5EF4-FFF2-40B4-BE49-F238E27FC236}">
-                <a16:creationId xmlns:a16="http://schemas.microsoft.com/office/drawing/2014/main" id="{BDECAEB1-542A-F848-9D2C-B10DFE956AB7}"/>
-              </a:ext>
-            </a:extLst>
-          </p:cNvPr>
-          <p:cNvSpPr>
-            <a:spLocks noGrp="1"/>
-          </p:cNvSpPr>
-          <p:nvPr>
-            <p:ph type="title"/>
-          </p:nvPr>
-        </p:nvSpPr>
-        <p:spPr/>
-        <p:txBody>
-          <a:bodyPr/>
-          <a:lstStyle/>
-          <a:p>
-            <a:r>
-              <a:rPr lang="en-GB" dirty="0"/>
-              <a:t>2. Hill Climber (Pull moves)</a:t>
-            </a:r>
-          </a:p>
-        </p:txBody>
-      </p:sp>
-      <p:sp>
-        <p:nvSpPr>
-          <p:cNvPr id="3" name="Tijdelijke aanduiding voor inhoud 2">
-            <a:extLst>
-              <a:ext uri="{FF2B5EF4-FFF2-40B4-BE49-F238E27FC236}">
-                <a16:creationId xmlns:a16="http://schemas.microsoft.com/office/drawing/2014/main" id="{6B57B016-94D5-F646-9976-362E7188E1F0}"/>
-              </a:ext>
-            </a:extLst>
-          </p:cNvPr>
-          <p:cNvSpPr>
-            <a:spLocks noGrp="1"/>
-          </p:cNvSpPr>
-          <p:nvPr>
-            <p:ph sz="half" idx="1"/>
-          </p:nvPr>
-        </p:nvSpPr>
-        <p:spPr/>
-        <p:txBody>
-          <a:bodyPr/>
-          <a:lstStyle/>
-          <a:p>
-            <a:r>
-              <a:rPr lang="en-GB" dirty="0"/>
-              <a:t>Iterative algorithm.</a:t>
-            </a:r>
-          </a:p>
-          <a:p>
-            <a:r>
-              <a:rPr lang="en-GB" dirty="0"/>
-              <a:t>Starts with a solution.</a:t>
-            </a:r>
-          </a:p>
-          <a:p>
-            <a:r>
-              <a:rPr lang="en-GB" dirty="0"/>
-              <a:t>Goes through the solution and tries to pull an elements diagonally to increase stability.</a:t>
-            </a:r>
-          </a:p>
-          <a:p>
-            <a:r>
-              <a:rPr lang="en-GB" dirty="0"/>
-              <a:t>Better stability -&gt; new solution.</a:t>
-            </a:r>
-          </a:p>
-          <a:p>
-            <a:r>
-              <a:rPr lang="en-GB" dirty="0"/>
-              <a:t>Worse stability -&gt; old solution.</a:t>
-            </a:r>
-          </a:p>
-          <a:p>
-            <a:r>
-              <a:rPr lang="en-GB" dirty="0"/>
-              <a:t>Repeat until stability converges.</a:t>
-            </a:r>
-          </a:p>
-        </p:txBody>
-      </p:sp>
-      <p:sp>
-        <p:nvSpPr>
-          <p:cNvPr id="4" name="Tijdelijke aanduiding voor dianummer 3">
-            <a:extLst>
-              <a:ext uri="{FF2B5EF4-FFF2-40B4-BE49-F238E27FC236}">
-                <a16:creationId xmlns:a16="http://schemas.microsoft.com/office/drawing/2014/main" id="{B78FA2CF-309C-7741-B78B-29A8D3C4359F}"/>
-              </a:ext>
-            </a:extLst>
-          </p:cNvPr>
-          <p:cNvSpPr>
-            <a:spLocks noGrp="1"/>
-          </p:cNvSpPr>
-          <p:nvPr>
-            <p:ph type="sldNum" sz="quarter" idx="12"/>
-          </p:nvPr>
-        </p:nvSpPr>
-        <p:spPr/>
-        <p:txBody>
-          <a:bodyPr/>
-          <a:lstStyle/>
-          <a:p>
-            <a:fld id="{D1892F8F-5571-E246-B053-E27A62D47BEF}" type="slidenum">
-              <a:rPr lang="en-GB" smtClean="0"/>
-              <a:t>12</a:t>
-            </a:fld>
-            <a:endParaRPr lang="en-GB"/>
-          </a:p>
-        </p:txBody>
-      </p:sp>
-      <p:pic>
-        <p:nvPicPr>
-          <p:cNvPr id="1026" name="Picture 2" descr="Pull move transformation for HP sequence HHHP HP P P P P H at position 3">
-            <a:extLst>
-              <a:ext uri="{FF2B5EF4-FFF2-40B4-BE49-F238E27FC236}">
-                <a16:creationId xmlns:a16="http://schemas.microsoft.com/office/drawing/2014/main" id="{212985C8-7720-450F-82AE-5163C9E5109D}"/>
-              </a:ext>
-            </a:extLst>
-          </p:cNvPr>
-          <p:cNvPicPr>
-            <a:picLocks noGrp="1" noChangeAspect="1" noChangeArrowheads="1"/>
-          </p:cNvPicPr>
-          <p:nvPr>
-            <p:ph sz="half" idx="2"/>
-          </p:nvPr>
-        </p:nvPicPr>
-        <p:blipFill>
-          <a:blip r:embed="rId3">
-            <a:extLst>
-              <a:ext uri="{28A0092B-C50C-407E-A947-70E740481C1C}">
-                <a14:useLocalDpi xmlns:a14="http://schemas.microsoft.com/office/drawing/2010/main" val="0"/>
-              </a:ext>
-            </a:extLst>
-          </a:blip>
-          <a:srcRect/>
-          <a:stretch>
-            <a:fillRect/>
-          </a:stretch>
-        </p:blipFill>
-        <p:spPr bwMode="auto">
-          <a:xfrm>
-            <a:off x="6381750" y="2431978"/>
-            <a:ext cx="4762500" cy="2381250"/>
-          </a:xfrm>
-          <a:prstGeom prst="rect">
-            <a:avLst/>
-          </a:prstGeom>
-          <a:noFill/>
-          <a:extLst>
-            <a:ext uri="{909E8E84-426E-40DD-AFC4-6F175D3DCCD1}">
-              <a14:hiddenFill xmlns:a14="http://schemas.microsoft.com/office/drawing/2010/main">
-                <a:solidFill>
-                  <a:srgbClr val="FFFFFF"/>
-                </a:solidFill>
-              </a14:hiddenFill>
-            </a:ext>
-          </a:extLst>
-        </p:spPr>
-      </p:pic>
-      <p:sp>
-        <p:nvSpPr>
-          <p:cNvPr id="8" name="Tekstvak 7">
-            <a:extLst>
-              <a:ext uri="{FF2B5EF4-FFF2-40B4-BE49-F238E27FC236}">
-                <a16:creationId xmlns:a16="http://schemas.microsoft.com/office/drawing/2014/main" id="{D16F468E-B7DB-480A-896A-9213A792B403}"/>
-              </a:ext>
-            </a:extLst>
-          </p:cNvPr>
-          <p:cNvSpPr txBox="1"/>
-          <p:nvPr/>
-        </p:nvSpPr>
-        <p:spPr>
-          <a:xfrm>
-            <a:off x="1098550" y="6032500"/>
-            <a:ext cx="10185400" cy="646331"/>
-          </a:xfrm>
-          <a:prstGeom prst="rect">
-            <a:avLst/>
-          </a:prstGeom>
-          <a:noFill/>
-        </p:spPr>
-        <p:txBody>
-          <a:bodyPr wrap="square" rtlCol="0">
-            <a:spAutoFit/>
-          </a:bodyPr>
-          <a:lstStyle/>
-          <a:p>
-            <a:r>
-              <a:rPr lang="en-US" dirty="0"/>
-              <a:t>Source: </a:t>
-            </a:r>
-            <a:r>
-              <a:rPr lang="en-US" dirty="0" err="1"/>
-              <a:t>Chira</a:t>
-            </a:r>
-            <a:r>
-              <a:rPr lang="en-US" dirty="0"/>
-              <a:t>, Camelia. "Hill-climbing search in evolutionary models for protein folding simulations." </a:t>
-            </a:r>
-            <a:r>
-              <a:rPr lang="en-US" i="1" dirty="0"/>
-              <a:t>Stud Univ Babe\c s-</a:t>
-            </a:r>
-            <a:r>
-              <a:rPr lang="en-US" i="1" dirty="0" err="1"/>
-              <a:t>Bolyai</a:t>
-            </a:r>
-            <a:r>
-              <a:rPr lang="en-US" i="1" dirty="0"/>
-              <a:t> Inform</a:t>
-            </a:r>
-            <a:r>
-              <a:rPr lang="en-US" dirty="0"/>
-              <a:t> 55 (2010): 29-40.</a:t>
-            </a:r>
-          </a:p>
-        </p:txBody>
-      </p:sp>
-    </p:spTree>
-    <p:extLst>
-      <p:ext uri="{BB962C8B-B14F-4D97-AF65-F5344CB8AC3E}">
-        <p14:creationId xmlns:p14="http://schemas.microsoft.com/office/powerpoint/2010/main" val="2815858668"/>
-      </p:ext>
-    </p:extLst>
-  </p:cSld>
-  <p:clrMapOvr>
-    <a:masterClrMapping/>
-  </p:clrMapOvr>
-</p:sld>
-</file>
-
-<file path=ppt/slides/slide13.xml><?xml version="1.0" encoding="utf-8"?>
-<p:sld xmlns:a="http://schemas.openxmlformats.org/drawingml/2006/main" xmlns:r="http://schemas.openxmlformats.org/officeDocument/2006/relationships" xmlns:p="http://schemas.openxmlformats.org/presentationml/2006/main">
-  <p:cSld>
     <p:bg>
       <p:bgPr>
         <a:solidFill>
@@ -4509,8 +3794,8 @@
           </a:p>
         </p:txBody>
       </p:sp>
-      <mc:AlternateContent xmlns:mc="http://schemas.openxmlformats.org/markup-compatibility/2006">
-        <mc:Choice xmlns:a14="http://schemas.microsoft.com/office/drawing/2010/main" Requires="a14">
+      <mc:AlternateContent xmlns:mc="http://schemas.openxmlformats.org/markup-compatibility/2006" xmlns:a14="http://schemas.microsoft.com/office/drawing/2010/main">
+        <mc:Choice Requires="a14">
           <p:sp>
             <p:nvSpPr>
               <p:cNvPr id="3" name="Tijdelijke aanduiding voor inhoud 2">
@@ -4664,7 +3949,7 @@
             </p:txBody>
           </p:sp>
         </mc:Choice>
-        <mc:Fallback>
+        <mc:Fallback xmlns="">
           <p:sp>
             <p:nvSpPr>
               <p:cNvPr id="3" name="Tijdelijke aanduiding voor inhoud 2">
@@ -4757,7 +4042,7 @@
                 </a:spcAft>
                 <a:defRPr/>
               </a:pPr>
-              <a:t>13</a:t>
+              <a:t>10</a:t>
             </a:fld>
             <a:endParaRPr lang="en-US">
               <a:solidFill>
@@ -4838,7 +4123,7 @@
 </p:sld>
 </file>
 
-<file path=ppt/slides/slide14.xml><?xml version="1.0" encoding="utf-8"?>
+<file path=ppt/slides/slide11.xml><?xml version="1.0" encoding="utf-8"?>
 <p:sld xmlns:a="http://schemas.openxmlformats.org/drawingml/2006/main" xmlns:r="http://schemas.openxmlformats.org/officeDocument/2006/relationships" xmlns:p="http://schemas.openxmlformats.org/presentationml/2006/main">
   <p:cSld>
     <p:spTree>
@@ -5487,7 +4772,7 @@
           <a:p>
             <a:fld id="{D1892F8F-5571-E246-B053-E27A62D47BEF}" type="slidenum">
               <a:rPr lang="en-GB" smtClean="0"/>
-              <a:t>14</a:t>
+              <a:t>11</a:t>
             </a:fld>
             <a:endParaRPr lang="en-GB"/>
           </a:p>
@@ -5506,7 +4791,7 @@
 </p:sld>
 </file>
 
-<file path=ppt/slides/slide15.xml><?xml version="1.0" encoding="utf-8"?>
+<file path=ppt/slides/slide12.xml><?xml version="1.0" encoding="utf-8"?>
 <p:sld xmlns:a="http://schemas.openxmlformats.org/drawingml/2006/main" xmlns:r="http://schemas.openxmlformats.org/officeDocument/2006/relationships" xmlns:p="http://schemas.openxmlformats.org/presentationml/2006/main">
   <p:cSld>
     <p:spTree>
@@ -5623,7 +4908,7 @@
           <a:p>
             <a:fld id="{D1892F8F-5571-E246-B053-E27A62D47BEF}" type="slidenum">
               <a:rPr lang="en-GB" smtClean="0"/>
-              <a:t>15</a:t>
+              <a:t>12</a:t>
             </a:fld>
             <a:endParaRPr lang="en-GB"/>
           </a:p>
@@ -5912,7 +5197,7 @@
 </p:sld>
 </file>
 
-<file path=ppt/slides/slide16.xml><?xml version="1.0" encoding="utf-8"?>
+<file path=ppt/slides/slide13.xml><?xml version="1.0" encoding="utf-8"?>
 <p:sld xmlns:a="http://schemas.openxmlformats.org/drawingml/2006/main" xmlns:r="http://schemas.openxmlformats.org/officeDocument/2006/relationships" xmlns:p="http://schemas.openxmlformats.org/presentationml/2006/main">
   <p:cSld>
     <p:spTree>
@@ -6453,7 +5738,7 @@
           <a:p>
             <a:fld id="{D1892F8F-5571-E246-B053-E27A62D47BEF}" type="slidenum">
               <a:rPr lang="en-GB" smtClean="0"/>
-              <a:t>16</a:t>
+              <a:t>13</a:t>
             </a:fld>
             <a:endParaRPr lang="en-GB"/>
           </a:p>
@@ -6472,7 +5757,7 @@
 </p:sld>
 </file>
 
-<file path=ppt/slides/slide17.xml><?xml version="1.0" encoding="utf-8"?>
+<file path=ppt/slides/slide14.xml><?xml version="1.0" encoding="utf-8"?>
 <p:sld xmlns:a="http://schemas.openxmlformats.org/drawingml/2006/main" xmlns:r="http://schemas.openxmlformats.org/officeDocument/2006/relationships" xmlns:p="http://schemas.openxmlformats.org/presentationml/2006/main">
   <p:cSld>
     <p:spTree>
@@ -6829,7 +6114,7 @@
           <a:p>
             <a:fld id="{D1892F8F-5571-E246-B053-E27A62D47BEF}" type="slidenum">
               <a:rPr lang="en-GB" smtClean="0"/>
-              <a:t>17</a:t>
+              <a:t>14</a:t>
             </a:fld>
             <a:endParaRPr lang="en-GB"/>
           </a:p>
@@ -7881,6 +7166,623 @@
 </p:sld>
 </file>
 
+<file path=ppt/slides/slide15.xml><?xml version="1.0" encoding="utf-8"?>
+<p:sld xmlns:a="http://schemas.openxmlformats.org/drawingml/2006/main" xmlns:r="http://schemas.openxmlformats.org/officeDocument/2006/relationships" xmlns:p="http://schemas.openxmlformats.org/presentationml/2006/main">
+  <p:cSld>
+    <p:spTree>
+      <p:nvGrpSpPr>
+        <p:cNvPr id="1" name=""/>
+        <p:cNvGrpSpPr/>
+        <p:nvPr/>
+      </p:nvGrpSpPr>
+      <p:grpSpPr>
+        <a:xfrm>
+          <a:off x="0" y="0"/>
+          <a:ext cx="0" cy="0"/>
+          <a:chOff x="0" y="0"/>
+          <a:chExt cx="0" cy="0"/>
+        </a:xfrm>
+      </p:grpSpPr>
+      <p:sp>
+        <p:nvSpPr>
+          <p:cNvPr id="2" name="Titel 1">
+            <a:extLst>
+              <a:ext uri="{FF2B5EF4-FFF2-40B4-BE49-F238E27FC236}">
+                <a16:creationId xmlns:a16="http://schemas.microsoft.com/office/drawing/2014/main" id="{A40D14D6-C616-7346-AB1F-E0B3C6F3B4F5}"/>
+              </a:ext>
+            </a:extLst>
+          </p:cNvPr>
+          <p:cNvSpPr>
+            <a:spLocks noGrp="1"/>
+          </p:cNvSpPr>
+          <p:nvPr>
+            <p:ph type="ctrTitle"/>
+          </p:nvPr>
+        </p:nvSpPr>
+        <p:spPr/>
+        <p:txBody>
+          <a:bodyPr/>
+          <a:lstStyle/>
+          <a:p>
+            <a:r>
+              <a:rPr lang="en-GB" dirty="0"/>
+              <a:t>Questions and comments?</a:t>
+            </a:r>
+          </a:p>
+        </p:txBody>
+      </p:sp>
+      <p:sp>
+        <p:nvSpPr>
+          <p:cNvPr id="3" name="Ondertitel 2">
+            <a:extLst>
+              <a:ext uri="{FF2B5EF4-FFF2-40B4-BE49-F238E27FC236}">
+                <a16:creationId xmlns:a16="http://schemas.microsoft.com/office/drawing/2014/main" id="{CEF25AE3-A6E7-9F45-9D9A-CB2C1B23E372}"/>
+              </a:ext>
+            </a:extLst>
+          </p:cNvPr>
+          <p:cNvSpPr>
+            <a:spLocks noGrp="1"/>
+          </p:cNvSpPr>
+          <p:nvPr>
+            <p:ph type="subTitle" idx="1"/>
+          </p:nvPr>
+        </p:nvSpPr>
+        <p:spPr/>
+        <p:txBody>
+          <a:bodyPr>
+            <a:normAutofit/>
+          </a:bodyPr>
+          <a:lstStyle/>
+          <a:p>
+            <a:r>
+              <a:rPr lang="en-GB" dirty="0"/>
+              <a:t>Thank you for your attention</a:t>
+            </a:r>
+          </a:p>
+        </p:txBody>
+      </p:sp>
+      <p:sp>
+        <p:nvSpPr>
+          <p:cNvPr id="4" name="Tijdelijke aanduiding voor dianummer 3">
+            <a:extLst>
+              <a:ext uri="{FF2B5EF4-FFF2-40B4-BE49-F238E27FC236}">
+                <a16:creationId xmlns:a16="http://schemas.microsoft.com/office/drawing/2014/main" id="{34EEE236-A8ED-2E4E-84F3-15F8E460DBA4}"/>
+              </a:ext>
+            </a:extLst>
+          </p:cNvPr>
+          <p:cNvSpPr>
+            <a:spLocks noGrp="1"/>
+          </p:cNvSpPr>
+          <p:nvPr>
+            <p:ph type="sldNum" sz="quarter" idx="12"/>
+          </p:nvPr>
+        </p:nvSpPr>
+        <p:spPr/>
+        <p:txBody>
+          <a:bodyPr/>
+          <a:lstStyle/>
+          <a:p>
+            <a:fld id="{D1892F8F-5571-E246-B053-E27A62D47BEF}" type="slidenum">
+              <a:rPr lang="en-GB" smtClean="0"/>
+              <a:t>15</a:t>
+            </a:fld>
+            <a:endParaRPr lang="en-GB"/>
+          </a:p>
+        </p:txBody>
+      </p:sp>
+    </p:spTree>
+    <p:extLst>
+      <p:ext uri="{BB962C8B-B14F-4D97-AF65-F5344CB8AC3E}">
+        <p14:creationId xmlns:p14="http://schemas.microsoft.com/office/powerpoint/2010/main" val="3056510008"/>
+      </p:ext>
+    </p:extLst>
+  </p:cSld>
+  <p:clrMapOvr>
+    <a:masterClrMapping/>
+  </p:clrMapOvr>
+</p:sld>
+</file>
+
+<file path=ppt/slides/slide16.xml><?xml version="1.0" encoding="utf-8"?>
+<p:sld xmlns:a="http://schemas.openxmlformats.org/drawingml/2006/main" xmlns:r="http://schemas.openxmlformats.org/officeDocument/2006/relationships" xmlns:p="http://schemas.openxmlformats.org/presentationml/2006/main">
+  <p:cSld>
+    <p:spTree>
+      <p:nvGrpSpPr>
+        <p:cNvPr id="1" name=""/>
+        <p:cNvGrpSpPr/>
+        <p:nvPr/>
+      </p:nvGrpSpPr>
+      <p:grpSpPr>
+        <a:xfrm>
+          <a:off x="0" y="0"/>
+          <a:ext cx="0" cy="0"/>
+          <a:chOff x="0" y="0"/>
+          <a:chExt cx="0" cy="0"/>
+        </a:xfrm>
+      </p:grpSpPr>
+      <p:sp>
+        <p:nvSpPr>
+          <p:cNvPr id="2" name="Titel 1">
+            <a:extLst>
+              <a:ext uri="{FF2B5EF4-FFF2-40B4-BE49-F238E27FC236}">
+                <a16:creationId xmlns:a16="http://schemas.microsoft.com/office/drawing/2014/main" id="{BDECAEB1-542A-F848-9D2C-B10DFE956AB7}"/>
+              </a:ext>
+            </a:extLst>
+          </p:cNvPr>
+          <p:cNvSpPr>
+            <a:spLocks noGrp="1"/>
+          </p:cNvSpPr>
+          <p:nvPr>
+            <p:ph type="title"/>
+          </p:nvPr>
+        </p:nvSpPr>
+        <p:spPr/>
+        <p:txBody>
+          <a:bodyPr/>
+          <a:lstStyle/>
+          <a:p>
+            <a:r>
+              <a:rPr lang="en-GB" dirty="0"/>
+              <a:t>2. Self avoiding random walk</a:t>
+            </a:r>
+          </a:p>
+        </p:txBody>
+      </p:sp>
+      <p:sp>
+        <p:nvSpPr>
+          <p:cNvPr id="3" name="Tijdelijke aanduiding voor inhoud 2">
+            <a:extLst>
+              <a:ext uri="{FF2B5EF4-FFF2-40B4-BE49-F238E27FC236}">
+                <a16:creationId xmlns:a16="http://schemas.microsoft.com/office/drawing/2014/main" id="{6B57B016-94D5-F646-9976-362E7188E1F0}"/>
+              </a:ext>
+            </a:extLst>
+          </p:cNvPr>
+          <p:cNvSpPr>
+            <a:spLocks noGrp="1"/>
+          </p:cNvSpPr>
+          <p:nvPr>
+            <p:ph sz="half" idx="1"/>
+          </p:nvPr>
+        </p:nvSpPr>
+        <p:spPr/>
+        <p:txBody>
+          <a:bodyPr/>
+          <a:lstStyle/>
+          <a:p>
+            <a:r>
+              <a:rPr lang="en-GB" dirty="0"/>
+              <a:t>Let S be HP-chain of length n.</a:t>
+            </a:r>
+          </a:p>
+          <a:p>
+            <a:r>
+              <a:rPr lang="en-GB" dirty="0"/>
+              <a:t>Fix first 2 elements of chain.</a:t>
+            </a:r>
+            <a:endParaRPr lang="en-GB" baseline="-25000" dirty="0"/>
+          </a:p>
+          <a:p>
+            <a:r>
+              <a:rPr lang="en-GB" dirty="0"/>
+              <a:t>For subsequent elements up to the n</a:t>
+            </a:r>
+            <a:r>
+              <a:rPr lang="en-GB" baseline="30000" dirty="0"/>
+              <a:t>th</a:t>
+            </a:r>
+            <a:r>
+              <a:rPr lang="en-GB" dirty="0"/>
+              <a:t> element, choose random move from {u, d, l, r, </a:t>
+            </a:r>
+            <a:r>
+              <a:rPr lang="en-GB" dirty="0" err="1"/>
+              <a:t>i</a:t>
+            </a:r>
+            <a:r>
+              <a:rPr lang="en-GB" dirty="0"/>
+              <a:t>, o}.</a:t>
+            </a:r>
+          </a:p>
+          <a:p>
+            <a:r>
+              <a:rPr lang="en-GB" dirty="0"/>
+              <a:t>If newly chosen coordinates are occupied, try new move.</a:t>
+            </a:r>
+          </a:p>
+          <a:p>
+            <a:r>
+              <a:rPr lang="en-GB" dirty="0"/>
+              <a:t>Stuck? Start over.</a:t>
+            </a:r>
+          </a:p>
+          <a:p>
+            <a:endParaRPr lang="en-GB" dirty="0"/>
+          </a:p>
+        </p:txBody>
+      </p:sp>
+      <p:sp>
+        <p:nvSpPr>
+          <p:cNvPr id="4" name="Tijdelijke aanduiding voor inhoud 3">
+            <a:extLst>
+              <a:ext uri="{FF2B5EF4-FFF2-40B4-BE49-F238E27FC236}">
+                <a16:creationId xmlns:a16="http://schemas.microsoft.com/office/drawing/2014/main" id="{D29CAD77-2AED-E94A-845B-B60D651EF411}"/>
+              </a:ext>
+            </a:extLst>
+          </p:cNvPr>
+          <p:cNvSpPr>
+            <a:spLocks noGrp="1"/>
+          </p:cNvSpPr>
+          <p:nvPr>
+            <p:ph sz="half" idx="2"/>
+          </p:nvPr>
+        </p:nvSpPr>
+        <p:spPr>
+          <a:xfrm>
+            <a:off x="9934956" y="3260725"/>
+            <a:ext cx="2066544" cy="2398465"/>
+          </a:xfrm>
+        </p:spPr>
+        <p:txBody>
+          <a:bodyPr/>
+          <a:lstStyle/>
+          <a:p>
+            <a:pPr marL="0" indent="0">
+              <a:buNone/>
+            </a:pPr>
+            <a:endParaRPr lang="en-GB" dirty="0"/>
+          </a:p>
+          <a:p>
+            <a:pPr lvl="1"/>
+            <a:endParaRPr lang="en-GB" dirty="0"/>
+          </a:p>
+        </p:txBody>
+      </p:sp>
+      <p:pic>
+        <p:nvPicPr>
+          <p:cNvPr id="1026" name="Picture 2" descr="Afbeeldingsresultaat voor self avoiding random walk">
+            <a:extLst>
+              <a:ext uri="{FF2B5EF4-FFF2-40B4-BE49-F238E27FC236}">
+                <a16:creationId xmlns:a16="http://schemas.microsoft.com/office/drawing/2014/main" id="{8E936368-6D3B-4E23-941A-C09BAA0B3A0D}"/>
+              </a:ext>
+            </a:extLst>
+          </p:cNvPr>
+          <p:cNvPicPr>
+            <a:picLocks noChangeAspect="1" noChangeArrowheads="1"/>
+          </p:cNvPicPr>
+          <p:nvPr/>
+        </p:nvPicPr>
+        <p:blipFill>
+          <a:blip r:embed="rId2">
+            <a:extLst>
+              <a:ext uri="{28A0092B-C50C-407E-A947-70E740481C1C}">
+                <a14:useLocalDpi xmlns:a14="http://schemas.microsoft.com/office/drawing/2010/main" val="0"/>
+              </a:ext>
+            </a:extLst>
+          </a:blip>
+          <a:srcRect/>
+          <a:stretch>
+            <a:fillRect/>
+          </a:stretch>
+        </p:blipFill>
+        <p:spPr bwMode="auto">
+          <a:xfrm>
+            <a:off x="6329157" y="1825625"/>
+            <a:ext cx="4462667" cy="3349625"/>
+          </a:xfrm>
+          <a:prstGeom prst="rect">
+            <a:avLst/>
+          </a:prstGeom>
+          <a:noFill/>
+          <a:extLst>
+            <a:ext uri="{909E8E84-426E-40DD-AFC4-6F175D3DCCD1}">
+              <a14:hiddenFill xmlns:a14="http://schemas.microsoft.com/office/drawing/2010/main">
+                <a:solidFill>
+                  <a:srgbClr val="FFFFFF"/>
+                </a:solidFill>
+              </a14:hiddenFill>
+            </a:ext>
+          </a:extLst>
+        </p:spPr>
+      </p:pic>
+      <p:sp>
+        <p:nvSpPr>
+          <p:cNvPr id="5" name="Tijdelijke aanduiding voor dianummer 4">
+            <a:extLst>
+              <a:ext uri="{FF2B5EF4-FFF2-40B4-BE49-F238E27FC236}">
+                <a16:creationId xmlns:a16="http://schemas.microsoft.com/office/drawing/2014/main" id="{6325116D-9E51-464C-A8D3-175F1A41D209}"/>
+              </a:ext>
+            </a:extLst>
+          </p:cNvPr>
+          <p:cNvSpPr>
+            <a:spLocks noGrp="1"/>
+          </p:cNvSpPr>
+          <p:nvPr>
+            <p:ph type="sldNum" sz="quarter" idx="12"/>
+          </p:nvPr>
+        </p:nvSpPr>
+        <p:spPr/>
+        <p:txBody>
+          <a:bodyPr/>
+          <a:lstStyle/>
+          <a:p>
+            <a:fld id="{D1892F8F-5571-E246-B053-E27A62D47BEF}" type="slidenum">
+              <a:rPr lang="en-GB" smtClean="0"/>
+              <a:t>16</a:t>
+            </a:fld>
+            <a:endParaRPr lang="en-GB"/>
+          </a:p>
+        </p:txBody>
+      </p:sp>
+    </p:spTree>
+    <p:extLst>
+      <p:ext uri="{BB962C8B-B14F-4D97-AF65-F5344CB8AC3E}">
+        <p14:creationId xmlns:p14="http://schemas.microsoft.com/office/powerpoint/2010/main" val="668971847"/>
+      </p:ext>
+    </p:extLst>
+  </p:cSld>
+  <p:clrMapOvr>
+    <a:masterClrMapping/>
+  </p:clrMapOvr>
+</p:sld>
+</file>
+
+<file path=ppt/slides/slide17.xml><?xml version="1.0" encoding="utf-8"?>
+<p:sld xmlns:a="http://schemas.openxmlformats.org/drawingml/2006/main" xmlns:r="http://schemas.openxmlformats.org/officeDocument/2006/relationships" xmlns:p="http://schemas.openxmlformats.org/presentationml/2006/main">
+  <p:cSld>
+    <p:spTree>
+      <p:nvGrpSpPr>
+        <p:cNvPr id="1" name=""/>
+        <p:cNvGrpSpPr/>
+        <p:nvPr/>
+      </p:nvGrpSpPr>
+      <p:grpSpPr>
+        <a:xfrm>
+          <a:off x="0" y="0"/>
+          <a:ext cx="0" cy="0"/>
+          <a:chOff x="0" y="0"/>
+          <a:chExt cx="0" cy="0"/>
+        </a:xfrm>
+      </p:grpSpPr>
+      <p:sp>
+        <p:nvSpPr>
+          <p:cNvPr id="2" name="Titel 1">
+            <a:extLst>
+              <a:ext uri="{FF2B5EF4-FFF2-40B4-BE49-F238E27FC236}">
+                <a16:creationId xmlns:a16="http://schemas.microsoft.com/office/drawing/2014/main" id="{BDECAEB1-542A-F848-9D2C-B10DFE956AB7}"/>
+              </a:ext>
+            </a:extLst>
+          </p:cNvPr>
+          <p:cNvSpPr>
+            <a:spLocks noGrp="1"/>
+          </p:cNvSpPr>
+          <p:nvPr>
+            <p:ph type="title"/>
+          </p:nvPr>
+        </p:nvSpPr>
+        <p:spPr/>
+        <p:txBody>
+          <a:bodyPr/>
+          <a:lstStyle/>
+          <a:p>
+            <a:r>
+              <a:rPr lang="en-GB" dirty="0"/>
+              <a:t>2. Self avoiding random walk (with a twist)</a:t>
+            </a:r>
+          </a:p>
+        </p:txBody>
+      </p:sp>
+      <p:sp>
+        <p:nvSpPr>
+          <p:cNvPr id="3" name="Tijdelijke aanduiding voor inhoud 2">
+            <a:extLst>
+              <a:ext uri="{FF2B5EF4-FFF2-40B4-BE49-F238E27FC236}">
+                <a16:creationId xmlns:a16="http://schemas.microsoft.com/office/drawing/2014/main" id="{6B57B016-94D5-F646-9976-362E7188E1F0}"/>
+              </a:ext>
+            </a:extLst>
+          </p:cNvPr>
+          <p:cNvSpPr>
+            <a:spLocks noGrp="1"/>
+          </p:cNvSpPr>
+          <p:nvPr>
+            <p:ph sz="half" idx="1"/>
+          </p:nvPr>
+        </p:nvSpPr>
+        <p:spPr/>
+        <p:txBody>
+          <a:bodyPr>
+            <a:normAutofit lnSpcReduction="10000"/>
+          </a:bodyPr>
+          <a:lstStyle/>
+          <a:p>
+            <a:r>
+              <a:rPr lang="en-GB" dirty="0"/>
+              <a:t>Let S be HP-chain of length n.</a:t>
+            </a:r>
+          </a:p>
+          <a:p>
+            <a:r>
+              <a:rPr lang="en-GB" dirty="0"/>
+              <a:t>Fix first 2 elements of chain.</a:t>
+            </a:r>
+            <a:endParaRPr lang="en-GB" baseline="-25000" dirty="0"/>
+          </a:p>
+          <a:p>
+            <a:r>
+              <a:rPr lang="en-GB" dirty="0"/>
+              <a:t>For subsequent elements up to the n</a:t>
+            </a:r>
+            <a:r>
+              <a:rPr lang="en-GB" baseline="30000" dirty="0"/>
+              <a:t>th</a:t>
+            </a:r>
+            <a:r>
+              <a:rPr lang="en-GB" dirty="0"/>
+              <a:t> element, choose random move from {u, d, l, r, </a:t>
+            </a:r>
+            <a:r>
+              <a:rPr lang="en-GB" dirty="0" err="1"/>
+              <a:t>i</a:t>
+            </a:r>
+            <a:r>
+              <a:rPr lang="en-GB" dirty="0"/>
+              <a:t>, o}.</a:t>
+            </a:r>
+          </a:p>
+          <a:p>
+            <a:r>
+              <a:rPr lang="en-GB" dirty="0"/>
+              <a:t>If newly chosen coordinates are occupied, try new move.</a:t>
+            </a:r>
+          </a:p>
+          <a:p>
+            <a:r>
+              <a:rPr lang="en-GB" dirty="0">
+                <a:solidFill>
+                  <a:srgbClr val="FF0000"/>
+                </a:solidFill>
+              </a:rPr>
+              <a:t>If newly chosen coordinates are on the border, try new move.</a:t>
+            </a:r>
+          </a:p>
+          <a:p>
+            <a:r>
+              <a:rPr lang="en-GB" dirty="0"/>
+              <a:t>Stuck? Start over.</a:t>
+            </a:r>
+          </a:p>
+          <a:p>
+            <a:endParaRPr lang="en-GB" dirty="0"/>
+          </a:p>
+        </p:txBody>
+      </p:sp>
+      <p:sp>
+        <p:nvSpPr>
+          <p:cNvPr id="4" name="Tijdelijke aanduiding voor inhoud 3">
+            <a:extLst>
+              <a:ext uri="{FF2B5EF4-FFF2-40B4-BE49-F238E27FC236}">
+                <a16:creationId xmlns:a16="http://schemas.microsoft.com/office/drawing/2014/main" id="{D29CAD77-2AED-E94A-845B-B60D651EF411}"/>
+              </a:ext>
+            </a:extLst>
+          </p:cNvPr>
+          <p:cNvSpPr>
+            <a:spLocks noGrp="1"/>
+          </p:cNvSpPr>
+          <p:nvPr>
+            <p:ph sz="half" idx="2"/>
+          </p:nvPr>
+        </p:nvSpPr>
+        <p:spPr>
+          <a:xfrm>
+            <a:off x="9934956" y="3260725"/>
+            <a:ext cx="2066544" cy="2398465"/>
+          </a:xfrm>
+        </p:spPr>
+        <p:txBody>
+          <a:bodyPr>
+            <a:normAutofit lnSpcReduction="10000"/>
+          </a:bodyPr>
+          <a:lstStyle/>
+          <a:p>
+            <a:pPr marL="0" indent="0">
+              <a:buNone/>
+            </a:pPr>
+            <a:endParaRPr lang="en-GB" dirty="0"/>
+          </a:p>
+          <a:p>
+            <a:pPr lvl="1"/>
+            <a:endParaRPr lang="en-GB" dirty="0"/>
+          </a:p>
+        </p:txBody>
+      </p:sp>
+      <p:pic>
+        <p:nvPicPr>
+          <p:cNvPr id="2050" name="Picture 2" descr="Afbeeldingsresultaat voor self avoiding random walk">
+            <a:extLst>
+              <a:ext uri="{FF2B5EF4-FFF2-40B4-BE49-F238E27FC236}">
+                <a16:creationId xmlns:a16="http://schemas.microsoft.com/office/drawing/2014/main" id="{65C0D2C7-770B-4B82-A820-DDE69D725EE6}"/>
+              </a:ext>
+            </a:extLst>
+          </p:cNvPr>
+          <p:cNvPicPr>
+            <a:picLocks noChangeAspect="1" noChangeArrowheads="1"/>
+          </p:cNvPicPr>
+          <p:nvPr/>
+        </p:nvPicPr>
+        <p:blipFill>
+          <a:blip r:embed="rId2">
+            <a:extLst>
+              <a:ext uri="{28A0092B-C50C-407E-A947-70E740481C1C}">
+                <a14:useLocalDpi xmlns:a14="http://schemas.microsoft.com/office/drawing/2010/main" val="0"/>
+              </a:ext>
+            </a:extLst>
+          </a:blip>
+          <a:srcRect/>
+          <a:stretch>
+            <a:fillRect/>
+          </a:stretch>
+        </p:blipFill>
+        <p:spPr bwMode="auto">
+          <a:xfrm>
+            <a:off x="6648640" y="1840582"/>
+            <a:ext cx="3663760" cy="3663760"/>
+          </a:xfrm>
+          <a:prstGeom prst="rect">
+            <a:avLst/>
+          </a:prstGeom>
+          <a:noFill/>
+          <a:extLst>
+            <a:ext uri="{909E8E84-426E-40DD-AFC4-6F175D3DCCD1}">
+              <a14:hiddenFill xmlns:a14="http://schemas.microsoft.com/office/drawing/2010/main">
+                <a:solidFill>
+                  <a:srgbClr val="FFFFFF"/>
+                </a:solidFill>
+              </a14:hiddenFill>
+            </a:ext>
+          </a:extLst>
+        </p:spPr>
+      </p:pic>
+      <p:sp>
+        <p:nvSpPr>
+          <p:cNvPr id="5" name="Tijdelijke aanduiding voor dianummer 4">
+            <a:extLst>
+              <a:ext uri="{FF2B5EF4-FFF2-40B4-BE49-F238E27FC236}">
+                <a16:creationId xmlns:a16="http://schemas.microsoft.com/office/drawing/2014/main" id="{17115403-6F3A-B74B-9F05-7DF3F1535AD4}"/>
+              </a:ext>
+            </a:extLst>
+          </p:cNvPr>
+          <p:cNvSpPr>
+            <a:spLocks noGrp="1"/>
+          </p:cNvSpPr>
+          <p:nvPr>
+            <p:ph type="sldNum" sz="quarter" idx="12"/>
+          </p:nvPr>
+        </p:nvSpPr>
+        <p:spPr/>
+        <p:txBody>
+          <a:bodyPr/>
+          <a:lstStyle/>
+          <a:p>
+            <a:fld id="{D1892F8F-5571-E246-B053-E27A62D47BEF}" type="slidenum">
+              <a:rPr lang="en-GB" smtClean="0"/>
+              <a:t>17</a:t>
+            </a:fld>
+            <a:endParaRPr lang="en-GB"/>
+          </a:p>
+        </p:txBody>
+      </p:sp>
+    </p:spTree>
+    <p:extLst>
+      <p:ext uri="{BB962C8B-B14F-4D97-AF65-F5344CB8AC3E}">
+        <p14:creationId xmlns:p14="http://schemas.microsoft.com/office/powerpoint/2010/main" val="2995681747"/>
+      </p:ext>
+    </p:extLst>
+  </p:cSld>
+  <p:clrMapOvr>
+    <a:masterClrMapping/>
+  </p:clrMapOvr>
+</p:sld>
+</file>
+
 <file path=ppt/slides/slide18.xml><?xml version="1.0" encoding="utf-8"?>
 <p:sld xmlns:a="http://schemas.openxmlformats.org/drawingml/2006/main" xmlns:r="http://schemas.openxmlformats.org/officeDocument/2006/relationships" xmlns:p="http://schemas.openxmlformats.org/presentationml/2006/main">
   <p:cSld>
@@ -7903,7 +7805,7 @@
           <p:cNvPr id="2" name="Titel 1">
             <a:extLst>
               <a:ext uri="{FF2B5EF4-FFF2-40B4-BE49-F238E27FC236}">
-                <a16:creationId xmlns:a16="http://schemas.microsoft.com/office/drawing/2014/main" id="{A40D14D6-C616-7346-AB1F-E0B3C6F3B4F5}"/>
+                <a16:creationId xmlns:a16="http://schemas.microsoft.com/office/drawing/2014/main" id="{BDECAEB1-542A-F848-9D2C-B10DFE956AB7}"/>
               </a:ext>
             </a:extLst>
           </p:cNvPr>
@@ -7911,7 +7813,7 @@
             <a:spLocks noGrp="1"/>
           </p:cNvSpPr>
           <p:nvPr>
-            <p:ph type="ctrTitle"/>
+            <p:ph type="title"/>
           </p:nvPr>
         </p:nvSpPr>
         <p:spPr/>
@@ -7921,17 +7823,17 @@
           <a:p>
             <a:r>
               <a:rPr lang="en-GB" dirty="0"/>
-              <a:t>Questions and comments?</a:t>
-            </a:r>
-          </a:p>
-        </p:txBody>
-      </p:sp>
-      <p:sp>
-        <p:nvSpPr>
-          <p:cNvPr id="3" name="Ondertitel 2">
+              <a:t>2. Greedy</a:t>
+            </a:r>
+          </a:p>
+        </p:txBody>
+      </p:sp>
+      <p:sp>
+        <p:nvSpPr>
+          <p:cNvPr id="3" name="Tijdelijke aanduiding voor inhoud 2">
             <a:extLst>
               <a:ext uri="{FF2B5EF4-FFF2-40B4-BE49-F238E27FC236}">
-                <a16:creationId xmlns:a16="http://schemas.microsoft.com/office/drawing/2014/main" id="{CEF25AE3-A6E7-9F45-9D9A-CB2C1B23E372}"/>
+                <a16:creationId xmlns:a16="http://schemas.microsoft.com/office/drawing/2014/main" id="{6B57B016-94D5-F646-9976-362E7188E1F0}"/>
               </a:ext>
             </a:extLst>
           </p:cNvPr>
@@ -7939,29 +7841,110 @@
             <a:spLocks noGrp="1"/>
           </p:cNvSpPr>
           <p:nvPr>
-            <p:ph type="subTitle" idx="1"/>
+            <p:ph sz="half" idx="1"/>
           </p:nvPr>
         </p:nvSpPr>
         <p:spPr/>
         <p:txBody>
           <a:bodyPr>
-            <a:normAutofit/>
+            <a:normAutofit lnSpcReduction="10000"/>
           </a:bodyPr>
           <a:lstStyle/>
           <a:p>
             <a:r>
               <a:rPr lang="en-GB" dirty="0"/>
-              <a:t>Thank you for your attention</a:t>
-            </a:r>
-          </a:p>
-        </p:txBody>
-      </p:sp>
+              <a:t>Let S be HP-chain of length n.</a:t>
+            </a:r>
+          </a:p>
+          <a:p>
+            <a:r>
+              <a:rPr lang="en-GB" dirty="0"/>
+              <a:t>Fix first 2 elements of chain.</a:t>
+            </a:r>
+          </a:p>
+          <a:p>
+            <a:r>
+              <a:rPr lang="en-GB" dirty="0"/>
+              <a:t>For subsequent elements, try all moves from {u, d, l, r, </a:t>
+            </a:r>
+            <a:r>
+              <a:rPr lang="en-GB" dirty="0" err="1"/>
+              <a:t>i</a:t>
+            </a:r>
+            <a:r>
+              <a:rPr lang="en-GB" dirty="0"/>
+              <a:t>, o} and check whether move would result in H-H connection (with self-avoidance).</a:t>
+            </a:r>
+          </a:p>
+          <a:p>
+            <a:r>
+              <a:rPr lang="en-GB" dirty="0"/>
+              <a:t>If so, use the move. If not, pick random.</a:t>
+            </a:r>
+          </a:p>
+          <a:p>
+            <a:r>
+              <a:rPr lang="en-GB" dirty="0"/>
+              <a:t>Stuck? Start over.</a:t>
+            </a:r>
+          </a:p>
+        </p:txBody>
+      </p:sp>
+      <p:pic>
+        <p:nvPicPr>
+          <p:cNvPr id="4098" name="Picture 2" descr="Afbeeldingsresultaat voor greedy algorithm">
+            <a:extLst>
+              <a:ext uri="{FF2B5EF4-FFF2-40B4-BE49-F238E27FC236}">
+                <a16:creationId xmlns:a16="http://schemas.microsoft.com/office/drawing/2014/main" id="{E2145716-8FD2-4D20-9F53-FFC859D21248}"/>
+              </a:ext>
+            </a:extLst>
+          </p:cNvPr>
+          <p:cNvPicPr>
+            <a:picLocks noGrp="1" noChangeAspect="1" noChangeArrowheads="1" noCrop="1"/>
+          </p:cNvPicPr>
+          <p:nvPr>
+            <p:ph sz="half" idx="2"/>
+          </p:nvPr>
+        </p:nvPicPr>
+        <p:blipFill>
+          <a:blip r:embed="rId2">
+            <a:extLst>
+              <a:ext uri="{28A0092B-C50C-407E-A947-70E740481C1C}">
+                <a14:useLocalDpi xmlns:a14="http://schemas.microsoft.com/office/drawing/2010/main" val="0"/>
+              </a:ext>
+            </a:extLst>
+          </a:blip>
+          <a:srcRect/>
+          <a:stretch>
+            <a:fillRect/>
+          </a:stretch>
+        </p:blipFill>
+        <p:spPr bwMode="auto">
+          <a:xfrm>
+            <a:off x="6908799" y="2457054"/>
+            <a:ext cx="3999177" cy="2399506"/>
+          </a:xfrm>
+          <a:prstGeom prst="rect">
+            <a:avLst/>
+          </a:prstGeom>
+          <a:noFill/>
+          <a:extLst>
+            <a:ext uri="{909E8E84-426E-40DD-AFC4-6F175D3DCCD1}">
+              <a14:hiddenFill xmlns:a14="http://schemas.microsoft.com/office/drawing/2010/main">
+                <a:solidFill>
+                  <a:srgbClr val="FFFFFF"/>
+                </a:solidFill>
+              </a14:hiddenFill>
+            </a:ext>
+          </a:extLst>
+        </p:spPr>
+      </p:pic>
       <p:sp>
         <p:nvSpPr>
           <p:cNvPr id="4" name="Tijdelijke aanduiding voor dianummer 3">
             <a:extLst>
               <a:ext uri="{FF2B5EF4-FFF2-40B4-BE49-F238E27FC236}">
-                <a16:creationId xmlns:a16="http://schemas.microsoft.com/office/drawing/2014/main" id="{34EEE236-A8ED-2E4E-84F3-15F8E460DBA4}"/>
+                <a16:creationId xmlns:a16="http://schemas.microsoft.com/office/drawing/2014/main" id="{BD4D1BB4-6ED2-0A44-97B4-82BA6D6CE108}"/>
               </a:ext>
             </a:extLst>
           </p:cNvPr>
@@ -7988,7 +7971,7 @@
     </p:spTree>
     <p:extLst>
       <p:ext uri="{BB962C8B-B14F-4D97-AF65-F5344CB8AC3E}">
-        <p14:creationId xmlns:p14="http://schemas.microsoft.com/office/powerpoint/2010/main" val="3056510008"/>
+        <p14:creationId xmlns:p14="http://schemas.microsoft.com/office/powerpoint/2010/main" val="3810750948"/>
       </p:ext>
     </p:extLst>
   </p:cSld>
@@ -8950,7 +8933,7 @@
             <a:pPr lvl="1"/>
             <a:r>
               <a:rPr lang="en-GB" dirty="0"/>
-              <a:t>SARW with a twist</a:t>
+              <a:t>SARW with Space Confinement</a:t>
             </a:r>
           </a:p>
           <a:p>
@@ -8964,7 +8947,7 @@
             <a:pPr lvl="1"/>
             <a:r>
               <a:rPr lang="en-GB" dirty="0"/>
-              <a:t>Extended Heuristic Algorithm</a:t>
+              <a:t>Extended Heuristic Algorithm Plus</a:t>
             </a:r>
           </a:p>
           <a:p>
@@ -8973,6 +8956,17 @@
               <a:rPr lang="en-GB" dirty="0"/>
               <a:t>Breadth-first: Beam Search</a:t>
             </a:r>
+          </a:p>
+          <a:p>
+            <a:pPr lvl="1"/>
+            <a:r>
+              <a:rPr lang="en-GB" dirty="0"/>
+              <a:t>Hill Climber (pull moves) + Simulated Annealing</a:t>
+            </a:r>
+          </a:p>
+          <a:p>
+            <a:pPr lvl="1"/>
+            <a:endParaRPr lang="en-GB" dirty="0"/>
           </a:p>
           <a:p>
             <a:pPr lvl="1"/>
@@ -9000,19 +8994,6 @@
         <p:txBody>
           <a:bodyPr/>
           <a:lstStyle/>
-          <a:p>
-            <a:r>
-              <a:rPr lang="en-GB" dirty="0"/>
-              <a:t>Next up:</a:t>
-            </a:r>
-          </a:p>
-          <a:p>
-            <a:pPr lvl="1"/>
-            <a:r>
-              <a:rPr lang="en-GB" dirty="0"/>
-              <a:t>Hill Climber (pull moves)</a:t>
-            </a:r>
-          </a:p>
           <a:p>
             <a:pPr lvl="1"/>
             <a:endParaRPr lang="en-GB" dirty="0"/>
@@ -9101,7 +9082,7 @@
           <a:p>
             <a:r>
               <a:rPr lang="en-GB" dirty="0"/>
-              <a:t>2. Self avoiding random walk</a:t>
+              <a:t>2. Extended Heuristic Algorithm Plus</a:t>
             </a:r>
           </a:p>
         </p:txBody>
@@ -9124,150 +9105,231 @@
         </p:nvSpPr>
         <p:spPr/>
         <p:txBody>
-          <a:bodyPr/>
+          <a:bodyPr>
+            <a:normAutofit fontScale="92500" lnSpcReduction="20000"/>
+          </a:bodyPr>
           <a:lstStyle/>
           <a:p>
             <a:r>
               <a:rPr lang="en-GB" dirty="0"/>
-              <a:t>Let S be HP-chain of length n.</a:t>
-            </a:r>
-          </a:p>
-          <a:p>
+              <a:t>Based on </a:t>
+            </a:r>
+            <a:r>
+              <a:rPr lang="en-GB" dirty="0" err="1"/>
+              <a:t>Traykov’s</a:t>
+            </a:r>
             <a:r>
               <a:rPr lang="en-GB" dirty="0"/>
-              <a:t>Fix first 2 elements of chain.</a:t>
-            </a:r>
-            <a:endParaRPr lang="en-GB" baseline="-25000" dirty="0"/>
+              <a:t> algorithm.</a:t>
+            </a:r>
           </a:p>
           <a:p>
             <a:r>
               <a:rPr lang="en-GB" dirty="0"/>
-              <a:t>For subsequent elements up to the n</a:t>
-            </a:r>
-            <a:r>
-              <a:rPr lang="en-GB" baseline="30000" dirty="0"/>
-              <a:t>th</a:t>
+              <a:t>Divide chain S up into n parts S</a:t>
+            </a:r>
+            <a:r>
+              <a:rPr lang="en-GB" baseline="-25000" dirty="0"/>
+              <a:t>i</a:t>
             </a:r>
             <a:r>
               <a:rPr lang="en-GB" dirty="0"/>
-              <a:t> element, choose random move from {u, d, l, r, </a:t>
-            </a:r>
-            <a:r>
-              <a:rPr lang="en-GB" dirty="0" err="1"/>
-              <a:t>i</a:t>
-            </a:r>
+              <a:t> of predetermined length range.</a:t>
+            </a:r>
+          </a:p>
+          <a:p>
+            <a:r>
+              <a:rPr lang="en-GB" dirty="0">
+                <a:solidFill>
+                  <a:srgbClr val="FF0000"/>
+                </a:solidFill>
+              </a:rPr>
+              <a:t>‘</a:t>
+            </a:r>
+            <a:r>
+              <a:rPr lang="en-GB" dirty="0" err="1">
+                <a:solidFill>
+                  <a:srgbClr val="FF0000"/>
+                </a:solidFill>
+              </a:rPr>
+              <a:t>Subchains</a:t>
+            </a:r>
+            <a:r>
+              <a:rPr lang="en-GB" dirty="0">
+                <a:solidFill>
+                  <a:srgbClr val="FF0000"/>
+                </a:solidFill>
+              </a:rPr>
+              <a:t>’ should end on either H or C element depending on model.</a:t>
+            </a:r>
+          </a:p>
+          <a:p>
             <a:r>
               <a:rPr lang="en-GB" dirty="0"/>
-              <a:t>, o}.</a:t>
-            </a:r>
-          </a:p>
-          <a:p>
+              <a:t>Fold S</a:t>
+            </a:r>
+            <a:r>
+              <a:rPr lang="en-GB" baseline="-25000" dirty="0"/>
+              <a:t>1</a:t>
+            </a:r>
             <a:r>
               <a:rPr lang="en-GB" dirty="0"/>
-              <a:t>If newly chosen coordinates are occupied, try new move.</a:t>
-            </a:r>
-          </a:p>
-          <a:p>
+              <a:t> optimally against S</a:t>
+            </a:r>
+            <a:r>
+              <a:rPr lang="en-GB" baseline="-25000" dirty="0"/>
+              <a:t>0 </a:t>
+            </a:r>
             <a:r>
               <a:rPr lang="en-GB" dirty="0"/>
-              <a:t>Stuck? Start over.</a:t>
-            </a:r>
-          </a:p>
-          <a:p>
-            <a:endParaRPr lang="en-GB" dirty="0"/>
-          </a:p>
-        </p:txBody>
-      </p:sp>
-      <p:sp>
-        <p:nvSpPr>
-          <p:cNvPr id="4" name="Tijdelijke aanduiding voor inhoud 3">
+              <a:t>by going through all permutations (with self-avoidance), then fold S</a:t>
+            </a:r>
+            <a:r>
+              <a:rPr lang="en-GB" baseline="-25000" dirty="0"/>
+              <a:t>2</a:t>
+            </a:r>
+            <a:r>
+              <a:rPr lang="en-GB" dirty="0"/>
+              <a:t> optimally against S</a:t>
+            </a:r>
+            <a:r>
+              <a:rPr lang="en-GB" baseline="-25000" dirty="0"/>
+              <a:t>0 </a:t>
+            </a:r>
+            <a:r>
+              <a:rPr lang="en-US" dirty="0"/>
+              <a:t>∪</a:t>
+            </a:r>
+            <a:r>
+              <a:rPr lang="en-GB" dirty="0"/>
+              <a:t> S</a:t>
+            </a:r>
+            <a:r>
+              <a:rPr lang="en-GB" baseline="-25000" dirty="0"/>
+              <a:t>1</a:t>
+            </a:r>
+            <a:r>
+              <a:rPr lang="en-GB" dirty="0"/>
+              <a:t>, etc. up until S</a:t>
+            </a:r>
+            <a:r>
+              <a:rPr lang="en-GB" baseline="-25000" dirty="0"/>
+              <a:t>n</a:t>
+            </a:r>
+            <a:r>
+              <a:rPr lang="en-GB" dirty="0"/>
+              <a:t>.</a:t>
+            </a:r>
+          </a:p>
+          <a:p>
+            <a:r>
+              <a:rPr lang="en-GB" dirty="0">
+                <a:solidFill>
+                  <a:srgbClr val="FF0000"/>
+                </a:solidFill>
+              </a:rPr>
+              <a:t>Folds with equal stability have a chance to be accepted.</a:t>
+            </a:r>
+          </a:p>
+        </p:txBody>
+      </p:sp>
+      <p:pic>
+        <p:nvPicPr>
+          <p:cNvPr id="5" name="Tijdelijke aanduiding voor inhoud 4">
             <a:extLst>
               <a:ext uri="{FF2B5EF4-FFF2-40B4-BE49-F238E27FC236}">
-                <a16:creationId xmlns:a16="http://schemas.microsoft.com/office/drawing/2014/main" id="{D29CAD77-2AED-E94A-845B-B60D651EF411}"/>
-              </a:ext>
-            </a:extLst>
-          </p:cNvPr>
-          <p:cNvSpPr>
-            <a:spLocks noGrp="1"/>
-          </p:cNvSpPr>
-          <p:nvPr>
-            <p:ph sz="half" idx="2"/>
-          </p:nvPr>
-        </p:nvSpPr>
-        <p:spPr>
-          <a:xfrm>
-            <a:off x="9934956" y="3260725"/>
-            <a:ext cx="2066544" cy="2398465"/>
-          </a:xfrm>
-        </p:spPr>
-        <p:txBody>
-          <a:bodyPr/>
-          <a:lstStyle/>
-          <a:p>
-            <a:pPr marL="0" indent="0">
-              <a:buNone/>
-            </a:pPr>
-            <a:endParaRPr lang="en-GB" dirty="0"/>
-          </a:p>
-          <a:p>
-            <a:pPr lvl="1"/>
-            <a:endParaRPr lang="en-GB" dirty="0"/>
-          </a:p>
-        </p:txBody>
-      </p:sp>
-      <p:pic>
-        <p:nvPicPr>
-          <p:cNvPr id="1026" name="Picture 2" descr="Afbeeldingsresultaat voor self avoiding random walk">
-            <a:extLst>
-              <a:ext uri="{FF2B5EF4-FFF2-40B4-BE49-F238E27FC236}">
-                <a16:creationId xmlns:a16="http://schemas.microsoft.com/office/drawing/2014/main" id="{8E936368-6D3B-4E23-941A-C09BAA0B3A0D}"/>
+                <a16:creationId xmlns:a16="http://schemas.microsoft.com/office/drawing/2014/main" id="{A55ADCDF-EAAB-47DA-9B57-A0CE26AA48DA}"/>
               </a:ext>
             </a:extLst>
           </p:cNvPr>
           <p:cNvPicPr>
-            <a:picLocks noChangeAspect="1" noChangeArrowheads="1"/>
+            <a:picLocks noGrp="1" noChangeAspect="1"/>
           </p:cNvPicPr>
-          <p:nvPr/>
+          <p:nvPr>
+            <p:ph sz="half" idx="2"/>
+          </p:nvPr>
         </p:nvPicPr>
         <p:blipFill>
-          <a:blip r:embed="rId2">
-            <a:extLst>
-              <a:ext uri="{28A0092B-C50C-407E-A947-70E740481C1C}">
-                <a14:useLocalDpi xmlns:a14="http://schemas.microsoft.com/office/drawing/2010/main" val="0"/>
-              </a:ext>
-            </a:extLst>
-          </a:blip>
-          <a:srcRect/>
+          <a:blip r:embed="rId2"/>
           <a:stretch>
             <a:fillRect/>
           </a:stretch>
         </p:blipFill>
-        <p:spPr bwMode="auto">
+        <p:spPr>
           <a:xfrm>
-            <a:off x="6329157" y="1825625"/>
-            <a:ext cx="4462667" cy="3349625"/>
+            <a:off x="6172202" y="2564691"/>
+            <a:ext cx="5181600" cy="2238205"/>
+          </a:xfrm>
+          <a:prstGeom prst="rect">
+            <a:avLst/>
+          </a:prstGeom>
+        </p:spPr>
+      </p:pic>
+      <p:sp>
+        <p:nvSpPr>
+          <p:cNvPr id="6" name="Tekstvak 5">
+            <a:extLst>
+              <a:ext uri="{FF2B5EF4-FFF2-40B4-BE49-F238E27FC236}">
+                <a16:creationId xmlns:a16="http://schemas.microsoft.com/office/drawing/2014/main" id="{72D80279-86D1-44DE-A941-63237F704A60}"/>
+              </a:ext>
+            </a:extLst>
+          </p:cNvPr>
+          <p:cNvSpPr txBox="1"/>
+          <p:nvPr/>
+        </p:nvSpPr>
+        <p:spPr>
+          <a:xfrm>
+            <a:off x="1098550" y="6032500"/>
+            <a:ext cx="10185400" cy="646331"/>
           </a:xfrm>
           <a:prstGeom prst="rect">
             <a:avLst/>
           </a:prstGeom>
           <a:noFill/>
-          <a:extLst>
-            <a:ext uri="{909E8E84-426E-40DD-AFC4-6F175D3DCCD1}">
-              <a14:hiddenFill xmlns:a14="http://schemas.microsoft.com/office/drawing/2010/main">
-                <a:solidFill>
-                  <a:srgbClr val="FFFFFF"/>
-                </a:solidFill>
-              </a14:hiddenFill>
-            </a:ext>
-          </a:extLst>
         </p:spPr>
-      </p:pic>
-      <p:sp>
-        <p:nvSpPr>
-          <p:cNvPr id="5" name="Tijdelijke aanduiding voor dianummer 4">
+        <p:txBody>
+          <a:bodyPr wrap="square" rtlCol="0">
+            <a:spAutoFit/>
+          </a:bodyPr>
+          <a:lstStyle/>
+          <a:p>
+            <a:r>
+              <a:rPr lang="en-US" dirty="0"/>
+              <a:t>Source: </a:t>
+            </a:r>
+            <a:r>
+              <a:rPr lang="en-US" dirty="0" err="1"/>
+              <a:t>Traykov</a:t>
+            </a:r>
+            <a:r>
+              <a:rPr lang="en-US" dirty="0"/>
+              <a:t>, </a:t>
+            </a:r>
+            <a:r>
+              <a:rPr lang="en-US" dirty="0" err="1"/>
+              <a:t>Metodi</a:t>
+            </a:r>
+            <a:r>
+              <a:rPr lang="en-US" dirty="0"/>
+              <a:t>, et al. "Algorithm for protein folding problem in 3D lattice HP model." </a:t>
+            </a:r>
+            <a:r>
+              <a:rPr lang="en-US" i="1" dirty="0"/>
+              <a:t>International Journal of Biology and Biomedicine</a:t>
+            </a:r>
+            <a:r>
+              <a:rPr lang="en-US" dirty="0"/>
+              <a:t> 3 (2018).</a:t>
+            </a:r>
+          </a:p>
+        </p:txBody>
+      </p:sp>
+      <p:sp>
+        <p:nvSpPr>
+          <p:cNvPr id="4" name="Tijdelijke aanduiding voor dianummer 3">
             <a:extLst>
               <a:ext uri="{FF2B5EF4-FFF2-40B4-BE49-F238E27FC236}">
-                <a16:creationId xmlns:a16="http://schemas.microsoft.com/office/drawing/2014/main" id="{6325116D-9E51-464C-A8D3-175F1A41D209}"/>
+                <a16:creationId xmlns:a16="http://schemas.microsoft.com/office/drawing/2014/main" id="{586D7EA0-94AD-4F4B-98CE-1EC793E3A1D8}"/>
               </a:ext>
             </a:extLst>
           </p:cNvPr>
@@ -9294,7 +9356,7 @@
     </p:spTree>
     <p:extLst>
       <p:ext uri="{BB962C8B-B14F-4D97-AF65-F5344CB8AC3E}">
-        <p14:creationId xmlns:p14="http://schemas.microsoft.com/office/powerpoint/2010/main" val="668971847"/>
+        <p14:creationId xmlns:p14="http://schemas.microsoft.com/office/powerpoint/2010/main" val="2280938724"/>
       </p:ext>
     </p:extLst>
   </p:cSld>
@@ -9344,7 +9406,7 @@
           <a:p>
             <a:r>
               <a:rPr lang="en-GB" dirty="0"/>
-              <a:t>2. Self avoiding random walk (with a twist)</a:t>
+              <a:t>2. Breadth-first: Beam Search</a:t>
             </a:r>
           </a:p>
         </p:txBody>
@@ -9367,35 +9429,18 @@
         </p:nvSpPr>
         <p:spPr/>
         <p:txBody>
-          <a:bodyPr>
-            <a:normAutofit lnSpcReduction="10000"/>
-          </a:bodyPr>
+          <a:bodyPr/>
           <a:lstStyle/>
           <a:p>
             <a:r>
               <a:rPr lang="en-GB" dirty="0"/>
-              <a:t>Let S be HP-chain of length n.</a:t>
+              <a:t>Combination of breadth-first and greedy.</a:t>
             </a:r>
           </a:p>
           <a:p>
             <a:r>
               <a:rPr lang="en-GB" dirty="0"/>
-              <a:t>Fix first 2 elements of chain.</a:t>
-            </a:r>
-            <a:endParaRPr lang="en-GB" baseline="-25000" dirty="0"/>
-          </a:p>
-          <a:p>
-            <a:r>
-              <a:rPr lang="en-GB" dirty="0"/>
-              <a:t>For subsequent elements up to the n</a:t>
-            </a:r>
-            <a:r>
-              <a:rPr lang="en-GB" baseline="30000" dirty="0"/>
-              <a:t>th</a:t>
-            </a:r>
-            <a:r>
-              <a:rPr lang="en-GB" dirty="0"/>
-              <a:t> element, choose random move from {u, d, l, r, </a:t>
+              <a:t>Goes through all moves from {u, d, l, r, </a:t>
             </a:r>
             <a:r>
               <a:rPr lang="en-GB" dirty="0" err="1"/>
@@ -9403,88 +9448,32 @@
             </a:r>
             <a:r>
               <a:rPr lang="en-GB" dirty="0"/>
-              <a:t>, o}.</a:t>
+              <a:t>, o} and selects the n best moves (based on ‘beam width’).</a:t>
             </a:r>
           </a:p>
           <a:p>
             <a:r>
               <a:rPr lang="en-GB" dirty="0"/>
-              <a:t>If newly chosen coordinates are occupied, try new move.</a:t>
-            </a:r>
-          </a:p>
-          <a:p>
-            <a:r>
-              <a:rPr lang="en-GB" dirty="0">
-                <a:solidFill>
-                  <a:srgbClr val="FF0000"/>
-                </a:solidFill>
-              </a:rPr>
-              <a:t>If newly chosen coordinates are on the border, try new move.</a:t>
-            </a:r>
-          </a:p>
-          <a:p>
-            <a:r>
-              <a:rPr lang="en-GB" dirty="0"/>
-              <a:t>Stuck? Start over.</a:t>
-            </a:r>
-          </a:p>
-          <a:p>
-            <a:endParaRPr lang="en-GB" dirty="0"/>
-          </a:p>
-        </p:txBody>
-      </p:sp>
-      <p:sp>
-        <p:nvSpPr>
-          <p:cNvPr id="4" name="Tijdelijke aanduiding voor inhoud 3">
+              <a:t>Beam Search based on stability</a:t>
+            </a:r>
+          </a:p>
+        </p:txBody>
+      </p:sp>
+      <p:pic>
+        <p:nvPicPr>
+          <p:cNvPr id="3074" name="Picture 2" descr="Afbeeldingsresultaat voor beam search">
             <a:extLst>
               <a:ext uri="{FF2B5EF4-FFF2-40B4-BE49-F238E27FC236}">
-                <a16:creationId xmlns:a16="http://schemas.microsoft.com/office/drawing/2014/main" id="{D29CAD77-2AED-E94A-845B-B60D651EF411}"/>
-              </a:ext>
-            </a:extLst>
-          </p:cNvPr>
-          <p:cNvSpPr>
-            <a:spLocks noGrp="1"/>
-          </p:cNvSpPr>
-          <p:nvPr>
-            <p:ph sz="half" idx="2"/>
-          </p:nvPr>
-        </p:nvSpPr>
-        <p:spPr>
-          <a:xfrm>
-            <a:off x="9934956" y="3260725"/>
-            <a:ext cx="2066544" cy="2398465"/>
-          </a:xfrm>
-        </p:spPr>
-        <p:txBody>
-          <a:bodyPr>
-            <a:normAutofit lnSpcReduction="10000"/>
-          </a:bodyPr>
-          <a:lstStyle/>
-          <a:p>
-            <a:pPr marL="0" indent="0">
-              <a:buNone/>
-            </a:pPr>
-            <a:endParaRPr lang="en-GB" dirty="0"/>
-          </a:p>
-          <a:p>
-            <a:pPr lvl="1"/>
-            <a:endParaRPr lang="en-GB" dirty="0"/>
-          </a:p>
-        </p:txBody>
-      </p:sp>
-      <p:pic>
-        <p:nvPicPr>
-          <p:cNvPr id="2050" name="Picture 2" descr="Afbeeldingsresultaat voor self avoiding random walk">
-            <a:extLst>
-              <a:ext uri="{FF2B5EF4-FFF2-40B4-BE49-F238E27FC236}">
-                <a16:creationId xmlns:a16="http://schemas.microsoft.com/office/drawing/2014/main" id="{65C0D2C7-770B-4B82-A820-DDE69D725EE6}"/>
+                <a16:creationId xmlns:a16="http://schemas.microsoft.com/office/drawing/2014/main" id="{2CAFA68E-8EBF-4DCC-83BC-2C80569331AD}"/>
               </a:ext>
             </a:extLst>
           </p:cNvPr>
           <p:cNvPicPr>
-            <a:picLocks noChangeAspect="1" noChangeArrowheads="1"/>
+            <a:picLocks noGrp="1" noChangeAspect="1" noChangeArrowheads="1"/>
           </p:cNvPicPr>
-          <p:nvPr/>
+          <p:nvPr>
+            <p:ph sz="half" idx="2"/>
+          </p:nvPr>
         </p:nvPicPr>
         <p:blipFill>
           <a:blip r:embed="rId2">
@@ -9501,8 +9490,8 @@
         </p:blipFill>
         <p:spPr bwMode="auto">
           <a:xfrm>
-            <a:off x="6648640" y="1840582"/>
-            <a:ext cx="3663760" cy="3663760"/>
+            <a:off x="6172202" y="2467304"/>
+            <a:ext cx="5181600" cy="2420280"/>
           </a:xfrm>
           <a:prstGeom prst="rect">
             <a:avLst/>
@@ -9521,10 +9510,10 @@
       </p:pic>
       <p:sp>
         <p:nvSpPr>
-          <p:cNvPr id="5" name="Tijdelijke aanduiding voor dianummer 4">
+          <p:cNvPr id="4" name="Tijdelijke aanduiding voor dianummer 3">
             <a:extLst>
               <a:ext uri="{FF2B5EF4-FFF2-40B4-BE49-F238E27FC236}">
-                <a16:creationId xmlns:a16="http://schemas.microsoft.com/office/drawing/2014/main" id="{17115403-6F3A-B74B-9F05-7DF3F1535AD4}"/>
+                <a16:creationId xmlns:a16="http://schemas.microsoft.com/office/drawing/2014/main" id="{B78FA2CF-309C-7741-B78B-29A8D3C4359F}"/>
               </a:ext>
             </a:extLst>
           </p:cNvPr>
@@ -9551,7 +9540,7 @@
     </p:spTree>
     <p:extLst>
       <p:ext uri="{BB962C8B-B14F-4D97-AF65-F5344CB8AC3E}">
-        <p14:creationId xmlns:p14="http://schemas.microsoft.com/office/powerpoint/2010/main" val="2995681747"/>
+        <p14:creationId xmlns:p14="http://schemas.microsoft.com/office/powerpoint/2010/main" val="143121407"/>
       </p:ext>
     </p:extLst>
   </p:cSld>
@@ -9601,7 +9590,7 @@
           <a:p>
             <a:r>
               <a:rPr lang="en-GB" dirty="0"/>
-              <a:t>2. Greedy</a:t>
+              <a:t>2. Hill Climber (Pull moves)</a:t>
             </a:r>
           </a:p>
         </p:txBody>
@@ -9624,68 +9613,93 @@
         </p:nvSpPr>
         <p:spPr/>
         <p:txBody>
-          <a:bodyPr>
-            <a:normAutofit lnSpcReduction="10000"/>
-          </a:bodyPr>
+          <a:bodyPr/>
           <a:lstStyle/>
           <a:p>
             <a:r>
               <a:rPr lang="en-GB" dirty="0"/>
-              <a:t>Let S be HP-chain of length n.</a:t>
+              <a:t>Iterative algorithm.</a:t>
             </a:r>
           </a:p>
           <a:p>
             <a:r>
               <a:rPr lang="en-GB" dirty="0"/>
-              <a:t>Fix first 2 elements of chain.</a:t>
+              <a:t>Starts with a solution.</a:t>
             </a:r>
           </a:p>
           <a:p>
             <a:r>
               <a:rPr lang="en-GB" dirty="0"/>
-              <a:t>For subsequent elements, try all moves from {u, d, l, r, </a:t>
-            </a:r>
-            <a:r>
-              <a:rPr lang="en-GB" dirty="0" err="1"/>
-              <a:t>i</a:t>
-            </a:r>
+              <a:t>Goes through the solution and tries to pull an elements diagonally to increase stability.</a:t>
+            </a:r>
+          </a:p>
+          <a:p>
             <a:r>
               <a:rPr lang="en-GB" dirty="0"/>
-              <a:t>, o} and check whether move would result in H-H connection (with self-avoidance).</a:t>
+              <a:t>Better stability -&gt; new solution.</a:t>
             </a:r>
           </a:p>
           <a:p>
             <a:r>
               <a:rPr lang="en-GB" dirty="0"/>
-              <a:t>If so, use the move. If not, pick random.</a:t>
+              <a:t>Worse stability -&gt; old solution.</a:t>
             </a:r>
           </a:p>
           <a:p>
             <a:r>
               <a:rPr lang="en-GB" dirty="0"/>
-              <a:t>Stuck? Start over.</a:t>
-            </a:r>
+              <a:t>Repeat until stability converges.</a:t>
+            </a:r>
+          </a:p>
+        </p:txBody>
+      </p:sp>
+      <p:sp>
+        <p:nvSpPr>
+          <p:cNvPr id="4" name="Tijdelijke aanduiding voor dianummer 3">
+            <a:extLst>
+              <a:ext uri="{FF2B5EF4-FFF2-40B4-BE49-F238E27FC236}">
+                <a16:creationId xmlns:a16="http://schemas.microsoft.com/office/drawing/2014/main" id="{B78FA2CF-309C-7741-B78B-29A8D3C4359F}"/>
+              </a:ext>
+            </a:extLst>
+          </p:cNvPr>
+          <p:cNvSpPr>
+            <a:spLocks noGrp="1"/>
+          </p:cNvSpPr>
+          <p:nvPr>
+            <p:ph type="sldNum" sz="quarter" idx="12"/>
+          </p:nvPr>
+        </p:nvSpPr>
+        <p:spPr/>
+        <p:txBody>
+          <a:bodyPr/>
+          <a:lstStyle/>
+          <a:p>
+            <a:fld id="{D1892F8F-5571-E246-B053-E27A62D47BEF}" type="slidenum">
+              <a:rPr lang="en-GB" smtClean="0"/>
+              <a:t>9</a:t>
+            </a:fld>
+            <a:endParaRPr lang="en-GB"/>
           </a:p>
         </p:txBody>
       </p:sp>
       <p:pic>
         <p:nvPicPr>
-          <p:cNvPr id="4098" name="Picture 2" descr="Afbeeldingsresultaat voor greedy algorithm">
+          <p:cNvPr id="1026" name="Picture 2" descr="Pull move transformation for HP sequence HHHP HP P P P P H at position 3">
             <a:extLst>
               <a:ext uri="{FF2B5EF4-FFF2-40B4-BE49-F238E27FC236}">
-                <a16:creationId xmlns:a16="http://schemas.microsoft.com/office/drawing/2014/main" id="{E2145716-8FD2-4D20-9F53-FFC859D21248}"/>
+                <a16:creationId xmlns:a16="http://schemas.microsoft.com/office/drawing/2014/main" id="{212985C8-7720-450F-82AE-5163C9E5109D}"/>
               </a:ext>
             </a:extLst>
           </p:cNvPr>
           <p:cNvPicPr>
-            <a:picLocks noGrp="1" noChangeAspect="1" noChangeArrowheads="1" noCrop="1"/>
+            <a:picLocks noGrp="1" noChangeAspect="1" noChangeArrowheads="1"/>
           </p:cNvPicPr>
           <p:nvPr>
             <p:ph sz="half" idx="2"/>
           </p:nvPr>
         </p:nvPicPr>
         <p:blipFill>
-          <a:blip r:embed="rId2">
+          <a:blip r:embed="rId3">
             <a:extLst>
               <a:ext uri="{28A0092B-C50C-407E-A947-70E740481C1C}">
                 <a14:useLocalDpi xmlns:a14="http://schemas.microsoft.com/office/drawing/2010/main" val="0"/>
@@ -9699,8 +9713,8 @@
         </p:blipFill>
         <p:spPr bwMode="auto">
           <a:xfrm>
-            <a:off x="6908799" y="2457054"/>
-            <a:ext cx="3999177" cy="2399506"/>
+            <a:off x="6381750" y="2431978"/>
+            <a:ext cx="4762500" cy="2381250"/>
           </a:xfrm>
           <a:prstGeom prst="rect">
             <a:avLst/>
@@ -9719,37 +9733,67 @@
       </p:pic>
       <p:sp>
         <p:nvSpPr>
-          <p:cNvPr id="4" name="Tijdelijke aanduiding voor dianummer 3">
+          <p:cNvPr id="8" name="Tekstvak 7">
             <a:extLst>
               <a:ext uri="{FF2B5EF4-FFF2-40B4-BE49-F238E27FC236}">
-                <a16:creationId xmlns:a16="http://schemas.microsoft.com/office/drawing/2014/main" id="{BD4D1BB4-6ED2-0A44-97B4-82BA6D6CE108}"/>
+                <a16:creationId xmlns:a16="http://schemas.microsoft.com/office/drawing/2014/main" id="{D16F468E-B7DB-480A-896A-9213A792B403}"/>
               </a:ext>
             </a:extLst>
           </p:cNvPr>
-          <p:cNvSpPr>
-            <a:spLocks noGrp="1"/>
-          </p:cNvSpPr>
-          <p:nvPr>
-            <p:ph type="sldNum" sz="quarter" idx="12"/>
-          </p:nvPr>
-        </p:nvSpPr>
-        <p:spPr/>
-        <p:txBody>
-          <a:bodyPr/>
-          <a:lstStyle/>
-          <a:p>
-            <a:fld id="{D1892F8F-5571-E246-B053-E27A62D47BEF}" type="slidenum">
-              <a:rPr lang="en-GB" smtClean="0"/>
-              <a:t>9</a:t>
-            </a:fld>
-            <a:endParaRPr lang="en-GB"/>
+          <p:cNvSpPr txBox="1"/>
+          <p:nvPr/>
+        </p:nvSpPr>
+        <p:spPr>
+          <a:xfrm>
+            <a:off x="1098550" y="6032500"/>
+            <a:ext cx="10185400" cy="646331"/>
+          </a:xfrm>
+          <a:prstGeom prst="rect">
+            <a:avLst/>
+          </a:prstGeom>
+          <a:noFill/>
+        </p:spPr>
+        <p:txBody>
+          <a:bodyPr wrap="square" rtlCol="0">
+            <a:spAutoFit/>
+          </a:bodyPr>
+          <a:lstStyle/>
+          <a:p>
+            <a:r>
+              <a:rPr lang="en-US" dirty="0"/>
+              <a:t>Source: </a:t>
+            </a:r>
+            <a:r>
+              <a:rPr lang="en-US" dirty="0" err="1"/>
+              <a:t>Chira</a:t>
+            </a:r>
+            <a:r>
+              <a:rPr lang="en-US" dirty="0"/>
+              <a:t>, Camelia. "Hill-climbing search in evolutionary models for protein folding simulations." </a:t>
+            </a:r>
+            <a:r>
+              <a:rPr lang="en-US" i="1" dirty="0"/>
+              <a:t>Stud Univ Babe\c s-</a:t>
+            </a:r>
+            <a:r>
+              <a:rPr lang="en-US" i="1" dirty="0" err="1"/>
+              <a:t>Bolyai</a:t>
+            </a:r>
+            <a:r>
+              <a:rPr lang="en-US" i="1" dirty="0"/>
+              <a:t> Inform</a:t>
+            </a:r>
+            <a:r>
+              <a:rPr lang="en-US" dirty="0"/>
+              <a:t> 55 (2010): 29-40.</a:t>
+            </a:r>
           </a:p>
         </p:txBody>
       </p:sp>
     </p:spTree>
     <p:extLst>
       <p:ext uri="{BB962C8B-B14F-4D97-AF65-F5344CB8AC3E}">
-        <p14:creationId xmlns:p14="http://schemas.microsoft.com/office/powerpoint/2010/main" val="3810750948"/>
+        <p14:creationId xmlns:p14="http://schemas.microsoft.com/office/powerpoint/2010/main" val="2815858668"/>
       </p:ext>
     </p:extLst>
   </p:cSld>

--- a/Docs/PPP, final.pptx
+++ b/Docs/PPP, final.pptx
@@ -9455,6 +9455,12 @@
             <a:r>
               <a:rPr lang="en-GB" dirty="0"/>
               <a:t>Beam Search based on stability</a:t>
+            </a:r>
+          </a:p>
+          <a:p>
+            <a:r>
+              <a:rPr lang="en-GB" dirty="0"/>
+              <a:t>On successive P elements, throw x% of permutations out.</a:t>
             </a:r>
           </a:p>
         </p:txBody>

--- a/Docs/PPP, final.pptx
+++ b/Docs/PPP, final.pptx
@@ -8917,12 +8917,6 @@
           <a:bodyPr/>
           <a:lstStyle/>
           <a:p>
-            <a:r>
-              <a:rPr lang="en-GB" dirty="0"/>
-              <a:t>Tried:</a:t>
-            </a:r>
-          </a:p>
-          <a:p>
             <a:pPr lvl="1"/>
             <a:r>
               <a:rPr lang="en-GB" dirty="0"/>
@@ -8965,7 +8959,9 @@
             </a:r>
           </a:p>
           <a:p>
-            <a:pPr lvl="1"/>
+            <a:pPr marL="457200" lvl="1" indent="0">
+              <a:buNone/>
+            </a:pPr>
             <a:endParaRPr lang="en-GB" dirty="0"/>
           </a:p>
           <a:p>
@@ -9596,7 +9592,7 @@
           <a:p>
             <a:r>
               <a:rPr lang="en-GB" dirty="0"/>
-              <a:t>2. Hill Climber (Pull moves)</a:t>
+              <a:t>2. Hill Climber (Pull moves) + Sim Annealing</a:t>
             </a:r>
           </a:p>
         </p:txBody>
@@ -9648,8 +9644,13 @@
           <a:p>
             <a:r>
               <a:rPr lang="en-GB" dirty="0"/>
-              <a:t>Worse stability -&gt; old solution.</a:t>
-            </a:r>
+              <a:t>Worse stability </a:t>
+            </a:r>
+            <a:r>
+              <a:rPr lang="en-GB"/>
+              <a:t>-&gt; x% chance of acceptance.</a:t>
+            </a:r>
+            <a:endParaRPr lang="en-GB" dirty="0"/>
           </a:p>
           <a:p>
             <a:r>

--- a/Docs/PPP, final.pptx
+++ b/Docs/PPP, final.pptx
@@ -9644,7 +9644,15 @@
           <a:p>
             <a:r>
               <a:rPr lang="en-GB" dirty="0"/>
-              <a:t>Worse stability </a:t>
+              <a:t>Worse </a:t>
+            </a:r>
+            <a:r>
+              <a:rPr lang="en-GB"/>
+              <a:t>or equal </a:t>
+            </a:r>
+            <a:r>
+              <a:rPr lang="en-GB" dirty="0"/>
+              <a:t>stability </a:t>
             </a:r>
             <a:r>
               <a:rPr lang="en-GB"/>

--- a/Docs/PPP, final.pptx
+++ b/Docs/PPP, final.pptx
@@ -16,16 +16,16 @@
     <p:sldId id="285" r:id="rId7"/>
     <p:sldId id="281" r:id="rId8"/>
     <p:sldId id="282" r:id="rId9"/>
-    <p:sldId id="286" r:id="rId10"/>
-    <p:sldId id="274" r:id="rId11"/>
-    <p:sldId id="290" r:id="rId12"/>
-    <p:sldId id="288" r:id="rId13"/>
-    <p:sldId id="289" r:id="rId14"/>
-    <p:sldId id="276" r:id="rId15"/>
-    <p:sldId id="265" r:id="rId16"/>
-    <p:sldId id="278" r:id="rId17"/>
-    <p:sldId id="279" r:id="rId18"/>
-    <p:sldId id="280" r:id="rId19"/>
+    <p:sldId id="274" r:id="rId10"/>
+    <p:sldId id="290" r:id="rId11"/>
+    <p:sldId id="288" r:id="rId12"/>
+    <p:sldId id="289" r:id="rId13"/>
+    <p:sldId id="276" r:id="rId14"/>
+    <p:sldId id="265" r:id="rId15"/>
+    <p:sldId id="278" r:id="rId16"/>
+    <p:sldId id="279" r:id="rId17"/>
+    <p:sldId id="280" r:id="rId18"/>
+    <p:sldId id="286" r:id="rId19"/>
   </p:sldIdLst>
   <p:sldSz cx="12192000" cy="6858000"/>
   <p:notesSz cx="6858000" cy="9144000"/>
@@ -715,7 +715,7 @@
           <a:p>
             <a:fld id="{2831AEBB-41E9-A04A-9C64-38B7EC6FB69A}" type="slidenum">
               <a:rPr lang="en-GB" smtClean="0"/>
-              <a:t>9</a:t>
+              <a:t>18</a:t>
             </a:fld>
             <a:endParaRPr lang="en-GB"/>
           </a:p>
@@ -3737,395 +3737,6 @@
 <file path=ppt/slides/slide10.xml><?xml version="1.0" encoding="utf-8"?>
 <p:sld xmlns:a="http://schemas.openxmlformats.org/drawingml/2006/main" xmlns:r="http://schemas.openxmlformats.org/officeDocument/2006/relationships" xmlns:p="http://schemas.openxmlformats.org/presentationml/2006/main">
   <p:cSld>
-    <p:bg>
-      <p:bgPr>
-        <a:solidFill>
-          <a:schemeClr val="bg1"/>
-        </a:solidFill>
-        <a:effectLst/>
-      </p:bgPr>
-    </p:bg>
-    <p:spTree>
-      <p:nvGrpSpPr>
-        <p:cNvPr id="1" name=""/>
-        <p:cNvGrpSpPr/>
-        <p:nvPr/>
-      </p:nvGrpSpPr>
-      <p:grpSpPr>
-        <a:xfrm>
-          <a:off x="0" y="0"/>
-          <a:ext cx="0" cy="0"/>
-          <a:chOff x="0" y="0"/>
-          <a:chExt cx="0" cy="0"/>
-        </a:xfrm>
-      </p:grpSpPr>
-      <p:sp>
-        <p:nvSpPr>
-          <p:cNvPr id="2" name="Titel 1">
-            <a:extLst>
-              <a:ext uri="{FF2B5EF4-FFF2-40B4-BE49-F238E27FC236}">
-                <a16:creationId xmlns:a16="http://schemas.microsoft.com/office/drawing/2014/main" id="{26D56270-1C1B-4B1E-BC4F-ACC759B672F7}"/>
-              </a:ext>
-            </a:extLst>
-          </p:cNvPr>
-          <p:cNvSpPr>
-            <a:spLocks noGrp="1"/>
-          </p:cNvSpPr>
-          <p:nvPr>
-            <p:ph type="title"/>
-          </p:nvPr>
-        </p:nvSpPr>
-        <p:spPr>
-          <a:xfrm>
-            <a:off x="838200" y="365125"/>
-            <a:ext cx="10515600" cy="1325563"/>
-          </a:xfrm>
-        </p:spPr>
-        <p:txBody>
-          <a:bodyPr vert="horz" lIns="91440" tIns="45720" rIns="91440" bIns="45720" rtlCol="0" anchor="ctr">
-            <a:normAutofit/>
-          </a:bodyPr>
-          <a:lstStyle/>
-          <a:p>
-            <a:r>
-              <a:rPr lang="en-US" dirty="0"/>
-              <a:t>3. Results – State Space check</a:t>
-            </a:r>
-          </a:p>
-        </p:txBody>
-      </p:sp>
-      <mc:AlternateContent xmlns:mc="http://schemas.openxmlformats.org/markup-compatibility/2006" xmlns:a14="http://schemas.microsoft.com/office/drawing/2010/main">
-        <mc:Choice Requires="a14">
-          <p:sp>
-            <p:nvSpPr>
-              <p:cNvPr id="3" name="Tijdelijke aanduiding voor inhoud 2">
-                <a:extLst>
-                  <a:ext uri="{FF2B5EF4-FFF2-40B4-BE49-F238E27FC236}">
-                    <a16:creationId xmlns:a16="http://schemas.microsoft.com/office/drawing/2014/main" id="{938874C9-2E1B-4E00-9D04-38873D0AC371}"/>
-                  </a:ext>
-                </a:extLst>
-              </p:cNvPr>
-              <p:cNvSpPr>
-                <a:spLocks noGrp="1"/>
-              </p:cNvSpPr>
-              <p:nvPr>
-                <p:ph sz="half" idx="1"/>
-              </p:nvPr>
-            </p:nvSpPr>
-            <p:spPr>
-              <a:xfrm>
-                <a:off x="838200" y="1825625"/>
-                <a:ext cx="4083121" cy="4351338"/>
-              </a:xfrm>
-            </p:spPr>
-            <p:txBody>
-              <a:bodyPr vert="horz" lIns="91440" tIns="45720" rIns="91440" bIns="45720" rtlCol="0">
-                <a:normAutofit/>
-              </a:bodyPr>
-              <a:lstStyle/>
-              <a:p>
-                <a:r>
-                  <a:rPr lang="en-US" sz="2400" dirty="0"/>
-                  <a:t>Using breadth first algorithm</a:t>
-                </a:r>
-              </a:p>
-              <a:p>
-                <a:pPr marL="0" indent="0">
-                  <a:buNone/>
-                </a:pPr>
-                <a:endParaRPr lang="en-US" sz="2400" dirty="0"/>
-              </a:p>
-              <a:p>
-                <a:r>
-                  <a:rPr lang="en-US" sz="2400" dirty="0"/>
-                  <a:t>Fit:  </a:t>
-                </a:r>
-                <a14:m>
-                  <m:oMath xmlns:m="http://schemas.openxmlformats.org/officeDocument/2006/math">
-                    <m:r>
-                      <a:rPr lang="en-US" sz="2400" b="0" i="1">
-                        <a:latin typeface="Cambria Math" panose="02040503050406030204" pitchFamily="18" charset="0"/>
-                      </a:rPr>
-                      <m:t>𝑁</m:t>
-                    </m:r>
-                    <m:r>
-                      <a:rPr lang="en-US" sz="2400" b="0" i="1">
-                        <a:latin typeface="Cambria Math" panose="02040503050406030204" pitchFamily="18" charset="0"/>
-                      </a:rPr>
-                      <m:t>=</m:t>
-                    </m:r>
-                    <m:r>
-                      <a:rPr lang="en-US" sz="2400" b="0" i="1">
-                        <a:latin typeface="Cambria Math" panose="02040503050406030204" pitchFamily="18" charset="0"/>
-                      </a:rPr>
-                      <m:t>𝐴</m:t>
-                    </m:r>
-                    <m:r>
-                      <a:rPr lang="en-US" sz="2400" b="0" i="1">
-                        <a:latin typeface="Cambria Math" panose="02040503050406030204" pitchFamily="18" charset="0"/>
-                      </a:rPr>
-                      <m:t>∙</m:t>
-                    </m:r>
-                    <m:sSup>
-                      <m:sSupPr>
-                        <m:ctrlPr>
-                          <a:rPr lang="en-US" sz="2400" b="0" i="1">
-                            <a:latin typeface="Cambria Math" panose="02040503050406030204" pitchFamily="18" charset="0"/>
-                          </a:rPr>
-                        </m:ctrlPr>
-                      </m:sSupPr>
-                      <m:e>
-                        <m:r>
-                          <a:rPr lang="en-US" sz="2400" b="0" i="1">
-                            <a:latin typeface="Cambria Math" panose="02040503050406030204" pitchFamily="18" charset="0"/>
-                          </a:rPr>
-                          <m:t>𝑒</m:t>
-                        </m:r>
-                      </m:e>
-                      <m:sup>
-                        <m:r>
-                          <a:rPr lang="en-US" sz="2400" b="0" i="1">
-                            <a:latin typeface="Cambria Math" panose="02040503050406030204" pitchFamily="18" charset="0"/>
-                          </a:rPr>
-                          <m:t>𝑅</m:t>
-                        </m:r>
-                        <m:r>
-                          <a:rPr lang="en-US" sz="2400" b="0" i="1">
-                            <a:latin typeface="Cambria Math" panose="02040503050406030204" pitchFamily="18" charset="0"/>
-                          </a:rPr>
-                          <m:t>∙</m:t>
-                        </m:r>
-                        <m:r>
-                          <a:rPr lang="en-US" sz="2400" b="0" i="1">
-                            <a:latin typeface="Cambria Math" panose="02040503050406030204" pitchFamily="18" charset="0"/>
-                          </a:rPr>
-                          <m:t>𝑛</m:t>
-                        </m:r>
-                      </m:sup>
-                    </m:sSup>
-                  </m:oMath>
-                </a14:m>
-                <a:endParaRPr lang="en-US" sz="2400" dirty="0"/>
-              </a:p>
-              <a:p>
-                <a:r>
-                  <a:rPr lang="en-US" sz="2400" dirty="0"/>
-                  <a:t>N: number of permutations</a:t>
-                </a:r>
-              </a:p>
-              <a:p>
-                <a:r>
-                  <a:rPr lang="en-US" sz="2400" dirty="0"/>
-                  <a:t>A: 0.051 ± 0.001</a:t>
-                </a:r>
-              </a:p>
-              <a:p>
-                <a:r>
-                  <a:rPr lang="en-US" sz="2400" dirty="0"/>
-                  <a:t>R: 1.560 ± 0.001</a:t>
-                </a:r>
-              </a:p>
-              <a:p>
-                <a:r>
-                  <a:rPr lang="en-US" sz="2400" dirty="0"/>
-                  <a:t>n: protein chain length</a:t>
-                </a:r>
-              </a:p>
-              <a:p>
-                <a:endParaRPr lang="en-US" sz="2400" dirty="0"/>
-              </a:p>
-              <a:p>
-                <a:endParaRPr lang="en-US" sz="2000" dirty="0"/>
-              </a:p>
-              <a:p>
-                <a:endParaRPr lang="en-US" sz="2000" dirty="0"/>
-              </a:p>
-              <a:p>
-                <a:endParaRPr lang="en-US" sz="2000" dirty="0"/>
-              </a:p>
-              <a:p>
-                <a:endParaRPr lang="en-US" sz="2000" dirty="0"/>
-              </a:p>
-            </p:txBody>
-          </p:sp>
-        </mc:Choice>
-        <mc:Fallback xmlns="">
-          <p:sp>
-            <p:nvSpPr>
-              <p:cNvPr id="3" name="Tijdelijke aanduiding voor inhoud 2">
-                <a:extLst>
-                  <a:ext uri="{FF2B5EF4-FFF2-40B4-BE49-F238E27FC236}">
-                    <a16:creationId xmlns:a16="http://schemas.microsoft.com/office/drawing/2014/main" id="{938874C9-2E1B-4E00-9D04-38873D0AC371}"/>
-                  </a:ext>
-                </a:extLst>
-              </p:cNvPr>
-              <p:cNvSpPr>
-                <a:spLocks noGrp="1" noRot="1" noChangeAspect="1" noMove="1" noResize="1" noEditPoints="1" noAdjustHandles="1" noChangeArrowheads="1" noChangeShapeType="1" noTextEdit="1"/>
-              </p:cNvSpPr>
-              <p:nvPr>
-                <p:ph sz="half" idx="1"/>
-              </p:nvPr>
-            </p:nvSpPr>
-            <p:spPr>
-              <a:xfrm>
-                <a:off x="838200" y="1825625"/>
-                <a:ext cx="4083121" cy="4351338"/>
-              </a:xfrm>
-              <a:blipFill>
-                <a:blip r:embed="rId2"/>
-                <a:stretch>
-                  <a:fillRect l="-2093" t="-1961"/>
-                </a:stretch>
-              </a:blipFill>
-            </p:spPr>
-            <p:txBody>
-              <a:bodyPr/>
-              <a:lstStyle/>
-              <a:p>
-                <a:r>
-                  <a:rPr lang="en-GB">
-                    <a:noFill/>
-                  </a:rPr>
-                  <a:t> </a:t>
-                </a:r>
-              </a:p>
-            </p:txBody>
-          </p:sp>
-        </mc:Fallback>
-      </mc:AlternateContent>
-      <p:sp>
-        <p:nvSpPr>
-          <p:cNvPr id="4" name="Tijdelijke aanduiding voor dianummer 3">
-            <a:extLst>
-              <a:ext uri="{FF2B5EF4-FFF2-40B4-BE49-F238E27FC236}">
-                <a16:creationId xmlns:a16="http://schemas.microsoft.com/office/drawing/2014/main" id="{6F592BCE-9B97-CA47-BF1B-C09A35D3D8AD}"/>
-              </a:ext>
-            </a:extLst>
-          </p:cNvPr>
-          <p:cNvSpPr>
-            <a:spLocks noGrp="1"/>
-          </p:cNvSpPr>
-          <p:nvPr>
-            <p:ph type="sldNum" sz="quarter" idx="12"/>
-          </p:nvPr>
-        </p:nvSpPr>
-        <p:spPr>
-          <a:xfrm>
-            <a:off x="8610600" y="6356350"/>
-            <a:ext cx="2743200" cy="365125"/>
-          </a:xfrm>
-        </p:spPr>
-        <p:txBody>
-          <a:bodyPr vert="horz" lIns="91440" tIns="45720" rIns="91440" bIns="45720" rtlCol="0" anchor="ctr">
-            <a:normAutofit/>
-          </a:bodyPr>
-          <a:lstStyle/>
-          <a:p>
-            <a:pPr defTabSz="914400">
-              <a:spcAft>
-                <a:spcPts val="600"/>
-              </a:spcAft>
-              <a:defRPr/>
-            </a:pPr>
-            <a:fld id="{D1892F8F-5571-E246-B053-E27A62D47BEF}" type="slidenum">
-              <a:rPr lang="en-US" smtClean="0">
-                <a:solidFill>
-                  <a:prstClr val="black">
-                    <a:tint val="75000"/>
-                  </a:prstClr>
-                </a:solidFill>
-                <a:latin typeface="Calibri" panose="020F0502020204030204"/>
-              </a:rPr>
-              <a:pPr defTabSz="914400">
-                <a:spcAft>
-                  <a:spcPts val="600"/>
-                </a:spcAft>
-                <a:defRPr/>
-              </a:pPr>
-              <a:t>10</a:t>
-            </a:fld>
-            <a:endParaRPr lang="en-US">
-              <a:solidFill>
-                <a:prstClr val="black">
-                  <a:tint val="75000"/>
-                </a:prstClr>
-              </a:solidFill>
-              <a:latin typeface="Calibri" panose="020F0502020204030204"/>
-            </a:endParaRPr>
-          </a:p>
-        </p:txBody>
-      </p:sp>
-      <p:sp>
-        <p:nvSpPr>
-          <p:cNvPr id="10" name="Tijdelijke aanduiding voor inhoud 9">
-            <a:extLst>
-              <a:ext uri="{FF2B5EF4-FFF2-40B4-BE49-F238E27FC236}">
-                <a16:creationId xmlns:a16="http://schemas.microsoft.com/office/drawing/2014/main" id="{8B50F8AB-436A-4F43-8953-32EAAC356C2A}"/>
-              </a:ext>
-            </a:extLst>
-          </p:cNvPr>
-          <p:cNvSpPr>
-            <a:spLocks noGrp="1"/>
-          </p:cNvSpPr>
-          <p:nvPr>
-            <p:ph sz="half" idx="2"/>
-          </p:nvPr>
-        </p:nvSpPr>
-        <p:spPr/>
-        <p:txBody>
-          <a:bodyPr/>
-          <a:lstStyle/>
-          <a:p>
-            <a:endParaRPr lang="en-GB"/>
-          </a:p>
-        </p:txBody>
-      </p:sp>
-      <p:pic>
-        <p:nvPicPr>
-          <p:cNvPr id="11" name="Afbeelding 10">
-            <a:extLst>
-              <a:ext uri="{FF2B5EF4-FFF2-40B4-BE49-F238E27FC236}">
-                <a16:creationId xmlns:a16="http://schemas.microsoft.com/office/drawing/2014/main" id="{FB86E529-AC46-4AD2-87B9-20CC29A28322}"/>
-              </a:ext>
-            </a:extLst>
-          </p:cNvPr>
-          <p:cNvPicPr>
-            <a:picLocks noChangeAspect="1"/>
-          </p:cNvPicPr>
-          <p:nvPr/>
-        </p:nvPicPr>
-        <p:blipFill>
-          <a:blip r:embed="rId3"/>
-          <a:stretch>
-            <a:fillRect/>
-          </a:stretch>
-        </p:blipFill>
-        <p:spPr>
-          <a:xfrm>
-            <a:off x="5561125" y="1455969"/>
-            <a:ext cx="6403749" cy="4900381"/>
-          </a:xfrm>
-          <a:prstGeom prst="rect">
-            <a:avLst/>
-          </a:prstGeom>
-        </p:spPr>
-      </p:pic>
-    </p:spTree>
-    <p:extLst>
-      <p:ext uri="{BB962C8B-B14F-4D97-AF65-F5344CB8AC3E}">
-        <p14:creationId xmlns:p14="http://schemas.microsoft.com/office/powerpoint/2010/main" val="163970808"/>
-      </p:ext>
-    </p:extLst>
-  </p:cSld>
-  <p:clrMapOvr>
-    <a:masterClrMapping/>
-  </p:clrMapOvr>
-</p:sld>
-</file>
-
-<file path=ppt/slides/slide11.xml><?xml version="1.0" encoding="utf-8"?>
-<p:sld xmlns:a="http://schemas.openxmlformats.org/drawingml/2006/main" xmlns:r="http://schemas.openxmlformats.org/officeDocument/2006/relationships" xmlns:p="http://schemas.openxmlformats.org/presentationml/2006/main">
-  <p:cSld>
     <p:spTree>
       <p:nvGrpSpPr>
         <p:cNvPr id="1" name=""/>
@@ -4772,7 +4383,7 @@
           <a:p>
             <a:fld id="{D1892F8F-5571-E246-B053-E27A62D47BEF}" type="slidenum">
               <a:rPr lang="en-GB" smtClean="0"/>
-              <a:t>11</a:t>
+              <a:t>10</a:t>
             </a:fld>
             <a:endParaRPr lang="en-GB"/>
           </a:p>
@@ -4791,7 +4402,7 @@
 </p:sld>
 </file>
 
-<file path=ppt/slides/slide12.xml><?xml version="1.0" encoding="utf-8"?>
+<file path=ppt/slides/slide11.xml><?xml version="1.0" encoding="utf-8"?>
 <p:sld xmlns:a="http://schemas.openxmlformats.org/drawingml/2006/main" xmlns:r="http://schemas.openxmlformats.org/officeDocument/2006/relationships" xmlns:p="http://schemas.openxmlformats.org/presentationml/2006/main">
   <p:cSld>
     <p:spTree>
@@ -4908,7 +4519,7 @@
           <a:p>
             <a:fld id="{D1892F8F-5571-E246-B053-E27A62D47BEF}" type="slidenum">
               <a:rPr lang="en-GB" smtClean="0"/>
-              <a:t>12</a:t>
+              <a:t>11</a:t>
             </a:fld>
             <a:endParaRPr lang="en-GB"/>
           </a:p>
@@ -5197,7 +4808,7 @@
 </p:sld>
 </file>
 
-<file path=ppt/slides/slide13.xml><?xml version="1.0" encoding="utf-8"?>
+<file path=ppt/slides/slide12.xml><?xml version="1.0" encoding="utf-8"?>
 <p:sld xmlns:a="http://schemas.openxmlformats.org/drawingml/2006/main" xmlns:r="http://schemas.openxmlformats.org/officeDocument/2006/relationships" xmlns:p="http://schemas.openxmlformats.org/presentationml/2006/main">
   <p:cSld>
     <p:spTree>
@@ -5738,7 +5349,7 @@
           <a:p>
             <a:fld id="{D1892F8F-5571-E246-B053-E27A62D47BEF}" type="slidenum">
               <a:rPr lang="en-GB" smtClean="0"/>
-              <a:t>13</a:t>
+              <a:t>12</a:t>
             </a:fld>
             <a:endParaRPr lang="en-GB"/>
           </a:p>
@@ -5757,7 +5368,7 @@
 </p:sld>
 </file>
 
-<file path=ppt/slides/slide14.xml><?xml version="1.0" encoding="utf-8"?>
+<file path=ppt/slides/slide13.xml><?xml version="1.0" encoding="utf-8"?>
 <p:sld xmlns:a="http://schemas.openxmlformats.org/drawingml/2006/main" xmlns:r="http://schemas.openxmlformats.org/officeDocument/2006/relationships" xmlns:p="http://schemas.openxmlformats.org/presentationml/2006/main">
   <p:cSld>
     <p:spTree>
@@ -6114,7 +5725,7 @@
           <a:p>
             <a:fld id="{D1892F8F-5571-E246-B053-E27A62D47BEF}" type="slidenum">
               <a:rPr lang="en-GB" smtClean="0"/>
-              <a:t>14</a:t>
+              <a:t>13</a:t>
             </a:fld>
             <a:endParaRPr lang="en-GB"/>
           </a:p>
@@ -7166,7 +6777,7 @@
 </p:sld>
 </file>
 
-<file path=ppt/slides/slide15.xml><?xml version="1.0" encoding="utf-8"?>
+<file path=ppt/slides/slide14.xml><?xml version="1.0" encoding="utf-8"?>
 <p:sld xmlns:a="http://schemas.openxmlformats.org/drawingml/2006/main" xmlns:r="http://schemas.openxmlformats.org/officeDocument/2006/relationships" xmlns:p="http://schemas.openxmlformats.org/presentationml/2006/main">
   <p:cSld>
     <p:spTree>
@@ -7264,7 +6875,7 @@
           <a:p>
             <a:fld id="{D1892F8F-5571-E246-B053-E27A62D47BEF}" type="slidenum">
               <a:rPr lang="en-GB" smtClean="0"/>
-              <a:t>15</a:t>
+              <a:t>14</a:t>
             </a:fld>
             <a:endParaRPr lang="en-GB"/>
           </a:p>
@@ -7283,7 +6894,7 @@
 </p:sld>
 </file>
 
-<file path=ppt/slides/slide16.xml><?xml version="1.0" encoding="utf-8"?>
+<file path=ppt/slides/slide15.xml><?xml version="1.0" encoding="utf-8"?>
 <p:sld xmlns:a="http://schemas.openxmlformats.org/drawingml/2006/main" xmlns:r="http://schemas.openxmlformats.org/officeDocument/2006/relationships" xmlns:p="http://schemas.openxmlformats.org/presentationml/2006/main">
   <p:cSld>
     <p:spTree>
@@ -7507,7 +7118,7 @@
           <a:p>
             <a:fld id="{D1892F8F-5571-E246-B053-E27A62D47BEF}" type="slidenum">
               <a:rPr lang="en-GB" smtClean="0"/>
-              <a:t>16</a:t>
+              <a:t>15</a:t>
             </a:fld>
             <a:endParaRPr lang="en-GB"/>
           </a:p>
@@ -7526,7 +7137,7 @@
 </p:sld>
 </file>
 
-<file path=ppt/slides/slide17.xml><?xml version="1.0" encoding="utf-8"?>
+<file path=ppt/slides/slide16.xml><?xml version="1.0" encoding="utf-8"?>
 <p:sld xmlns:a="http://schemas.openxmlformats.org/drawingml/2006/main" xmlns:r="http://schemas.openxmlformats.org/officeDocument/2006/relationships" xmlns:p="http://schemas.openxmlformats.org/presentationml/2006/main">
   <p:cSld>
     <p:spTree>
@@ -7764,7 +7375,7 @@
           <a:p>
             <a:fld id="{D1892F8F-5571-E246-B053-E27A62D47BEF}" type="slidenum">
               <a:rPr lang="en-GB" smtClean="0"/>
-              <a:t>17</a:t>
+              <a:t>16</a:t>
             </a:fld>
             <a:endParaRPr lang="en-GB"/>
           </a:p>
@@ -7783,7 +7394,7 @@
 </p:sld>
 </file>
 
-<file path=ppt/slides/slide18.xml><?xml version="1.0" encoding="utf-8"?>
+<file path=ppt/slides/slide17.xml><?xml version="1.0" encoding="utf-8"?>
 <p:sld xmlns:a="http://schemas.openxmlformats.org/drawingml/2006/main" xmlns:r="http://schemas.openxmlformats.org/officeDocument/2006/relationships" xmlns:p="http://schemas.openxmlformats.org/presentationml/2006/main">
   <p:cSld>
     <p:spTree>
@@ -7962,7 +7573,7 @@
           <a:p>
             <a:fld id="{D1892F8F-5571-E246-B053-E27A62D47BEF}" type="slidenum">
               <a:rPr lang="en-GB" smtClean="0"/>
-              <a:t>18</a:t>
+              <a:t>17</a:t>
             </a:fld>
             <a:endParaRPr lang="en-GB"/>
           </a:p>
@@ -7972,6 +7583,272 @@
     <p:extLst>
       <p:ext uri="{BB962C8B-B14F-4D97-AF65-F5344CB8AC3E}">
         <p14:creationId xmlns:p14="http://schemas.microsoft.com/office/powerpoint/2010/main" val="3810750948"/>
+      </p:ext>
+    </p:extLst>
+  </p:cSld>
+  <p:clrMapOvr>
+    <a:masterClrMapping/>
+  </p:clrMapOvr>
+</p:sld>
+</file>
+
+<file path=ppt/slides/slide18.xml><?xml version="1.0" encoding="utf-8"?>
+<p:sld xmlns:a="http://schemas.openxmlformats.org/drawingml/2006/main" xmlns:r="http://schemas.openxmlformats.org/officeDocument/2006/relationships" xmlns:p="http://schemas.openxmlformats.org/presentationml/2006/main">
+  <p:cSld>
+    <p:spTree>
+      <p:nvGrpSpPr>
+        <p:cNvPr id="1" name=""/>
+        <p:cNvGrpSpPr/>
+        <p:nvPr/>
+      </p:nvGrpSpPr>
+      <p:grpSpPr>
+        <a:xfrm>
+          <a:off x="0" y="0"/>
+          <a:ext cx="0" cy="0"/>
+          <a:chOff x="0" y="0"/>
+          <a:chExt cx="0" cy="0"/>
+        </a:xfrm>
+      </p:grpSpPr>
+      <p:sp>
+        <p:nvSpPr>
+          <p:cNvPr id="2" name="Titel 1">
+            <a:extLst>
+              <a:ext uri="{FF2B5EF4-FFF2-40B4-BE49-F238E27FC236}">
+                <a16:creationId xmlns:a16="http://schemas.microsoft.com/office/drawing/2014/main" id="{BDECAEB1-542A-F848-9D2C-B10DFE956AB7}"/>
+              </a:ext>
+            </a:extLst>
+          </p:cNvPr>
+          <p:cNvSpPr>
+            <a:spLocks noGrp="1"/>
+          </p:cNvSpPr>
+          <p:nvPr>
+            <p:ph type="title"/>
+          </p:nvPr>
+        </p:nvSpPr>
+        <p:spPr/>
+        <p:txBody>
+          <a:bodyPr/>
+          <a:lstStyle/>
+          <a:p>
+            <a:r>
+              <a:rPr lang="en-GB" dirty="0"/>
+              <a:t>2. Hill Climber (Pull moves) + Sim Annealing</a:t>
+            </a:r>
+          </a:p>
+        </p:txBody>
+      </p:sp>
+      <p:sp>
+        <p:nvSpPr>
+          <p:cNvPr id="3" name="Tijdelijke aanduiding voor inhoud 2">
+            <a:extLst>
+              <a:ext uri="{FF2B5EF4-FFF2-40B4-BE49-F238E27FC236}">
+                <a16:creationId xmlns:a16="http://schemas.microsoft.com/office/drawing/2014/main" id="{6B57B016-94D5-F646-9976-362E7188E1F0}"/>
+              </a:ext>
+            </a:extLst>
+          </p:cNvPr>
+          <p:cNvSpPr>
+            <a:spLocks noGrp="1"/>
+          </p:cNvSpPr>
+          <p:nvPr>
+            <p:ph sz="half" idx="1"/>
+          </p:nvPr>
+        </p:nvSpPr>
+        <p:spPr/>
+        <p:txBody>
+          <a:bodyPr/>
+          <a:lstStyle/>
+          <a:p>
+            <a:r>
+              <a:rPr lang="en-GB" dirty="0"/>
+              <a:t>Iterative algorithm.</a:t>
+            </a:r>
+          </a:p>
+          <a:p>
+            <a:r>
+              <a:rPr lang="en-GB" dirty="0"/>
+              <a:t>Starts with a solution.</a:t>
+            </a:r>
+          </a:p>
+          <a:p>
+            <a:r>
+              <a:rPr lang="en-GB" dirty="0"/>
+              <a:t>Goes through the solution and tries to pull an elements diagonally to increase stability.</a:t>
+            </a:r>
+          </a:p>
+          <a:p>
+            <a:r>
+              <a:rPr lang="en-GB" dirty="0"/>
+              <a:t>Better stability -&gt; new solution.</a:t>
+            </a:r>
+          </a:p>
+          <a:p>
+            <a:r>
+              <a:rPr lang="en-GB" dirty="0"/>
+              <a:t>Worse </a:t>
+            </a:r>
+            <a:r>
+              <a:rPr lang="en-GB"/>
+              <a:t>or equal </a:t>
+            </a:r>
+            <a:r>
+              <a:rPr lang="en-GB" dirty="0"/>
+              <a:t>stability </a:t>
+            </a:r>
+            <a:r>
+              <a:rPr lang="en-GB"/>
+              <a:t>-&gt; x% chance of acceptance.</a:t>
+            </a:r>
+            <a:endParaRPr lang="en-GB" dirty="0"/>
+          </a:p>
+          <a:p>
+            <a:r>
+              <a:rPr lang="en-GB" dirty="0"/>
+              <a:t>Repeat until stability converges.</a:t>
+            </a:r>
+          </a:p>
+        </p:txBody>
+      </p:sp>
+      <p:sp>
+        <p:nvSpPr>
+          <p:cNvPr id="4" name="Tijdelijke aanduiding voor dianummer 3">
+            <a:extLst>
+              <a:ext uri="{FF2B5EF4-FFF2-40B4-BE49-F238E27FC236}">
+                <a16:creationId xmlns:a16="http://schemas.microsoft.com/office/drawing/2014/main" id="{B78FA2CF-309C-7741-B78B-29A8D3C4359F}"/>
+              </a:ext>
+            </a:extLst>
+          </p:cNvPr>
+          <p:cNvSpPr>
+            <a:spLocks noGrp="1"/>
+          </p:cNvSpPr>
+          <p:nvPr>
+            <p:ph type="sldNum" sz="quarter" idx="12"/>
+          </p:nvPr>
+        </p:nvSpPr>
+        <p:spPr/>
+        <p:txBody>
+          <a:bodyPr/>
+          <a:lstStyle/>
+          <a:p>
+            <a:fld id="{D1892F8F-5571-E246-B053-E27A62D47BEF}" type="slidenum">
+              <a:rPr lang="en-GB" smtClean="0"/>
+              <a:t>18</a:t>
+            </a:fld>
+            <a:endParaRPr lang="en-GB"/>
+          </a:p>
+        </p:txBody>
+      </p:sp>
+      <p:pic>
+        <p:nvPicPr>
+          <p:cNvPr id="1026" name="Picture 2" descr="Pull move transformation for HP sequence HHHP HP P P P P H at position 3">
+            <a:extLst>
+              <a:ext uri="{FF2B5EF4-FFF2-40B4-BE49-F238E27FC236}">
+                <a16:creationId xmlns:a16="http://schemas.microsoft.com/office/drawing/2014/main" id="{212985C8-7720-450F-82AE-5163C9E5109D}"/>
+              </a:ext>
+            </a:extLst>
+          </p:cNvPr>
+          <p:cNvPicPr>
+            <a:picLocks noGrp="1" noChangeAspect="1" noChangeArrowheads="1"/>
+          </p:cNvPicPr>
+          <p:nvPr>
+            <p:ph sz="half" idx="2"/>
+          </p:nvPr>
+        </p:nvPicPr>
+        <p:blipFill>
+          <a:blip r:embed="rId3">
+            <a:extLst>
+              <a:ext uri="{28A0092B-C50C-407E-A947-70E740481C1C}">
+                <a14:useLocalDpi xmlns:a14="http://schemas.microsoft.com/office/drawing/2010/main" val="0"/>
+              </a:ext>
+            </a:extLst>
+          </a:blip>
+          <a:srcRect/>
+          <a:stretch>
+            <a:fillRect/>
+          </a:stretch>
+        </p:blipFill>
+        <p:spPr bwMode="auto">
+          <a:xfrm>
+            <a:off x="6381750" y="2431978"/>
+            <a:ext cx="4762500" cy="2381250"/>
+          </a:xfrm>
+          <a:prstGeom prst="rect">
+            <a:avLst/>
+          </a:prstGeom>
+          <a:noFill/>
+          <a:extLst>
+            <a:ext uri="{909E8E84-426E-40DD-AFC4-6F175D3DCCD1}">
+              <a14:hiddenFill xmlns:a14="http://schemas.microsoft.com/office/drawing/2010/main">
+                <a:solidFill>
+                  <a:srgbClr val="FFFFFF"/>
+                </a:solidFill>
+              </a14:hiddenFill>
+            </a:ext>
+          </a:extLst>
+        </p:spPr>
+      </p:pic>
+      <p:sp>
+        <p:nvSpPr>
+          <p:cNvPr id="8" name="Tekstvak 7">
+            <a:extLst>
+              <a:ext uri="{FF2B5EF4-FFF2-40B4-BE49-F238E27FC236}">
+                <a16:creationId xmlns:a16="http://schemas.microsoft.com/office/drawing/2014/main" id="{D16F468E-B7DB-480A-896A-9213A792B403}"/>
+              </a:ext>
+            </a:extLst>
+          </p:cNvPr>
+          <p:cNvSpPr txBox="1"/>
+          <p:nvPr/>
+        </p:nvSpPr>
+        <p:spPr>
+          <a:xfrm>
+            <a:off x="1098550" y="6032500"/>
+            <a:ext cx="10185400" cy="646331"/>
+          </a:xfrm>
+          <a:prstGeom prst="rect">
+            <a:avLst/>
+          </a:prstGeom>
+          <a:noFill/>
+        </p:spPr>
+        <p:txBody>
+          <a:bodyPr wrap="square" rtlCol="0">
+            <a:spAutoFit/>
+          </a:bodyPr>
+          <a:lstStyle/>
+          <a:p>
+            <a:r>
+              <a:rPr lang="en-US" dirty="0"/>
+              <a:t>Source: </a:t>
+            </a:r>
+            <a:r>
+              <a:rPr lang="en-US" dirty="0" err="1"/>
+              <a:t>Chira</a:t>
+            </a:r>
+            <a:r>
+              <a:rPr lang="en-US" dirty="0"/>
+              <a:t>, Camelia. "Hill-climbing search in evolutionary models for protein folding simulations." </a:t>
+            </a:r>
+            <a:r>
+              <a:rPr lang="en-US" i="1" dirty="0"/>
+              <a:t>Stud Univ Babe\c s-</a:t>
+            </a:r>
+            <a:r>
+              <a:rPr lang="en-US" i="1" dirty="0" err="1"/>
+              <a:t>Bolyai</a:t>
+            </a:r>
+            <a:r>
+              <a:rPr lang="en-US" i="1" dirty="0"/>
+              <a:t> Inform</a:t>
+            </a:r>
+            <a:r>
+              <a:rPr lang="en-US" dirty="0"/>
+              <a:t> 55 (2010): 29-40.</a:t>
+            </a:r>
+          </a:p>
+        </p:txBody>
+      </p:sp>
+    </p:spTree>
+    <p:extLst>
+      <p:ext uri="{BB962C8B-B14F-4D97-AF65-F5344CB8AC3E}">
+        <p14:creationId xmlns:p14="http://schemas.microsoft.com/office/powerpoint/2010/main" val="2815858668"/>
       </p:ext>
     </p:extLst>
   </p:cSld>
@@ -9555,6 +9432,14 @@
 <file path=ppt/slides/slide9.xml><?xml version="1.0" encoding="utf-8"?>
 <p:sld xmlns:a="http://schemas.openxmlformats.org/drawingml/2006/main" xmlns:r="http://schemas.openxmlformats.org/officeDocument/2006/relationships" xmlns:p="http://schemas.openxmlformats.org/presentationml/2006/main">
   <p:cSld>
+    <p:bg>
+      <p:bgPr>
+        <a:solidFill>
+          <a:schemeClr val="bg1"/>
+        </a:solidFill>
+        <a:effectLst/>
+      </p:bgPr>
+    </p:bg>
     <p:spTree>
       <p:nvGrpSpPr>
         <p:cNvPr id="1" name=""/>
@@ -9574,7 +9459,7 @@
           <p:cNvPr id="2" name="Titel 1">
             <a:extLst>
               <a:ext uri="{FF2B5EF4-FFF2-40B4-BE49-F238E27FC236}">
-                <a16:creationId xmlns:a16="http://schemas.microsoft.com/office/drawing/2014/main" id="{BDECAEB1-542A-F848-9D2C-B10DFE956AB7}"/>
+                <a16:creationId xmlns:a16="http://schemas.microsoft.com/office/drawing/2014/main" id="{26D56270-1C1B-4B1E-BC4F-ACC759B672F7}"/>
               </a:ext>
             </a:extLst>
           </p:cNvPr>
@@ -9585,24 +9470,230 @@
             <p:ph type="title"/>
           </p:nvPr>
         </p:nvSpPr>
-        <p:spPr/>
-        <p:txBody>
-          <a:bodyPr/>
-          <a:lstStyle/>
-          <a:p>
-            <a:r>
-              <a:rPr lang="en-GB" dirty="0"/>
-              <a:t>2. Hill Climber (Pull moves) + Sim Annealing</a:t>
-            </a:r>
-          </a:p>
-        </p:txBody>
-      </p:sp>
-      <p:sp>
-        <p:nvSpPr>
-          <p:cNvPr id="3" name="Tijdelijke aanduiding voor inhoud 2">
+        <p:spPr>
+          <a:xfrm>
+            <a:off x="838200" y="365125"/>
+            <a:ext cx="10515600" cy="1325563"/>
+          </a:xfrm>
+        </p:spPr>
+        <p:txBody>
+          <a:bodyPr vert="horz" lIns="91440" tIns="45720" rIns="91440" bIns="45720" rtlCol="0" anchor="ctr">
+            <a:normAutofit/>
+          </a:bodyPr>
+          <a:lstStyle/>
+          <a:p>
+            <a:r>
+              <a:rPr lang="en-US" dirty="0"/>
+              <a:t>3. Results – State Space check</a:t>
+            </a:r>
+          </a:p>
+        </p:txBody>
+      </p:sp>
+      <mc:AlternateContent xmlns:mc="http://schemas.openxmlformats.org/markup-compatibility/2006" xmlns:a14="http://schemas.microsoft.com/office/drawing/2010/main">
+        <mc:Choice Requires="a14">
+          <p:sp>
+            <p:nvSpPr>
+              <p:cNvPr id="3" name="Tijdelijke aanduiding voor inhoud 2">
+                <a:extLst>
+                  <a:ext uri="{FF2B5EF4-FFF2-40B4-BE49-F238E27FC236}">
+                    <a16:creationId xmlns:a16="http://schemas.microsoft.com/office/drawing/2014/main" id="{938874C9-2E1B-4E00-9D04-38873D0AC371}"/>
+                  </a:ext>
+                </a:extLst>
+              </p:cNvPr>
+              <p:cNvSpPr>
+                <a:spLocks noGrp="1"/>
+              </p:cNvSpPr>
+              <p:nvPr>
+                <p:ph sz="half" idx="1"/>
+              </p:nvPr>
+            </p:nvSpPr>
+            <p:spPr>
+              <a:xfrm>
+                <a:off x="838200" y="1825625"/>
+                <a:ext cx="4083121" cy="4351338"/>
+              </a:xfrm>
+            </p:spPr>
+            <p:txBody>
+              <a:bodyPr vert="horz" lIns="91440" tIns="45720" rIns="91440" bIns="45720" rtlCol="0">
+                <a:normAutofit/>
+              </a:bodyPr>
+              <a:lstStyle/>
+              <a:p>
+                <a:r>
+                  <a:rPr lang="en-US" sz="2400" dirty="0"/>
+                  <a:t>Using breadth first algorithm</a:t>
+                </a:r>
+              </a:p>
+              <a:p>
+                <a:pPr marL="0" indent="0">
+                  <a:buNone/>
+                </a:pPr>
+                <a:endParaRPr lang="en-US" sz="2400" dirty="0"/>
+              </a:p>
+              <a:p>
+                <a:r>
+                  <a:rPr lang="en-US" sz="2400" dirty="0"/>
+                  <a:t>Fit:  </a:t>
+                </a:r>
+                <a14:m>
+                  <m:oMath xmlns:m="http://schemas.openxmlformats.org/officeDocument/2006/math">
+                    <m:r>
+                      <a:rPr lang="en-US" sz="2400" b="0" i="1">
+                        <a:latin typeface="Cambria Math" panose="02040503050406030204" pitchFamily="18" charset="0"/>
+                      </a:rPr>
+                      <m:t>𝑁</m:t>
+                    </m:r>
+                    <m:r>
+                      <a:rPr lang="en-US" sz="2400" b="0" i="1">
+                        <a:latin typeface="Cambria Math" panose="02040503050406030204" pitchFamily="18" charset="0"/>
+                      </a:rPr>
+                      <m:t>=</m:t>
+                    </m:r>
+                    <m:r>
+                      <a:rPr lang="en-US" sz="2400" b="0" i="1">
+                        <a:latin typeface="Cambria Math" panose="02040503050406030204" pitchFamily="18" charset="0"/>
+                      </a:rPr>
+                      <m:t>𝐴</m:t>
+                    </m:r>
+                    <m:r>
+                      <a:rPr lang="en-US" sz="2400" b="0" i="1">
+                        <a:latin typeface="Cambria Math" panose="02040503050406030204" pitchFamily="18" charset="0"/>
+                      </a:rPr>
+                      <m:t>∙</m:t>
+                    </m:r>
+                    <m:sSup>
+                      <m:sSupPr>
+                        <m:ctrlPr>
+                          <a:rPr lang="en-US" sz="2400" b="0" i="1">
+                            <a:latin typeface="Cambria Math" panose="02040503050406030204" pitchFamily="18" charset="0"/>
+                          </a:rPr>
+                        </m:ctrlPr>
+                      </m:sSupPr>
+                      <m:e>
+                        <m:r>
+                          <a:rPr lang="en-US" sz="2400" b="0" i="1">
+                            <a:latin typeface="Cambria Math" panose="02040503050406030204" pitchFamily="18" charset="0"/>
+                          </a:rPr>
+                          <m:t>𝑒</m:t>
+                        </m:r>
+                      </m:e>
+                      <m:sup>
+                        <m:r>
+                          <a:rPr lang="en-US" sz="2400" b="0" i="1">
+                            <a:latin typeface="Cambria Math" panose="02040503050406030204" pitchFamily="18" charset="0"/>
+                          </a:rPr>
+                          <m:t>𝑅</m:t>
+                        </m:r>
+                        <m:r>
+                          <a:rPr lang="en-US" sz="2400" b="0" i="1">
+                            <a:latin typeface="Cambria Math" panose="02040503050406030204" pitchFamily="18" charset="0"/>
+                          </a:rPr>
+                          <m:t>∙</m:t>
+                        </m:r>
+                        <m:r>
+                          <a:rPr lang="en-US" sz="2400" b="0" i="1">
+                            <a:latin typeface="Cambria Math" panose="02040503050406030204" pitchFamily="18" charset="0"/>
+                          </a:rPr>
+                          <m:t>𝑛</m:t>
+                        </m:r>
+                      </m:sup>
+                    </m:sSup>
+                  </m:oMath>
+                </a14:m>
+                <a:endParaRPr lang="en-US" sz="2400" dirty="0"/>
+              </a:p>
+              <a:p>
+                <a:r>
+                  <a:rPr lang="en-US" sz="2400" dirty="0"/>
+                  <a:t>N: number of permutations</a:t>
+                </a:r>
+              </a:p>
+              <a:p>
+                <a:r>
+                  <a:rPr lang="en-US" sz="2400" dirty="0"/>
+                  <a:t>A: 0.051 ± 0.001</a:t>
+                </a:r>
+              </a:p>
+              <a:p>
+                <a:r>
+                  <a:rPr lang="en-US" sz="2400" dirty="0"/>
+                  <a:t>R: 1.560 ± 0.001</a:t>
+                </a:r>
+              </a:p>
+              <a:p>
+                <a:r>
+                  <a:rPr lang="en-US" sz="2400" dirty="0"/>
+                  <a:t>n: protein chain length</a:t>
+                </a:r>
+              </a:p>
+              <a:p>
+                <a:endParaRPr lang="en-US" sz="2400" dirty="0"/>
+              </a:p>
+              <a:p>
+                <a:endParaRPr lang="en-US" sz="2000" dirty="0"/>
+              </a:p>
+              <a:p>
+                <a:endParaRPr lang="en-US" sz="2000" dirty="0"/>
+              </a:p>
+              <a:p>
+                <a:endParaRPr lang="en-US" sz="2000" dirty="0"/>
+              </a:p>
+              <a:p>
+                <a:endParaRPr lang="en-US" sz="2000" dirty="0"/>
+              </a:p>
+            </p:txBody>
+          </p:sp>
+        </mc:Choice>
+        <mc:Fallback xmlns="">
+          <p:sp>
+            <p:nvSpPr>
+              <p:cNvPr id="3" name="Tijdelijke aanduiding voor inhoud 2">
+                <a:extLst>
+                  <a:ext uri="{FF2B5EF4-FFF2-40B4-BE49-F238E27FC236}">
+                    <a16:creationId xmlns:a16="http://schemas.microsoft.com/office/drawing/2014/main" id="{938874C9-2E1B-4E00-9D04-38873D0AC371}"/>
+                  </a:ext>
+                </a:extLst>
+              </p:cNvPr>
+              <p:cNvSpPr>
+                <a:spLocks noGrp="1" noRot="1" noChangeAspect="1" noMove="1" noResize="1" noEditPoints="1" noAdjustHandles="1" noChangeArrowheads="1" noChangeShapeType="1" noTextEdit="1"/>
+              </p:cNvSpPr>
+              <p:nvPr>
+                <p:ph sz="half" idx="1"/>
+              </p:nvPr>
+            </p:nvSpPr>
+            <p:spPr>
+              <a:xfrm>
+                <a:off x="838200" y="1825625"/>
+                <a:ext cx="4083121" cy="4351338"/>
+              </a:xfrm>
+              <a:blipFill>
+                <a:blip r:embed="rId2"/>
+                <a:stretch>
+                  <a:fillRect l="-2093" t="-1961"/>
+                </a:stretch>
+              </a:blipFill>
+            </p:spPr>
+            <p:txBody>
+              <a:bodyPr/>
+              <a:lstStyle/>
+              <a:p>
+                <a:r>
+                  <a:rPr lang="en-GB">
+                    <a:noFill/>
+                  </a:rPr>
+                  <a:t> </a:t>
+                </a:r>
+              </a:p>
+            </p:txBody>
+          </p:sp>
+        </mc:Fallback>
+      </mc:AlternateContent>
+      <p:sp>
+        <p:nvSpPr>
+          <p:cNvPr id="4" name="Tijdelijke aanduiding voor dianummer 3">
             <a:extLst>
               <a:ext uri="{FF2B5EF4-FFF2-40B4-BE49-F238E27FC236}">
-                <a16:creationId xmlns:a16="http://schemas.microsoft.com/office/drawing/2014/main" id="{6B57B016-94D5-F646-9976-362E7188E1F0}"/>
+                <a16:creationId xmlns:a16="http://schemas.microsoft.com/office/drawing/2014/main" id="{6F592BCE-9B97-CA47-BF1B-C09A35D3D8AD}"/>
               </a:ext>
             </a:extLst>
           </p:cNvPr>
@@ -9610,70 +9701,61 @@
             <a:spLocks noGrp="1"/>
           </p:cNvSpPr>
           <p:nvPr>
-            <p:ph sz="half" idx="1"/>
-          </p:nvPr>
-        </p:nvSpPr>
-        <p:spPr/>
-        <p:txBody>
-          <a:bodyPr/>
-          <a:lstStyle/>
-          <a:p>
-            <a:r>
-              <a:rPr lang="en-GB" dirty="0"/>
-              <a:t>Iterative algorithm.</a:t>
-            </a:r>
-          </a:p>
-          <a:p>
-            <a:r>
-              <a:rPr lang="en-GB" dirty="0"/>
-              <a:t>Starts with a solution.</a:t>
-            </a:r>
-          </a:p>
-          <a:p>
-            <a:r>
-              <a:rPr lang="en-GB" dirty="0"/>
-              <a:t>Goes through the solution and tries to pull an elements diagonally to increase stability.</a:t>
-            </a:r>
-          </a:p>
-          <a:p>
-            <a:r>
-              <a:rPr lang="en-GB" dirty="0"/>
-              <a:t>Better stability -&gt; new solution.</a:t>
-            </a:r>
-          </a:p>
-          <a:p>
-            <a:r>
-              <a:rPr lang="en-GB" dirty="0"/>
-              <a:t>Worse </a:t>
-            </a:r>
-            <a:r>
-              <a:rPr lang="en-GB"/>
-              <a:t>or equal </a:t>
-            </a:r>
-            <a:r>
-              <a:rPr lang="en-GB" dirty="0"/>
-              <a:t>stability </a:t>
-            </a:r>
-            <a:r>
-              <a:rPr lang="en-GB"/>
-              <a:t>-&gt; x% chance of acceptance.</a:t>
-            </a:r>
-            <a:endParaRPr lang="en-GB" dirty="0"/>
-          </a:p>
-          <a:p>
-            <a:r>
-              <a:rPr lang="en-GB" dirty="0"/>
-              <a:t>Repeat until stability converges.</a:t>
-            </a:r>
-          </a:p>
-        </p:txBody>
-      </p:sp>
-      <p:sp>
-        <p:nvSpPr>
-          <p:cNvPr id="4" name="Tijdelijke aanduiding voor dianummer 3">
+            <p:ph type="sldNum" sz="quarter" idx="12"/>
+          </p:nvPr>
+        </p:nvSpPr>
+        <p:spPr>
+          <a:xfrm>
+            <a:off x="8610600" y="6356350"/>
+            <a:ext cx="2743200" cy="365125"/>
+          </a:xfrm>
+        </p:spPr>
+        <p:txBody>
+          <a:bodyPr vert="horz" lIns="91440" tIns="45720" rIns="91440" bIns="45720" rtlCol="0" anchor="ctr">
+            <a:normAutofit/>
+          </a:bodyPr>
+          <a:lstStyle/>
+          <a:p>
+            <a:pPr defTabSz="914400">
+              <a:spcAft>
+                <a:spcPts val="600"/>
+              </a:spcAft>
+              <a:defRPr/>
+            </a:pPr>
+            <a:fld id="{D1892F8F-5571-E246-B053-E27A62D47BEF}" type="slidenum">
+              <a:rPr lang="en-US" smtClean="0">
+                <a:solidFill>
+                  <a:prstClr val="black">
+                    <a:tint val="75000"/>
+                  </a:prstClr>
+                </a:solidFill>
+                <a:latin typeface="Calibri" panose="020F0502020204030204"/>
+              </a:rPr>
+              <a:pPr defTabSz="914400">
+                <a:spcAft>
+                  <a:spcPts val="600"/>
+                </a:spcAft>
+                <a:defRPr/>
+              </a:pPr>
+              <a:t>9</a:t>
+            </a:fld>
+            <a:endParaRPr lang="en-US">
+              <a:solidFill>
+                <a:prstClr val="black">
+                  <a:tint val="75000"/>
+                </a:prstClr>
+              </a:solidFill>
+              <a:latin typeface="Calibri" panose="020F0502020204030204"/>
+            </a:endParaRPr>
+          </a:p>
+        </p:txBody>
+      </p:sp>
+      <p:sp>
+        <p:nvSpPr>
+          <p:cNvPr id="10" name="Tijdelijke aanduiding voor inhoud 9">
             <a:extLst>
               <a:ext uri="{FF2B5EF4-FFF2-40B4-BE49-F238E27FC236}">
-                <a16:creationId xmlns:a16="http://schemas.microsoft.com/office/drawing/2014/main" id="{B78FA2CF-309C-7741-B78B-29A8D3C4359F}"/>
+                <a16:creationId xmlns:a16="http://schemas.microsoft.com/office/drawing/2014/main" id="{8B50F8AB-436A-4F43-8953-32EAAC356C2A}"/>
               </a:ext>
             </a:extLst>
           </p:cNvPr>
@@ -9681,7 +9763,7 @@
             <a:spLocks noGrp="1"/>
           </p:cNvSpPr>
           <p:nvPr>
-            <p:ph type="sldNum" sz="quarter" idx="12"/>
+            <p:ph sz="half" idx="2"/>
           </p:nvPr>
         </p:nvSpPr>
         <p:spPr/>
@@ -9689,126 +9771,44 @@
           <a:bodyPr/>
           <a:lstStyle/>
           <a:p>
-            <a:fld id="{D1892F8F-5571-E246-B053-E27A62D47BEF}" type="slidenum">
-              <a:rPr lang="en-GB" smtClean="0"/>
-              <a:t>9</a:t>
-            </a:fld>
             <a:endParaRPr lang="en-GB"/>
           </a:p>
         </p:txBody>
       </p:sp>
       <p:pic>
         <p:nvPicPr>
-          <p:cNvPr id="1026" name="Picture 2" descr="Pull move transformation for HP sequence HHHP HP P P P P H at position 3">
+          <p:cNvPr id="11" name="Afbeelding 10">
             <a:extLst>
               <a:ext uri="{FF2B5EF4-FFF2-40B4-BE49-F238E27FC236}">
-                <a16:creationId xmlns:a16="http://schemas.microsoft.com/office/drawing/2014/main" id="{212985C8-7720-450F-82AE-5163C9E5109D}"/>
+                <a16:creationId xmlns:a16="http://schemas.microsoft.com/office/drawing/2014/main" id="{FB86E529-AC46-4AD2-87B9-20CC29A28322}"/>
               </a:ext>
             </a:extLst>
           </p:cNvPr>
           <p:cNvPicPr>
-            <a:picLocks noGrp="1" noChangeAspect="1" noChangeArrowheads="1"/>
+            <a:picLocks noChangeAspect="1"/>
           </p:cNvPicPr>
-          <p:nvPr>
-            <p:ph sz="half" idx="2"/>
-          </p:nvPr>
+          <p:nvPr/>
         </p:nvPicPr>
         <p:blipFill>
-          <a:blip r:embed="rId3">
-            <a:extLst>
-              <a:ext uri="{28A0092B-C50C-407E-A947-70E740481C1C}">
-                <a14:useLocalDpi xmlns:a14="http://schemas.microsoft.com/office/drawing/2010/main" val="0"/>
-              </a:ext>
-            </a:extLst>
-          </a:blip>
-          <a:srcRect/>
+          <a:blip r:embed="rId3"/>
           <a:stretch>
             <a:fillRect/>
           </a:stretch>
         </p:blipFill>
-        <p:spPr bwMode="auto">
+        <p:spPr>
           <a:xfrm>
-            <a:off x="6381750" y="2431978"/>
-            <a:ext cx="4762500" cy="2381250"/>
+            <a:off x="5561125" y="1455969"/>
+            <a:ext cx="6403749" cy="4900381"/>
           </a:xfrm>
           <a:prstGeom prst="rect">
             <a:avLst/>
           </a:prstGeom>
-          <a:noFill/>
-          <a:extLst>
-            <a:ext uri="{909E8E84-426E-40DD-AFC4-6F175D3DCCD1}">
-              <a14:hiddenFill xmlns:a14="http://schemas.microsoft.com/office/drawing/2010/main">
-                <a:solidFill>
-                  <a:srgbClr val="FFFFFF"/>
-                </a:solidFill>
-              </a14:hiddenFill>
-            </a:ext>
-          </a:extLst>
         </p:spPr>
       </p:pic>
-      <p:sp>
-        <p:nvSpPr>
-          <p:cNvPr id="8" name="Tekstvak 7">
-            <a:extLst>
-              <a:ext uri="{FF2B5EF4-FFF2-40B4-BE49-F238E27FC236}">
-                <a16:creationId xmlns:a16="http://schemas.microsoft.com/office/drawing/2014/main" id="{D16F468E-B7DB-480A-896A-9213A792B403}"/>
-              </a:ext>
-            </a:extLst>
-          </p:cNvPr>
-          <p:cNvSpPr txBox="1"/>
-          <p:nvPr/>
-        </p:nvSpPr>
-        <p:spPr>
-          <a:xfrm>
-            <a:off x="1098550" y="6032500"/>
-            <a:ext cx="10185400" cy="646331"/>
-          </a:xfrm>
-          <a:prstGeom prst="rect">
-            <a:avLst/>
-          </a:prstGeom>
-          <a:noFill/>
-        </p:spPr>
-        <p:txBody>
-          <a:bodyPr wrap="square" rtlCol="0">
-            <a:spAutoFit/>
-          </a:bodyPr>
-          <a:lstStyle/>
-          <a:p>
-            <a:r>
-              <a:rPr lang="en-US" dirty="0"/>
-              <a:t>Source: </a:t>
-            </a:r>
-            <a:r>
-              <a:rPr lang="en-US" dirty="0" err="1"/>
-              <a:t>Chira</a:t>
-            </a:r>
-            <a:r>
-              <a:rPr lang="en-US" dirty="0"/>
-              <a:t>, Camelia. "Hill-climbing search in evolutionary models for protein folding simulations." </a:t>
-            </a:r>
-            <a:r>
-              <a:rPr lang="en-US" i="1" dirty="0"/>
-              <a:t>Stud Univ Babe\c s-</a:t>
-            </a:r>
-            <a:r>
-              <a:rPr lang="en-US" i="1" dirty="0" err="1"/>
-              <a:t>Bolyai</a:t>
-            </a:r>
-            <a:r>
-              <a:rPr lang="en-US" i="1" dirty="0"/>
-              <a:t> Inform</a:t>
-            </a:r>
-            <a:r>
-              <a:rPr lang="en-US" dirty="0"/>
-              <a:t> 55 (2010): 29-40.</a:t>
-            </a:r>
-          </a:p>
-        </p:txBody>
-      </p:sp>
     </p:spTree>
     <p:extLst>
       <p:ext uri="{BB962C8B-B14F-4D97-AF65-F5344CB8AC3E}">
-        <p14:creationId xmlns:p14="http://schemas.microsoft.com/office/powerpoint/2010/main" val="2815858668"/>
+        <p14:creationId xmlns:p14="http://schemas.microsoft.com/office/powerpoint/2010/main" val="163970808"/>
       </p:ext>
     </p:extLst>
   </p:cSld>

--- a/Docs/PPP, final.pptx
+++ b/Docs/PPP, final.pptx
@@ -5,7 +5,7 @@
     <p:sldMasterId id="2147483672" r:id="rId1"/>
   </p:sldMasterIdLst>
   <p:notesMasterIdLst>
-    <p:notesMasterId r:id="rId20"/>
+    <p:notesMasterId r:id="rId21"/>
   </p:notesMasterIdLst>
   <p:sldIdLst>
     <p:sldId id="256" r:id="rId2"/>
@@ -19,13 +19,14 @@
     <p:sldId id="274" r:id="rId10"/>
     <p:sldId id="290" r:id="rId11"/>
     <p:sldId id="288" r:id="rId12"/>
-    <p:sldId id="289" r:id="rId13"/>
-    <p:sldId id="276" r:id="rId14"/>
-    <p:sldId id="265" r:id="rId15"/>
-    <p:sldId id="278" r:id="rId16"/>
-    <p:sldId id="279" r:id="rId17"/>
-    <p:sldId id="280" r:id="rId18"/>
-    <p:sldId id="286" r:id="rId19"/>
+    <p:sldId id="291" r:id="rId13"/>
+    <p:sldId id="289" r:id="rId14"/>
+    <p:sldId id="276" r:id="rId15"/>
+    <p:sldId id="265" r:id="rId16"/>
+    <p:sldId id="278" r:id="rId17"/>
+    <p:sldId id="279" r:id="rId18"/>
+    <p:sldId id="280" r:id="rId19"/>
+    <p:sldId id="286" r:id="rId20"/>
   </p:sldIdLst>
   <p:sldSz cx="12192000" cy="6858000"/>
   <p:notesSz cx="6858000" cy="9144000"/>
@@ -715,7 +716,7 @@
           <a:p>
             <a:fld id="{2831AEBB-41E9-A04A-9C64-38B7EC6FB69A}" type="slidenum">
               <a:rPr lang="en-GB" smtClean="0"/>
-              <a:t>18</a:t>
+              <a:t>19</a:t>
             </a:fld>
             <a:endParaRPr lang="en-GB"/>
           </a:p>
@@ -4455,11 +4456,11 @@
             </a:r>
             <a:r>
               <a:rPr lang="nl-NL" dirty="0"/>
-              <a:t> - </a:t>
-            </a:r>
-            <a:r>
-              <a:rPr lang="en-GB" dirty="0"/>
-              <a:t>Extended Heuristic Algorithm (EHA)</a:t>
+              <a:t> – </a:t>
+            </a:r>
+            <a:r>
+              <a:rPr lang="en-GB" dirty="0"/>
+              <a:t>HP Protein</a:t>
             </a:r>
           </a:p>
         </p:txBody>
@@ -4488,7 +4489,7 @@
         </p:blipFill>
         <p:spPr>
           <a:xfrm>
-            <a:off x="717561" y="2539507"/>
+            <a:off x="717561" y="2563053"/>
             <a:ext cx="4712052" cy="2957324"/>
           </a:xfrm>
           <a:prstGeom prst="rect">
@@ -4641,10 +4642,10 @@
       </p:sp>
       <p:sp>
         <p:nvSpPr>
-          <p:cNvPr id="3" name="Rechthoek 2">
+          <p:cNvPr id="17" name="Rechthoek 16">
             <a:extLst>
               <a:ext uri="{FF2B5EF4-FFF2-40B4-BE49-F238E27FC236}">
-                <a16:creationId xmlns:a16="http://schemas.microsoft.com/office/drawing/2014/main" id="{0EC43B8D-6B6C-4421-BFC4-AE7A4697F0D6}"/>
+                <a16:creationId xmlns:a16="http://schemas.microsoft.com/office/drawing/2014/main" id="{0A6594DC-FE92-4AC1-910B-F92E165362F9}"/>
               </a:ext>
             </a:extLst>
           </p:cNvPr>
@@ -4653,7 +4654,7 @@
         </p:nvSpPr>
         <p:spPr>
           <a:xfrm>
-            <a:off x="976045" y="3501270"/>
+            <a:off x="976044" y="4982190"/>
             <a:ext cx="1140431" cy="248797"/>
           </a:xfrm>
           <a:prstGeom prst="rect">
@@ -4691,110 +4692,36 @@
           </a:p>
         </p:txBody>
       </p:sp>
-      <p:sp>
-        <p:nvSpPr>
-          <p:cNvPr id="16" name="Rechthoek 15">
+      <p:pic>
+        <p:nvPicPr>
+          <p:cNvPr id="4" name="Afbeelding 3">
             <a:extLst>
               <a:ext uri="{FF2B5EF4-FFF2-40B4-BE49-F238E27FC236}">
-                <a16:creationId xmlns:a16="http://schemas.microsoft.com/office/drawing/2014/main" id="{519D5520-0F62-49B6-979D-09D3978ECC08}"/>
+                <a16:creationId xmlns:a16="http://schemas.microsoft.com/office/drawing/2014/main" id="{75C0B105-FF19-4752-97FE-F72109D94746}"/>
               </a:ext>
             </a:extLst>
           </p:cNvPr>
-          <p:cNvSpPr/>
+          <p:cNvPicPr>
+            <a:picLocks noChangeAspect="1"/>
+          </p:cNvPicPr>
           <p:nvPr/>
-        </p:nvSpPr>
+        </p:nvPicPr>
+        <p:blipFill>
+          <a:blip r:embed="rId3"/>
+          <a:stretch>
+            <a:fillRect/>
+          </a:stretch>
+        </p:blipFill>
         <p:spPr>
           <a:xfrm>
-            <a:off x="976045" y="4222679"/>
-            <a:ext cx="1140431" cy="248797"/>
+            <a:off x="5688096" y="1394779"/>
+            <a:ext cx="6279813" cy="4823717"/>
           </a:xfrm>
           <a:prstGeom prst="rect">
             <a:avLst/>
           </a:prstGeom>
-          <a:noFill/>
-          <a:ln w="38100">
-            <a:solidFill>
-              <a:srgbClr val="00B0F0"/>
-            </a:solidFill>
-          </a:ln>
         </p:spPr>
-        <p:style>
-          <a:lnRef idx="2">
-            <a:schemeClr val="accent1">
-              <a:shade val="50000"/>
-            </a:schemeClr>
-          </a:lnRef>
-          <a:fillRef idx="1">
-            <a:schemeClr val="accent1"/>
-          </a:fillRef>
-          <a:effectRef idx="0">
-            <a:schemeClr val="accent1"/>
-          </a:effectRef>
-          <a:fontRef idx="minor">
-            <a:schemeClr val="lt1"/>
-          </a:fontRef>
-        </p:style>
-        <p:txBody>
-          <a:bodyPr rtlCol="0" anchor="ctr"/>
-          <a:lstStyle/>
-          <a:p>
-            <a:pPr algn="ctr"/>
-            <a:endParaRPr lang="en-GB"/>
-          </a:p>
-        </p:txBody>
-      </p:sp>
-      <p:sp>
-        <p:nvSpPr>
-          <p:cNvPr id="17" name="Rechthoek 16">
-            <a:extLst>
-              <a:ext uri="{FF2B5EF4-FFF2-40B4-BE49-F238E27FC236}">
-                <a16:creationId xmlns:a16="http://schemas.microsoft.com/office/drawing/2014/main" id="{0A6594DC-FE92-4AC1-910B-F92E165362F9}"/>
-              </a:ext>
-            </a:extLst>
-          </p:cNvPr>
-          <p:cNvSpPr/>
-          <p:nvPr/>
-        </p:nvSpPr>
-        <p:spPr>
-          <a:xfrm>
-            <a:off x="976044" y="4977129"/>
-            <a:ext cx="1140431" cy="248797"/>
-          </a:xfrm>
-          <a:prstGeom prst="rect">
-            <a:avLst/>
-          </a:prstGeom>
-          <a:noFill/>
-          <a:ln w="38100">
-            <a:solidFill>
-              <a:srgbClr val="00B0F0"/>
-            </a:solidFill>
-          </a:ln>
-        </p:spPr>
-        <p:style>
-          <a:lnRef idx="2">
-            <a:schemeClr val="accent1">
-              <a:shade val="50000"/>
-            </a:schemeClr>
-          </a:lnRef>
-          <a:fillRef idx="1">
-            <a:schemeClr val="accent1"/>
-          </a:fillRef>
-          <a:effectRef idx="0">
-            <a:schemeClr val="accent1"/>
-          </a:effectRef>
-          <a:fontRef idx="minor">
-            <a:schemeClr val="lt1"/>
-          </a:fontRef>
-        </p:style>
-        <p:txBody>
-          <a:bodyPr rtlCol="0" anchor="ctr"/>
-          <a:lstStyle/>
-          <a:p>
-            <a:pPr algn="ctr"/>
-            <a:endParaRPr lang="en-GB"/>
-          </a:p>
-        </p:txBody>
-      </p:sp>
+      </p:pic>
     </p:spTree>
     <p:extLst>
       <p:ext uri="{BB962C8B-B14F-4D97-AF65-F5344CB8AC3E}">
@@ -4830,6 +4757,468 @@
           <p:cNvPr id="2" name="Titel 1">
             <a:extLst>
               <a:ext uri="{FF2B5EF4-FFF2-40B4-BE49-F238E27FC236}">
+                <a16:creationId xmlns:a16="http://schemas.microsoft.com/office/drawing/2014/main" id="{8FC0DEB9-A548-4D2E-B3EA-7FE0AD303E6E}"/>
+              </a:ext>
+            </a:extLst>
+          </p:cNvPr>
+          <p:cNvSpPr>
+            <a:spLocks noGrp="1"/>
+          </p:cNvSpPr>
+          <p:nvPr>
+            <p:ph type="title"/>
+          </p:nvPr>
+        </p:nvSpPr>
+        <p:spPr>
+          <a:xfrm>
+            <a:off x="838200" y="365125"/>
+            <a:ext cx="10925432" cy="1325563"/>
+          </a:xfrm>
+        </p:spPr>
+        <p:txBody>
+          <a:bodyPr/>
+          <a:lstStyle/>
+          <a:p>
+            <a:r>
+              <a:rPr lang="nl-NL" dirty="0"/>
+              <a:t>3. </a:t>
+            </a:r>
+            <a:r>
+              <a:rPr lang="nl-NL" dirty="0" err="1"/>
+              <a:t>Results</a:t>
+            </a:r>
+            <a:r>
+              <a:rPr lang="nl-NL" dirty="0"/>
+              <a:t> – </a:t>
+            </a:r>
+            <a:r>
+              <a:rPr lang="en-GB" dirty="0"/>
+              <a:t>HP Protein</a:t>
+            </a:r>
+          </a:p>
+        </p:txBody>
+      </p:sp>
+      <p:pic>
+        <p:nvPicPr>
+          <p:cNvPr id="6" name="Tijdelijke aanduiding voor inhoud 5">
+            <a:extLst>
+              <a:ext uri="{FF2B5EF4-FFF2-40B4-BE49-F238E27FC236}">
+                <a16:creationId xmlns:a16="http://schemas.microsoft.com/office/drawing/2014/main" id="{86C1E23C-5042-4139-9753-82032B595BBB}"/>
+              </a:ext>
+            </a:extLst>
+          </p:cNvPr>
+          <p:cNvPicPr>
+            <a:picLocks noGrp="1" noChangeAspect="1"/>
+          </p:cNvPicPr>
+          <p:nvPr>
+            <p:ph sz="half" idx="2"/>
+          </p:nvPr>
+        </p:nvPicPr>
+        <p:blipFill>
+          <a:blip r:embed="rId2"/>
+          <a:stretch>
+            <a:fillRect/>
+          </a:stretch>
+        </p:blipFill>
+        <p:spPr>
+          <a:xfrm>
+            <a:off x="717561" y="2563053"/>
+            <a:ext cx="4712052" cy="2957324"/>
+          </a:xfrm>
+          <a:prstGeom prst="rect">
+            <a:avLst/>
+          </a:prstGeom>
+        </p:spPr>
+      </p:pic>
+      <p:sp>
+        <p:nvSpPr>
+          <p:cNvPr id="5" name="Tijdelijke aanduiding voor dianummer 4">
+            <a:extLst>
+              <a:ext uri="{FF2B5EF4-FFF2-40B4-BE49-F238E27FC236}">
+                <a16:creationId xmlns:a16="http://schemas.microsoft.com/office/drawing/2014/main" id="{40B47B69-F442-4970-9AAA-D493AFD295AF}"/>
+              </a:ext>
+            </a:extLst>
+          </p:cNvPr>
+          <p:cNvSpPr>
+            <a:spLocks noGrp="1"/>
+          </p:cNvSpPr>
+          <p:nvPr>
+            <p:ph type="sldNum" sz="quarter" idx="12"/>
+          </p:nvPr>
+        </p:nvSpPr>
+        <p:spPr/>
+        <p:txBody>
+          <a:bodyPr/>
+          <a:lstStyle/>
+          <a:p>
+            <a:fld id="{D1892F8F-5571-E246-B053-E27A62D47BEF}" type="slidenum">
+              <a:rPr lang="en-GB" smtClean="0"/>
+              <a:t>12</a:t>
+            </a:fld>
+            <a:endParaRPr lang="en-GB"/>
+          </a:p>
+        </p:txBody>
+      </p:sp>
+      <p:sp>
+        <p:nvSpPr>
+          <p:cNvPr id="8" name="Tekstvak 7">
+            <a:extLst>
+              <a:ext uri="{FF2B5EF4-FFF2-40B4-BE49-F238E27FC236}">
+                <a16:creationId xmlns:a16="http://schemas.microsoft.com/office/drawing/2014/main" id="{0DD76DC3-ED73-48C8-AB6D-B47F7BFF984C}"/>
+              </a:ext>
+            </a:extLst>
+          </p:cNvPr>
+          <p:cNvSpPr txBox="1"/>
+          <p:nvPr/>
+        </p:nvSpPr>
+        <p:spPr>
+          <a:xfrm>
+            <a:off x="618418" y="5710665"/>
+            <a:ext cx="4712051" cy="1015663"/>
+          </a:xfrm>
+          <a:prstGeom prst="rect">
+            <a:avLst/>
+          </a:prstGeom>
+          <a:noFill/>
+        </p:spPr>
+        <p:txBody>
+          <a:bodyPr wrap="square" rtlCol="0">
+            <a:spAutoFit/>
+          </a:bodyPr>
+          <a:lstStyle/>
+          <a:p>
+            <a:r>
+              <a:rPr lang="en-US" sz="1400" dirty="0"/>
+              <a:t>Source: </a:t>
+            </a:r>
+            <a:r>
+              <a:rPr lang="en-US" sz="1400" dirty="0" err="1"/>
+              <a:t>Traykov</a:t>
+            </a:r>
+            <a:r>
+              <a:rPr lang="en-US" sz="1400" dirty="0"/>
+              <a:t>, </a:t>
+            </a:r>
+            <a:r>
+              <a:rPr lang="en-US" sz="1400" dirty="0" err="1"/>
+              <a:t>Metodi</a:t>
+            </a:r>
+            <a:r>
+              <a:rPr lang="en-US" sz="1400" dirty="0"/>
+              <a:t>, et al. "Algorithm for protein folding problem in 3D lattice HP model." </a:t>
+            </a:r>
+            <a:r>
+              <a:rPr lang="en-US" sz="1400" i="1" dirty="0"/>
+              <a:t>International Journal of Biology and Biomedicine</a:t>
+            </a:r>
+            <a:r>
+              <a:rPr lang="en-US" sz="1400" dirty="0"/>
+              <a:t> 3 (2018).</a:t>
+            </a:r>
+          </a:p>
+          <a:p>
+            <a:endParaRPr lang="en-GB" dirty="0"/>
+          </a:p>
+        </p:txBody>
+      </p:sp>
+      <p:sp>
+        <p:nvSpPr>
+          <p:cNvPr id="15" name="Tekstvak 14">
+            <a:extLst>
+              <a:ext uri="{FF2B5EF4-FFF2-40B4-BE49-F238E27FC236}">
+                <a16:creationId xmlns:a16="http://schemas.microsoft.com/office/drawing/2014/main" id="{01024E35-DF28-4071-B8CE-A0EDA189B116}"/>
+              </a:ext>
+            </a:extLst>
+          </p:cNvPr>
+          <p:cNvSpPr txBox="1"/>
+          <p:nvPr/>
+        </p:nvSpPr>
+        <p:spPr>
+          <a:xfrm>
+            <a:off x="1109031" y="1783060"/>
+            <a:ext cx="4419408" cy="523220"/>
+          </a:xfrm>
+          <a:prstGeom prst="rect">
+            <a:avLst/>
+          </a:prstGeom>
+          <a:noFill/>
+        </p:spPr>
+        <p:txBody>
+          <a:bodyPr wrap="square" rtlCol="0">
+            <a:spAutoFit/>
+          </a:bodyPr>
+          <a:lstStyle/>
+          <a:p>
+            <a:r>
+              <a:rPr lang="nl-NL" sz="2800" dirty="0" err="1"/>
+              <a:t>Results</a:t>
+            </a:r>
+            <a:r>
+              <a:rPr lang="nl-NL" sz="2800" dirty="0"/>
+              <a:t> </a:t>
+            </a:r>
+            <a:r>
+              <a:rPr lang="nl-NL" sz="2800" dirty="0" err="1"/>
+              <a:t>from</a:t>
+            </a:r>
+            <a:r>
+              <a:rPr lang="nl-NL" sz="2800" dirty="0"/>
+              <a:t> </a:t>
+            </a:r>
+            <a:r>
+              <a:rPr lang="nl-NL" sz="2800" dirty="0" err="1"/>
+              <a:t>literature</a:t>
+            </a:r>
+            <a:endParaRPr lang="en-GB" sz="2800" dirty="0"/>
+          </a:p>
+        </p:txBody>
+      </p:sp>
+      <p:sp>
+        <p:nvSpPr>
+          <p:cNvPr id="16" name="Rechthoek 15">
+            <a:extLst>
+              <a:ext uri="{FF2B5EF4-FFF2-40B4-BE49-F238E27FC236}">
+                <a16:creationId xmlns:a16="http://schemas.microsoft.com/office/drawing/2014/main" id="{519D5520-0F62-49B6-979D-09D3978ECC08}"/>
+              </a:ext>
+            </a:extLst>
+          </p:cNvPr>
+          <p:cNvSpPr/>
+          <p:nvPr/>
+        </p:nvSpPr>
+        <p:spPr>
+          <a:xfrm>
+            <a:off x="976045" y="5271580"/>
+            <a:ext cx="1140431" cy="248797"/>
+          </a:xfrm>
+          <a:prstGeom prst="rect">
+            <a:avLst/>
+          </a:prstGeom>
+          <a:noFill/>
+          <a:ln w="38100">
+            <a:solidFill>
+              <a:srgbClr val="00B0F0"/>
+            </a:solidFill>
+          </a:ln>
+        </p:spPr>
+        <p:style>
+          <a:lnRef idx="2">
+            <a:schemeClr val="accent1">
+              <a:shade val="50000"/>
+            </a:schemeClr>
+          </a:lnRef>
+          <a:fillRef idx="1">
+            <a:schemeClr val="accent1"/>
+          </a:fillRef>
+          <a:effectRef idx="0">
+            <a:schemeClr val="accent1"/>
+          </a:effectRef>
+          <a:fontRef idx="minor">
+            <a:schemeClr val="lt1"/>
+          </a:fontRef>
+        </p:style>
+        <p:txBody>
+          <a:bodyPr rtlCol="0" anchor="ctr"/>
+          <a:lstStyle/>
+          <a:p>
+            <a:pPr algn="ctr"/>
+            <a:endParaRPr lang="en-GB"/>
+          </a:p>
+        </p:txBody>
+      </p:sp>
+      <p:pic>
+        <p:nvPicPr>
+          <p:cNvPr id="3" name="Afbeelding 2">
+            <a:extLst>
+              <a:ext uri="{FF2B5EF4-FFF2-40B4-BE49-F238E27FC236}">
+                <a16:creationId xmlns:a16="http://schemas.microsoft.com/office/drawing/2014/main" id="{F4463858-B722-4C2F-9CAA-8C51CF8F92EA}"/>
+              </a:ext>
+            </a:extLst>
+          </p:cNvPr>
+          <p:cNvPicPr>
+            <a:picLocks noChangeAspect="1"/>
+          </p:cNvPicPr>
+          <p:nvPr/>
+        </p:nvPicPr>
+        <p:blipFill>
+          <a:blip r:embed="rId3"/>
+          <a:stretch>
+            <a:fillRect/>
+          </a:stretch>
+        </p:blipFill>
+        <p:spPr>
+          <a:xfrm>
+            <a:off x="5688097" y="1485369"/>
+            <a:ext cx="6334019" cy="4844424"/>
+          </a:xfrm>
+          <a:prstGeom prst="rect">
+            <a:avLst/>
+          </a:prstGeom>
+        </p:spPr>
+      </p:pic>
+      <p:sp>
+        <p:nvSpPr>
+          <p:cNvPr id="10" name="Rechthoek 9">
+            <a:extLst>
+              <a:ext uri="{FF2B5EF4-FFF2-40B4-BE49-F238E27FC236}">
+                <a16:creationId xmlns:a16="http://schemas.microsoft.com/office/drawing/2014/main" id="{241678E3-E61F-4C7F-8887-95F7524E3016}"/>
+              </a:ext>
+            </a:extLst>
+          </p:cNvPr>
+          <p:cNvSpPr/>
+          <p:nvPr/>
+        </p:nvSpPr>
+        <p:spPr>
+          <a:xfrm>
+            <a:off x="3945276" y="5251825"/>
+            <a:ext cx="410968" cy="248797"/>
+          </a:xfrm>
+          <a:prstGeom prst="rect">
+            <a:avLst/>
+          </a:prstGeom>
+          <a:noFill/>
+          <a:ln w="38100">
+            <a:solidFill>
+              <a:srgbClr val="FF0000"/>
+            </a:solidFill>
+          </a:ln>
+        </p:spPr>
+        <p:style>
+          <a:lnRef idx="2">
+            <a:schemeClr val="accent1">
+              <a:shade val="50000"/>
+            </a:schemeClr>
+          </a:lnRef>
+          <a:fillRef idx="1">
+            <a:schemeClr val="accent1"/>
+          </a:fillRef>
+          <a:effectRef idx="0">
+            <a:schemeClr val="accent1"/>
+          </a:effectRef>
+          <a:fontRef idx="minor">
+            <a:schemeClr val="lt1"/>
+          </a:fontRef>
+        </p:style>
+        <p:txBody>
+          <a:bodyPr rtlCol="0" anchor="ctr"/>
+          <a:lstStyle/>
+          <a:p>
+            <a:pPr algn="ctr"/>
+            <a:endParaRPr lang="en-GB"/>
+          </a:p>
+        </p:txBody>
+      </p:sp>
+    </p:spTree>
+    <p:extLst>
+      <p:ext uri="{BB962C8B-B14F-4D97-AF65-F5344CB8AC3E}">
+        <p14:creationId xmlns:p14="http://schemas.microsoft.com/office/powerpoint/2010/main" val="1021202654"/>
+      </p:ext>
+    </p:extLst>
+  </p:cSld>
+  <p:clrMapOvr>
+    <a:masterClrMapping/>
+  </p:clrMapOvr>
+  <p:timing>
+    <p:tnLst>
+      <p:par>
+        <p:cTn id="1" dur="indefinite" restart="never" nodeType="tmRoot">
+          <p:childTnLst>
+            <p:seq concurrent="1" nextAc="seek">
+              <p:cTn id="2" dur="indefinite" nodeType="mainSeq">
+                <p:childTnLst>
+                  <p:par>
+                    <p:cTn id="3" fill="hold">
+                      <p:stCondLst>
+                        <p:cond delay="indefinite"/>
+                      </p:stCondLst>
+                      <p:childTnLst>
+                        <p:par>
+                          <p:cTn id="4" fill="hold">
+                            <p:stCondLst>
+                              <p:cond delay="0"/>
+                            </p:stCondLst>
+                            <p:childTnLst>
+                              <p:par>
+                                <p:cTn id="5" presetID="1" presetClass="entr" presetSubtype="0" fill="hold" grpId="0" nodeType="clickEffect">
+                                  <p:stCondLst>
+                                    <p:cond delay="0"/>
+                                  </p:stCondLst>
+                                  <p:childTnLst>
+                                    <p:set>
+                                      <p:cBhvr>
+                                        <p:cTn id="6" dur="1" fill="hold">
+                                          <p:stCondLst>
+                                            <p:cond delay="0"/>
+                                          </p:stCondLst>
+                                        </p:cTn>
+                                        <p:tgtEl>
+                                          <p:spTgt spid="10"/>
+                                        </p:tgtEl>
+                                        <p:attrNameLst>
+                                          <p:attrName>style.visibility</p:attrName>
+                                        </p:attrNameLst>
+                                      </p:cBhvr>
+                                      <p:to>
+                                        <p:strVal val="visible"/>
+                                      </p:to>
+                                    </p:set>
+                                  </p:childTnLst>
+                                </p:cTn>
+                              </p:par>
+                            </p:childTnLst>
+                          </p:cTn>
+                        </p:par>
+                      </p:childTnLst>
+                    </p:cTn>
+                  </p:par>
+                </p:childTnLst>
+              </p:cTn>
+              <p:prevCondLst>
+                <p:cond evt="onPrev" delay="0">
+                  <p:tgtEl>
+                    <p:sldTgt/>
+                  </p:tgtEl>
+                </p:cond>
+              </p:prevCondLst>
+              <p:nextCondLst>
+                <p:cond evt="onNext" delay="0">
+                  <p:tgtEl>
+                    <p:sldTgt/>
+                  </p:tgtEl>
+                </p:cond>
+              </p:nextCondLst>
+            </p:seq>
+          </p:childTnLst>
+        </p:cTn>
+      </p:par>
+    </p:tnLst>
+    <p:bldLst>
+      <p:bldP spid="10" grpId="0" animBg="1"/>
+    </p:bldLst>
+  </p:timing>
+</p:sld>
+</file>
+
+<file path=ppt/slides/slide13.xml><?xml version="1.0" encoding="utf-8"?>
+<p:sld xmlns:a="http://schemas.openxmlformats.org/drawingml/2006/main" xmlns:r="http://schemas.openxmlformats.org/officeDocument/2006/relationships" xmlns:p="http://schemas.openxmlformats.org/presentationml/2006/main">
+  <p:cSld>
+    <p:spTree>
+      <p:nvGrpSpPr>
+        <p:cNvPr id="1" name=""/>
+        <p:cNvGrpSpPr/>
+        <p:nvPr/>
+      </p:nvGrpSpPr>
+      <p:grpSpPr>
+        <a:xfrm>
+          <a:off x="0" y="0"/>
+          <a:ext cx="0" cy="0"/>
+          <a:chOff x="0" y="0"/>
+          <a:chExt cx="0" cy="0"/>
+        </a:xfrm>
+      </p:grpSpPr>
+      <p:sp>
+        <p:nvSpPr>
+          <p:cNvPr id="2" name="Titel 1">
+            <a:extLst>
+              <a:ext uri="{FF2B5EF4-FFF2-40B4-BE49-F238E27FC236}">
                 <a16:creationId xmlns:a16="http://schemas.microsoft.com/office/drawing/2014/main" id="{92797969-71CF-400D-8211-29427D350265}"/>
               </a:ext>
             </a:extLst>
@@ -4927,405 +5316,6 @@
           </a:p>
         </p:txBody>
       </p:sp>
-      <p:graphicFrame>
-        <p:nvGraphicFramePr>
-          <p:cNvPr id="6" name="Tabel 6">
-            <a:extLst>
-              <a:ext uri="{FF2B5EF4-FFF2-40B4-BE49-F238E27FC236}">
-                <a16:creationId xmlns:a16="http://schemas.microsoft.com/office/drawing/2014/main" id="{249B9414-07B1-45FF-B2A1-75AD8188B282}"/>
-              </a:ext>
-            </a:extLst>
-          </p:cNvPr>
-          <p:cNvGraphicFramePr>
-            <a:graphicFrameLocks noGrp="1"/>
-          </p:cNvGraphicFramePr>
-          <p:nvPr>
-            <p:ph sz="half" idx="2"/>
-            <p:extLst>
-              <p:ext uri="{D42A27DB-BD31-4B8C-83A1-F6EECF244321}">
-                <p14:modId xmlns:p14="http://schemas.microsoft.com/office/powerpoint/2010/main" val="2460146250"/>
-              </p:ext>
-            </p:extLst>
-          </p:nvPr>
-        </p:nvGraphicFramePr>
-        <p:xfrm>
-          <a:off x="6649597" y="2039541"/>
-          <a:ext cx="5094384" cy="4007936"/>
-        </p:xfrm>
-        <a:graphic>
-          <a:graphicData uri="http://schemas.openxmlformats.org/drawingml/2006/table">
-            <a:tbl>
-              <a:tblPr firstRow="1" bandRow="1">
-                <a:tableStyleId>{5C22544A-7EE6-4342-B048-85BDC9FD1C3A}</a:tableStyleId>
-              </a:tblPr>
-              <a:tblGrid>
-                <a:gridCol w="1701188">
-                  <a:extLst>
-                    <a:ext uri="{9D8B030D-6E8A-4147-A177-3AD203B41FA5}">
-                      <a16:colId xmlns:a16="http://schemas.microsoft.com/office/drawing/2014/main" val="3317038370"/>
-                    </a:ext>
-                  </a:extLst>
-                </a:gridCol>
-                <a:gridCol w="1266940">
-                  <a:extLst>
-                    <a:ext uri="{9D8B030D-6E8A-4147-A177-3AD203B41FA5}">
-                      <a16:colId xmlns:a16="http://schemas.microsoft.com/office/drawing/2014/main" val="2350395572"/>
-                    </a:ext>
-                  </a:extLst>
-                </a:gridCol>
-                <a:gridCol w="1068636">
-                  <a:extLst>
-                    <a:ext uri="{9D8B030D-6E8A-4147-A177-3AD203B41FA5}">
-                      <a16:colId xmlns:a16="http://schemas.microsoft.com/office/drawing/2014/main" val="2283871489"/>
-                    </a:ext>
-                  </a:extLst>
-                </a:gridCol>
-                <a:gridCol w="1057620">
-                  <a:extLst>
-                    <a:ext uri="{9D8B030D-6E8A-4147-A177-3AD203B41FA5}">
-                      <a16:colId xmlns:a16="http://schemas.microsoft.com/office/drawing/2014/main" val="1390174598"/>
-                    </a:ext>
-                  </a:extLst>
-                </a:gridCol>
-              </a:tblGrid>
-              <a:tr h="716096">
-                <a:tc>
-                  <a:txBody>
-                    <a:bodyPr/>
-                    <a:lstStyle/>
-                    <a:p>
-                      <a:endParaRPr lang="en-GB" dirty="0"/>
-                    </a:p>
-                  </a:txBody>
-                  <a:tcPr/>
-                </a:tc>
-                <a:tc>
-                  <a:txBody>
-                    <a:bodyPr/>
-                    <a:lstStyle/>
-                    <a:p>
-                      <a:r>
-                        <a:rPr lang="nl-NL" dirty="0" err="1"/>
-                        <a:t>Protein</a:t>
-                      </a:r>
-                      <a:r>
-                        <a:rPr lang="nl-NL" dirty="0"/>
-                        <a:t> </a:t>
-                      </a:r>
-                      <a:r>
-                        <a:rPr lang="nl-NL" dirty="0" err="1"/>
-                        <a:t>length</a:t>
-                      </a:r>
-                      <a:endParaRPr lang="nl-NL" dirty="0"/>
-                    </a:p>
-                    <a:p>
-                      <a:r>
-                        <a:rPr lang="nl-NL" dirty="0"/>
-                        <a:t>8 in 3D</a:t>
-                      </a:r>
-                      <a:endParaRPr lang="en-GB" dirty="0"/>
-                    </a:p>
-                    <a:p>
-                      <a:endParaRPr lang="en-GB" dirty="0"/>
-                    </a:p>
-                  </a:txBody>
-                  <a:tcPr/>
-                </a:tc>
-                <a:tc>
-                  <a:txBody>
-                    <a:bodyPr/>
-                    <a:lstStyle/>
-                    <a:p>
-                      <a:r>
-                        <a:rPr lang="nl-NL" dirty="0" err="1"/>
-                        <a:t>Protein</a:t>
-                      </a:r>
-                      <a:r>
-                        <a:rPr lang="nl-NL" dirty="0"/>
-                        <a:t> </a:t>
-                      </a:r>
-                      <a:r>
-                        <a:rPr lang="nl-NL" dirty="0" err="1"/>
-                        <a:t>length</a:t>
-                      </a:r>
-                      <a:endParaRPr lang="nl-NL" dirty="0"/>
-                    </a:p>
-                    <a:p>
-                      <a:r>
-                        <a:rPr lang="nl-NL" dirty="0"/>
-                        <a:t>14 in 3D</a:t>
-                      </a:r>
-                      <a:endParaRPr lang="en-GB" dirty="0"/>
-                    </a:p>
-                    <a:p>
-                      <a:endParaRPr lang="en-GB" dirty="0"/>
-                    </a:p>
-                    <a:p>
-                      <a:endParaRPr lang="en-GB" dirty="0"/>
-                    </a:p>
-                  </a:txBody>
-                  <a:tcPr/>
-                </a:tc>
-                <a:tc>
-                  <a:txBody>
-                    <a:bodyPr/>
-                    <a:lstStyle/>
-                    <a:p>
-                      <a:r>
-                        <a:rPr lang="nl-NL" dirty="0" err="1"/>
-                        <a:t>Protein</a:t>
-                      </a:r>
-                      <a:r>
-                        <a:rPr lang="nl-NL" dirty="0"/>
-                        <a:t> </a:t>
-                      </a:r>
-                      <a:r>
-                        <a:rPr lang="nl-NL" dirty="0" err="1"/>
-                        <a:t>length</a:t>
-                      </a:r>
-                      <a:endParaRPr lang="nl-NL" dirty="0"/>
-                    </a:p>
-                    <a:p>
-                      <a:r>
-                        <a:rPr lang="nl-NL" dirty="0"/>
-                        <a:t>20 in 3D</a:t>
-                      </a:r>
-                      <a:endParaRPr lang="en-GB" dirty="0"/>
-                    </a:p>
-                    <a:p>
-                      <a:endParaRPr lang="en-GB" dirty="0"/>
-                    </a:p>
-                  </a:txBody>
-                  <a:tcPr/>
-                </a:tc>
-                <a:extLst>
-                  <a:ext uri="{0D108BD9-81ED-4DB2-BD59-A6C34878D82A}">
-                    <a16:rowId xmlns:a16="http://schemas.microsoft.com/office/drawing/2014/main" val="1685611198"/>
-                  </a:ext>
-                </a:extLst>
-              </a:tr>
-              <a:tr h="716096">
-                <a:tc>
-                  <a:txBody>
-                    <a:bodyPr/>
-                    <a:lstStyle/>
-                    <a:p>
-                      <a:r>
-                        <a:rPr lang="nl-NL" dirty="0"/>
-                        <a:t>Number of </a:t>
-                      </a:r>
-                      <a:r>
-                        <a:rPr lang="nl-NL" dirty="0" err="1"/>
-                        <a:t>permutations</a:t>
-                      </a:r>
-                      <a:endParaRPr lang="nl-NL" dirty="0"/>
-                    </a:p>
-                    <a:p>
-                      <a:r>
-                        <a:rPr lang="nl-NL" dirty="0"/>
-                        <a:t>found</a:t>
-                      </a:r>
-                      <a:endParaRPr lang="en-GB" dirty="0"/>
-                    </a:p>
-                  </a:txBody>
-                  <a:tcPr/>
-                </a:tc>
-                <a:tc>
-                  <a:txBody>
-                    <a:bodyPr/>
-                    <a:lstStyle/>
-                    <a:p>
-                      <a:r>
-                        <a:rPr lang="nl-NL" dirty="0"/>
-                        <a:t>72</a:t>
-                      </a:r>
-                      <a:endParaRPr lang="en-GB" dirty="0"/>
-                    </a:p>
-                  </a:txBody>
-                  <a:tcPr/>
-                </a:tc>
-                <a:tc>
-                  <a:txBody>
-                    <a:bodyPr/>
-                    <a:lstStyle/>
-                    <a:p>
-                      <a:r>
-                        <a:rPr lang="nl-NL" dirty="0"/>
-                        <a:t>130</a:t>
-                      </a:r>
-                      <a:endParaRPr lang="en-GB" dirty="0"/>
-                    </a:p>
-                  </a:txBody>
-                  <a:tcPr/>
-                </a:tc>
-                <a:tc>
-                  <a:txBody>
-                    <a:bodyPr/>
-                    <a:lstStyle/>
-                    <a:p>
-                      <a:r>
-                        <a:rPr lang="nl-NL" dirty="0"/>
-                        <a:t>176</a:t>
-                      </a:r>
-                      <a:endParaRPr lang="en-GB" dirty="0"/>
-                    </a:p>
-                  </a:txBody>
-                  <a:tcPr/>
-                </a:tc>
-                <a:extLst>
-                  <a:ext uri="{0D108BD9-81ED-4DB2-BD59-A6C34878D82A}">
-                    <a16:rowId xmlns:a16="http://schemas.microsoft.com/office/drawing/2014/main" val="2845706493"/>
-                  </a:ext>
-                </a:extLst>
-              </a:tr>
-              <a:tr h="716096">
-                <a:tc>
-                  <a:txBody>
-                    <a:bodyPr/>
-                    <a:lstStyle/>
-                    <a:p>
-                      <a:r>
-                        <a:rPr lang="nl-NL" dirty="0"/>
-                        <a:t>Number of </a:t>
-                      </a:r>
-                      <a:r>
-                        <a:rPr lang="nl-NL" dirty="0" err="1"/>
-                        <a:t>permutations</a:t>
-                      </a:r>
-                      <a:r>
-                        <a:rPr lang="nl-NL" dirty="0"/>
-                        <a:t> </a:t>
-                      </a:r>
-                    </a:p>
-                    <a:p>
-                      <a:r>
-                        <a:rPr lang="nl-NL" dirty="0" err="1"/>
-                        <a:t>expected</a:t>
-                      </a:r>
-                      <a:endParaRPr lang="en-GB" dirty="0"/>
-                    </a:p>
-                  </a:txBody>
-                  <a:tcPr/>
-                </a:tc>
-                <a:tc>
-                  <a:txBody>
-                    <a:bodyPr/>
-                    <a:lstStyle/>
-                    <a:p>
-                      <a:r>
-                        <a:rPr lang="nl-NL" dirty="0"/>
-                        <a:t>15625</a:t>
-                      </a:r>
-                      <a:endParaRPr lang="en-GB" dirty="0"/>
-                    </a:p>
-                  </a:txBody>
-                  <a:tcPr/>
-                </a:tc>
-                <a:tc>
-                  <a:txBody>
-                    <a:bodyPr/>
-                    <a:lstStyle/>
-                    <a:p>
-                      <a:r>
-                        <a:rPr lang="nl-NL" baseline="0" dirty="0"/>
-                        <a:t>244e6</a:t>
-                      </a:r>
-                      <a:endParaRPr lang="en-GB" baseline="0" dirty="0"/>
-                    </a:p>
-                  </a:txBody>
-                  <a:tcPr/>
-                </a:tc>
-                <a:tc>
-                  <a:txBody>
-                    <a:bodyPr/>
-                    <a:lstStyle/>
-                    <a:p>
-                      <a:r>
-                        <a:rPr lang="nl-NL" dirty="0"/>
-                        <a:t>3814e6</a:t>
-                      </a:r>
-                      <a:endParaRPr lang="en-GB" dirty="0"/>
-                    </a:p>
-                  </a:txBody>
-                  <a:tcPr/>
-                </a:tc>
-                <a:extLst>
-                  <a:ext uri="{0D108BD9-81ED-4DB2-BD59-A6C34878D82A}">
-                    <a16:rowId xmlns:a16="http://schemas.microsoft.com/office/drawing/2014/main" val="1924592877"/>
-                  </a:ext>
-                </a:extLst>
-              </a:tr>
-              <a:tr h="716096">
-                <a:tc>
-                  <a:txBody>
-                    <a:bodyPr/>
-                    <a:lstStyle/>
-                    <a:p>
-                      <a:r>
-                        <a:rPr lang="nl-NL" dirty="0" err="1"/>
-                        <a:t>Stability</a:t>
-                      </a:r>
-                      <a:r>
-                        <a:rPr lang="nl-NL" dirty="0"/>
-                        <a:t> found</a:t>
-                      </a:r>
-                      <a:endParaRPr lang="en-GB" dirty="0"/>
-                    </a:p>
-                  </a:txBody>
-                  <a:tcPr/>
-                </a:tc>
-                <a:tc>
-                  <a:txBody>
-                    <a:bodyPr/>
-                    <a:lstStyle/>
-                    <a:p>
-                      <a:r>
-                        <a:rPr lang="nl-NL" dirty="0"/>
-                        <a:t>-3</a:t>
-                      </a:r>
-                      <a:endParaRPr lang="en-GB" dirty="0"/>
-                    </a:p>
-                  </a:txBody>
-                  <a:tcPr/>
-                </a:tc>
-                <a:tc>
-                  <a:txBody>
-                    <a:bodyPr/>
-                    <a:lstStyle/>
-                    <a:p>
-                      <a:r>
-                        <a:rPr lang="nl-NL" dirty="0"/>
-                        <a:t>-7</a:t>
-                      </a:r>
-                      <a:endParaRPr lang="en-GB" dirty="0"/>
-                    </a:p>
-                  </a:txBody>
-                  <a:tcPr/>
-                </a:tc>
-                <a:tc>
-                  <a:txBody>
-                    <a:bodyPr/>
-                    <a:lstStyle/>
-                    <a:p>
-                      <a:r>
-                        <a:rPr lang="nl-NL" dirty="0"/>
-                        <a:t>-11</a:t>
-                      </a:r>
-                      <a:endParaRPr lang="en-GB" dirty="0"/>
-                    </a:p>
-                  </a:txBody>
-                  <a:tcPr/>
-                </a:tc>
-                <a:extLst>
-                  <a:ext uri="{0D108BD9-81ED-4DB2-BD59-A6C34878D82A}">
-                    <a16:rowId xmlns:a16="http://schemas.microsoft.com/office/drawing/2014/main" val="1609953203"/>
-                  </a:ext>
-                </a:extLst>
-              </a:tr>
-            </a:tbl>
-          </a:graphicData>
-        </a:graphic>
-      </p:graphicFrame>
       <p:sp>
         <p:nvSpPr>
           <p:cNvPr id="5" name="Tijdelijke aanduiding voor dianummer 4">
@@ -5349,8 +5339,33 @@
           <a:p>
             <a:fld id="{D1892F8F-5571-E246-B053-E27A62D47BEF}" type="slidenum">
               <a:rPr lang="en-GB" smtClean="0"/>
-              <a:t>12</a:t>
+              <a:t>13</a:t>
             </a:fld>
+            <a:endParaRPr lang="en-GB"/>
+          </a:p>
+        </p:txBody>
+      </p:sp>
+      <p:sp>
+        <p:nvSpPr>
+          <p:cNvPr id="7" name="Tijdelijke aanduiding voor inhoud 6">
+            <a:extLst>
+              <a:ext uri="{FF2B5EF4-FFF2-40B4-BE49-F238E27FC236}">
+                <a16:creationId xmlns:a16="http://schemas.microsoft.com/office/drawing/2014/main" id="{68EB667D-63D2-442C-9F36-DA46E145DEF5}"/>
+              </a:ext>
+            </a:extLst>
+          </p:cNvPr>
+          <p:cNvSpPr>
+            <a:spLocks noGrp="1"/>
+          </p:cNvSpPr>
+          <p:nvPr>
+            <p:ph sz="half" idx="2"/>
+          </p:nvPr>
+        </p:nvSpPr>
+        <p:spPr/>
+        <p:txBody>
+          <a:bodyPr/>
+          <a:lstStyle/>
+          <a:p>
             <a:endParaRPr lang="en-GB"/>
           </a:p>
         </p:txBody>
@@ -5368,7 +5383,7 @@
 </p:sld>
 </file>
 
-<file path=ppt/slides/slide13.xml><?xml version="1.0" encoding="utf-8"?>
+<file path=ppt/slides/slide14.xml><?xml version="1.0" encoding="utf-8"?>
 <p:sld xmlns:a="http://schemas.openxmlformats.org/drawingml/2006/main" xmlns:r="http://schemas.openxmlformats.org/officeDocument/2006/relationships" xmlns:p="http://schemas.openxmlformats.org/presentationml/2006/main">
   <p:cSld>
     <p:spTree>
@@ -5725,7 +5740,7 @@
           <a:p>
             <a:fld id="{D1892F8F-5571-E246-B053-E27A62D47BEF}" type="slidenum">
               <a:rPr lang="en-GB" smtClean="0"/>
-              <a:t>13</a:t>
+              <a:t>14</a:t>
             </a:fld>
             <a:endParaRPr lang="en-GB"/>
           </a:p>
@@ -6777,7 +6792,7 @@
 </p:sld>
 </file>
 
-<file path=ppt/slides/slide14.xml><?xml version="1.0" encoding="utf-8"?>
+<file path=ppt/slides/slide15.xml><?xml version="1.0" encoding="utf-8"?>
 <p:sld xmlns:a="http://schemas.openxmlformats.org/drawingml/2006/main" xmlns:r="http://schemas.openxmlformats.org/officeDocument/2006/relationships" xmlns:p="http://schemas.openxmlformats.org/presentationml/2006/main">
   <p:cSld>
     <p:spTree>
@@ -6875,7 +6890,7 @@
           <a:p>
             <a:fld id="{D1892F8F-5571-E246-B053-E27A62D47BEF}" type="slidenum">
               <a:rPr lang="en-GB" smtClean="0"/>
-              <a:t>14</a:t>
+              <a:t>15</a:t>
             </a:fld>
             <a:endParaRPr lang="en-GB"/>
           </a:p>
@@ -6894,7 +6909,7 @@
 </p:sld>
 </file>
 
-<file path=ppt/slides/slide15.xml><?xml version="1.0" encoding="utf-8"?>
+<file path=ppt/slides/slide16.xml><?xml version="1.0" encoding="utf-8"?>
 <p:sld xmlns:a="http://schemas.openxmlformats.org/drawingml/2006/main" xmlns:r="http://schemas.openxmlformats.org/officeDocument/2006/relationships" xmlns:p="http://schemas.openxmlformats.org/presentationml/2006/main">
   <p:cSld>
     <p:spTree>
@@ -7118,7 +7133,7 @@
           <a:p>
             <a:fld id="{D1892F8F-5571-E246-B053-E27A62D47BEF}" type="slidenum">
               <a:rPr lang="en-GB" smtClean="0"/>
-              <a:t>15</a:t>
+              <a:t>16</a:t>
             </a:fld>
             <a:endParaRPr lang="en-GB"/>
           </a:p>
@@ -7137,7 +7152,7 @@
 </p:sld>
 </file>
 
-<file path=ppt/slides/slide16.xml><?xml version="1.0" encoding="utf-8"?>
+<file path=ppt/slides/slide17.xml><?xml version="1.0" encoding="utf-8"?>
 <p:sld xmlns:a="http://schemas.openxmlformats.org/drawingml/2006/main" xmlns:r="http://schemas.openxmlformats.org/officeDocument/2006/relationships" xmlns:p="http://schemas.openxmlformats.org/presentationml/2006/main">
   <p:cSld>
     <p:spTree>
@@ -7375,7 +7390,7 @@
           <a:p>
             <a:fld id="{D1892F8F-5571-E246-B053-E27A62D47BEF}" type="slidenum">
               <a:rPr lang="en-GB" smtClean="0"/>
-              <a:t>16</a:t>
+              <a:t>17</a:t>
             </a:fld>
             <a:endParaRPr lang="en-GB"/>
           </a:p>
@@ -7394,7 +7409,7 @@
 </p:sld>
 </file>
 
-<file path=ppt/slides/slide17.xml><?xml version="1.0" encoding="utf-8"?>
+<file path=ppt/slides/slide18.xml><?xml version="1.0" encoding="utf-8"?>
 <p:sld xmlns:a="http://schemas.openxmlformats.org/drawingml/2006/main" xmlns:r="http://schemas.openxmlformats.org/officeDocument/2006/relationships" xmlns:p="http://schemas.openxmlformats.org/presentationml/2006/main">
   <p:cSld>
     <p:spTree>
@@ -7573,7 +7588,7 @@
           <a:p>
             <a:fld id="{D1892F8F-5571-E246-B053-E27A62D47BEF}" type="slidenum">
               <a:rPr lang="en-GB" smtClean="0"/>
-              <a:t>17</a:t>
+              <a:t>18</a:t>
             </a:fld>
             <a:endParaRPr lang="en-GB"/>
           </a:p>
@@ -7592,7 +7607,7 @@
 </p:sld>
 </file>
 
-<file path=ppt/slides/slide18.xml><?xml version="1.0" encoding="utf-8"?>
+<file path=ppt/slides/slide19.xml><?xml version="1.0" encoding="utf-8"?>
 <p:sld xmlns:a="http://schemas.openxmlformats.org/drawingml/2006/main" xmlns:r="http://schemas.openxmlformats.org/officeDocument/2006/relationships" xmlns:p="http://schemas.openxmlformats.org/presentationml/2006/main">
   <p:cSld>
     <p:spTree>
@@ -7731,7 +7746,7 @@
           <a:p>
             <a:fld id="{D1892F8F-5571-E246-B053-E27A62D47BEF}" type="slidenum">
               <a:rPr lang="en-GB" smtClean="0"/>
-              <a:t>18</a:t>
+              <a:t>19</a:t>
             </a:fld>
             <a:endParaRPr lang="en-GB"/>
           </a:p>

--- a/Docs/PPP, final.pptx
+++ b/Docs/PPP, final.pptx
@@ -5,7 +5,7 @@
     <p:sldMasterId id="2147483672" r:id="rId1"/>
   </p:sldMasterIdLst>
   <p:notesMasterIdLst>
-    <p:notesMasterId r:id="rId21"/>
+    <p:notesMasterId r:id="rId25"/>
   </p:notesMasterIdLst>
   <p:sldIdLst>
     <p:sldId id="256" r:id="rId2"/>
@@ -20,13 +20,17 @@
     <p:sldId id="290" r:id="rId11"/>
     <p:sldId id="288" r:id="rId12"/>
     <p:sldId id="291" r:id="rId13"/>
-    <p:sldId id="289" r:id="rId14"/>
-    <p:sldId id="276" r:id="rId15"/>
+    <p:sldId id="297" r:id="rId14"/>
+    <p:sldId id="296" r:id="rId15"/>
     <p:sldId id="265" r:id="rId16"/>
     <p:sldId id="278" r:id="rId17"/>
     <p:sldId id="279" r:id="rId18"/>
     <p:sldId id="280" r:id="rId19"/>
     <p:sldId id="286" r:id="rId20"/>
+    <p:sldId id="292" r:id="rId21"/>
+    <p:sldId id="293" r:id="rId22"/>
+    <p:sldId id="294" r:id="rId23"/>
+    <p:sldId id="295" r:id="rId24"/>
   </p:sldIdLst>
   <p:sldSz cx="12192000" cy="6858000"/>
   <p:notesSz cx="6858000" cy="9144000"/>
@@ -4694,10 +4698,10 @@
       </p:sp>
       <p:pic>
         <p:nvPicPr>
-          <p:cNvPr id="4" name="Afbeelding 3">
+          <p:cNvPr id="3" name="Afbeelding 2">
             <a:extLst>
               <a:ext uri="{FF2B5EF4-FFF2-40B4-BE49-F238E27FC236}">
-                <a16:creationId xmlns:a16="http://schemas.microsoft.com/office/drawing/2014/main" id="{75C0B105-FF19-4752-97FE-F72109D94746}"/>
+                <a16:creationId xmlns:a16="http://schemas.microsoft.com/office/drawing/2014/main" id="{EA6DD5A5-231E-42D4-8CA1-417F70029132}"/>
               </a:ext>
             </a:extLst>
           </p:cNvPr>
@@ -4714,8 +4718,8 @@
         </p:blipFill>
         <p:spPr>
           <a:xfrm>
-            <a:off x="5688096" y="1394779"/>
-            <a:ext cx="6279813" cy="4823717"/>
+            <a:off x="5748385" y="1538496"/>
+            <a:ext cx="6273730" cy="4680000"/>
           </a:xfrm>
           <a:prstGeom prst="rect">
             <a:avLst/>
@@ -5024,36 +5028,6 @@
           </a:p>
         </p:txBody>
       </p:sp>
-      <p:pic>
-        <p:nvPicPr>
-          <p:cNvPr id="3" name="Afbeelding 2">
-            <a:extLst>
-              <a:ext uri="{FF2B5EF4-FFF2-40B4-BE49-F238E27FC236}">
-                <a16:creationId xmlns:a16="http://schemas.microsoft.com/office/drawing/2014/main" id="{F4463858-B722-4C2F-9CAA-8C51CF8F92EA}"/>
-              </a:ext>
-            </a:extLst>
-          </p:cNvPr>
-          <p:cNvPicPr>
-            <a:picLocks noChangeAspect="1"/>
-          </p:cNvPicPr>
-          <p:nvPr/>
-        </p:nvPicPr>
-        <p:blipFill>
-          <a:blip r:embed="rId3"/>
-          <a:stretch>
-            <a:fillRect/>
-          </a:stretch>
-        </p:blipFill>
-        <p:spPr>
-          <a:xfrm>
-            <a:off x="5688097" y="1485369"/>
-            <a:ext cx="6334019" cy="4844424"/>
-          </a:xfrm>
-          <a:prstGeom prst="rect">
-            <a:avLst/>
-          </a:prstGeom>
-        </p:spPr>
-      </p:pic>
       <p:sp>
         <p:nvSpPr>
           <p:cNvPr id="10" name="Rechthoek 9">
@@ -5106,6 +5080,36 @@
           </a:p>
         </p:txBody>
       </p:sp>
+      <p:pic>
+        <p:nvPicPr>
+          <p:cNvPr id="4" name="Afbeelding 3">
+            <a:extLst>
+              <a:ext uri="{FF2B5EF4-FFF2-40B4-BE49-F238E27FC236}">
+                <a16:creationId xmlns:a16="http://schemas.microsoft.com/office/drawing/2014/main" id="{5B3D2239-E4D6-4272-91F6-3CF1B41DD0DD}"/>
+              </a:ext>
+            </a:extLst>
+          </p:cNvPr>
+          <p:cNvPicPr>
+            <a:picLocks noChangeAspect="1"/>
+          </p:cNvPicPr>
+          <p:nvPr/>
+        </p:nvPicPr>
+        <p:blipFill>
+          <a:blip r:embed="rId3"/>
+          <a:stretch>
+            <a:fillRect/>
+          </a:stretch>
+        </p:blipFill>
+        <p:spPr>
+          <a:xfrm>
+            <a:off x="5769883" y="1538496"/>
+            <a:ext cx="6138216" cy="4680000"/>
+          </a:xfrm>
+          <a:prstGeom prst="rect">
+            <a:avLst/>
+          </a:prstGeom>
+        </p:spPr>
+      </p:pic>
     </p:spTree>
     <p:extLst>
       <p:ext uri="{BB962C8B-B14F-4D97-AF65-F5344CB8AC3E}">
@@ -5219,7 +5223,7 @@
           <p:cNvPr id="2" name="Titel 1">
             <a:extLst>
               <a:ext uri="{FF2B5EF4-FFF2-40B4-BE49-F238E27FC236}">
-                <a16:creationId xmlns:a16="http://schemas.microsoft.com/office/drawing/2014/main" id="{92797969-71CF-400D-8211-29427D350265}"/>
+                <a16:creationId xmlns:a16="http://schemas.microsoft.com/office/drawing/2014/main" id="{E07C44F3-DFDA-4C7C-8920-25578ABB489B}"/>
               </a:ext>
             </a:extLst>
           </p:cNvPr>
@@ -5237,27 +5241,53 @@
           <a:p>
             <a:r>
               <a:rPr lang="nl-NL" dirty="0"/>
-              <a:t>3. </a:t>
+              <a:t>4. </a:t>
             </a:r>
             <a:r>
               <a:rPr lang="nl-NL" dirty="0" err="1"/>
-              <a:t>Results</a:t>
-            </a:r>
-            <a:r>
-              <a:rPr lang="nl-NL" dirty="0"/>
-              <a:t> – </a:t>
-            </a:r>
+              <a:t>Discussion</a:t>
+            </a:r>
+            <a:endParaRPr lang="en-GB" dirty="0"/>
+          </a:p>
+        </p:txBody>
+      </p:sp>
+      <p:sp>
+        <p:nvSpPr>
+          <p:cNvPr id="3" name="Tijdelijke aanduiding voor inhoud 2">
+            <a:extLst>
+              <a:ext uri="{FF2B5EF4-FFF2-40B4-BE49-F238E27FC236}">
+                <a16:creationId xmlns:a16="http://schemas.microsoft.com/office/drawing/2014/main" id="{75659A2E-00E5-4A74-AF2D-CD92ED2A8C9A}"/>
+              </a:ext>
+            </a:extLst>
+          </p:cNvPr>
+          <p:cNvSpPr>
+            <a:spLocks noGrp="1"/>
+          </p:cNvSpPr>
+          <p:nvPr>
+            <p:ph sz="half" idx="1"/>
+          </p:nvPr>
+        </p:nvSpPr>
+        <p:spPr>
+          <a:xfrm>
+            <a:off x="838199" y="1825625"/>
+            <a:ext cx="4915330" cy="4351338"/>
+          </a:xfrm>
+        </p:spPr>
+        <p:txBody>
+          <a:bodyPr/>
+          <a:lstStyle/>
+          <a:p>
             <a:r>
               <a:rPr lang="nl-NL" dirty="0" err="1"/>
               <a:t>Breadth</a:t>
             </a:r>
             <a:r>
               <a:rPr lang="nl-NL" dirty="0"/>
-              <a:t> first </a:t>
+              <a:t> first without random </a:t>
             </a:r>
             <a:r>
               <a:rPr lang="nl-NL" dirty="0" err="1"/>
-              <a:t>with</a:t>
+              <a:t>pruning</a:t>
             </a:r>
             <a:r>
               <a:rPr lang="nl-NL" dirty="0"/>
@@ -5265,48 +5295,19 @@
             </a:r>
             <a:r>
               <a:rPr lang="nl-NL" dirty="0" err="1"/>
-              <a:t>beam</a:t>
+              <a:t>results</a:t>
             </a:r>
             <a:r>
               <a:rPr lang="nl-NL" dirty="0"/>
-              <a:t> search</a:t>
-            </a:r>
-            <a:endParaRPr lang="en-GB" dirty="0"/>
-          </a:p>
-        </p:txBody>
-      </p:sp>
-      <p:sp>
-        <p:nvSpPr>
-          <p:cNvPr id="3" name="Tijdelijke aanduiding voor inhoud 2">
-            <a:extLst>
-              <a:ext uri="{FF2B5EF4-FFF2-40B4-BE49-F238E27FC236}">
-                <a16:creationId xmlns:a16="http://schemas.microsoft.com/office/drawing/2014/main" id="{8A7587FD-E1CD-4D02-B052-73B02857BF24}"/>
-              </a:ext>
-            </a:extLst>
-          </p:cNvPr>
-          <p:cNvSpPr>
-            <a:spLocks noGrp="1"/>
-          </p:cNvSpPr>
-          <p:nvPr>
-            <p:ph sz="half" idx="1"/>
-          </p:nvPr>
-        </p:nvSpPr>
-        <p:spPr/>
-        <p:txBody>
-          <a:bodyPr/>
-          <a:lstStyle/>
-          <a:p>
+              <a:t> in a </a:t>
+            </a:r>
+            <a:r>
+              <a:rPr lang="nl-NL" dirty="0" err="1"/>
+              <a:t>lower</a:t>
+            </a:r>
             <a:r>
               <a:rPr lang="nl-NL" dirty="0"/>
-              <a:t>Beam search </a:t>
-            </a:r>
-            <a:r>
-              <a:rPr lang="nl-NL" dirty="0" err="1"/>
-              <a:t>based</a:t>
-            </a:r>
-            <a:r>
-              <a:rPr lang="nl-NL" dirty="0"/>
-              <a:t> on </a:t>
+              <a:t> </a:t>
             </a:r>
             <a:r>
               <a:rPr lang="nl-NL" dirty="0" err="1"/>
@@ -5314,6 +5315,48 @@
             </a:r>
             <a:endParaRPr lang="nl-NL" dirty="0"/>
           </a:p>
+          <a:p>
+            <a:endParaRPr lang="nl-NL" dirty="0"/>
+          </a:p>
+          <a:p>
+            <a:r>
+              <a:rPr lang="nl-NL" dirty="0"/>
+              <a:t> </a:t>
+            </a:r>
+            <a:r>
+              <a:rPr lang="nl-NL" dirty="0" err="1"/>
+              <a:t>Achieved</a:t>
+            </a:r>
+            <a:r>
+              <a:rPr lang="nl-NL" dirty="0"/>
+              <a:t> BKS on </a:t>
+            </a:r>
+            <a:r>
+              <a:rPr lang="nl-NL" dirty="0" err="1"/>
+              <a:t>all</a:t>
+            </a:r>
+            <a:r>
+              <a:rPr lang="nl-NL" dirty="0"/>
+              <a:t> proteins </a:t>
+            </a:r>
+            <a:r>
+              <a:rPr lang="nl-NL" dirty="0" err="1"/>
+              <a:t>besides</a:t>
+            </a:r>
+            <a:r>
+              <a:rPr lang="nl-NL" dirty="0"/>
+              <a:t> HP </a:t>
+            </a:r>
+            <a:r>
+              <a:rPr lang="nl-NL" dirty="0" err="1"/>
+              <a:t>protein</a:t>
+            </a:r>
+            <a:r>
+              <a:rPr lang="nl-NL" dirty="0"/>
+              <a:t> L=60</a:t>
+            </a:r>
+            <a:endParaRPr lang="en-GB" dirty="0"/>
+          </a:p>
         </p:txBody>
       </p:sp>
       <p:sp>
@@ -5321,7 +5364,7 @@
           <p:cNvPr id="5" name="Tijdelijke aanduiding voor dianummer 4">
             <a:extLst>
               <a:ext uri="{FF2B5EF4-FFF2-40B4-BE49-F238E27FC236}">
-                <a16:creationId xmlns:a16="http://schemas.microsoft.com/office/drawing/2014/main" id="{3CCEDB28-F8FB-4CAB-BEA0-526A3E6D51B9}"/>
+                <a16:creationId xmlns:a16="http://schemas.microsoft.com/office/drawing/2014/main" id="{7BEAA7F8-1164-476F-83A8-D72E9B41183B}"/>
               </a:ext>
             </a:extLst>
           </p:cNvPr>
@@ -5345,725 +5388,12 @@
           </a:p>
         </p:txBody>
       </p:sp>
-      <p:sp>
-        <p:nvSpPr>
-          <p:cNvPr id="7" name="Tijdelijke aanduiding voor inhoud 6">
-            <a:extLst>
-              <a:ext uri="{FF2B5EF4-FFF2-40B4-BE49-F238E27FC236}">
-                <a16:creationId xmlns:a16="http://schemas.microsoft.com/office/drawing/2014/main" id="{68EB667D-63D2-442C-9F36-DA46E145DEF5}"/>
-              </a:ext>
-            </a:extLst>
-          </p:cNvPr>
-          <p:cNvSpPr>
-            <a:spLocks noGrp="1"/>
-          </p:cNvSpPr>
-          <p:nvPr>
-            <p:ph sz="half" idx="2"/>
-          </p:nvPr>
-        </p:nvSpPr>
-        <p:spPr/>
-        <p:txBody>
-          <a:bodyPr/>
-          <a:lstStyle/>
-          <a:p>
-            <a:endParaRPr lang="en-GB"/>
-          </a:p>
-        </p:txBody>
-      </p:sp>
-    </p:spTree>
-    <p:extLst>
-      <p:ext uri="{BB962C8B-B14F-4D97-AF65-F5344CB8AC3E}">
-        <p14:creationId xmlns:p14="http://schemas.microsoft.com/office/powerpoint/2010/main" val="470101755"/>
-      </p:ext>
-    </p:extLst>
-  </p:cSld>
-  <p:clrMapOvr>
-    <a:masterClrMapping/>
-  </p:clrMapOvr>
-</p:sld>
-</file>
-
-<file path=ppt/slides/slide14.xml><?xml version="1.0" encoding="utf-8"?>
-<p:sld xmlns:a="http://schemas.openxmlformats.org/drawingml/2006/main" xmlns:r="http://schemas.openxmlformats.org/officeDocument/2006/relationships" xmlns:p="http://schemas.openxmlformats.org/presentationml/2006/main">
-  <p:cSld>
-    <p:spTree>
-      <p:nvGrpSpPr>
-        <p:cNvPr id="1" name=""/>
-        <p:cNvGrpSpPr/>
-        <p:nvPr/>
-      </p:nvGrpSpPr>
-      <p:grpSpPr>
-        <a:xfrm>
-          <a:off x="0" y="0"/>
-          <a:ext cx="0" cy="0"/>
-          <a:chOff x="0" y="0"/>
-          <a:chExt cx="0" cy="0"/>
-        </a:xfrm>
-      </p:grpSpPr>
-      <p:sp>
-        <p:nvSpPr>
-          <p:cNvPr id="2" name="Titel 1">
-            <a:extLst>
-              <a:ext uri="{FF2B5EF4-FFF2-40B4-BE49-F238E27FC236}">
-                <a16:creationId xmlns:a16="http://schemas.microsoft.com/office/drawing/2014/main" id="{754BA899-22EB-4194-9176-4C28EDA2E759}"/>
-              </a:ext>
-            </a:extLst>
-          </p:cNvPr>
-          <p:cNvSpPr>
-            <a:spLocks noGrp="1"/>
-          </p:cNvSpPr>
-          <p:nvPr>
-            <p:ph type="title"/>
-          </p:nvPr>
-        </p:nvSpPr>
-        <p:spPr/>
-        <p:txBody>
-          <a:bodyPr/>
-          <a:lstStyle/>
-          <a:p>
-            <a:r>
-              <a:rPr lang="nl-NL" dirty="0"/>
-              <a:t>4. </a:t>
-            </a:r>
-            <a:r>
-              <a:rPr lang="nl-NL" dirty="0" err="1"/>
-              <a:t>Conclusions</a:t>
-            </a:r>
-            <a:endParaRPr lang="en-GB" dirty="0"/>
-          </a:p>
-        </p:txBody>
-      </p:sp>
-      <p:sp>
-        <p:nvSpPr>
-          <p:cNvPr id="3" name="Tijdelijke aanduiding voor inhoud 2">
-            <a:extLst>
-              <a:ext uri="{FF2B5EF4-FFF2-40B4-BE49-F238E27FC236}">
-                <a16:creationId xmlns:a16="http://schemas.microsoft.com/office/drawing/2014/main" id="{8C346F08-F98D-4E44-89F6-0B75313DA07A}"/>
-              </a:ext>
-            </a:extLst>
-          </p:cNvPr>
-          <p:cNvSpPr>
-            <a:spLocks noGrp="1"/>
-          </p:cNvSpPr>
-          <p:nvPr>
-            <p:ph sz="half" idx="1"/>
-          </p:nvPr>
-        </p:nvSpPr>
-        <p:spPr>
-          <a:xfrm>
-            <a:off x="838198" y="1825625"/>
-            <a:ext cx="5181600" cy="4351338"/>
-          </a:xfrm>
-        </p:spPr>
-        <p:txBody>
-          <a:bodyPr/>
-          <a:lstStyle/>
-          <a:p>
-            <a:r>
-              <a:rPr lang="nl-NL" dirty="0"/>
-              <a:t>State </a:t>
-            </a:r>
-            <a:r>
-              <a:rPr lang="nl-NL" dirty="0" err="1"/>
-              <a:t>space</a:t>
-            </a:r>
-            <a:r>
-              <a:rPr lang="nl-NL" dirty="0"/>
-              <a:t> </a:t>
-            </a:r>
-            <a:r>
-              <a:rPr lang="nl-NL" dirty="0" err="1"/>
-              <a:t>overestimation</a:t>
-            </a:r>
-            <a:endParaRPr lang="nl-NL" dirty="0"/>
-          </a:p>
-          <a:p>
-            <a:r>
-              <a:rPr lang="nl-NL" dirty="0"/>
-              <a:t>EHA </a:t>
-            </a:r>
-            <a:r>
-              <a:rPr lang="nl-NL" dirty="0" err="1"/>
-              <a:t>algorithm</a:t>
-            </a:r>
-            <a:endParaRPr lang="nl-NL" dirty="0"/>
-          </a:p>
-          <a:p>
-            <a:r>
-              <a:rPr lang="nl-NL" dirty="0" err="1"/>
-              <a:t>Breadth</a:t>
-            </a:r>
-            <a:r>
-              <a:rPr lang="nl-NL" dirty="0"/>
-              <a:t> first, </a:t>
-            </a:r>
-            <a:r>
-              <a:rPr lang="nl-NL" dirty="0" err="1"/>
-              <a:t>beam</a:t>
-            </a:r>
-            <a:r>
-              <a:rPr lang="nl-NL" dirty="0"/>
-              <a:t> search</a:t>
-            </a:r>
-          </a:p>
-          <a:p>
-            <a:endParaRPr lang="nl-NL" dirty="0"/>
-          </a:p>
-          <a:p>
-            <a:endParaRPr lang="nl-NL" dirty="0"/>
-          </a:p>
-          <a:p>
-            <a:endParaRPr lang="en-GB" dirty="0"/>
-          </a:p>
-        </p:txBody>
-      </p:sp>
-      <p:sp>
-        <p:nvSpPr>
-          <p:cNvPr id="11" name="Tijdelijke aanduiding voor inhoud 2">
-            <a:extLst>
-              <a:ext uri="{FF2B5EF4-FFF2-40B4-BE49-F238E27FC236}">
-                <a16:creationId xmlns:a16="http://schemas.microsoft.com/office/drawing/2014/main" id="{7B1F3DC8-5DC0-44B7-869B-81DA19C18EDD}"/>
-              </a:ext>
-            </a:extLst>
-          </p:cNvPr>
-          <p:cNvSpPr txBox="1">
-            <a:spLocks/>
-          </p:cNvSpPr>
-          <p:nvPr/>
-        </p:nvSpPr>
-        <p:spPr>
-          <a:xfrm>
-            <a:off x="6172202" y="1824878"/>
-            <a:ext cx="5181600" cy="4351338"/>
-          </a:xfrm>
-          <a:prstGeom prst="rect">
-            <a:avLst/>
-          </a:prstGeom>
-        </p:spPr>
-        <p:txBody>
-          <a:bodyPr vert="horz" lIns="91440" tIns="45720" rIns="91440" bIns="45720" rtlCol="0">
-            <a:normAutofit/>
-          </a:bodyPr>
-          <a:lstStyle>
-            <a:lvl1pPr marL="228600" indent="-228600" algn="l" defTabSz="914400" rtl="0" eaLnBrk="1" latinLnBrk="0" hangingPunct="1">
-              <a:lnSpc>
-                <a:spcPct val="90000"/>
-              </a:lnSpc>
-              <a:spcBef>
-                <a:spcPts val="1000"/>
-              </a:spcBef>
-              <a:buFont typeface="Arial" panose="020B0604020202020204" pitchFamily="34" charset="0"/>
-              <a:buChar char="•"/>
-              <a:defRPr sz="2800" kern="1200">
-                <a:solidFill>
-                  <a:schemeClr val="tx1"/>
-                </a:solidFill>
-                <a:latin typeface="+mn-lt"/>
-                <a:ea typeface="+mn-ea"/>
-                <a:cs typeface="+mn-cs"/>
-              </a:defRPr>
-            </a:lvl1pPr>
-            <a:lvl2pPr marL="685800" indent="-228600" algn="l" defTabSz="914400" rtl="0" eaLnBrk="1" latinLnBrk="0" hangingPunct="1">
-              <a:lnSpc>
-                <a:spcPct val="90000"/>
-              </a:lnSpc>
-              <a:spcBef>
-                <a:spcPts val="500"/>
-              </a:spcBef>
-              <a:buFont typeface="Arial" panose="020B0604020202020204" pitchFamily="34" charset="0"/>
-              <a:buChar char="•"/>
-              <a:defRPr sz="2400" kern="1200">
-                <a:solidFill>
-                  <a:schemeClr val="tx1"/>
-                </a:solidFill>
-                <a:latin typeface="+mn-lt"/>
-                <a:ea typeface="+mn-ea"/>
-                <a:cs typeface="+mn-cs"/>
-              </a:defRPr>
-            </a:lvl2pPr>
-            <a:lvl3pPr marL="1143000" indent="-228600" algn="l" defTabSz="914400" rtl="0" eaLnBrk="1" latinLnBrk="0" hangingPunct="1">
-              <a:lnSpc>
-                <a:spcPct val="90000"/>
-              </a:lnSpc>
-              <a:spcBef>
-                <a:spcPts val="500"/>
-              </a:spcBef>
-              <a:buFont typeface="Arial" panose="020B0604020202020204" pitchFamily="34" charset="0"/>
-              <a:buChar char="•"/>
-              <a:defRPr sz="2000" kern="1200">
-                <a:solidFill>
-                  <a:schemeClr val="tx1"/>
-                </a:solidFill>
-                <a:latin typeface="+mn-lt"/>
-                <a:ea typeface="+mn-ea"/>
-                <a:cs typeface="+mn-cs"/>
-              </a:defRPr>
-            </a:lvl3pPr>
-            <a:lvl4pPr marL="1600200" indent="-228600" algn="l" defTabSz="914400" rtl="0" eaLnBrk="1" latinLnBrk="0" hangingPunct="1">
-              <a:lnSpc>
-                <a:spcPct val="90000"/>
-              </a:lnSpc>
-              <a:spcBef>
-                <a:spcPts val="500"/>
-              </a:spcBef>
-              <a:buFont typeface="Arial" panose="020B0604020202020204" pitchFamily="34" charset="0"/>
-              <a:buChar char="•"/>
-              <a:defRPr sz="1800" kern="1200">
-                <a:solidFill>
-                  <a:schemeClr val="tx1"/>
-                </a:solidFill>
-                <a:latin typeface="+mn-lt"/>
-                <a:ea typeface="+mn-ea"/>
-                <a:cs typeface="+mn-cs"/>
-              </a:defRPr>
-            </a:lvl4pPr>
-            <a:lvl5pPr marL="2057400" indent="-228600" algn="l" defTabSz="914400" rtl="0" eaLnBrk="1" latinLnBrk="0" hangingPunct="1">
-              <a:lnSpc>
-                <a:spcPct val="90000"/>
-              </a:lnSpc>
-              <a:spcBef>
-                <a:spcPts val="500"/>
-              </a:spcBef>
-              <a:buFont typeface="Arial" panose="020B0604020202020204" pitchFamily="34" charset="0"/>
-              <a:buChar char="•"/>
-              <a:defRPr sz="1800" kern="1200">
-                <a:solidFill>
-                  <a:schemeClr val="tx1"/>
-                </a:solidFill>
-                <a:latin typeface="+mn-lt"/>
-                <a:ea typeface="+mn-ea"/>
-                <a:cs typeface="+mn-cs"/>
-              </a:defRPr>
-            </a:lvl5pPr>
-            <a:lvl6pPr marL="2514600" indent="-228600" algn="l" defTabSz="914400" rtl="0" eaLnBrk="1" latinLnBrk="0" hangingPunct="1">
-              <a:lnSpc>
-                <a:spcPct val="90000"/>
-              </a:lnSpc>
-              <a:spcBef>
-                <a:spcPts val="500"/>
-              </a:spcBef>
-              <a:buFont typeface="Arial" panose="020B0604020202020204" pitchFamily="34" charset="0"/>
-              <a:buChar char="•"/>
-              <a:defRPr sz="1800" kern="1200">
-                <a:solidFill>
-                  <a:schemeClr val="tx1"/>
-                </a:solidFill>
-                <a:latin typeface="+mn-lt"/>
-                <a:ea typeface="+mn-ea"/>
-                <a:cs typeface="+mn-cs"/>
-              </a:defRPr>
-            </a:lvl6pPr>
-            <a:lvl7pPr marL="2971800" indent="-228600" algn="l" defTabSz="914400" rtl="0" eaLnBrk="1" latinLnBrk="0" hangingPunct="1">
-              <a:lnSpc>
-                <a:spcPct val="90000"/>
-              </a:lnSpc>
-              <a:spcBef>
-                <a:spcPts val="500"/>
-              </a:spcBef>
-              <a:buFont typeface="Arial" panose="020B0604020202020204" pitchFamily="34" charset="0"/>
-              <a:buChar char="•"/>
-              <a:defRPr sz="1800" kern="1200">
-                <a:solidFill>
-                  <a:schemeClr val="tx1"/>
-                </a:solidFill>
-                <a:latin typeface="+mn-lt"/>
-                <a:ea typeface="+mn-ea"/>
-                <a:cs typeface="+mn-cs"/>
-              </a:defRPr>
-            </a:lvl7pPr>
-            <a:lvl8pPr marL="3429000" indent="-228600" algn="l" defTabSz="914400" rtl="0" eaLnBrk="1" latinLnBrk="0" hangingPunct="1">
-              <a:lnSpc>
-                <a:spcPct val="90000"/>
-              </a:lnSpc>
-              <a:spcBef>
-                <a:spcPts val="500"/>
-              </a:spcBef>
-              <a:buFont typeface="Arial" panose="020B0604020202020204" pitchFamily="34" charset="0"/>
-              <a:buChar char="•"/>
-              <a:defRPr sz="1800" kern="1200">
-                <a:solidFill>
-                  <a:schemeClr val="tx1"/>
-                </a:solidFill>
-                <a:latin typeface="+mn-lt"/>
-                <a:ea typeface="+mn-ea"/>
-                <a:cs typeface="+mn-cs"/>
-              </a:defRPr>
-            </a:lvl8pPr>
-            <a:lvl9pPr marL="3886200" indent="-228600" algn="l" defTabSz="914400" rtl="0" eaLnBrk="1" latinLnBrk="0" hangingPunct="1">
-              <a:lnSpc>
-                <a:spcPct val="90000"/>
-              </a:lnSpc>
-              <a:spcBef>
-                <a:spcPts val="500"/>
-              </a:spcBef>
-              <a:buFont typeface="Arial" panose="020B0604020202020204" pitchFamily="34" charset="0"/>
-              <a:buChar char="•"/>
-              <a:defRPr sz="1800" kern="1200">
-                <a:solidFill>
-                  <a:schemeClr val="tx1"/>
-                </a:solidFill>
-                <a:latin typeface="+mn-lt"/>
-                <a:ea typeface="+mn-ea"/>
-                <a:cs typeface="+mn-cs"/>
-              </a:defRPr>
-            </a:lvl9pPr>
-          </a:lstStyle>
-          <a:p>
-            <a:pPr marL="0" indent="0">
-              <a:buFont typeface="Arial" panose="020B0604020202020204" pitchFamily="34" charset="0"/>
-              <a:buNone/>
-            </a:pPr>
-            <a:endParaRPr lang="en-GB" dirty="0"/>
-          </a:p>
-        </p:txBody>
-      </p:sp>
-      <p:sp>
-        <p:nvSpPr>
-          <p:cNvPr id="4" name="Tijdelijke aanduiding voor dianummer 3">
-            <a:extLst>
-              <a:ext uri="{FF2B5EF4-FFF2-40B4-BE49-F238E27FC236}">
-                <a16:creationId xmlns:a16="http://schemas.microsoft.com/office/drawing/2014/main" id="{DA723A24-5027-C94B-B2FD-2A9B6CA69C62}"/>
-              </a:ext>
-            </a:extLst>
-          </p:cNvPr>
-          <p:cNvSpPr>
-            <a:spLocks noGrp="1"/>
-          </p:cNvSpPr>
-          <p:nvPr>
-            <p:ph type="sldNum" sz="quarter" idx="12"/>
-          </p:nvPr>
-        </p:nvSpPr>
-        <p:spPr/>
-        <p:txBody>
-          <a:bodyPr/>
-          <a:lstStyle/>
-          <a:p>
-            <a:fld id="{D1892F8F-5571-E246-B053-E27A62D47BEF}" type="slidenum">
-              <a:rPr lang="en-GB" smtClean="0"/>
-              <a:t>14</a:t>
-            </a:fld>
-            <a:endParaRPr lang="en-GB"/>
-          </a:p>
-        </p:txBody>
-      </p:sp>
-      <p:graphicFrame>
-        <p:nvGraphicFramePr>
-          <p:cNvPr id="13" name="Tabel 8">
-            <a:extLst>
-              <a:ext uri="{FF2B5EF4-FFF2-40B4-BE49-F238E27FC236}">
-                <a16:creationId xmlns:a16="http://schemas.microsoft.com/office/drawing/2014/main" id="{35F8ECA6-D72B-49B4-AA49-998E33B57C56}"/>
-              </a:ext>
-            </a:extLst>
-          </p:cNvPr>
-          <p:cNvGraphicFramePr>
-            <a:graphicFrameLocks noGrp="1"/>
-          </p:cNvGraphicFramePr>
-          <p:nvPr>
-            <p:ph sz="half" idx="2"/>
-            <p:extLst>
-              <p:ext uri="{D42A27DB-BD31-4B8C-83A1-F6EECF244321}">
-                <p14:modId xmlns:p14="http://schemas.microsoft.com/office/powerpoint/2010/main" val="1052431389"/>
-              </p:ext>
-            </p:extLst>
-          </p:nvPr>
-        </p:nvGraphicFramePr>
-        <p:xfrm>
-          <a:off x="6799243" y="1741036"/>
-          <a:ext cx="5085202" cy="3764268"/>
-        </p:xfrm>
-        <a:graphic>
-          <a:graphicData uri="http://schemas.openxmlformats.org/drawingml/2006/table">
-            <a:tbl>
-              <a:tblPr firstRow="1" bandRow="1">
-                <a:tableStyleId>{5C22544A-7EE6-4342-B048-85BDC9FD1C3A}</a:tableStyleId>
-              </a:tblPr>
-              <a:tblGrid>
-                <a:gridCol w="1630802">
-                  <a:extLst>
-                    <a:ext uri="{9D8B030D-6E8A-4147-A177-3AD203B41FA5}">
-                      <a16:colId xmlns:a16="http://schemas.microsoft.com/office/drawing/2014/main" val="1813941168"/>
-                    </a:ext>
-                  </a:extLst>
-                </a:gridCol>
-                <a:gridCol w="1727200">
-                  <a:extLst>
-                    <a:ext uri="{9D8B030D-6E8A-4147-A177-3AD203B41FA5}">
-                      <a16:colId xmlns:a16="http://schemas.microsoft.com/office/drawing/2014/main" val="3785723450"/>
-                    </a:ext>
-                  </a:extLst>
-                </a:gridCol>
-                <a:gridCol w="1727200">
-                  <a:extLst>
-                    <a:ext uri="{9D8B030D-6E8A-4147-A177-3AD203B41FA5}">
-                      <a16:colId xmlns:a16="http://schemas.microsoft.com/office/drawing/2014/main" val="357652839"/>
-                    </a:ext>
-                  </a:extLst>
-                </a:gridCol>
-              </a:tblGrid>
-              <a:tr h="941067">
-                <a:tc>
-                  <a:txBody>
-                    <a:bodyPr/>
-                    <a:lstStyle/>
-                    <a:p>
-                      <a:endParaRPr lang="en-GB" dirty="0"/>
-                    </a:p>
-                  </a:txBody>
-                  <a:tcPr/>
-                </a:tc>
-                <a:tc>
-                  <a:txBody>
-                    <a:bodyPr/>
-                    <a:lstStyle/>
-                    <a:p>
-                      <a:r>
-                        <a:rPr lang="nl-NL" dirty="0" err="1"/>
-                        <a:t>Protein</a:t>
-                      </a:r>
-                      <a:r>
-                        <a:rPr lang="nl-NL" dirty="0"/>
-                        <a:t> </a:t>
-                      </a:r>
-                      <a:r>
-                        <a:rPr lang="nl-NL" dirty="0" err="1"/>
-                        <a:t>length</a:t>
-                      </a:r>
-                      <a:r>
-                        <a:rPr lang="nl-NL" dirty="0"/>
-                        <a:t> </a:t>
-                      </a:r>
-                    </a:p>
-                    <a:p>
-                      <a:r>
-                        <a:rPr lang="nl-NL" dirty="0"/>
-                        <a:t>8 in 2D</a:t>
-                      </a:r>
-                      <a:endParaRPr lang="en-GB" dirty="0"/>
-                    </a:p>
-                  </a:txBody>
-                  <a:tcPr/>
-                </a:tc>
-                <a:tc>
-                  <a:txBody>
-                    <a:bodyPr/>
-                    <a:lstStyle/>
-                    <a:p>
-                      <a:r>
-                        <a:rPr lang="nl-NL" dirty="0" err="1"/>
-                        <a:t>Protein</a:t>
-                      </a:r>
-                      <a:r>
-                        <a:rPr lang="nl-NL" dirty="0"/>
-                        <a:t> </a:t>
-                      </a:r>
-                      <a:r>
-                        <a:rPr lang="nl-NL" dirty="0" err="1"/>
-                        <a:t>length</a:t>
-                      </a:r>
-                      <a:endParaRPr lang="nl-NL" dirty="0"/>
-                    </a:p>
-                    <a:p>
-                      <a:r>
-                        <a:rPr lang="nl-NL" dirty="0"/>
-                        <a:t>8 in 3D</a:t>
-                      </a:r>
-                      <a:endParaRPr lang="en-GB" dirty="0"/>
-                    </a:p>
-                  </a:txBody>
-                  <a:tcPr/>
-                </a:tc>
-                <a:extLst>
-                  <a:ext uri="{0D108BD9-81ED-4DB2-BD59-A6C34878D82A}">
-                    <a16:rowId xmlns:a16="http://schemas.microsoft.com/office/drawing/2014/main" val="518749116"/>
-                  </a:ext>
-                </a:extLst>
-              </a:tr>
-              <a:tr h="941067">
-                <a:tc>
-                  <a:txBody>
-                    <a:bodyPr/>
-                    <a:lstStyle/>
-                    <a:p>
-                      <a:r>
-                        <a:rPr lang="nl-NL" dirty="0" err="1"/>
-                        <a:t>Calculated</a:t>
-                      </a:r>
-                      <a:r>
-                        <a:rPr lang="nl-NL" dirty="0"/>
-                        <a:t> </a:t>
-                      </a:r>
-                    </a:p>
-                    <a:p>
-                      <a:r>
-                        <a:rPr lang="nl-NL" dirty="0"/>
-                        <a:t>State </a:t>
-                      </a:r>
-                      <a:r>
-                        <a:rPr lang="nl-NL" dirty="0" err="1"/>
-                        <a:t>space</a:t>
-                      </a:r>
-                      <a:endParaRPr lang="en-GB" dirty="0"/>
-                    </a:p>
-                  </a:txBody>
-                  <a:tcPr/>
-                </a:tc>
-                <a:tc>
-                  <a:txBody>
-                    <a:bodyPr/>
-                    <a:lstStyle/>
-                    <a:p>
-                      <a:r>
-                        <a:rPr lang="nl-NL" dirty="0"/>
-                        <a:t>729</a:t>
-                      </a:r>
-                      <a:endParaRPr lang="en-GB" dirty="0"/>
-                    </a:p>
-                  </a:txBody>
-                  <a:tcPr/>
-                </a:tc>
-                <a:tc>
-                  <a:txBody>
-                    <a:bodyPr/>
-                    <a:lstStyle/>
-                    <a:p>
-                      <a:r>
-                        <a:rPr lang="nl-NL" dirty="0"/>
-                        <a:t>15625</a:t>
-                      </a:r>
-                      <a:endParaRPr lang="en-GB" dirty="0"/>
-                    </a:p>
-                  </a:txBody>
-                  <a:tcPr/>
-                </a:tc>
-                <a:extLst>
-                  <a:ext uri="{0D108BD9-81ED-4DB2-BD59-A6C34878D82A}">
-                    <a16:rowId xmlns:a16="http://schemas.microsoft.com/office/drawing/2014/main" val="1248202208"/>
-                  </a:ext>
-                </a:extLst>
-              </a:tr>
-              <a:tr h="941067">
-                <a:tc>
-                  <a:txBody>
-                    <a:bodyPr/>
-                    <a:lstStyle/>
-                    <a:p>
-                      <a:r>
-                        <a:rPr lang="nl-NL" dirty="0"/>
-                        <a:t>In </a:t>
-                      </a:r>
-                      <a:r>
-                        <a:rPr lang="nl-NL" dirty="0" err="1"/>
-                        <a:t>Reality</a:t>
-                      </a:r>
-                      <a:endParaRPr lang="nl-NL" dirty="0"/>
-                    </a:p>
-                    <a:p>
-                      <a:r>
-                        <a:rPr lang="nl-NL" dirty="0"/>
-                        <a:t>State </a:t>
-                      </a:r>
-                      <a:r>
-                        <a:rPr lang="nl-NL" dirty="0" err="1"/>
-                        <a:t>space</a:t>
-                      </a:r>
-                      <a:endParaRPr lang="en-GB" dirty="0"/>
-                    </a:p>
-                  </a:txBody>
-                  <a:tcPr/>
-                </a:tc>
-                <a:tc>
-                  <a:txBody>
-                    <a:bodyPr/>
-                    <a:lstStyle/>
-                    <a:p>
-                      <a:r>
-                        <a:rPr lang="nl-NL" dirty="0"/>
-                        <a:t>543</a:t>
-                      </a:r>
-                      <a:endParaRPr lang="en-GB" dirty="0"/>
-                    </a:p>
-                  </a:txBody>
-                  <a:tcPr/>
-                </a:tc>
-                <a:tc>
-                  <a:txBody>
-                    <a:bodyPr/>
-                    <a:lstStyle/>
-                    <a:p>
-                      <a:r>
-                        <a:rPr lang="nl-NL" dirty="0"/>
-                        <a:t>13565</a:t>
-                      </a:r>
-                      <a:endParaRPr lang="en-GB" dirty="0"/>
-                    </a:p>
-                  </a:txBody>
-                  <a:tcPr/>
-                </a:tc>
-                <a:extLst>
-                  <a:ext uri="{0D108BD9-81ED-4DB2-BD59-A6C34878D82A}">
-                    <a16:rowId xmlns:a16="http://schemas.microsoft.com/office/drawing/2014/main" val="1669126111"/>
-                  </a:ext>
-                </a:extLst>
-              </a:tr>
-              <a:tr h="941067">
-                <a:tc>
-                  <a:txBody>
-                    <a:bodyPr/>
-                    <a:lstStyle/>
-                    <a:p>
-                      <a:r>
-                        <a:rPr lang="nl-NL" dirty="0" err="1"/>
-                        <a:t>Overestimation</a:t>
-                      </a:r>
-                      <a:endParaRPr lang="en-GB" dirty="0"/>
-                    </a:p>
-                  </a:txBody>
-                  <a:tcPr/>
-                </a:tc>
-                <a:tc>
-                  <a:txBody>
-                    <a:bodyPr/>
-                    <a:lstStyle/>
-                    <a:p>
-                      <a:r>
-                        <a:rPr lang="nl-NL" dirty="0"/>
-                        <a:t>34%</a:t>
-                      </a:r>
-                      <a:endParaRPr lang="en-GB" dirty="0"/>
-                    </a:p>
-                  </a:txBody>
-                  <a:tcPr/>
-                </a:tc>
-                <a:tc>
-                  <a:txBody>
-                    <a:bodyPr/>
-                    <a:lstStyle/>
-                    <a:p>
-                      <a:r>
-                        <a:rPr lang="nl-NL" dirty="0"/>
-                        <a:t>15%</a:t>
-                      </a:r>
-                      <a:endParaRPr lang="en-GB" dirty="0"/>
-                    </a:p>
-                  </a:txBody>
-                  <a:tcPr/>
-                </a:tc>
-                <a:extLst>
-                  <a:ext uri="{0D108BD9-81ED-4DB2-BD59-A6C34878D82A}">
-                    <a16:rowId xmlns:a16="http://schemas.microsoft.com/office/drawing/2014/main" val="853705969"/>
-                  </a:ext>
-                </a:extLst>
-              </a:tr>
-            </a:tbl>
-          </a:graphicData>
-        </a:graphic>
-      </p:graphicFrame>
       <p:pic>
         <p:nvPicPr>
           <p:cNvPr id="7" name="Afbeelding 6">
             <a:extLst>
               <a:ext uri="{FF2B5EF4-FFF2-40B4-BE49-F238E27FC236}">
-                <a16:creationId xmlns:a16="http://schemas.microsoft.com/office/drawing/2014/main" id="{ED3A5294-C357-47EA-BBE1-E3AD1944C827}"/>
+                <a16:creationId xmlns:a16="http://schemas.microsoft.com/office/drawing/2014/main" id="{BD6E1DFC-1813-4925-971A-196BD58A4C94}"/>
               </a:ext>
             </a:extLst>
           </p:cNvPr>
@@ -6080,20 +5410,68 @@
         </p:blipFill>
         <p:spPr>
           <a:xfrm>
-            <a:off x="7122454" y="202520"/>
-            <a:ext cx="4712616" cy="2956816"/>
+            <a:off x="6612672" y="1642395"/>
+            <a:ext cx="5065252" cy="4490472"/>
           </a:xfrm>
           <a:prstGeom prst="rect">
             <a:avLst/>
           </a:prstGeom>
         </p:spPr>
       </p:pic>
+      <p:sp>
+        <p:nvSpPr>
+          <p:cNvPr id="8" name="Tekstvak 7">
+            <a:extLst>
+              <a:ext uri="{FF2B5EF4-FFF2-40B4-BE49-F238E27FC236}">
+                <a16:creationId xmlns:a16="http://schemas.microsoft.com/office/drawing/2014/main" id="{E2A9E1B3-510F-4045-A27E-A0806BC8A2A6}"/>
+              </a:ext>
+            </a:extLst>
+          </p:cNvPr>
+          <p:cNvSpPr txBox="1"/>
+          <p:nvPr/>
+        </p:nvSpPr>
+        <p:spPr>
+          <a:xfrm>
+            <a:off x="6612672" y="1005540"/>
+            <a:ext cx="5147353" cy="461665"/>
+          </a:xfrm>
+          <a:prstGeom prst="rect">
+            <a:avLst/>
+          </a:prstGeom>
+          <a:noFill/>
+        </p:spPr>
+        <p:txBody>
+          <a:bodyPr wrap="square" rtlCol="0">
+            <a:spAutoFit/>
+          </a:bodyPr>
+          <a:lstStyle/>
+          <a:p>
+            <a:r>
+              <a:rPr lang="nl-NL" sz="2400" dirty="0"/>
+              <a:t>HPC </a:t>
+            </a:r>
+            <a:r>
+              <a:rPr lang="nl-NL" sz="2400" dirty="0" err="1"/>
+              <a:t>protein</a:t>
+            </a:r>
+            <a:r>
+              <a:rPr lang="nl-NL" sz="2400" dirty="0"/>
+              <a:t> without random </a:t>
+            </a:r>
+            <a:r>
+              <a:rPr lang="nl-NL" sz="2400" dirty="0" err="1"/>
+              <a:t>pruning</a:t>
+            </a:r>
+            <a:endParaRPr lang="en-GB" sz="2400" dirty="0"/>
+          </a:p>
+        </p:txBody>
+      </p:sp>
       <p:pic>
         <p:nvPicPr>
-          <p:cNvPr id="8" name="Afbeelding 7">
+          <p:cNvPr id="9" name="Afbeelding 8">
             <a:extLst>
               <a:ext uri="{FF2B5EF4-FFF2-40B4-BE49-F238E27FC236}">
-                <a16:creationId xmlns:a16="http://schemas.microsoft.com/office/drawing/2014/main" id="{0ABF9CF7-DAF7-4C33-805D-F599999FF8CD}"/>
+                <a16:creationId xmlns:a16="http://schemas.microsoft.com/office/drawing/2014/main" id="{12B79FCC-BD5B-4165-8F09-0188C3ACDE7D}"/>
               </a:ext>
             </a:extLst>
           </p:cNvPr>
@@ -6110,416 +5488,74 @@
         </p:blipFill>
         <p:spPr>
           <a:xfrm>
-            <a:off x="7122454" y="3321941"/>
-            <a:ext cx="3750075" cy="3151070"/>
+            <a:off x="5811289" y="1486537"/>
+            <a:ext cx="6154862" cy="4802187"/>
           </a:xfrm>
           <a:prstGeom prst="rect">
             <a:avLst/>
           </a:prstGeom>
         </p:spPr>
       </p:pic>
-      <p:graphicFrame>
-        <p:nvGraphicFramePr>
-          <p:cNvPr id="14" name="Tabel 6">
+      <p:sp>
+        <p:nvSpPr>
+          <p:cNvPr id="10" name="Tekstvak 9">
             <a:extLst>
               <a:ext uri="{FF2B5EF4-FFF2-40B4-BE49-F238E27FC236}">
-                <a16:creationId xmlns:a16="http://schemas.microsoft.com/office/drawing/2014/main" id="{D5FA8A9B-7D98-4EDC-BFA5-8D9A0D7E1286}"/>
+                <a16:creationId xmlns:a16="http://schemas.microsoft.com/office/drawing/2014/main" id="{D1D3D83B-B818-4173-A3FC-5D64B74E0B39}"/>
               </a:ext>
             </a:extLst>
           </p:cNvPr>
-          <p:cNvGraphicFramePr>
-            <a:graphicFrameLocks/>
-          </p:cNvGraphicFramePr>
-          <p:nvPr>
-            <p:extLst>
-              <p:ext uri="{D42A27DB-BD31-4B8C-83A1-F6EECF244321}">
-                <p14:modId xmlns:p14="http://schemas.microsoft.com/office/powerpoint/2010/main" val="2694827245"/>
-              </p:ext>
-            </p:extLst>
-          </p:nvPr>
-        </p:nvGraphicFramePr>
-        <p:xfrm>
-          <a:off x="6794652" y="1694697"/>
-          <a:ext cx="5094384" cy="4007936"/>
-        </p:xfrm>
-        <a:graphic>
-          <a:graphicData uri="http://schemas.openxmlformats.org/drawingml/2006/table">
-            <a:tbl>
-              <a:tblPr firstRow="1" bandRow="1">
-                <a:tableStyleId>{5C22544A-7EE6-4342-B048-85BDC9FD1C3A}</a:tableStyleId>
-              </a:tblPr>
-              <a:tblGrid>
-                <a:gridCol w="1701188">
-                  <a:extLst>
-                    <a:ext uri="{9D8B030D-6E8A-4147-A177-3AD203B41FA5}">
-                      <a16:colId xmlns:a16="http://schemas.microsoft.com/office/drawing/2014/main" val="3317038370"/>
-                    </a:ext>
-                  </a:extLst>
-                </a:gridCol>
-                <a:gridCol w="1266940">
-                  <a:extLst>
-                    <a:ext uri="{9D8B030D-6E8A-4147-A177-3AD203B41FA5}">
-                      <a16:colId xmlns:a16="http://schemas.microsoft.com/office/drawing/2014/main" val="2350395572"/>
-                    </a:ext>
-                  </a:extLst>
-                </a:gridCol>
-                <a:gridCol w="1068636">
-                  <a:extLst>
-                    <a:ext uri="{9D8B030D-6E8A-4147-A177-3AD203B41FA5}">
-                      <a16:colId xmlns:a16="http://schemas.microsoft.com/office/drawing/2014/main" val="2283871489"/>
-                    </a:ext>
-                  </a:extLst>
-                </a:gridCol>
-                <a:gridCol w="1057620">
-                  <a:extLst>
-                    <a:ext uri="{9D8B030D-6E8A-4147-A177-3AD203B41FA5}">
-                      <a16:colId xmlns:a16="http://schemas.microsoft.com/office/drawing/2014/main" val="1390174598"/>
-                    </a:ext>
-                  </a:extLst>
-                </a:gridCol>
-              </a:tblGrid>
-              <a:tr h="716096">
-                <a:tc>
-                  <a:txBody>
-                    <a:bodyPr/>
-                    <a:lstStyle/>
-                    <a:p>
-                      <a:endParaRPr lang="en-GB" dirty="0"/>
-                    </a:p>
-                  </a:txBody>
-                  <a:tcPr/>
-                </a:tc>
-                <a:tc>
-                  <a:txBody>
-                    <a:bodyPr/>
-                    <a:lstStyle/>
-                    <a:p>
-                      <a:r>
-                        <a:rPr lang="nl-NL" dirty="0" err="1"/>
-                        <a:t>Protein</a:t>
-                      </a:r>
-                      <a:r>
-                        <a:rPr lang="nl-NL" dirty="0"/>
-                        <a:t> </a:t>
-                      </a:r>
-                      <a:r>
-                        <a:rPr lang="nl-NL" dirty="0" err="1"/>
-                        <a:t>length</a:t>
-                      </a:r>
-                      <a:endParaRPr lang="nl-NL" dirty="0"/>
-                    </a:p>
-                    <a:p>
-                      <a:r>
-                        <a:rPr lang="nl-NL" dirty="0"/>
-                        <a:t>8 in 3D</a:t>
-                      </a:r>
-                      <a:endParaRPr lang="en-GB" dirty="0"/>
-                    </a:p>
-                    <a:p>
-                      <a:endParaRPr lang="en-GB" dirty="0"/>
-                    </a:p>
-                  </a:txBody>
-                  <a:tcPr/>
-                </a:tc>
-                <a:tc>
-                  <a:txBody>
-                    <a:bodyPr/>
-                    <a:lstStyle/>
-                    <a:p>
-                      <a:r>
-                        <a:rPr lang="nl-NL" dirty="0" err="1"/>
-                        <a:t>Protein</a:t>
-                      </a:r>
-                      <a:r>
-                        <a:rPr lang="nl-NL" dirty="0"/>
-                        <a:t> </a:t>
-                      </a:r>
-                      <a:r>
-                        <a:rPr lang="nl-NL" dirty="0" err="1"/>
-                        <a:t>length</a:t>
-                      </a:r>
-                      <a:endParaRPr lang="nl-NL" dirty="0"/>
-                    </a:p>
-                    <a:p>
-                      <a:r>
-                        <a:rPr lang="nl-NL" dirty="0"/>
-                        <a:t>14 in 3D</a:t>
-                      </a:r>
-                      <a:endParaRPr lang="en-GB" dirty="0"/>
-                    </a:p>
-                    <a:p>
-                      <a:endParaRPr lang="en-GB" dirty="0"/>
-                    </a:p>
-                    <a:p>
-                      <a:endParaRPr lang="en-GB" dirty="0"/>
-                    </a:p>
-                  </a:txBody>
-                  <a:tcPr/>
-                </a:tc>
-                <a:tc>
-                  <a:txBody>
-                    <a:bodyPr/>
-                    <a:lstStyle/>
-                    <a:p>
-                      <a:r>
-                        <a:rPr lang="nl-NL" dirty="0" err="1"/>
-                        <a:t>Protein</a:t>
-                      </a:r>
-                      <a:r>
-                        <a:rPr lang="nl-NL" dirty="0"/>
-                        <a:t> </a:t>
-                      </a:r>
-                      <a:r>
-                        <a:rPr lang="nl-NL" dirty="0" err="1"/>
-                        <a:t>length</a:t>
-                      </a:r>
-                      <a:endParaRPr lang="nl-NL" dirty="0"/>
-                    </a:p>
-                    <a:p>
-                      <a:r>
-                        <a:rPr lang="nl-NL" dirty="0"/>
-                        <a:t>20 in 3D</a:t>
-                      </a:r>
-                      <a:endParaRPr lang="en-GB" dirty="0"/>
-                    </a:p>
-                    <a:p>
-                      <a:endParaRPr lang="en-GB" dirty="0"/>
-                    </a:p>
-                  </a:txBody>
-                  <a:tcPr/>
-                </a:tc>
-                <a:extLst>
-                  <a:ext uri="{0D108BD9-81ED-4DB2-BD59-A6C34878D82A}">
-                    <a16:rowId xmlns:a16="http://schemas.microsoft.com/office/drawing/2014/main" val="1685611198"/>
-                  </a:ext>
-                </a:extLst>
-              </a:tr>
-              <a:tr h="716096">
-                <a:tc>
-                  <a:txBody>
-                    <a:bodyPr/>
-                    <a:lstStyle/>
-                    <a:p>
-                      <a:r>
-                        <a:rPr lang="nl-NL" dirty="0"/>
-                        <a:t>Number of </a:t>
-                      </a:r>
-                      <a:r>
-                        <a:rPr lang="nl-NL" dirty="0" err="1"/>
-                        <a:t>permutations</a:t>
-                      </a:r>
-                      <a:endParaRPr lang="nl-NL" dirty="0"/>
-                    </a:p>
-                    <a:p>
-                      <a:r>
-                        <a:rPr lang="nl-NL" dirty="0"/>
-                        <a:t>found</a:t>
-                      </a:r>
-                      <a:endParaRPr lang="en-GB" dirty="0"/>
-                    </a:p>
-                  </a:txBody>
-                  <a:tcPr/>
-                </a:tc>
-                <a:tc>
-                  <a:txBody>
-                    <a:bodyPr/>
-                    <a:lstStyle/>
-                    <a:p>
-                      <a:r>
-                        <a:rPr lang="nl-NL" dirty="0"/>
-                        <a:t>72</a:t>
-                      </a:r>
-                      <a:endParaRPr lang="en-GB" dirty="0"/>
-                    </a:p>
-                  </a:txBody>
-                  <a:tcPr/>
-                </a:tc>
-                <a:tc>
-                  <a:txBody>
-                    <a:bodyPr/>
-                    <a:lstStyle/>
-                    <a:p>
-                      <a:r>
-                        <a:rPr lang="nl-NL" dirty="0"/>
-                        <a:t>130</a:t>
-                      </a:r>
-                      <a:endParaRPr lang="en-GB" dirty="0"/>
-                    </a:p>
-                  </a:txBody>
-                  <a:tcPr/>
-                </a:tc>
-                <a:tc>
-                  <a:txBody>
-                    <a:bodyPr/>
-                    <a:lstStyle/>
-                    <a:p>
-                      <a:r>
-                        <a:rPr lang="nl-NL" dirty="0"/>
-                        <a:t>176</a:t>
-                      </a:r>
-                      <a:endParaRPr lang="en-GB" dirty="0"/>
-                    </a:p>
-                  </a:txBody>
-                  <a:tcPr/>
-                </a:tc>
-                <a:extLst>
-                  <a:ext uri="{0D108BD9-81ED-4DB2-BD59-A6C34878D82A}">
-                    <a16:rowId xmlns:a16="http://schemas.microsoft.com/office/drawing/2014/main" val="2845706493"/>
-                  </a:ext>
-                </a:extLst>
-              </a:tr>
-              <a:tr h="716096">
-                <a:tc>
-                  <a:txBody>
-                    <a:bodyPr/>
-                    <a:lstStyle/>
-                    <a:p>
-                      <a:r>
-                        <a:rPr lang="nl-NL" dirty="0"/>
-                        <a:t>Number of </a:t>
-                      </a:r>
-                      <a:r>
-                        <a:rPr lang="nl-NL" dirty="0" err="1"/>
-                        <a:t>permutations</a:t>
-                      </a:r>
-                      <a:r>
-                        <a:rPr lang="nl-NL" dirty="0"/>
-                        <a:t> </a:t>
-                      </a:r>
-                    </a:p>
-                    <a:p>
-                      <a:r>
-                        <a:rPr lang="nl-NL" dirty="0" err="1"/>
-                        <a:t>expected</a:t>
-                      </a:r>
-                      <a:endParaRPr lang="en-GB" dirty="0"/>
-                    </a:p>
-                  </a:txBody>
-                  <a:tcPr/>
-                </a:tc>
-                <a:tc>
-                  <a:txBody>
-                    <a:bodyPr/>
-                    <a:lstStyle/>
-                    <a:p>
-                      <a:r>
-                        <a:rPr lang="nl-NL" dirty="0"/>
-                        <a:t>15625</a:t>
-                      </a:r>
-                      <a:endParaRPr lang="en-GB" dirty="0"/>
-                    </a:p>
-                  </a:txBody>
-                  <a:tcPr/>
-                </a:tc>
-                <a:tc>
-                  <a:txBody>
-                    <a:bodyPr/>
-                    <a:lstStyle/>
-                    <a:p>
-                      <a:r>
-                        <a:rPr lang="nl-NL" baseline="0" dirty="0"/>
-                        <a:t>244e6</a:t>
-                      </a:r>
-                      <a:endParaRPr lang="en-GB" baseline="0" dirty="0"/>
-                    </a:p>
-                  </a:txBody>
-                  <a:tcPr/>
-                </a:tc>
-                <a:tc>
-                  <a:txBody>
-                    <a:bodyPr/>
-                    <a:lstStyle/>
-                    <a:p>
-                      <a:r>
-                        <a:rPr lang="nl-NL" dirty="0"/>
-                        <a:t>3814e6</a:t>
-                      </a:r>
-                      <a:endParaRPr lang="en-GB" dirty="0"/>
-                    </a:p>
-                  </a:txBody>
-                  <a:tcPr/>
-                </a:tc>
-                <a:extLst>
-                  <a:ext uri="{0D108BD9-81ED-4DB2-BD59-A6C34878D82A}">
-                    <a16:rowId xmlns:a16="http://schemas.microsoft.com/office/drawing/2014/main" val="1924592877"/>
-                  </a:ext>
-                </a:extLst>
-              </a:tr>
-              <a:tr h="716096">
-                <a:tc>
-                  <a:txBody>
-                    <a:bodyPr/>
-                    <a:lstStyle/>
-                    <a:p>
-                      <a:r>
-                        <a:rPr lang="nl-NL" dirty="0" err="1"/>
-                        <a:t>Stability</a:t>
-                      </a:r>
-                      <a:r>
-                        <a:rPr lang="nl-NL" dirty="0"/>
-                        <a:t> found</a:t>
-                      </a:r>
-                      <a:endParaRPr lang="en-GB" dirty="0"/>
-                    </a:p>
-                  </a:txBody>
-                  <a:tcPr/>
-                </a:tc>
-                <a:tc>
-                  <a:txBody>
-                    <a:bodyPr/>
-                    <a:lstStyle/>
-                    <a:p>
-                      <a:r>
-                        <a:rPr lang="nl-NL" dirty="0"/>
-                        <a:t>-3</a:t>
-                      </a:r>
-                      <a:endParaRPr lang="en-GB" dirty="0"/>
-                    </a:p>
-                  </a:txBody>
-                  <a:tcPr/>
-                </a:tc>
-                <a:tc>
-                  <a:txBody>
-                    <a:bodyPr/>
-                    <a:lstStyle/>
-                    <a:p>
-                      <a:r>
-                        <a:rPr lang="nl-NL" dirty="0"/>
-                        <a:t>-7</a:t>
-                      </a:r>
-                      <a:endParaRPr lang="en-GB" dirty="0"/>
-                    </a:p>
-                  </a:txBody>
-                  <a:tcPr/>
-                </a:tc>
-                <a:tc>
-                  <a:txBody>
-                    <a:bodyPr/>
-                    <a:lstStyle/>
-                    <a:p>
-                      <a:r>
-                        <a:rPr lang="nl-NL" dirty="0"/>
-                        <a:t>-11</a:t>
-                      </a:r>
-                      <a:endParaRPr lang="en-GB" dirty="0"/>
-                    </a:p>
-                  </a:txBody>
-                  <a:tcPr/>
-                </a:tc>
-                <a:extLst>
-                  <a:ext uri="{0D108BD9-81ED-4DB2-BD59-A6C34878D82A}">
-                    <a16:rowId xmlns:a16="http://schemas.microsoft.com/office/drawing/2014/main" val="1609953203"/>
-                  </a:ext>
-                </a:extLst>
-              </a:tr>
-            </a:tbl>
-          </a:graphicData>
-        </a:graphic>
-      </p:graphicFrame>
+          <p:cNvSpPr txBox="1"/>
+          <p:nvPr/>
+        </p:nvSpPr>
+        <p:spPr>
+          <a:xfrm>
+            <a:off x="6612672" y="1015206"/>
+            <a:ext cx="5147353" cy="461665"/>
+          </a:xfrm>
+          <a:prstGeom prst="rect">
+            <a:avLst/>
+          </a:prstGeom>
+          <a:noFill/>
+        </p:spPr>
+        <p:txBody>
+          <a:bodyPr wrap="square" rtlCol="0">
+            <a:spAutoFit/>
+          </a:bodyPr>
+          <a:lstStyle/>
+          <a:p>
+            <a:r>
+              <a:rPr lang="nl-NL" sz="2400" dirty="0"/>
+              <a:t>HPC </a:t>
+            </a:r>
+            <a:r>
+              <a:rPr lang="nl-NL" sz="2400" dirty="0" err="1"/>
+              <a:t>protein</a:t>
+            </a:r>
+            <a:r>
+              <a:rPr lang="nl-NL" sz="2400" dirty="0"/>
+              <a:t> </a:t>
+            </a:r>
+            <a:r>
+              <a:rPr lang="nl-NL" sz="2400" dirty="0" err="1"/>
+              <a:t>with</a:t>
+            </a:r>
+            <a:r>
+              <a:rPr lang="nl-NL" sz="2400" dirty="0"/>
+              <a:t> random </a:t>
+            </a:r>
+            <a:r>
+              <a:rPr lang="nl-NL" sz="2400" dirty="0" err="1"/>
+              <a:t>pruning</a:t>
+            </a:r>
+            <a:endParaRPr lang="en-GB" sz="2400" dirty="0"/>
+          </a:p>
+        </p:txBody>
+      </p:sp>
     </p:spTree>
     <p:extLst>
       <p:ext uri="{BB962C8B-B14F-4D97-AF65-F5344CB8AC3E}">
-        <p14:creationId xmlns:p14="http://schemas.microsoft.com/office/powerpoint/2010/main" val="4110258174"/>
+        <p14:creationId xmlns:p14="http://schemas.microsoft.com/office/powerpoint/2010/main" val="1038196632"/>
       </p:ext>
     </p:extLst>
   </p:cSld>
@@ -6547,7 +5583,7 @@
                             </p:stCondLst>
                             <p:childTnLst>
                               <p:par>
-                                <p:cTn id="5" presetID="1" presetClass="entr" presetSubtype="0" fill="hold" nodeType="clickEffect">
+                                <p:cTn id="5" presetID="1" presetClass="exit" presetSubtype="0" fill="hold" grpId="0" nodeType="clickEffect">
                                   <p:stCondLst>
                                     <p:cond delay="0"/>
                                   </p:stCondLst>
@@ -6560,25 +5596,21 @@
                                           </p:stCondLst>
                                         </p:cTn>
                                         <p:tgtEl>
-                                          <p:spTgt spid="3">
-                                            <p:txEl>
-                                              <p:pRg st="1" end="1"/>
-                                            </p:txEl>
-                                          </p:spTgt>
+                                          <p:spTgt spid="8"/>
                                         </p:tgtEl>
                                         <p:attrNameLst>
                                           <p:attrName>style.visibility</p:attrName>
                                         </p:attrNameLst>
                                       </p:cBhvr>
                                       <p:to>
-                                        <p:strVal val="visible"/>
+                                        <p:strVal val="hidden"/>
                                       </p:to>
                                     </p:set>
                                   </p:childTnLst>
                                 </p:cTn>
                               </p:par>
                               <p:par>
-                                <p:cTn id="7" presetID="1" presetClass="entr" presetSubtype="0" fill="hold" nodeType="withEffect">
+                                <p:cTn id="7" presetID="1" presetClass="exit" presetSubtype="0" fill="hold" nodeType="withEffect">
                                   <p:stCondLst>
                                     <p:cond delay="0"/>
                                   </p:stCondLst>
@@ -6598,14 +5630,14 @@
                                         </p:attrNameLst>
                                       </p:cBhvr>
                                       <p:to>
-                                        <p:strVal val="visible"/>
+                                        <p:strVal val="hidden"/>
                                       </p:to>
                                     </p:set>
                                   </p:childTnLst>
                                 </p:cTn>
                               </p:par>
                               <p:par>
-                                <p:cTn id="9" presetID="1" presetClass="entr" presetSubtype="0" fill="hold" nodeType="withEffect">
+                                <p:cTn id="9" presetID="1" presetClass="entr" presetSubtype="0" fill="hold" grpId="0" nodeType="withEffect">
                                   <p:stCondLst>
                                     <p:cond delay="0"/>
                                   </p:stCondLst>
@@ -6618,56 +5650,7 @@
                                           </p:stCondLst>
                                         </p:cTn>
                                         <p:tgtEl>
-                                          <p:spTgt spid="8"/>
-                                        </p:tgtEl>
-                                        <p:attrNameLst>
-                                          <p:attrName>style.visibility</p:attrName>
-                                        </p:attrNameLst>
-                                      </p:cBhvr>
-                                      <p:to>
-                                        <p:strVal val="visible"/>
-                                      </p:to>
-                                    </p:set>
-                                  </p:childTnLst>
-                                </p:cTn>
-                              </p:par>
-                            </p:childTnLst>
-                          </p:cTn>
-                        </p:par>
-                      </p:childTnLst>
-                    </p:cTn>
-                  </p:par>
-                  <p:par>
-                    <p:cTn id="11" fill="hold">
-                      <p:stCondLst>
-                        <p:cond delay="indefinite"/>
-                      </p:stCondLst>
-                      <p:childTnLst>
-                        <p:par>
-                          <p:cTn id="12" fill="hold">
-                            <p:stCondLst>
-                              <p:cond delay="0"/>
-                            </p:stCondLst>
-                            <p:childTnLst>
-                              <p:par>
-                                <p:cTn id="13" presetID="1" presetClass="entr" presetSubtype="0" fill="hold" nodeType="clickEffect">
-                                  <p:stCondLst>
-                                    <p:cond delay="0"/>
-                                  </p:stCondLst>
-                                  <p:childTnLst>
-                                    <p:set>
-                                      <p:cBhvr>
-                                        <p:cTn id="14" dur="1" fill="hold">
-                                          <p:stCondLst>
-                                            <p:cond delay="0"/>
-                                          </p:stCondLst>
-                                        </p:cTn>
-                                        <p:tgtEl>
-                                          <p:spTgt spid="3">
-                                            <p:txEl>
-                                              <p:pRg st="2" end="2"/>
-                                            </p:txEl>
-                                          </p:spTgt>
+                                          <p:spTgt spid="10"/>
                                         </p:tgtEl>
                                         <p:attrNameLst>
                                           <p:attrName>style.visibility</p:attrName>
@@ -6681,74 +5664,20 @@
                                 </p:cTn>
                               </p:par>
                               <p:par>
-                                <p:cTn id="15" presetID="1" presetClass="exit" presetSubtype="0" fill="hold" nodeType="withEffect">
+                                <p:cTn id="11" presetID="1" presetClass="entr" presetSubtype="0" fill="hold" nodeType="withEffect">
                                   <p:stCondLst>
                                     <p:cond delay="0"/>
                                   </p:stCondLst>
                                   <p:childTnLst>
                                     <p:set>
                                       <p:cBhvr>
-                                        <p:cTn id="16" dur="1" fill="hold">
+                                        <p:cTn id="12" dur="1" fill="hold">
                                           <p:stCondLst>
                                             <p:cond delay="0"/>
                                           </p:stCondLst>
                                         </p:cTn>
                                         <p:tgtEl>
-                                          <p:spTgt spid="8"/>
-                                        </p:tgtEl>
-                                        <p:attrNameLst>
-                                          <p:attrName>style.visibility</p:attrName>
-                                        </p:attrNameLst>
-                                      </p:cBhvr>
-                                      <p:to>
-                                        <p:strVal val="hidden"/>
-                                      </p:to>
-                                    </p:set>
-                                  </p:childTnLst>
-                                </p:cTn>
-                              </p:par>
-                              <p:par>
-                                <p:cTn id="17" presetID="1" presetClass="exit" presetSubtype="0" fill="hold" nodeType="withEffect">
-                                  <p:stCondLst>
-                                    <p:cond delay="0"/>
-                                  </p:stCondLst>
-                                  <p:childTnLst>
-                                    <p:set>
-                                      <p:cBhvr>
-                                        <p:cTn id="18" dur="1" fill="hold">
-                                          <p:stCondLst>
-                                            <p:cond delay="0"/>
-                                          </p:stCondLst>
-                                        </p:cTn>
-                                        <p:tgtEl>
-                                          <p:spTgt spid="7"/>
-                                        </p:tgtEl>
-                                        <p:attrNameLst>
-                                          <p:attrName>style.visibility</p:attrName>
-                                        </p:attrNameLst>
-                                      </p:cBhvr>
-                                      <p:to>
-                                        <p:strVal val="hidden"/>
-                                      </p:to>
-                                    </p:set>
-                                  </p:childTnLst>
-                                </p:cTn>
-                              </p:par>
-                              <p:par>
-                                <p:cTn id="19" presetID="1" presetClass="entr" presetSubtype="0" fill="hold" nodeType="withEffect">
-                                  <p:stCondLst>
-                                    <p:cond delay="0"/>
-                                  </p:stCondLst>
-                                  <p:childTnLst>
-                                    <p:set>
-                                      <p:cBhvr>
-                                        <p:cTn id="20" dur="1" fill="hold">
-                                          <p:stCondLst>
-                                            <p:cond delay="0"/>
-                                          </p:stCondLst>
-                                        </p:cTn>
-                                        <p:tgtEl>
-                                          <p:spTgt spid="14"/>
+                                          <p:spTgt spid="9"/>
                                         </p:tgtEl>
                                         <p:attrNameLst>
                                           <p:attrName>style.visibility</p:attrName>
@@ -6788,7 +5717,832 @@
         </p:cTn>
       </p:par>
     </p:tnLst>
+    <p:bldLst>
+      <p:bldP spid="8" grpId="0"/>
+      <p:bldP spid="10" grpId="0"/>
+    </p:bldLst>
   </p:timing>
+</p:sld>
+</file>
+
+<file path=ppt/slides/slide14.xml><?xml version="1.0" encoding="utf-8"?>
+<p:sld xmlns:a="http://schemas.openxmlformats.org/drawingml/2006/main" xmlns:r="http://schemas.openxmlformats.org/officeDocument/2006/relationships" xmlns:p="http://schemas.openxmlformats.org/presentationml/2006/main">
+  <p:cSld>
+    <p:spTree>
+      <p:nvGrpSpPr>
+        <p:cNvPr id="1" name=""/>
+        <p:cNvGrpSpPr/>
+        <p:nvPr/>
+      </p:nvGrpSpPr>
+      <p:grpSpPr>
+        <a:xfrm>
+          <a:off x="0" y="0"/>
+          <a:ext cx="0" cy="0"/>
+          <a:chOff x="0" y="0"/>
+          <a:chExt cx="0" cy="0"/>
+        </a:xfrm>
+      </p:grpSpPr>
+      <p:sp>
+        <p:nvSpPr>
+          <p:cNvPr id="2" name="Titel 1">
+            <a:extLst>
+              <a:ext uri="{FF2B5EF4-FFF2-40B4-BE49-F238E27FC236}">
+                <a16:creationId xmlns:a16="http://schemas.microsoft.com/office/drawing/2014/main" id="{914CAC74-2F9F-48E6-9FE4-F921BFD40D35}"/>
+              </a:ext>
+            </a:extLst>
+          </p:cNvPr>
+          <p:cNvSpPr>
+            <a:spLocks noGrp="1"/>
+          </p:cNvSpPr>
+          <p:nvPr>
+            <p:ph type="title"/>
+          </p:nvPr>
+        </p:nvSpPr>
+        <p:spPr/>
+        <p:txBody>
+          <a:bodyPr/>
+          <a:lstStyle/>
+          <a:p>
+            <a:r>
+              <a:rPr lang="nl-NL" dirty="0"/>
+              <a:t>5. </a:t>
+            </a:r>
+            <a:r>
+              <a:rPr lang="nl-NL" dirty="0" err="1"/>
+              <a:t>Conclusion</a:t>
+            </a:r>
+            <a:endParaRPr lang="en-GB" dirty="0"/>
+          </a:p>
+        </p:txBody>
+      </p:sp>
+      <p:graphicFrame>
+        <p:nvGraphicFramePr>
+          <p:cNvPr id="6" name="Tabel 6">
+            <a:extLst>
+              <a:ext uri="{FF2B5EF4-FFF2-40B4-BE49-F238E27FC236}">
+                <a16:creationId xmlns:a16="http://schemas.microsoft.com/office/drawing/2014/main" id="{8A539C0A-05B9-42A0-9C87-BCD084E5E558}"/>
+              </a:ext>
+            </a:extLst>
+          </p:cNvPr>
+          <p:cNvGraphicFramePr>
+            <a:graphicFrameLocks noGrp="1"/>
+          </p:cNvGraphicFramePr>
+          <p:nvPr>
+            <p:ph sz="half" idx="1"/>
+            <p:extLst>
+              <p:ext uri="{D42A27DB-BD31-4B8C-83A1-F6EECF244321}">
+                <p14:modId xmlns:p14="http://schemas.microsoft.com/office/powerpoint/2010/main" val="1479495416"/>
+              </p:ext>
+            </p:extLst>
+          </p:nvPr>
+        </p:nvGraphicFramePr>
+        <p:xfrm>
+          <a:off x="553947" y="1937865"/>
+          <a:ext cx="5367392" cy="4171308"/>
+        </p:xfrm>
+        <a:graphic>
+          <a:graphicData uri="http://schemas.openxmlformats.org/drawingml/2006/table">
+            <a:tbl>
+              <a:tblPr firstRow="1" bandRow="1">
+                <a:tableStyleId>{5C22544A-7EE6-4342-B048-85BDC9FD1C3A}</a:tableStyleId>
+              </a:tblPr>
+              <a:tblGrid>
+                <a:gridCol w="1341848">
+                  <a:extLst>
+                    <a:ext uri="{9D8B030D-6E8A-4147-A177-3AD203B41FA5}">
+                      <a16:colId xmlns:a16="http://schemas.microsoft.com/office/drawing/2014/main" val="363027250"/>
+                    </a:ext>
+                  </a:extLst>
+                </a:gridCol>
+                <a:gridCol w="1341848">
+                  <a:extLst>
+                    <a:ext uri="{9D8B030D-6E8A-4147-A177-3AD203B41FA5}">
+                      <a16:colId xmlns:a16="http://schemas.microsoft.com/office/drawing/2014/main" val="2753823982"/>
+                    </a:ext>
+                  </a:extLst>
+                </a:gridCol>
+                <a:gridCol w="1341848">
+                  <a:extLst>
+                    <a:ext uri="{9D8B030D-6E8A-4147-A177-3AD203B41FA5}">
+                      <a16:colId xmlns:a16="http://schemas.microsoft.com/office/drawing/2014/main" val="784616784"/>
+                    </a:ext>
+                  </a:extLst>
+                </a:gridCol>
+                <a:gridCol w="1341848">
+                  <a:extLst>
+                    <a:ext uri="{9D8B030D-6E8A-4147-A177-3AD203B41FA5}">
+                      <a16:colId xmlns:a16="http://schemas.microsoft.com/office/drawing/2014/main" val="1065163679"/>
+                    </a:ext>
+                  </a:extLst>
+                </a:gridCol>
+              </a:tblGrid>
+              <a:tr h="1872419">
+                <a:tc>
+                  <a:txBody>
+                    <a:bodyPr/>
+                    <a:lstStyle/>
+                    <a:p>
+                      <a:r>
+                        <a:rPr lang="nl-NL" dirty="0"/>
+                        <a:t>HP </a:t>
+                      </a:r>
+                      <a:r>
+                        <a:rPr lang="nl-NL" dirty="0" err="1"/>
+                        <a:t>protein</a:t>
+                      </a:r>
+                      <a:r>
+                        <a:rPr lang="nl-NL" dirty="0"/>
+                        <a:t> L=50</a:t>
+                      </a:r>
+                      <a:endParaRPr lang="en-GB" dirty="0"/>
+                    </a:p>
+                  </a:txBody>
+                  <a:tcPr/>
+                </a:tc>
+                <a:tc>
+                  <a:txBody>
+                    <a:bodyPr/>
+                    <a:lstStyle/>
+                    <a:p>
+                      <a:r>
+                        <a:rPr lang="nl-NL" dirty="0"/>
+                        <a:t>Best </a:t>
+                      </a:r>
+                      <a:r>
+                        <a:rPr lang="nl-NL" dirty="0" err="1"/>
+                        <a:t>Known</a:t>
+                      </a:r>
+                      <a:r>
+                        <a:rPr lang="nl-NL" dirty="0"/>
+                        <a:t> Solution (BKS)</a:t>
+                      </a:r>
+                      <a:endParaRPr lang="en-GB" dirty="0"/>
+                    </a:p>
+                  </a:txBody>
+                  <a:tcPr/>
+                </a:tc>
+                <a:tc>
+                  <a:txBody>
+                    <a:bodyPr/>
+                    <a:lstStyle/>
+                    <a:p>
+                      <a:r>
+                        <a:rPr lang="nl-NL" dirty="0"/>
+                        <a:t>EHA plus</a:t>
+                      </a:r>
+                      <a:endParaRPr lang="en-GB" dirty="0"/>
+                    </a:p>
+                  </a:txBody>
+                  <a:tcPr/>
+                </a:tc>
+                <a:tc>
+                  <a:txBody>
+                    <a:bodyPr/>
+                    <a:lstStyle/>
+                    <a:p>
+                      <a:r>
+                        <a:rPr lang="nl-NL" dirty="0" err="1"/>
+                        <a:t>Breadth</a:t>
+                      </a:r>
+                      <a:r>
+                        <a:rPr lang="nl-NL" dirty="0"/>
+                        <a:t>-first search </a:t>
+                      </a:r>
+                      <a:r>
+                        <a:rPr lang="nl-NL" dirty="0" err="1"/>
+                        <a:t>with</a:t>
+                      </a:r>
+                      <a:r>
+                        <a:rPr lang="nl-NL" dirty="0"/>
+                        <a:t> </a:t>
+                      </a:r>
+                      <a:r>
+                        <a:rPr lang="nl-NL" dirty="0" err="1"/>
+                        <a:t>beam</a:t>
+                      </a:r>
+                      <a:r>
+                        <a:rPr lang="nl-NL" dirty="0"/>
+                        <a:t> search</a:t>
+                      </a:r>
+                      <a:endParaRPr lang="en-GB" dirty="0"/>
+                    </a:p>
+                  </a:txBody>
+                  <a:tcPr/>
+                </a:tc>
+                <a:extLst>
+                  <a:ext uri="{0D108BD9-81ED-4DB2-BD59-A6C34878D82A}">
+                    <a16:rowId xmlns:a16="http://schemas.microsoft.com/office/drawing/2014/main" val="1589932489"/>
+                  </a:ext>
+                </a:extLst>
+              </a:tr>
+              <a:tr h="925182">
+                <a:tc>
+                  <a:txBody>
+                    <a:bodyPr/>
+                    <a:lstStyle/>
+                    <a:p>
+                      <a:r>
+                        <a:rPr lang="nl-NL" dirty="0" err="1"/>
+                        <a:t>Average</a:t>
+                      </a:r>
+                      <a:r>
+                        <a:rPr lang="nl-NL" dirty="0"/>
+                        <a:t> </a:t>
+                      </a:r>
+                      <a:r>
+                        <a:rPr lang="nl-NL" dirty="0" err="1"/>
+                        <a:t>Stability</a:t>
+                      </a:r>
+                      <a:endParaRPr lang="en-GB" dirty="0"/>
+                    </a:p>
+                  </a:txBody>
+                  <a:tcPr/>
+                </a:tc>
+                <a:tc>
+                  <a:txBody>
+                    <a:bodyPr/>
+                    <a:lstStyle/>
+                    <a:p>
+                      <a:r>
+                        <a:rPr lang="nl-NL" dirty="0"/>
+                        <a:t>-</a:t>
+                      </a:r>
+                      <a:endParaRPr lang="en-GB" dirty="0"/>
+                    </a:p>
+                  </a:txBody>
+                  <a:tcPr/>
+                </a:tc>
+                <a:tc>
+                  <a:txBody>
+                    <a:bodyPr/>
+                    <a:lstStyle/>
+                    <a:p>
+                      <a:r>
+                        <a:rPr lang="nl-NL" dirty="0"/>
+                        <a:t>-26</a:t>
+                      </a:r>
+                      <a:endParaRPr lang="en-GB" dirty="0"/>
+                    </a:p>
+                  </a:txBody>
+                  <a:tcPr/>
+                </a:tc>
+                <a:tc>
+                  <a:txBody>
+                    <a:bodyPr/>
+                    <a:lstStyle/>
+                    <a:p>
+                      <a:r>
+                        <a:rPr lang="nl-NL" dirty="0"/>
+                        <a:t>-28</a:t>
+                      </a:r>
+                      <a:endParaRPr lang="en-GB" dirty="0"/>
+                    </a:p>
+                  </a:txBody>
+                  <a:tcPr/>
+                </a:tc>
+                <a:extLst>
+                  <a:ext uri="{0D108BD9-81ED-4DB2-BD59-A6C34878D82A}">
+                    <a16:rowId xmlns:a16="http://schemas.microsoft.com/office/drawing/2014/main" val="3129428478"/>
+                  </a:ext>
+                </a:extLst>
+              </a:tr>
+              <a:tr h="689838">
+                <a:tc>
+                  <a:txBody>
+                    <a:bodyPr/>
+                    <a:lstStyle/>
+                    <a:p>
+                      <a:r>
+                        <a:rPr lang="nl-NL" dirty="0"/>
+                        <a:t>Best </a:t>
+                      </a:r>
+                      <a:r>
+                        <a:rPr lang="nl-NL" dirty="0" err="1"/>
+                        <a:t>Stability</a:t>
+                      </a:r>
+                      <a:endParaRPr lang="en-GB" dirty="0"/>
+                    </a:p>
+                  </a:txBody>
+                  <a:tcPr/>
+                </a:tc>
+                <a:tc>
+                  <a:txBody>
+                    <a:bodyPr/>
+                    <a:lstStyle/>
+                    <a:p>
+                      <a:r>
+                        <a:rPr lang="nl-NL" dirty="0"/>
+                        <a:t>-26</a:t>
+                      </a:r>
+                      <a:endParaRPr lang="en-GB" dirty="0"/>
+                    </a:p>
+                  </a:txBody>
+                  <a:tcPr/>
+                </a:tc>
+                <a:tc>
+                  <a:txBody>
+                    <a:bodyPr/>
+                    <a:lstStyle/>
+                    <a:p>
+                      <a:r>
+                        <a:rPr lang="nl-NL" dirty="0"/>
+                        <a:t>-30</a:t>
+                      </a:r>
+                      <a:endParaRPr lang="en-GB" dirty="0"/>
+                    </a:p>
+                  </a:txBody>
+                  <a:tcPr/>
+                </a:tc>
+                <a:tc>
+                  <a:txBody>
+                    <a:bodyPr/>
+                    <a:lstStyle/>
+                    <a:p>
+                      <a:r>
+                        <a:rPr lang="nl-NL" dirty="0"/>
+                        <a:t>-31</a:t>
+                      </a:r>
+                      <a:endParaRPr lang="en-GB" dirty="0"/>
+                    </a:p>
+                  </a:txBody>
+                  <a:tcPr/>
+                </a:tc>
+                <a:extLst>
+                  <a:ext uri="{0D108BD9-81ED-4DB2-BD59-A6C34878D82A}">
+                    <a16:rowId xmlns:a16="http://schemas.microsoft.com/office/drawing/2014/main" val="8543848"/>
+                  </a:ext>
+                </a:extLst>
+              </a:tr>
+              <a:tr h="683869">
+                <a:tc>
+                  <a:txBody>
+                    <a:bodyPr/>
+                    <a:lstStyle/>
+                    <a:p>
+                      <a:r>
+                        <a:rPr lang="nl-NL" dirty="0"/>
+                        <a:t>Run Time</a:t>
+                      </a:r>
+                      <a:endParaRPr lang="en-GB" dirty="0"/>
+                    </a:p>
+                  </a:txBody>
+                  <a:tcPr/>
+                </a:tc>
+                <a:tc>
+                  <a:txBody>
+                    <a:bodyPr/>
+                    <a:lstStyle/>
+                    <a:p>
+                      <a:r>
+                        <a:rPr lang="nl-NL" dirty="0"/>
+                        <a:t>-</a:t>
+                      </a:r>
+                      <a:endParaRPr lang="en-GB" dirty="0"/>
+                    </a:p>
+                  </a:txBody>
+                  <a:tcPr/>
+                </a:tc>
+                <a:tc>
+                  <a:txBody>
+                    <a:bodyPr/>
+                    <a:lstStyle/>
+                    <a:p>
+                      <a:r>
+                        <a:rPr lang="nl-NL" dirty="0"/>
+                        <a:t>&lt; 1 min</a:t>
+                      </a:r>
+                      <a:endParaRPr lang="en-GB" dirty="0"/>
+                    </a:p>
+                  </a:txBody>
+                  <a:tcPr/>
+                </a:tc>
+                <a:tc>
+                  <a:txBody>
+                    <a:bodyPr/>
+                    <a:lstStyle/>
+                    <a:p>
+                      <a:r>
+                        <a:rPr lang="nl-NL" dirty="0"/>
+                        <a:t>&lt; 30 sec</a:t>
+                      </a:r>
+                      <a:endParaRPr lang="en-GB" dirty="0"/>
+                    </a:p>
+                  </a:txBody>
+                  <a:tcPr/>
+                </a:tc>
+                <a:extLst>
+                  <a:ext uri="{0D108BD9-81ED-4DB2-BD59-A6C34878D82A}">
+                    <a16:rowId xmlns:a16="http://schemas.microsoft.com/office/drawing/2014/main" val="2350433996"/>
+                  </a:ext>
+                </a:extLst>
+              </a:tr>
+            </a:tbl>
+          </a:graphicData>
+        </a:graphic>
+      </p:graphicFrame>
+      <p:sp>
+        <p:nvSpPr>
+          <p:cNvPr id="5" name="Tijdelijke aanduiding voor dianummer 4">
+            <a:extLst>
+              <a:ext uri="{FF2B5EF4-FFF2-40B4-BE49-F238E27FC236}">
+                <a16:creationId xmlns:a16="http://schemas.microsoft.com/office/drawing/2014/main" id="{22EFAAB8-F920-40BD-A394-AB8348239624}"/>
+              </a:ext>
+            </a:extLst>
+          </p:cNvPr>
+          <p:cNvSpPr>
+            <a:spLocks noGrp="1"/>
+          </p:cNvSpPr>
+          <p:nvPr>
+            <p:ph type="sldNum" sz="quarter" idx="12"/>
+          </p:nvPr>
+        </p:nvSpPr>
+        <p:spPr/>
+        <p:txBody>
+          <a:bodyPr/>
+          <a:lstStyle/>
+          <a:p>
+            <a:fld id="{D1892F8F-5571-E246-B053-E27A62D47BEF}" type="slidenum">
+              <a:rPr lang="en-GB" smtClean="0"/>
+              <a:t>14</a:t>
+            </a:fld>
+            <a:endParaRPr lang="en-GB"/>
+          </a:p>
+        </p:txBody>
+      </p:sp>
+      <p:graphicFrame>
+        <p:nvGraphicFramePr>
+          <p:cNvPr id="8" name="Tabel 6">
+            <a:extLst>
+              <a:ext uri="{FF2B5EF4-FFF2-40B4-BE49-F238E27FC236}">
+                <a16:creationId xmlns:a16="http://schemas.microsoft.com/office/drawing/2014/main" id="{11F60A69-AE2C-44E8-9614-548A2256A1DA}"/>
+              </a:ext>
+            </a:extLst>
+          </p:cNvPr>
+          <p:cNvGraphicFramePr>
+            <a:graphicFrameLocks/>
+          </p:cNvGraphicFramePr>
+          <p:nvPr>
+            <p:extLst>
+              <p:ext uri="{D42A27DB-BD31-4B8C-83A1-F6EECF244321}">
+                <p14:modId xmlns:p14="http://schemas.microsoft.com/office/powerpoint/2010/main" val="1071268215"/>
+              </p:ext>
+            </p:extLst>
+          </p:nvPr>
+        </p:nvGraphicFramePr>
+        <p:xfrm>
+          <a:off x="6270663" y="1937865"/>
+          <a:ext cx="5367392" cy="4171308"/>
+        </p:xfrm>
+        <a:graphic>
+          <a:graphicData uri="http://schemas.openxmlformats.org/drawingml/2006/table">
+            <a:tbl>
+              <a:tblPr firstRow="1" bandRow="1">
+                <a:tableStyleId>{5C22544A-7EE6-4342-B048-85BDC9FD1C3A}</a:tableStyleId>
+              </a:tblPr>
+              <a:tblGrid>
+                <a:gridCol w="1341848">
+                  <a:extLst>
+                    <a:ext uri="{9D8B030D-6E8A-4147-A177-3AD203B41FA5}">
+                      <a16:colId xmlns:a16="http://schemas.microsoft.com/office/drawing/2014/main" val="363027250"/>
+                    </a:ext>
+                  </a:extLst>
+                </a:gridCol>
+                <a:gridCol w="1341848">
+                  <a:extLst>
+                    <a:ext uri="{9D8B030D-6E8A-4147-A177-3AD203B41FA5}">
+                      <a16:colId xmlns:a16="http://schemas.microsoft.com/office/drawing/2014/main" val="2753823982"/>
+                    </a:ext>
+                  </a:extLst>
+                </a:gridCol>
+                <a:gridCol w="1341848">
+                  <a:extLst>
+                    <a:ext uri="{9D8B030D-6E8A-4147-A177-3AD203B41FA5}">
+                      <a16:colId xmlns:a16="http://schemas.microsoft.com/office/drawing/2014/main" val="784616784"/>
+                    </a:ext>
+                  </a:extLst>
+                </a:gridCol>
+                <a:gridCol w="1341848">
+                  <a:extLst>
+                    <a:ext uri="{9D8B030D-6E8A-4147-A177-3AD203B41FA5}">
+                      <a16:colId xmlns:a16="http://schemas.microsoft.com/office/drawing/2014/main" val="1065163679"/>
+                    </a:ext>
+                  </a:extLst>
+                </a:gridCol>
+              </a:tblGrid>
+              <a:tr h="1872419">
+                <a:tc>
+                  <a:txBody>
+                    <a:bodyPr/>
+                    <a:lstStyle/>
+                    <a:p>
+                      <a:r>
+                        <a:rPr lang="nl-NL" dirty="0"/>
+                        <a:t>HP </a:t>
+                      </a:r>
+                      <a:r>
+                        <a:rPr lang="nl-NL" dirty="0" err="1"/>
+                        <a:t>protein</a:t>
+                      </a:r>
+                      <a:r>
+                        <a:rPr lang="nl-NL" dirty="0"/>
+                        <a:t> L=60</a:t>
+                      </a:r>
+                      <a:endParaRPr lang="en-GB" dirty="0"/>
+                    </a:p>
+                  </a:txBody>
+                  <a:tcPr/>
+                </a:tc>
+                <a:tc>
+                  <a:txBody>
+                    <a:bodyPr/>
+                    <a:lstStyle/>
+                    <a:p>
+                      <a:r>
+                        <a:rPr lang="nl-NL" dirty="0"/>
+                        <a:t>Best </a:t>
+                      </a:r>
+                      <a:r>
+                        <a:rPr lang="nl-NL" dirty="0" err="1"/>
+                        <a:t>Known</a:t>
+                      </a:r>
+                      <a:r>
+                        <a:rPr lang="nl-NL" dirty="0"/>
+                        <a:t> Solution (BKS)</a:t>
+                      </a:r>
+                      <a:endParaRPr lang="en-GB" dirty="0"/>
+                    </a:p>
+                  </a:txBody>
+                  <a:tcPr/>
+                </a:tc>
+                <a:tc>
+                  <a:txBody>
+                    <a:bodyPr/>
+                    <a:lstStyle/>
+                    <a:p>
+                      <a:r>
+                        <a:rPr lang="nl-NL" dirty="0"/>
+                        <a:t>EHA plus</a:t>
+                      </a:r>
+                      <a:endParaRPr lang="en-GB" dirty="0"/>
+                    </a:p>
+                  </a:txBody>
+                  <a:tcPr/>
+                </a:tc>
+                <a:tc>
+                  <a:txBody>
+                    <a:bodyPr/>
+                    <a:lstStyle/>
+                    <a:p>
+                      <a:r>
+                        <a:rPr lang="nl-NL" dirty="0" err="1"/>
+                        <a:t>Breadth</a:t>
+                      </a:r>
+                      <a:r>
+                        <a:rPr lang="nl-NL" dirty="0"/>
+                        <a:t>-first search </a:t>
+                      </a:r>
+                      <a:r>
+                        <a:rPr lang="nl-NL" dirty="0" err="1"/>
+                        <a:t>with</a:t>
+                      </a:r>
+                      <a:r>
+                        <a:rPr lang="nl-NL" dirty="0"/>
+                        <a:t> </a:t>
+                      </a:r>
+                      <a:r>
+                        <a:rPr lang="nl-NL" dirty="0" err="1"/>
+                        <a:t>beam</a:t>
+                      </a:r>
+                      <a:r>
+                        <a:rPr lang="nl-NL" dirty="0"/>
+                        <a:t> search</a:t>
+                      </a:r>
+                      <a:endParaRPr lang="en-GB" dirty="0"/>
+                    </a:p>
+                  </a:txBody>
+                  <a:tcPr/>
+                </a:tc>
+                <a:extLst>
+                  <a:ext uri="{0D108BD9-81ED-4DB2-BD59-A6C34878D82A}">
+                    <a16:rowId xmlns:a16="http://schemas.microsoft.com/office/drawing/2014/main" val="1589932489"/>
+                  </a:ext>
+                </a:extLst>
+              </a:tr>
+              <a:tr h="925182">
+                <a:tc>
+                  <a:txBody>
+                    <a:bodyPr/>
+                    <a:lstStyle/>
+                    <a:p>
+                      <a:r>
+                        <a:rPr lang="nl-NL" dirty="0" err="1"/>
+                        <a:t>Average</a:t>
+                      </a:r>
+                      <a:r>
+                        <a:rPr lang="nl-NL" dirty="0"/>
+                        <a:t> </a:t>
+                      </a:r>
+                      <a:r>
+                        <a:rPr lang="nl-NL" dirty="0" err="1"/>
+                        <a:t>Stability</a:t>
+                      </a:r>
+                      <a:endParaRPr lang="en-GB" dirty="0"/>
+                    </a:p>
+                  </a:txBody>
+                  <a:tcPr/>
+                </a:tc>
+                <a:tc>
+                  <a:txBody>
+                    <a:bodyPr/>
+                    <a:lstStyle/>
+                    <a:p>
+                      <a:r>
+                        <a:rPr lang="nl-NL" dirty="0"/>
+                        <a:t>-</a:t>
+                      </a:r>
+                      <a:endParaRPr lang="en-GB" dirty="0"/>
+                    </a:p>
+                  </a:txBody>
+                  <a:tcPr/>
+                </a:tc>
+                <a:tc>
+                  <a:txBody>
+                    <a:bodyPr/>
+                    <a:lstStyle/>
+                    <a:p>
+                      <a:r>
+                        <a:rPr lang="nl-NL" dirty="0"/>
+                        <a:t>-48</a:t>
+                      </a:r>
+                      <a:endParaRPr lang="en-GB" dirty="0"/>
+                    </a:p>
+                  </a:txBody>
+                  <a:tcPr/>
+                </a:tc>
+                <a:tc>
+                  <a:txBody>
+                    <a:bodyPr/>
+                    <a:lstStyle/>
+                    <a:p>
+                      <a:r>
+                        <a:rPr lang="nl-NL" dirty="0"/>
+                        <a:t>-50</a:t>
+                      </a:r>
+                      <a:endParaRPr lang="en-GB" dirty="0"/>
+                    </a:p>
+                  </a:txBody>
+                  <a:tcPr/>
+                </a:tc>
+                <a:extLst>
+                  <a:ext uri="{0D108BD9-81ED-4DB2-BD59-A6C34878D82A}">
+                    <a16:rowId xmlns:a16="http://schemas.microsoft.com/office/drawing/2014/main" val="3129428478"/>
+                  </a:ext>
+                </a:extLst>
+              </a:tr>
+              <a:tr h="689838">
+                <a:tc>
+                  <a:txBody>
+                    <a:bodyPr/>
+                    <a:lstStyle/>
+                    <a:p>
+                      <a:r>
+                        <a:rPr lang="nl-NL" dirty="0"/>
+                        <a:t>Best </a:t>
+                      </a:r>
+                      <a:r>
+                        <a:rPr lang="nl-NL" dirty="0" err="1"/>
+                        <a:t>Stability</a:t>
+                      </a:r>
+                      <a:endParaRPr lang="en-GB" dirty="0"/>
+                    </a:p>
+                  </a:txBody>
+                  <a:tcPr/>
+                </a:tc>
+                <a:tc>
+                  <a:txBody>
+                    <a:bodyPr/>
+                    <a:lstStyle/>
+                    <a:p>
+                      <a:r>
+                        <a:rPr lang="nl-NL" dirty="0"/>
+                        <a:t>-55</a:t>
+                      </a:r>
+                      <a:endParaRPr lang="en-GB" dirty="0"/>
+                    </a:p>
+                  </a:txBody>
+                  <a:tcPr/>
+                </a:tc>
+                <a:tc>
+                  <a:txBody>
+                    <a:bodyPr/>
+                    <a:lstStyle/>
+                    <a:p>
+                      <a:r>
+                        <a:rPr lang="nl-NL" dirty="0"/>
+                        <a:t>-52</a:t>
+                      </a:r>
+                      <a:endParaRPr lang="en-GB" dirty="0"/>
+                    </a:p>
+                  </a:txBody>
+                  <a:tcPr/>
+                </a:tc>
+                <a:tc>
+                  <a:txBody>
+                    <a:bodyPr/>
+                    <a:lstStyle/>
+                    <a:p>
+                      <a:r>
+                        <a:rPr lang="nl-NL" dirty="0"/>
+                        <a:t>-53</a:t>
+                      </a:r>
+                      <a:endParaRPr lang="en-GB" dirty="0"/>
+                    </a:p>
+                  </a:txBody>
+                  <a:tcPr/>
+                </a:tc>
+                <a:extLst>
+                  <a:ext uri="{0D108BD9-81ED-4DB2-BD59-A6C34878D82A}">
+                    <a16:rowId xmlns:a16="http://schemas.microsoft.com/office/drawing/2014/main" val="8543848"/>
+                  </a:ext>
+                </a:extLst>
+              </a:tr>
+              <a:tr h="683869">
+                <a:tc>
+                  <a:txBody>
+                    <a:bodyPr/>
+                    <a:lstStyle/>
+                    <a:p>
+                      <a:r>
+                        <a:rPr lang="nl-NL" dirty="0"/>
+                        <a:t>Run Time</a:t>
+                      </a:r>
+                      <a:endParaRPr lang="en-GB" dirty="0"/>
+                    </a:p>
+                  </a:txBody>
+                  <a:tcPr/>
+                </a:tc>
+                <a:tc>
+                  <a:txBody>
+                    <a:bodyPr/>
+                    <a:lstStyle/>
+                    <a:p>
+                      <a:r>
+                        <a:rPr lang="nl-NL" dirty="0"/>
+                        <a:t>-</a:t>
+                      </a:r>
+                      <a:endParaRPr lang="en-GB" dirty="0"/>
+                    </a:p>
+                  </a:txBody>
+                  <a:tcPr/>
+                </a:tc>
+                <a:tc>
+                  <a:txBody>
+                    <a:bodyPr/>
+                    <a:lstStyle/>
+                    <a:p>
+                      <a:r>
+                        <a:rPr lang="nl-NL" dirty="0"/>
+                        <a:t>&lt; 20 min</a:t>
+                      </a:r>
+                      <a:endParaRPr lang="en-GB" dirty="0"/>
+                    </a:p>
+                  </a:txBody>
+                  <a:tcPr/>
+                </a:tc>
+                <a:tc>
+                  <a:txBody>
+                    <a:bodyPr/>
+                    <a:lstStyle/>
+                    <a:p>
+                      <a:r>
+                        <a:rPr lang="nl-NL" dirty="0"/>
+                        <a:t>&lt; 30 sec</a:t>
+                      </a:r>
+                      <a:endParaRPr lang="en-GB" dirty="0"/>
+                    </a:p>
+                  </a:txBody>
+                  <a:tcPr/>
+                </a:tc>
+                <a:extLst>
+                  <a:ext uri="{0D108BD9-81ED-4DB2-BD59-A6C34878D82A}">
+                    <a16:rowId xmlns:a16="http://schemas.microsoft.com/office/drawing/2014/main" val="2350433996"/>
+                  </a:ext>
+                </a:extLst>
+              </a:tr>
+            </a:tbl>
+          </a:graphicData>
+        </a:graphic>
+      </p:graphicFrame>
+    </p:spTree>
+    <p:extLst>
+      <p:ext uri="{BB962C8B-B14F-4D97-AF65-F5344CB8AC3E}">
+        <p14:creationId xmlns:p14="http://schemas.microsoft.com/office/powerpoint/2010/main" val="593513314"/>
+      </p:ext>
+    </p:extLst>
+  </p:cSld>
+  <p:clrMapOvr>
+    <a:masterClrMapping/>
+  </p:clrMapOvr>
 </p:sld>
 </file>
 
@@ -7992,7 +7746,7 @@
             </a:pPr>
             <a:r>
               <a:rPr lang="en-GB" dirty="0"/>
-              <a:t>4. Conclusions </a:t>
+              <a:t>4. Discussion</a:t>
             </a:r>
           </a:p>
           <a:p>
@@ -8001,7 +7755,16 @@
             </a:pPr>
             <a:r>
               <a:rPr lang="en-GB" dirty="0"/>
-              <a:t>5. Q&amp;A</a:t>
+              <a:t>5. Conclusions </a:t>
+            </a:r>
+          </a:p>
+          <a:p>
+            <a:pPr marL="0" indent="0">
+              <a:buNone/>
+            </a:pPr>
+            <a:r>
+              <a:rPr lang="en-GB" dirty="0"/>
+              <a:t>6. Q&amp;A</a:t>
             </a:r>
           </a:p>
         </p:txBody>
@@ -8039,6 +7802,774 @@
     <p:extLst>
       <p:ext uri="{BB962C8B-B14F-4D97-AF65-F5344CB8AC3E}">
         <p14:creationId xmlns:p14="http://schemas.microsoft.com/office/powerpoint/2010/main" val="2072180750"/>
+      </p:ext>
+    </p:extLst>
+  </p:cSld>
+  <p:clrMapOvr>
+    <a:masterClrMapping/>
+  </p:clrMapOvr>
+</p:sld>
+</file>
+
+<file path=ppt/slides/slide20.xml><?xml version="1.0" encoding="utf-8"?>
+<p:sld xmlns:a="http://schemas.openxmlformats.org/drawingml/2006/main" xmlns:r="http://schemas.openxmlformats.org/officeDocument/2006/relationships" xmlns:p="http://schemas.openxmlformats.org/presentationml/2006/main">
+  <p:cSld>
+    <p:spTree>
+      <p:nvGrpSpPr>
+        <p:cNvPr id="1" name=""/>
+        <p:cNvGrpSpPr/>
+        <p:nvPr/>
+      </p:nvGrpSpPr>
+      <p:grpSpPr>
+        <a:xfrm>
+          <a:off x="0" y="0"/>
+          <a:ext cx="0" cy="0"/>
+          <a:chOff x="0" y="0"/>
+          <a:chExt cx="0" cy="0"/>
+        </a:xfrm>
+      </p:grpSpPr>
+      <p:sp>
+        <p:nvSpPr>
+          <p:cNvPr id="2" name="Titel 1">
+            <a:extLst>
+              <a:ext uri="{FF2B5EF4-FFF2-40B4-BE49-F238E27FC236}">
+                <a16:creationId xmlns:a16="http://schemas.microsoft.com/office/drawing/2014/main" id="{5D7D40B2-33EE-4F4B-9324-84CDB016ACD3}"/>
+              </a:ext>
+            </a:extLst>
+          </p:cNvPr>
+          <p:cNvSpPr>
+            <a:spLocks noGrp="1"/>
+          </p:cNvSpPr>
+          <p:nvPr>
+            <p:ph type="title"/>
+          </p:nvPr>
+        </p:nvSpPr>
+        <p:spPr/>
+        <p:txBody>
+          <a:bodyPr/>
+          <a:lstStyle/>
+          <a:p>
+            <a:r>
+              <a:rPr lang="nl-NL" dirty="0"/>
+              <a:t>3. </a:t>
+            </a:r>
+            <a:r>
+              <a:rPr lang="nl-NL" dirty="0" err="1"/>
+              <a:t>Results</a:t>
+            </a:r>
+            <a:r>
+              <a:rPr lang="nl-NL" dirty="0"/>
+              <a:t> – HPC </a:t>
+            </a:r>
+            <a:r>
+              <a:rPr lang="nl-NL" dirty="0" err="1"/>
+              <a:t>Protein</a:t>
+            </a:r>
+            <a:endParaRPr lang="en-GB" dirty="0"/>
+          </a:p>
+        </p:txBody>
+      </p:sp>
+      <p:sp>
+        <p:nvSpPr>
+          <p:cNvPr id="3" name="Tijdelijke aanduiding voor inhoud 2">
+            <a:extLst>
+              <a:ext uri="{FF2B5EF4-FFF2-40B4-BE49-F238E27FC236}">
+                <a16:creationId xmlns:a16="http://schemas.microsoft.com/office/drawing/2014/main" id="{75490C5E-E011-4838-A791-72E58253996F}"/>
+              </a:ext>
+            </a:extLst>
+          </p:cNvPr>
+          <p:cNvSpPr>
+            <a:spLocks noGrp="1"/>
+          </p:cNvSpPr>
+          <p:nvPr>
+            <p:ph sz="half" idx="1"/>
+          </p:nvPr>
+        </p:nvSpPr>
+        <p:spPr/>
+        <p:txBody>
+          <a:bodyPr/>
+          <a:lstStyle/>
+          <a:p>
+            <a:endParaRPr lang="en-GB" dirty="0"/>
+          </a:p>
+        </p:txBody>
+      </p:sp>
+      <p:sp>
+        <p:nvSpPr>
+          <p:cNvPr id="4" name="Tijdelijke aanduiding voor inhoud 3">
+            <a:extLst>
+              <a:ext uri="{FF2B5EF4-FFF2-40B4-BE49-F238E27FC236}">
+                <a16:creationId xmlns:a16="http://schemas.microsoft.com/office/drawing/2014/main" id="{09905A6B-E2D3-4999-A36A-E0937D4A9A13}"/>
+              </a:ext>
+            </a:extLst>
+          </p:cNvPr>
+          <p:cNvSpPr>
+            <a:spLocks noGrp="1"/>
+          </p:cNvSpPr>
+          <p:nvPr>
+            <p:ph sz="half" idx="2"/>
+          </p:nvPr>
+        </p:nvSpPr>
+        <p:spPr/>
+        <p:txBody>
+          <a:bodyPr/>
+          <a:lstStyle/>
+          <a:p>
+            <a:endParaRPr lang="en-GB"/>
+          </a:p>
+        </p:txBody>
+      </p:sp>
+      <p:sp>
+        <p:nvSpPr>
+          <p:cNvPr id="5" name="Tijdelijke aanduiding voor dianummer 4">
+            <a:extLst>
+              <a:ext uri="{FF2B5EF4-FFF2-40B4-BE49-F238E27FC236}">
+                <a16:creationId xmlns:a16="http://schemas.microsoft.com/office/drawing/2014/main" id="{1EF6DBFE-A0E6-4876-8720-DE57735C5FA7}"/>
+              </a:ext>
+            </a:extLst>
+          </p:cNvPr>
+          <p:cNvSpPr>
+            <a:spLocks noGrp="1"/>
+          </p:cNvSpPr>
+          <p:nvPr>
+            <p:ph type="sldNum" sz="quarter" idx="12"/>
+          </p:nvPr>
+        </p:nvSpPr>
+        <p:spPr/>
+        <p:txBody>
+          <a:bodyPr/>
+          <a:lstStyle/>
+          <a:p>
+            <a:fld id="{D1892F8F-5571-E246-B053-E27A62D47BEF}" type="slidenum">
+              <a:rPr lang="en-GB" smtClean="0"/>
+              <a:t>20</a:t>
+            </a:fld>
+            <a:endParaRPr lang="en-GB"/>
+          </a:p>
+        </p:txBody>
+      </p:sp>
+      <p:pic>
+        <p:nvPicPr>
+          <p:cNvPr id="7" name="Afbeelding 6">
+            <a:extLst>
+              <a:ext uri="{FF2B5EF4-FFF2-40B4-BE49-F238E27FC236}">
+                <a16:creationId xmlns:a16="http://schemas.microsoft.com/office/drawing/2014/main" id="{E5B16ED0-77CF-4B23-B9FE-0419FAFD19D7}"/>
+              </a:ext>
+            </a:extLst>
+          </p:cNvPr>
+          <p:cNvPicPr>
+            <a:picLocks noChangeAspect="1"/>
+          </p:cNvPicPr>
+          <p:nvPr/>
+        </p:nvPicPr>
+        <p:blipFill>
+          <a:blip r:embed="rId2"/>
+          <a:stretch>
+            <a:fillRect/>
+          </a:stretch>
+        </p:blipFill>
+        <p:spPr>
+          <a:xfrm>
+            <a:off x="2625170" y="1502188"/>
+            <a:ext cx="6789260" cy="5219287"/>
+          </a:xfrm>
+          <a:prstGeom prst="rect">
+            <a:avLst/>
+          </a:prstGeom>
+        </p:spPr>
+      </p:pic>
+    </p:spTree>
+    <p:extLst>
+      <p:ext uri="{BB962C8B-B14F-4D97-AF65-F5344CB8AC3E}">
+        <p14:creationId xmlns:p14="http://schemas.microsoft.com/office/powerpoint/2010/main" val="1915426628"/>
+      </p:ext>
+    </p:extLst>
+  </p:cSld>
+  <p:clrMapOvr>
+    <a:masterClrMapping/>
+  </p:clrMapOvr>
+</p:sld>
+</file>
+
+<file path=ppt/slides/slide21.xml><?xml version="1.0" encoding="utf-8"?>
+<p:sld xmlns:a="http://schemas.openxmlformats.org/drawingml/2006/main" xmlns:r="http://schemas.openxmlformats.org/officeDocument/2006/relationships" xmlns:p="http://schemas.openxmlformats.org/presentationml/2006/main">
+  <p:cSld>
+    <p:spTree>
+      <p:nvGrpSpPr>
+        <p:cNvPr id="1" name=""/>
+        <p:cNvGrpSpPr/>
+        <p:nvPr/>
+      </p:nvGrpSpPr>
+      <p:grpSpPr>
+        <a:xfrm>
+          <a:off x="0" y="0"/>
+          <a:ext cx="0" cy="0"/>
+          <a:chOff x="0" y="0"/>
+          <a:chExt cx="0" cy="0"/>
+        </a:xfrm>
+      </p:grpSpPr>
+      <p:sp>
+        <p:nvSpPr>
+          <p:cNvPr id="2" name="Titel 1">
+            <a:extLst>
+              <a:ext uri="{FF2B5EF4-FFF2-40B4-BE49-F238E27FC236}">
+                <a16:creationId xmlns:a16="http://schemas.microsoft.com/office/drawing/2014/main" id="{5D7D40B2-33EE-4F4B-9324-84CDB016ACD3}"/>
+              </a:ext>
+            </a:extLst>
+          </p:cNvPr>
+          <p:cNvSpPr>
+            <a:spLocks noGrp="1"/>
+          </p:cNvSpPr>
+          <p:nvPr>
+            <p:ph type="title"/>
+          </p:nvPr>
+        </p:nvSpPr>
+        <p:spPr/>
+        <p:txBody>
+          <a:bodyPr/>
+          <a:lstStyle/>
+          <a:p>
+            <a:r>
+              <a:rPr lang="nl-NL" dirty="0"/>
+              <a:t>3. </a:t>
+            </a:r>
+            <a:r>
+              <a:rPr lang="nl-NL" dirty="0" err="1"/>
+              <a:t>Results</a:t>
+            </a:r>
+            <a:r>
+              <a:rPr lang="nl-NL" dirty="0"/>
+              <a:t> – HP </a:t>
+            </a:r>
+            <a:r>
+              <a:rPr lang="nl-NL" dirty="0" err="1"/>
+              <a:t>Protein</a:t>
+            </a:r>
+            <a:r>
+              <a:rPr lang="nl-NL" dirty="0"/>
+              <a:t> </a:t>
+            </a:r>
+            <a:r>
+              <a:rPr lang="nl-NL" dirty="0" err="1"/>
+              <a:t>all</a:t>
+            </a:r>
+            <a:r>
+              <a:rPr lang="nl-NL" dirty="0"/>
+              <a:t> </a:t>
+            </a:r>
+            <a:r>
+              <a:rPr lang="nl-NL" dirty="0" err="1"/>
+              <a:t>algorithms</a:t>
+            </a:r>
+            <a:endParaRPr lang="en-GB" dirty="0"/>
+          </a:p>
+        </p:txBody>
+      </p:sp>
+      <p:sp>
+        <p:nvSpPr>
+          <p:cNvPr id="3" name="Tijdelijke aanduiding voor inhoud 2">
+            <a:extLst>
+              <a:ext uri="{FF2B5EF4-FFF2-40B4-BE49-F238E27FC236}">
+                <a16:creationId xmlns:a16="http://schemas.microsoft.com/office/drawing/2014/main" id="{75490C5E-E011-4838-A791-72E58253996F}"/>
+              </a:ext>
+            </a:extLst>
+          </p:cNvPr>
+          <p:cNvSpPr>
+            <a:spLocks noGrp="1"/>
+          </p:cNvSpPr>
+          <p:nvPr>
+            <p:ph sz="half" idx="1"/>
+          </p:nvPr>
+        </p:nvSpPr>
+        <p:spPr/>
+        <p:txBody>
+          <a:bodyPr/>
+          <a:lstStyle/>
+          <a:p>
+            <a:endParaRPr lang="en-GB" dirty="0"/>
+          </a:p>
+        </p:txBody>
+      </p:sp>
+      <p:sp>
+        <p:nvSpPr>
+          <p:cNvPr id="4" name="Tijdelijke aanduiding voor inhoud 3">
+            <a:extLst>
+              <a:ext uri="{FF2B5EF4-FFF2-40B4-BE49-F238E27FC236}">
+                <a16:creationId xmlns:a16="http://schemas.microsoft.com/office/drawing/2014/main" id="{09905A6B-E2D3-4999-A36A-E0937D4A9A13}"/>
+              </a:ext>
+            </a:extLst>
+          </p:cNvPr>
+          <p:cNvSpPr>
+            <a:spLocks noGrp="1"/>
+          </p:cNvSpPr>
+          <p:nvPr>
+            <p:ph sz="half" idx="2"/>
+          </p:nvPr>
+        </p:nvSpPr>
+        <p:spPr/>
+        <p:txBody>
+          <a:bodyPr/>
+          <a:lstStyle/>
+          <a:p>
+            <a:endParaRPr lang="en-GB"/>
+          </a:p>
+        </p:txBody>
+      </p:sp>
+      <p:sp>
+        <p:nvSpPr>
+          <p:cNvPr id="5" name="Tijdelijke aanduiding voor dianummer 4">
+            <a:extLst>
+              <a:ext uri="{FF2B5EF4-FFF2-40B4-BE49-F238E27FC236}">
+                <a16:creationId xmlns:a16="http://schemas.microsoft.com/office/drawing/2014/main" id="{1EF6DBFE-A0E6-4876-8720-DE57735C5FA7}"/>
+              </a:ext>
+            </a:extLst>
+          </p:cNvPr>
+          <p:cNvSpPr>
+            <a:spLocks noGrp="1"/>
+          </p:cNvSpPr>
+          <p:nvPr>
+            <p:ph type="sldNum" sz="quarter" idx="12"/>
+          </p:nvPr>
+        </p:nvSpPr>
+        <p:spPr/>
+        <p:txBody>
+          <a:bodyPr/>
+          <a:lstStyle/>
+          <a:p>
+            <a:fld id="{D1892F8F-5571-E246-B053-E27A62D47BEF}" type="slidenum">
+              <a:rPr lang="en-GB" smtClean="0"/>
+              <a:t>21</a:t>
+            </a:fld>
+            <a:endParaRPr lang="en-GB"/>
+          </a:p>
+        </p:txBody>
+      </p:sp>
+      <p:pic>
+        <p:nvPicPr>
+          <p:cNvPr id="6" name="Afbeelding 5">
+            <a:extLst>
+              <a:ext uri="{FF2B5EF4-FFF2-40B4-BE49-F238E27FC236}">
+                <a16:creationId xmlns:a16="http://schemas.microsoft.com/office/drawing/2014/main" id="{E134C2DC-92B9-480C-9388-73C4704BCFD2}"/>
+              </a:ext>
+            </a:extLst>
+          </p:cNvPr>
+          <p:cNvPicPr>
+            <a:picLocks noChangeAspect="1"/>
+          </p:cNvPicPr>
+          <p:nvPr/>
+        </p:nvPicPr>
+        <p:blipFill>
+          <a:blip r:embed="rId2"/>
+          <a:stretch>
+            <a:fillRect/>
+          </a:stretch>
+        </p:blipFill>
+        <p:spPr>
+          <a:xfrm>
+            <a:off x="2498747" y="1448814"/>
+            <a:ext cx="7042106" cy="5272661"/>
+          </a:xfrm>
+          <a:prstGeom prst="rect">
+            <a:avLst/>
+          </a:prstGeom>
+        </p:spPr>
+      </p:pic>
+    </p:spTree>
+    <p:extLst>
+      <p:ext uri="{BB962C8B-B14F-4D97-AF65-F5344CB8AC3E}">
+        <p14:creationId xmlns:p14="http://schemas.microsoft.com/office/powerpoint/2010/main" val="2244370543"/>
+      </p:ext>
+    </p:extLst>
+  </p:cSld>
+  <p:clrMapOvr>
+    <a:masterClrMapping/>
+  </p:clrMapOvr>
+</p:sld>
+</file>
+
+<file path=ppt/slides/slide22.xml><?xml version="1.0" encoding="utf-8"?>
+<p:sld xmlns:a="http://schemas.openxmlformats.org/drawingml/2006/main" xmlns:r="http://schemas.openxmlformats.org/officeDocument/2006/relationships" xmlns:p="http://schemas.openxmlformats.org/presentationml/2006/main">
+  <p:cSld>
+    <p:spTree>
+      <p:nvGrpSpPr>
+        <p:cNvPr id="1" name=""/>
+        <p:cNvGrpSpPr/>
+        <p:nvPr/>
+      </p:nvGrpSpPr>
+      <p:grpSpPr>
+        <a:xfrm>
+          <a:off x="0" y="0"/>
+          <a:ext cx="0" cy="0"/>
+          <a:chOff x="0" y="0"/>
+          <a:chExt cx="0" cy="0"/>
+        </a:xfrm>
+      </p:grpSpPr>
+      <p:sp>
+        <p:nvSpPr>
+          <p:cNvPr id="2" name="Titel 1">
+            <a:extLst>
+              <a:ext uri="{FF2B5EF4-FFF2-40B4-BE49-F238E27FC236}">
+                <a16:creationId xmlns:a16="http://schemas.microsoft.com/office/drawing/2014/main" id="{5D7D40B2-33EE-4F4B-9324-84CDB016ACD3}"/>
+              </a:ext>
+            </a:extLst>
+          </p:cNvPr>
+          <p:cNvSpPr>
+            <a:spLocks noGrp="1"/>
+          </p:cNvSpPr>
+          <p:nvPr>
+            <p:ph type="title"/>
+          </p:nvPr>
+        </p:nvSpPr>
+        <p:spPr/>
+        <p:txBody>
+          <a:bodyPr/>
+          <a:lstStyle/>
+          <a:p>
+            <a:r>
+              <a:rPr lang="nl-NL" dirty="0"/>
+              <a:t>3. </a:t>
+            </a:r>
+            <a:r>
+              <a:rPr lang="nl-NL" dirty="0" err="1"/>
+              <a:t>Results</a:t>
+            </a:r>
+            <a:r>
+              <a:rPr lang="nl-NL" dirty="0"/>
+              <a:t> – HP </a:t>
+            </a:r>
+            <a:r>
+              <a:rPr lang="nl-NL" dirty="0" err="1"/>
+              <a:t>Protein</a:t>
+            </a:r>
+            <a:r>
+              <a:rPr lang="nl-NL" dirty="0"/>
+              <a:t> </a:t>
+            </a:r>
+            <a:r>
+              <a:rPr lang="nl-NL" dirty="0" err="1"/>
+              <a:t>all</a:t>
+            </a:r>
+            <a:r>
+              <a:rPr lang="nl-NL" dirty="0"/>
+              <a:t> </a:t>
+            </a:r>
+            <a:r>
+              <a:rPr lang="nl-NL" dirty="0" err="1"/>
+              <a:t>algorithms</a:t>
+            </a:r>
+            <a:endParaRPr lang="en-GB" dirty="0"/>
+          </a:p>
+        </p:txBody>
+      </p:sp>
+      <p:sp>
+        <p:nvSpPr>
+          <p:cNvPr id="3" name="Tijdelijke aanduiding voor inhoud 2">
+            <a:extLst>
+              <a:ext uri="{FF2B5EF4-FFF2-40B4-BE49-F238E27FC236}">
+                <a16:creationId xmlns:a16="http://schemas.microsoft.com/office/drawing/2014/main" id="{75490C5E-E011-4838-A791-72E58253996F}"/>
+              </a:ext>
+            </a:extLst>
+          </p:cNvPr>
+          <p:cNvSpPr>
+            <a:spLocks noGrp="1"/>
+          </p:cNvSpPr>
+          <p:nvPr>
+            <p:ph sz="half" idx="1"/>
+          </p:nvPr>
+        </p:nvSpPr>
+        <p:spPr/>
+        <p:txBody>
+          <a:bodyPr/>
+          <a:lstStyle/>
+          <a:p>
+            <a:endParaRPr lang="en-GB" dirty="0"/>
+          </a:p>
+        </p:txBody>
+      </p:sp>
+      <p:sp>
+        <p:nvSpPr>
+          <p:cNvPr id="4" name="Tijdelijke aanduiding voor inhoud 3">
+            <a:extLst>
+              <a:ext uri="{FF2B5EF4-FFF2-40B4-BE49-F238E27FC236}">
+                <a16:creationId xmlns:a16="http://schemas.microsoft.com/office/drawing/2014/main" id="{09905A6B-E2D3-4999-A36A-E0937D4A9A13}"/>
+              </a:ext>
+            </a:extLst>
+          </p:cNvPr>
+          <p:cNvSpPr>
+            <a:spLocks noGrp="1"/>
+          </p:cNvSpPr>
+          <p:nvPr>
+            <p:ph sz="half" idx="2"/>
+          </p:nvPr>
+        </p:nvSpPr>
+        <p:spPr/>
+        <p:txBody>
+          <a:bodyPr/>
+          <a:lstStyle/>
+          <a:p>
+            <a:endParaRPr lang="en-GB"/>
+          </a:p>
+        </p:txBody>
+      </p:sp>
+      <p:sp>
+        <p:nvSpPr>
+          <p:cNvPr id="5" name="Tijdelijke aanduiding voor dianummer 4">
+            <a:extLst>
+              <a:ext uri="{FF2B5EF4-FFF2-40B4-BE49-F238E27FC236}">
+                <a16:creationId xmlns:a16="http://schemas.microsoft.com/office/drawing/2014/main" id="{1EF6DBFE-A0E6-4876-8720-DE57735C5FA7}"/>
+              </a:ext>
+            </a:extLst>
+          </p:cNvPr>
+          <p:cNvSpPr>
+            <a:spLocks noGrp="1"/>
+          </p:cNvSpPr>
+          <p:nvPr>
+            <p:ph type="sldNum" sz="quarter" idx="12"/>
+          </p:nvPr>
+        </p:nvSpPr>
+        <p:spPr/>
+        <p:txBody>
+          <a:bodyPr/>
+          <a:lstStyle/>
+          <a:p>
+            <a:fld id="{D1892F8F-5571-E246-B053-E27A62D47BEF}" type="slidenum">
+              <a:rPr lang="en-GB" smtClean="0"/>
+              <a:t>22</a:t>
+            </a:fld>
+            <a:endParaRPr lang="en-GB"/>
+          </a:p>
+        </p:txBody>
+      </p:sp>
+      <p:pic>
+        <p:nvPicPr>
+          <p:cNvPr id="6" name="Afbeelding 5">
+            <a:extLst>
+              <a:ext uri="{FF2B5EF4-FFF2-40B4-BE49-F238E27FC236}">
+                <a16:creationId xmlns:a16="http://schemas.microsoft.com/office/drawing/2014/main" id="{307BF7A3-96B2-42EA-B280-4DB8D3C066F7}"/>
+              </a:ext>
+            </a:extLst>
+          </p:cNvPr>
+          <p:cNvPicPr>
+            <a:picLocks noChangeAspect="1"/>
+          </p:cNvPicPr>
+          <p:nvPr/>
+        </p:nvPicPr>
+        <p:blipFill>
+          <a:blip r:embed="rId2"/>
+          <a:stretch>
+            <a:fillRect/>
+          </a:stretch>
+        </p:blipFill>
+        <p:spPr>
+          <a:xfrm>
+            <a:off x="2521940" y="1363502"/>
+            <a:ext cx="6995720" cy="5357973"/>
+          </a:xfrm>
+          <a:prstGeom prst="rect">
+            <a:avLst/>
+          </a:prstGeom>
+        </p:spPr>
+      </p:pic>
+    </p:spTree>
+    <p:extLst>
+      <p:ext uri="{BB962C8B-B14F-4D97-AF65-F5344CB8AC3E}">
+        <p14:creationId xmlns:p14="http://schemas.microsoft.com/office/powerpoint/2010/main" val="681610226"/>
+      </p:ext>
+    </p:extLst>
+  </p:cSld>
+  <p:clrMapOvr>
+    <a:masterClrMapping/>
+  </p:clrMapOvr>
+</p:sld>
+</file>
+
+<file path=ppt/slides/slide23.xml><?xml version="1.0" encoding="utf-8"?>
+<p:sld xmlns:a="http://schemas.openxmlformats.org/drawingml/2006/main" xmlns:r="http://schemas.openxmlformats.org/officeDocument/2006/relationships" xmlns:p="http://schemas.openxmlformats.org/presentationml/2006/main">
+  <p:cSld>
+    <p:spTree>
+      <p:nvGrpSpPr>
+        <p:cNvPr id="1" name=""/>
+        <p:cNvGrpSpPr/>
+        <p:nvPr/>
+      </p:nvGrpSpPr>
+      <p:grpSpPr>
+        <a:xfrm>
+          <a:off x="0" y="0"/>
+          <a:ext cx="0" cy="0"/>
+          <a:chOff x="0" y="0"/>
+          <a:chExt cx="0" cy="0"/>
+        </a:xfrm>
+      </p:grpSpPr>
+      <p:sp>
+        <p:nvSpPr>
+          <p:cNvPr id="2" name="Titel 1">
+            <a:extLst>
+              <a:ext uri="{FF2B5EF4-FFF2-40B4-BE49-F238E27FC236}">
+                <a16:creationId xmlns:a16="http://schemas.microsoft.com/office/drawing/2014/main" id="{5D7D40B2-33EE-4F4B-9324-84CDB016ACD3}"/>
+              </a:ext>
+            </a:extLst>
+          </p:cNvPr>
+          <p:cNvSpPr>
+            <a:spLocks noGrp="1"/>
+          </p:cNvSpPr>
+          <p:nvPr>
+            <p:ph type="title"/>
+          </p:nvPr>
+        </p:nvSpPr>
+        <p:spPr/>
+        <p:txBody>
+          <a:bodyPr/>
+          <a:lstStyle/>
+          <a:p>
+            <a:r>
+              <a:rPr lang="nl-NL" dirty="0"/>
+              <a:t>3. </a:t>
+            </a:r>
+            <a:r>
+              <a:rPr lang="nl-NL" dirty="0" err="1"/>
+              <a:t>Results</a:t>
+            </a:r>
+            <a:r>
+              <a:rPr lang="nl-NL" dirty="0"/>
+              <a:t> – HPC </a:t>
+            </a:r>
+            <a:r>
+              <a:rPr lang="nl-NL" dirty="0" err="1"/>
+              <a:t>Protein</a:t>
+            </a:r>
+            <a:r>
+              <a:rPr lang="nl-NL" dirty="0"/>
+              <a:t> </a:t>
+            </a:r>
+            <a:r>
+              <a:rPr lang="nl-NL" dirty="0" err="1"/>
+              <a:t>all</a:t>
+            </a:r>
+            <a:r>
+              <a:rPr lang="nl-NL" dirty="0"/>
+              <a:t> </a:t>
+            </a:r>
+            <a:r>
+              <a:rPr lang="nl-NL" dirty="0" err="1"/>
+              <a:t>algorithms</a:t>
+            </a:r>
+            <a:endParaRPr lang="en-GB" dirty="0"/>
+          </a:p>
+        </p:txBody>
+      </p:sp>
+      <p:sp>
+        <p:nvSpPr>
+          <p:cNvPr id="3" name="Tijdelijke aanduiding voor inhoud 2">
+            <a:extLst>
+              <a:ext uri="{FF2B5EF4-FFF2-40B4-BE49-F238E27FC236}">
+                <a16:creationId xmlns:a16="http://schemas.microsoft.com/office/drawing/2014/main" id="{75490C5E-E011-4838-A791-72E58253996F}"/>
+              </a:ext>
+            </a:extLst>
+          </p:cNvPr>
+          <p:cNvSpPr>
+            <a:spLocks noGrp="1"/>
+          </p:cNvSpPr>
+          <p:nvPr>
+            <p:ph sz="half" idx="1"/>
+          </p:nvPr>
+        </p:nvSpPr>
+        <p:spPr/>
+        <p:txBody>
+          <a:bodyPr/>
+          <a:lstStyle/>
+          <a:p>
+            <a:endParaRPr lang="en-GB" dirty="0"/>
+          </a:p>
+        </p:txBody>
+      </p:sp>
+      <p:sp>
+        <p:nvSpPr>
+          <p:cNvPr id="4" name="Tijdelijke aanduiding voor inhoud 3">
+            <a:extLst>
+              <a:ext uri="{FF2B5EF4-FFF2-40B4-BE49-F238E27FC236}">
+                <a16:creationId xmlns:a16="http://schemas.microsoft.com/office/drawing/2014/main" id="{09905A6B-E2D3-4999-A36A-E0937D4A9A13}"/>
+              </a:ext>
+            </a:extLst>
+          </p:cNvPr>
+          <p:cNvSpPr>
+            <a:spLocks noGrp="1"/>
+          </p:cNvSpPr>
+          <p:nvPr>
+            <p:ph sz="half" idx="2"/>
+          </p:nvPr>
+        </p:nvSpPr>
+        <p:spPr/>
+        <p:txBody>
+          <a:bodyPr/>
+          <a:lstStyle/>
+          <a:p>
+            <a:endParaRPr lang="en-GB"/>
+          </a:p>
+        </p:txBody>
+      </p:sp>
+      <p:sp>
+        <p:nvSpPr>
+          <p:cNvPr id="5" name="Tijdelijke aanduiding voor dianummer 4">
+            <a:extLst>
+              <a:ext uri="{FF2B5EF4-FFF2-40B4-BE49-F238E27FC236}">
+                <a16:creationId xmlns:a16="http://schemas.microsoft.com/office/drawing/2014/main" id="{1EF6DBFE-A0E6-4876-8720-DE57735C5FA7}"/>
+              </a:ext>
+            </a:extLst>
+          </p:cNvPr>
+          <p:cNvSpPr>
+            <a:spLocks noGrp="1"/>
+          </p:cNvSpPr>
+          <p:nvPr>
+            <p:ph type="sldNum" sz="quarter" idx="12"/>
+          </p:nvPr>
+        </p:nvSpPr>
+        <p:spPr/>
+        <p:txBody>
+          <a:bodyPr/>
+          <a:lstStyle/>
+          <a:p>
+            <a:fld id="{D1892F8F-5571-E246-B053-E27A62D47BEF}" type="slidenum">
+              <a:rPr lang="en-GB" smtClean="0"/>
+              <a:t>23</a:t>
+            </a:fld>
+            <a:endParaRPr lang="en-GB"/>
+          </a:p>
+        </p:txBody>
+      </p:sp>
+      <p:pic>
+        <p:nvPicPr>
+          <p:cNvPr id="6" name="Afbeelding 5">
+            <a:extLst>
+              <a:ext uri="{FF2B5EF4-FFF2-40B4-BE49-F238E27FC236}">
+                <a16:creationId xmlns:a16="http://schemas.microsoft.com/office/drawing/2014/main" id="{DC2AA3B1-75B7-4FB4-B70D-FCFF95B9B58F}"/>
+              </a:ext>
+            </a:extLst>
+          </p:cNvPr>
+          <p:cNvPicPr>
+            <a:picLocks noChangeAspect="1"/>
+          </p:cNvPicPr>
+          <p:nvPr/>
+        </p:nvPicPr>
+        <p:blipFill>
+          <a:blip r:embed="rId2"/>
+          <a:stretch>
+            <a:fillRect/>
+          </a:stretch>
+        </p:blipFill>
+        <p:spPr>
+          <a:xfrm>
+            <a:off x="2608071" y="1555983"/>
+            <a:ext cx="6823458" cy="5055437"/>
+          </a:xfrm>
+          <a:prstGeom prst="rect">
+            <a:avLst/>
+          </a:prstGeom>
+        </p:spPr>
+      </p:pic>
+    </p:spTree>
+    <p:extLst>
+      <p:ext uri="{BB962C8B-B14F-4D97-AF65-F5344CB8AC3E}">
+        <p14:creationId xmlns:p14="http://schemas.microsoft.com/office/powerpoint/2010/main" val="4161751176"/>
       </p:ext>
     </p:extLst>
   </p:cSld>

--- a/Docs/PPP, final.pptx
+++ b/Docs/PPP, final.pptx
@@ -4464,7 +4464,7 @@
             </a:r>
             <a:r>
               <a:rPr lang="en-GB" dirty="0"/>
-              <a:t>HP Protein</a:t>
+              <a:t>HP Protein 3D</a:t>
             </a:r>
           </a:p>
         </p:txBody>
@@ -4796,7 +4796,7 @@
             </a:r>
             <a:r>
               <a:rPr lang="en-GB" dirty="0"/>
-              <a:t>HP Protein</a:t>
+              <a:t>HP Protein 3D</a:t>
             </a:r>
           </a:p>
         </p:txBody>
@@ -5791,7 +5791,7 @@
             <p:ph sz="half" idx="1"/>
             <p:extLst>
               <p:ext uri="{D42A27DB-BD31-4B8C-83A1-F6EECF244321}">
-                <p14:modId xmlns:p14="http://schemas.microsoft.com/office/powerpoint/2010/main" val="1479495416"/>
+                <p14:modId xmlns:p14="http://schemas.microsoft.com/office/powerpoint/2010/main" val="3346926933"/>
               </p:ext>
             </p:extLst>
           </p:nvPr>
@@ -5852,7 +5852,7 @@
                       </a:r>
                       <a:r>
                         <a:rPr lang="nl-NL" dirty="0"/>
-                        <a:t> L=50</a:t>
+                        <a:t> L=50 3D</a:t>
                       </a:r>
                       <a:endParaRPr lang="en-GB" dirty="0"/>
                     </a:p>
@@ -6184,7 +6184,7 @@
           <p:nvPr>
             <p:extLst>
               <p:ext uri="{D42A27DB-BD31-4B8C-83A1-F6EECF244321}">
-                <p14:modId xmlns:p14="http://schemas.microsoft.com/office/powerpoint/2010/main" val="1071268215"/>
+                <p14:modId xmlns:p14="http://schemas.microsoft.com/office/powerpoint/2010/main" val="569708591"/>
               </p:ext>
             </p:extLst>
           </p:nvPr>
@@ -6245,7 +6245,7 @@
                       </a:r>
                       <a:r>
                         <a:rPr lang="nl-NL" dirty="0"/>
-                        <a:t> L=60</a:t>
+                        <a:t> L=60 3D</a:t>
                       </a:r>
                       <a:endParaRPr lang="en-GB" dirty="0"/>
                     </a:p>
@@ -7865,6 +7865,10 @@
               <a:rPr lang="nl-NL" dirty="0" err="1"/>
               <a:t>Protein</a:t>
             </a:r>
+            <a:r>
+              <a:rPr lang="nl-NL" dirty="0"/>
+              <a:t> 3D</a:t>
+            </a:r>
             <a:endParaRPr lang="en-GB" dirty="0"/>
           </a:p>
         </p:txBody>
@@ -8047,7 +8051,7 @@
             </a:r>
             <a:r>
               <a:rPr lang="nl-NL" dirty="0"/>
-              <a:t> </a:t>
+              <a:t> 3D </a:t>
             </a:r>
             <a:r>
               <a:rPr lang="nl-NL" dirty="0" err="1"/>
@@ -8243,7 +8247,7 @@
             </a:r>
             <a:r>
               <a:rPr lang="nl-NL" dirty="0"/>
-              <a:t> </a:t>
+              <a:t> 3D </a:t>
             </a:r>
             <a:r>
               <a:rPr lang="nl-NL" dirty="0" err="1"/>
@@ -8438,8 +8442,8 @@
               <a:t>Protein</a:t>
             </a:r>
             <a:r>
-              <a:rPr lang="nl-NL" dirty="0"/>
-              <a:t> </a:t>
+              <a:rPr lang="nl-NL"/>
+              <a:t> 3D </a:t>
             </a:r>
             <a:r>
               <a:rPr lang="nl-NL" dirty="0" err="1"/>

--- a/Docs/PPP, final.pptx
+++ b/Docs/PPP, final.pptx
@@ -10039,8 +10039,8 @@
           </a:p>
         </p:txBody>
       </p:sp>
-      <mc:AlternateContent xmlns:mc="http://schemas.openxmlformats.org/markup-compatibility/2006" xmlns:a14="http://schemas.microsoft.com/office/drawing/2010/main">
-        <mc:Choice Requires="a14">
+      <mc:AlternateContent xmlns:mc="http://schemas.openxmlformats.org/markup-compatibility/2006">
+        <mc:Choice xmlns:a14="http://schemas.microsoft.com/office/drawing/2010/main" Requires="a14">
           <p:sp>
             <p:nvSpPr>
               <p:cNvPr id="3" name="Tijdelijke aanduiding voor inhoud 2">
@@ -10194,7 +10194,7 @@
             </p:txBody>
           </p:sp>
         </mc:Choice>
-        <mc:Fallback xmlns="">
+        <mc:Fallback>
           <p:sp>
             <p:nvSpPr>
               <p:cNvPr id="3" name="Tijdelijke aanduiding voor inhoud 2">

--- a/Docs/PPP, final.pptx
+++ b/Docs/PPP, final.pptx
@@ -219,7 +219,7 @@
           <a:p>
             <a:fld id="{1E47D41A-4042-B543-AE22-1ED09200DB20}" type="datetimeFigureOut">
               <a:rPr lang="en-GB" smtClean="0"/>
-              <a:t>29/01/2020</a:t>
+              <a:t>30/01/2020</a:t>
             </a:fld>
             <a:endParaRPr lang="en-GB"/>
           </a:p>
@@ -870,7 +870,7 @@
           <a:p>
             <a:fld id="{14FA74A2-3722-1A41-8512-46265943785A}" type="datetime1">
               <a:rPr lang="nl-NL" smtClean="0"/>
-              <a:t>29-1-2020</a:t>
+              <a:t>30-1-2020</a:t>
             </a:fld>
             <a:endParaRPr lang="en-GB"/>
           </a:p>
@@ -1040,7 +1040,7 @@
           <a:p>
             <a:fld id="{F95A9C9F-8C45-7343-9CDB-F9A485B697FF}" type="datetime1">
               <a:rPr lang="nl-NL" smtClean="0"/>
-              <a:t>29-1-2020</a:t>
+              <a:t>30-1-2020</a:t>
             </a:fld>
             <a:endParaRPr lang="en-GB"/>
           </a:p>
@@ -1220,7 +1220,7 @@
           <a:p>
             <a:fld id="{F023C2D3-547E-4849-B250-ECC27C4ADAB2}" type="datetime1">
               <a:rPr lang="nl-NL" smtClean="0"/>
-              <a:t>29-1-2020</a:t>
+              <a:t>30-1-2020</a:t>
             </a:fld>
             <a:endParaRPr lang="en-GB"/>
           </a:p>
@@ -1390,7 +1390,7 @@
           <a:p>
             <a:fld id="{7ED8645F-302A-FC4F-B65E-BE44BD7D0BFE}" type="datetime1">
               <a:rPr lang="nl-NL" smtClean="0"/>
-              <a:t>29-1-2020</a:t>
+              <a:t>30-1-2020</a:t>
             </a:fld>
             <a:endParaRPr lang="en-GB"/>
           </a:p>
@@ -1636,7 +1636,7 @@
           <a:p>
             <a:fld id="{3F37FD0C-92E3-6147-B017-5A3F3FC940DB}" type="datetime1">
               <a:rPr lang="nl-NL" smtClean="0"/>
-              <a:t>29-1-2020</a:t>
+              <a:t>30-1-2020</a:t>
             </a:fld>
             <a:endParaRPr lang="en-GB"/>
           </a:p>
@@ -1868,7 +1868,7 @@
           <a:p>
             <a:fld id="{12999FB7-638F-064F-9F1B-5A2B67E58CFF}" type="datetime1">
               <a:rPr lang="nl-NL" smtClean="0"/>
-              <a:t>29-1-2020</a:t>
+              <a:t>30-1-2020</a:t>
             </a:fld>
             <a:endParaRPr lang="en-GB"/>
           </a:p>
@@ -2235,7 +2235,7 @@
           <a:p>
             <a:fld id="{A1CFFDEF-85F2-E847-8D85-682A9D98BAB3}" type="datetime1">
               <a:rPr lang="nl-NL" smtClean="0"/>
-              <a:t>29-1-2020</a:t>
+              <a:t>30-1-2020</a:t>
             </a:fld>
             <a:endParaRPr lang="en-GB"/>
           </a:p>
@@ -2353,7 +2353,7 @@
           <a:p>
             <a:fld id="{028B6388-FB3E-614B-A3B7-D097F68BF908}" type="datetime1">
               <a:rPr lang="nl-NL" smtClean="0"/>
-              <a:t>29-1-2020</a:t>
+              <a:t>30-1-2020</a:t>
             </a:fld>
             <a:endParaRPr lang="en-GB"/>
           </a:p>
@@ -2448,7 +2448,7 @@
           <a:p>
             <a:fld id="{139C7612-8A5C-2E4F-AB2E-9CC1B411E701}" type="datetime1">
               <a:rPr lang="nl-NL" smtClean="0"/>
-              <a:t>29-1-2020</a:t>
+              <a:t>30-1-2020</a:t>
             </a:fld>
             <a:endParaRPr lang="en-GB"/>
           </a:p>
@@ -2725,7 +2725,7 @@
           <a:p>
             <a:fld id="{C00946DD-15F0-6346-9ACF-7E04BBC1DA84}" type="datetime1">
               <a:rPr lang="nl-NL" smtClean="0"/>
-              <a:t>29-1-2020</a:t>
+              <a:t>30-1-2020</a:t>
             </a:fld>
             <a:endParaRPr lang="en-GB"/>
           </a:p>
@@ -2982,7 +2982,7 @@
           <a:p>
             <a:fld id="{3D169EF2-A6C6-B04D-A2C4-C446C863F365}" type="datetime1">
               <a:rPr lang="nl-NL" smtClean="0"/>
-              <a:t>29-1-2020</a:t>
+              <a:t>30-1-2020</a:t>
             </a:fld>
             <a:endParaRPr lang="en-GB"/>
           </a:p>
@@ -3195,7 +3195,7 @@
           <a:p>
             <a:fld id="{9C1111A9-A1AF-C34E-B614-37051BC839D5}" type="datetime1">
               <a:rPr lang="nl-NL" smtClean="0"/>
-              <a:t>29-1-2020</a:t>
+              <a:t>30-1-2020</a:t>
             </a:fld>
             <a:endParaRPr lang="en-GB"/>
           </a:p>
@@ -8150,10 +8150,10 @@
       </p:sp>
       <p:pic>
         <p:nvPicPr>
-          <p:cNvPr id="6" name="Afbeelding 5">
+          <p:cNvPr id="7" name="Afbeelding 6">
             <a:extLst>
               <a:ext uri="{FF2B5EF4-FFF2-40B4-BE49-F238E27FC236}">
-                <a16:creationId xmlns:a16="http://schemas.microsoft.com/office/drawing/2014/main" id="{E134C2DC-92B9-480C-9388-73C4704BCFD2}"/>
+                <a16:creationId xmlns:a16="http://schemas.microsoft.com/office/drawing/2014/main" id="{7227CCF5-AF39-408D-A274-7F3D539E7CAD}"/>
               </a:ext>
             </a:extLst>
           </p:cNvPr>
@@ -8170,8 +8170,8 @@
         </p:blipFill>
         <p:spPr>
           <a:xfrm>
-            <a:off x="2498747" y="1448814"/>
-            <a:ext cx="7042106" cy="5272661"/>
+            <a:off x="2259966" y="1391002"/>
+            <a:ext cx="7049278" cy="5330473"/>
           </a:xfrm>
           <a:prstGeom prst="rect">
             <a:avLst/>
@@ -8346,10 +8346,10 @@
       </p:sp>
       <p:pic>
         <p:nvPicPr>
-          <p:cNvPr id="6" name="Afbeelding 5">
+          <p:cNvPr id="7" name="Afbeelding 6">
             <a:extLst>
               <a:ext uri="{FF2B5EF4-FFF2-40B4-BE49-F238E27FC236}">
-                <a16:creationId xmlns:a16="http://schemas.microsoft.com/office/drawing/2014/main" id="{307BF7A3-96B2-42EA-B280-4DB8D3C066F7}"/>
+                <a16:creationId xmlns:a16="http://schemas.microsoft.com/office/drawing/2014/main" id="{1AC041CA-EF3E-4BE1-B7AD-3E7407D398B7}"/>
               </a:ext>
             </a:extLst>
           </p:cNvPr>
@@ -8366,8 +8366,8 @@
         </p:blipFill>
         <p:spPr>
           <a:xfrm>
-            <a:off x="2521940" y="1363502"/>
-            <a:ext cx="6995720" cy="5357973"/>
+            <a:off x="2381604" y="1546822"/>
+            <a:ext cx="6845707" cy="5174653"/>
           </a:xfrm>
           <a:prstGeom prst="rect">
             <a:avLst/>
@@ -8542,10 +8542,10 @@
       </p:sp>
       <p:pic>
         <p:nvPicPr>
-          <p:cNvPr id="6" name="Afbeelding 5">
+          <p:cNvPr id="7" name="Afbeelding 6">
             <a:extLst>
               <a:ext uri="{FF2B5EF4-FFF2-40B4-BE49-F238E27FC236}">
-                <a16:creationId xmlns:a16="http://schemas.microsoft.com/office/drawing/2014/main" id="{DC2AA3B1-75B7-4FB4-B70D-FCFF95B9B58F}"/>
+                <a16:creationId xmlns:a16="http://schemas.microsoft.com/office/drawing/2014/main" id="{035B0527-1511-4016-AC04-13A4544594FF}"/>
               </a:ext>
             </a:extLst>
           </p:cNvPr>
@@ -8562,8 +8562,8 @@
         </p:blipFill>
         <p:spPr>
           <a:xfrm>
-            <a:off x="2608071" y="1555983"/>
-            <a:ext cx="6823458" cy="5055437"/>
+            <a:off x="2527972" y="1476519"/>
+            <a:ext cx="6983655" cy="5244956"/>
           </a:xfrm>
           <a:prstGeom prst="rect">
             <a:avLst/>
@@ -10039,8 +10039,8 @@
           </a:p>
         </p:txBody>
       </p:sp>
-      <mc:AlternateContent xmlns:mc="http://schemas.openxmlformats.org/markup-compatibility/2006">
-        <mc:Choice xmlns:a14="http://schemas.microsoft.com/office/drawing/2010/main" Requires="a14">
+      <mc:AlternateContent xmlns:mc="http://schemas.openxmlformats.org/markup-compatibility/2006" xmlns:a14="http://schemas.microsoft.com/office/drawing/2010/main">
+        <mc:Choice Requires="a14">
           <p:sp>
             <p:nvSpPr>
               <p:cNvPr id="3" name="Tijdelijke aanduiding voor inhoud 2">
@@ -10194,7 +10194,7 @@
             </p:txBody>
           </p:sp>
         </mc:Choice>
-        <mc:Fallback>
+        <mc:Fallback xmlns="">
           <p:sp>
             <p:nvSpPr>
               <p:cNvPr id="3" name="Tijdelijke aanduiding voor inhoud 2">

--- a/Docs/PPP, final.pptx
+++ b/Docs/PPP, final.pptx
@@ -3828,7 +3828,7 @@
           <a:p>
             <a:r>
               <a:rPr lang="en-US" dirty="0"/>
-              <a:t>n: protein chain length</a:t>
+              <a:t>n: number of amino acids</a:t>
             </a:r>
           </a:p>
           <a:p>
@@ -9152,22 +9152,19 @@
             </a:r>
             <a:r>
               <a:rPr lang="en-GB" sz="3200" baseline="30000" dirty="0"/>
-              <a:t>n </a:t>
-            </a:r>
+              <a:t>n</a:t>
+            </a:r>
+            <a:endParaRPr lang="en-GB" dirty="0"/>
+          </a:p>
+          <a:p>
+            <a:pPr lvl="1"/>
             <a:r>
               <a:rPr lang="en-GB" dirty="0"/>
-              <a:t>for 2d?</a:t>
-            </a:r>
-          </a:p>
-          <a:p>
-            <a:pPr lvl="1"/>
-            <a:r>
-              <a:rPr lang="en-GB" dirty="0"/>
-              <a:t>4*3</a:t>
+              <a:t>For 2D: 4*3</a:t>
             </a:r>
             <a:r>
               <a:rPr lang="en-GB" baseline="30000" dirty="0"/>
-              <a:t>n-1</a:t>
+              <a:t>n-2</a:t>
             </a:r>
           </a:p>
           <a:p>
@@ -10039,8 +10036,8 @@
           </a:p>
         </p:txBody>
       </p:sp>
-      <mc:AlternateContent xmlns:mc="http://schemas.openxmlformats.org/markup-compatibility/2006" xmlns:a14="http://schemas.microsoft.com/office/drawing/2010/main">
-        <mc:Choice Requires="a14">
+      <mc:AlternateContent xmlns:mc="http://schemas.openxmlformats.org/markup-compatibility/2006">
+        <mc:Choice xmlns:a14="http://schemas.microsoft.com/office/drawing/2010/main" Requires="a14">
           <p:sp>
             <p:nvSpPr>
               <p:cNvPr id="3" name="Tijdelijke aanduiding voor inhoud 2">
@@ -10173,7 +10170,7 @@
               <a:p>
                 <a:r>
                   <a:rPr lang="en-US" sz="2400" dirty="0"/>
-                  <a:t>n: protein chain length</a:t>
+                  <a:t>n: number of amino acids</a:t>
                 </a:r>
               </a:p>
               <a:p>
@@ -10194,7 +10191,7 @@
             </p:txBody>
           </p:sp>
         </mc:Choice>
-        <mc:Fallback xmlns="">
+        <mc:Fallback>
           <p:sp>
             <p:nvSpPr>
               <p:cNvPr id="3" name="Tijdelijke aanduiding voor inhoud 2">

--- a/Docs/PPP, final.pptx
+++ b/Docs/PPP, final.pptx
@@ -5,7 +5,7 @@
     <p:sldMasterId id="2147483672" r:id="rId1"/>
   </p:sldMasterIdLst>
   <p:notesMasterIdLst>
-    <p:notesMasterId r:id="rId21"/>
+    <p:notesMasterId r:id="rId22"/>
   </p:notesMasterIdLst>
   <p:sldIdLst>
     <p:sldId id="256" r:id="rId2"/>
@@ -13,20 +13,21 @@
     <p:sldId id="283" r:id="rId4"/>
     <p:sldId id="284" r:id="rId5"/>
     <p:sldId id="268" r:id="rId6"/>
-    <p:sldId id="285" r:id="rId7"/>
-    <p:sldId id="281" r:id="rId8"/>
-    <p:sldId id="282" r:id="rId9"/>
-    <p:sldId id="274" r:id="rId10"/>
-    <p:sldId id="290" r:id="rId11"/>
-    <p:sldId id="288" r:id="rId12"/>
-    <p:sldId id="291" r:id="rId13"/>
-    <p:sldId id="289" r:id="rId14"/>
-    <p:sldId id="276" r:id="rId15"/>
-    <p:sldId id="265" r:id="rId16"/>
-    <p:sldId id="278" r:id="rId17"/>
-    <p:sldId id="279" r:id="rId18"/>
-    <p:sldId id="280" r:id="rId19"/>
-    <p:sldId id="286" r:id="rId20"/>
+    <p:sldId id="292" r:id="rId7"/>
+    <p:sldId id="285" r:id="rId8"/>
+    <p:sldId id="281" r:id="rId9"/>
+    <p:sldId id="282" r:id="rId10"/>
+    <p:sldId id="274" r:id="rId11"/>
+    <p:sldId id="290" r:id="rId12"/>
+    <p:sldId id="288" r:id="rId13"/>
+    <p:sldId id="291" r:id="rId14"/>
+    <p:sldId id="289" r:id="rId15"/>
+    <p:sldId id="276" r:id="rId16"/>
+    <p:sldId id="265" r:id="rId17"/>
+    <p:sldId id="278" r:id="rId18"/>
+    <p:sldId id="279" r:id="rId19"/>
+    <p:sldId id="280" r:id="rId20"/>
+    <p:sldId id="286" r:id="rId21"/>
   </p:sldIdLst>
   <p:sldSz cx="12192000" cy="6858000"/>
   <p:notesSz cx="6858000" cy="9144000"/>
@@ -215,7 +216,7 @@
           <a:p>
             <a:fld id="{1E47D41A-4042-B543-AE22-1ED09200DB20}" type="datetimeFigureOut">
               <a:rPr lang="en-GB" smtClean="0"/>
-              <a:t>29/01/2020</a:t>
+              <a:t>30/01/2020</a:t>
             </a:fld>
             <a:endParaRPr lang="en-GB"/>
           </a:p>
@@ -632,7 +633,7 @@
           <a:p>
             <a:fld id="{2831AEBB-41E9-A04A-9C64-38B7EC6FB69A}" type="slidenum">
               <a:rPr lang="en-GB" smtClean="0"/>
-              <a:t>6</a:t>
+              <a:t>7</a:t>
             </a:fld>
             <a:endParaRPr lang="en-GB"/>
           </a:p>
@@ -716,7 +717,7 @@
           <a:p>
             <a:fld id="{2831AEBB-41E9-A04A-9C64-38B7EC6FB69A}" type="slidenum">
               <a:rPr lang="en-GB" smtClean="0"/>
-              <a:t>19</a:t>
+              <a:t>20</a:t>
             </a:fld>
             <a:endParaRPr lang="en-GB"/>
           </a:p>
@@ -866,7 +867,7 @@
           <a:p>
             <a:fld id="{14FA74A2-3722-1A41-8512-46265943785A}" type="datetime1">
               <a:rPr lang="nl-NL" smtClean="0"/>
-              <a:t>29-1-2020</a:t>
+              <a:t>30-01-2020</a:t>
             </a:fld>
             <a:endParaRPr lang="en-GB"/>
           </a:p>
@@ -1036,7 +1037,7 @@
           <a:p>
             <a:fld id="{F95A9C9F-8C45-7343-9CDB-F9A485B697FF}" type="datetime1">
               <a:rPr lang="nl-NL" smtClean="0"/>
-              <a:t>29-1-2020</a:t>
+              <a:t>30-01-2020</a:t>
             </a:fld>
             <a:endParaRPr lang="en-GB"/>
           </a:p>
@@ -1216,7 +1217,7 @@
           <a:p>
             <a:fld id="{F023C2D3-547E-4849-B250-ECC27C4ADAB2}" type="datetime1">
               <a:rPr lang="nl-NL" smtClean="0"/>
-              <a:t>29-1-2020</a:t>
+              <a:t>30-01-2020</a:t>
             </a:fld>
             <a:endParaRPr lang="en-GB"/>
           </a:p>
@@ -1386,7 +1387,7 @@
           <a:p>
             <a:fld id="{7ED8645F-302A-FC4F-B65E-BE44BD7D0BFE}" type="datetime1">
               <a:rPr lang="nl-NL" smtClean="0"/>
-              <a:t>29-1-2020</a:t>
+              <a:t>30-01-2020</a:t>
             </a:fld>
             <a:endParaRPr lang="en-GB"/>
           </a:p>
@@ -1632,7 +1633,7 @@
           <a:p>
             <a:fld id="{3F37FD0C-92E3-6147-B017-5A3F3FC940DB}" type="datetime1">
               <a:rPr lang="nl-NL" smtClean="0"/>
-              <a:t>29-1-2020</a:t>
+              <a:t>30-01-2020</a:t>
             </a:fld>
             <a:endParaRPr lang="en-GB"/>
           </a:p>
@@ -1864,7 +1865,7 @@
           <a:p>
             <a:fld id="{12999FB7-638F-064F-9F1B-5A2B67E58CFF}" type="datetime1">
               <a:rPr lang="nl-NL" smtClean="0"/>
-              <a:t>29-1-2020</a:t>
+              <a:t>30-01-2020</a:t>
             </a:fld>
             <a:endParaRPr lang="en-GB"/>
           </a:p>
@@ -2231,7 +2232,7 @@
           <a:p>
             <a:fld id="{A1CFFDEF-85F2-E847-8D85-682A9D98BAB3}" type="datetime1">
               <a:rPr lang="nl-NL" smtClean="0"/>
-              <a:t>29-1-2020</a:t>
+              <a:t>30-01-2020</a:t>
             </a:fld>
             <a:endParaRPr lang="en-GB"/>
           </a:p>
@@ -2349,7 +2350,7 @@
           <a:p>
             <a:fld id="{028B6388-FB3E-614B-A3B7-D097F68BF908}" type="datetime1">
               <a:rPr lang="nl-NL" smtClean="0"/>
-              <a:t>29-1-2020</a:t>
+              <a:t>30-01-2020</a:t>
             </a:fld>
             <a:endParaRPr lang="en-GB"/>
           </a:p>
@@ -2444,7 +2445,7 @@
           <a:p>
             <a:fld id="{139C7612-8A5C-2E4F-AB2E-9CC1B411E701}" type="datetime1">
               <a:rPr lang="nl-NL" smtClean="0"/>
-              <a:t>29-1-2020</a:t>
+              <a:t>30-01-2020</a:t>
             </a:fld>
             <a:endParaRPr lang="en-GB"/>
           </a:p>
@@ -2721,7 +2722,7 @@
           <a:p>
             <a:fld id="{C00946DD-15F0-6346-9ACF-7E04BBC1DA84}" type="datetime1">
               <a:rPr lang="nl-NL" smtClean="0"/>
-              <a:t>29-1-2020</a:t>
+              <a:t>30-01-2020</a:t>
             </a:fld>
             <a:endParaRPr lang="en-GB"/>
           </a:p>
@@ -2978,7 +2979,7 @@
           <a:p>
             <a:fld id="{3D169EF2-A6C6-B04D-A2C4-C446C863F365}" type="datetime1">
               <a:rPr lang="nl-NL" smtClean="0"/>
-              <a:t>29-1-2020</a:t>
+              <a:t>30-01-2020</a:t>
             </a:fld>
             <a:endParaRPr lang="en-GB"/>
           </a:p>
@@ -3191,7 +3192,7 @@
           <a:p>
             <a:fld id="{9C1111A9-A1AF-C34E-B614-37051BC839D5}" type="datetime1">
               <a:rPr lang="nl-NL" smtClean="0"/>
-              <a:t>29-1-2020</a:t>
+              <a:t>30-01-2020</a:t>
             </a:fld>
             <a:endParaRPr lang="en-GB"/>
           </a:p>
@@ -3736,6 +3737,395 @@
 </file>
 
 <file path=ppt/slides/slide10.xml><?xml version="1.0" encoding="utf-8"?>
+<p:sld xmlns:a="http://schemas.openxmlformats.org/drawingml/2006/main" xmlns:r="http://schemas.openxmlformats.org/officeDocument/2006/relationships" xmlns:p="http://schemas.openxmlformats.org/presentationml/2006/main">
+  <p:cSld>
+    <p:bg>
+      <p:bgPr>
+        <a:solidFill>
+          <a:schemeClr val="bg1"/>
+        </a:solidFill>
+        <a:effectLst/>
+      </p:bgPr>
+    </p:bg>
+    <p:spTree>
+      <p:nvGrpSpPr>
+        <p:cNvPr id="1" name=""/>
+        <p:cNvGrpSpPr/>
+        <p:nvPr/>
+      </p:nvGrpSpPr>
+      <p:grpSpPr>
+        <a:xfrm>
+          <a:off x="0" y="0"/>
+          <a:ext cx="0" cy="0"/>
+          <a:chOff x="0" y="0"/>
+          <a:chExt cx="0" cy="0"/>
+        </a:xfrm>
+      </p:grpSpPr>
+      <p:sp>
+        <p:nvSpPr>
+          <p:cNvPr id="2" name="Titel 1">
+            <a:extLst>
+              <a:ext uri="{FF2B5EF4-FFF2-40B4-BE49-F238E27FC236}">
+                <a16:creationId xmlns:a16="http://schemas.microsoft.com/office/drawing/2014/main" id="{26D56270-1C1B-4B1E-BC4F-ACC759B672F7}"/>
+              </a:ext>
+            </a:extLst>
+          </p:cNvPr>
+          <p:cNvSpPr>
+            <a:spLocks noGrp="1"/>
+          </p:cNvSpPr>
+          <p:nvPr>
+            <p:ph type="title"/>
+          </p:nvPr>
+        </p:nvSpPr>
+        <p:spPr>
+          <a:xfrm>
+            <a:off x="838200" y="365125"/>
+            <a:ext cx="10515600" cy="1325563"/>
+          </a:xfrm>
+        </p:spPr>
+        <p:txBody>
+          <a:bodyPr vert="horz" lIns="91440" tIns="45720" rIns="91440" bIns="45720" rtlCol="0" anchor="ctr">
+            <a:normAutofit/>
+          </a:bodyPr>
+          <a:lstStyle/>
+          <a:p>
+            <a:r>
+              <a:rPr lang="en-US" dirty="0"/>
+              <a:t>3. Results – State Space check</a:t>
+            </a:r>
+          </a:p>
+        </p:txBody>
+      </p:sp>
+      <mc:AlternateContent xmlns:mc="http://schemas.openxmlformats.org/markup-compatibility/2006" xmlns:a14="http://schemas.microsoft.com/office/drawing/2010/main">
+        <mc:Choice Requires="a14">
+          <p:sp>
+            <p:nvSpPr>
+              <p:cNvPr id="3" name="Tijdelijke aanduiding voor inhoud 2">
+                <a:extLst>
+                  <a:ext uri="{FF2B5EF4-FFF2-40B4-BE49-F238E27FC236}">
+                    <a16:creationId xmlns:a16="http://schemas.microsoft.com/office/drawing/2014/main" id="{938874C9-2E1B-4E00-9D04-38873D0AC371}"/>
+                  </a:ext>
+                </a:extLst>
+              </p:cNvPr>
+              <p:cNvSpPr>
+                <a:spLocks noGrp="1"/>
+              </p:cNvSpPr>
+              <p:nvPr>
+                <p:ph sz="half" idx="1"/>
+              </p:nvPr>
+            </p:nvSpPr>
+            <p:spPr>
+              <a:xfrm>
+                <a:off x="838200" y="1825625"/>
+                <a:ext cx="4083121" cy="4351338"/>
+              </a:xfrm>
+            </p:spPr>
+            <p:txBody>
+              <a:bodyPr vert="horz" lIns="91440" tIns="45720" rIns="91440" bIns="45720" rtlCol="0">
+                <a:normAutofit/>
+              </a:bodyPr>
+              <a:lstStyle/>
+              <a:p>
+                <a:r>
+                  <a:rPr lang="en-US" sz="2400" dirty="0"/>
+                  <a:t>Using breadth first algorithm</a:t>
+                </a:r>
+              </a:p>
+              <a:p>
+                <a:pPr marL="0" indent="0">
+                  <a:buNone/>
+                </a:pPr>
+                <a:endParaRPr lang="en-US" sz="2400" dirty="0"/>
+              </a:p>
+              <a:p>
+                <a:r>
+                  <a:rPr lang="en-US" sz="2400" dirty="0"/>
+                  <a:t>Fit:  </a:t>
+                </a:r>
+                <a14:m>
+                  <m:oMath xmlns:m="http://schemas.openxmlformats.org/officeDocument/2006/math">
+                    <m:r>
+                      <a:rPr lang="en-US" sz="2400" b="0" i="1">
+                        <a:latin typeface="Cambria Math" panose="02040503050406030204" pitchFamily="18" charset="0"/>
+                      </a:rPr>
+                      <m:t>𝑁</m:t>
+                    </m:r>
+                    <m:r>
+                      <a:rPr lang="en-US" sz="2400" b="0" i="1">
+                        <a:latin typeface="Cambria Math" panose="02040503050406030204" pitchFamily="18" charset="0"/>
+                      </a:rPr>
+                      <m:t>=</m:t>
+                    </m:r>
+                    <m:r>
+                      <a:rPr lang="en-US" sz="2400" b="0" i="1">
+                        <a:latin typeface="Cambria Math" panose="02040503050406030204" pitchFamily="18" charset="0"/>
+                      </a:rPr>
+                      <m:t>𝐴</m:t>
+                    </m:r>
+                    <m:r>
+                      <a:rPr lang="en-US" sz="2400" b="0" i="1">
+                        <a:latin typeface="Cambria Math" panose="02040503050406030204" pitchFamily="18" charset="0"/>
+                      </a:rPr>
+                      <m:t>∙</m:t>
+                    </m:r>
+                    <m:sSup>
+                      <m:sSupPr>
+                        <m:ctrlPr>
+                          <a:rPr lang="en-US" sz="2400" b="0" i="1">
+                            <a:latin typeface="Cambria Math" panose="02040503050406030204" pitchFamily="18" charset="0"/>
+                          </a:rPr>
+                        </m:ctrlPr>
+                      </m:sSupPr>
+                      <m:e>
+                        <m:r>
+                          <a:rPr lang="en-US" sz="2400" b="0" i="1">
+                            <a:latin typeface="Cambria Math" panose="02040503050406030204" pitchFamily="18" charset="0"/>
+                          </a:rPr>
+                          <m:t>𝑒</m:t>
+                        </m:r>
+                      </m:e>
+                      <m:sup>
+                        <m:r>
+                          <a:rPr lang="en-US" sz="2400" b="0" i="1">
+                            <a:latin typeface="Cambria Math" panose="02040503050406030204" pitchFamily="18" charset="0"/>
+                          </a:rPr>
+                          <m:t>𝑅</m:t>
+                        </m:r>
+                        <m:r>
+                          <a:rPr lang="en-US" sz="2400" b="0" i="1">
+                            <a:latin typeface="Cambria Math" panose="02040503050406030204" pitchFamily="18" charset="0"/>
+                          </a:rPr>
+                          <m:t>∙</m:t>
+                        </m:r>
+                        <m:r>
+                          <a:rPr lang="en-US" sz="2400" b="0" i="1">
+                            <a:latin typeface="Cambria Math" panose="02040503050406030204" pitchFamily="18" charset="0"/>
+                          </a:rPr>
+                          <m:t>𝑛</m:t>
+                        </m:r>
+                      </m:sup>
+                    </m:sSup>
+                  </m:oMath>
+                </a14:m>
+                <a:endParaRPr lang="en-US" sz="2400" dirty="0"/>
+              </a:p>
+              <a:p>
+                <a:r>
+                  <a:rPr lang="en-US" sz="2400" dirty="0"/>
+                  <a:t>N: number of permutations</a:t>
+                </a:r>
+              </a:p>
+              <a:p>
+                <a:r>
+                  <a:rPr lang="en-US" sz="2400" dirty="0"/>
+                  <a:t>A: 0.051 ± 0.001</a:t>
+                </a:r>
+              </a:p>
+              <a:p>
+                <a:r>
+                  <a:rPr lang="en-US" sz="2400" dirty="0"/>
+                  <a:t>R: 1.560 ± 0.001</a:t>
+                </a:r>
+              </a:p>
+              <a:p>
+                <a:r>
+                  <a:rPr lang="en-US" sz="2400" dirty="0"/>
+                  <a:t>n: protein chain length</a:t>
+                </a:r>
+              </a:p>
+              <a:p>
+                <a:endParaRPr lang="en-US" sz="2400" dirty="0"/>
+              </a:p>
+              <a:p>
+                <a:endParaRPr lang="en-US" sz="2000" dirty="0"/>
+              </a:p>
+              <a:p>
+                <a:endParaRPr lang="en-US" sz="2000" dirty="0"/>
+              </a:p>
+              <a:p>
+                <a:endParaRPr lang="en-US" sz="2000" dirty="0"/>
+              </a:p>
+              <a:p>
+                <a:endParaRPr lang="en-US" sz="2000" dirty="0"/>
+              </a:p>
+            </p:txBody>
+          </p:sp>
+        </mc:Choice>
+        <mc:Fallback xmlns="">
+          <p:sp>
+            <p:nvSpPr>
+              <p:cNvPr id="3" name="Tijdelijke aanduiding voor inhoud 2">
+                <a:extLst>
+                  <a:ext uri="{FF2B5EF4-FFF2-40B4-BE49-F238E27FC236}">
+                    <a16:creationId xmlns:a16="http://schemas.microsoft.com/office/drawing/2014/main" id="{938874C9-2E1B-4E00-9D04-38873D0AC371}"/>
+                  </a:ext>
+                </a:extLst>
+              </p:cNvPr>
+              <p:cNvSpPr>
+                <a:spLocks noGrp="1" noRot="1" noChangeAspect="1" noMove="1" noResize="1" noEditPoints="1" noAdjustHandles="1" noChangeArrowheads="1" noChangeShapeType="1" noTextEdit="1"/>
+              </p:cNvSpPr>
+              <p:nvPr>
+                <p:ph sz="half" idx="1"/>
+              </p:nvPr>
+            </p:nvSpPr>
+            <p:spPr>
+              <a:xfrm>
+                <a:off x="838200" y="1825625"/>
+                <a:ext cx="4083121" cy="4351338"/>
+              </a:xfrm>
+              <a:blipFill>
+                <a:blip r:embed="rId2"/>
+                <a:stretch>
+                  <a:fillRect l="-2093" t="-1961"/>
+                </a:stretch>
+              </a:blipFill>
+            </p:spPr>
+            <p:txBody>
+              <a:bodyPr/>
+              <a:lstStyle/>
+              <a:p>
+                <a:r>
+                  <a:rPr lang="en-GB">
+                    <a:noFill/>
+                  </a:rPr>
+                  <a:t> </a:t>
+                </a:r>
+              </a:p>
+            </p:txBody>
+          </p:sp>
+        </mc:Fallback>
+      </mc:AlternateContent>
+      <p:sp>
+        <p:nvSpPr>
+          <p:cNvPr id="4" name="Tijdelijke aanduiding voor dianummer 3">
+            <a:extLst>
+              <a:ext uri="{FF2B5EF4-FFF2-40B4-BE49-F238E27FC236}">
+                <a16:creationId xmlns:a16="http://schemas.microsoft.com/office/drawing/2014/main" id="{6F592BCE-9B97-CA47-BF1B-C09A35D3D8AD}"/>
+              </a:ext>
+            </a:extLst>
+          </p:cNvPr>
+          <p:cNvSpPr>
+            <a:spLocks noGrp="1"/>
+          </p:cNvSpPr>
+          <p:nvPr>
+            <p:ph type="sldNum" sz="quarter" idx="12"/>
+          </p:nvPr>
+        </p:nvSpPr>
+        <p:spPr>
+          <a:xfrm>
+            <a:off x="8610600" y="6356350"/>
+            <a:ext cx="2743200" cy="365125"/>
+          </a:xfrm>
+        </p:spPr>
+        <p:txBody>
+          <a:bodyPr vert="horz" lIns="91440" tIns="45720" rIns="91440" bIns="45720" rtlCol="0" anchor="ctr">
+            <a:normAutofit/>
+          </a:bodyPr>
+          <a:lstStyle/>
+          <a:p>
+            <a:pPr defTabSz="914400">
+              <a:spcAft>
+                <a:spcPts val="600"/>
+              </a:spcAft>
+              <a:defRPr/>
+            </a:pPr>
+            <a:fld id="{D1892F8F-5571-E246-B053-E27A62D47BEF}" type="slidenum">
+              <a:rPr lang="en-US" smtClean="0">
+                <a:solidFill>
+                  <a:prstClr val="black">
+                    <a:tint val="75000"/>
+                  </a:prstClr>
+                </a:solidFill>
+                <a:latin typeface="Calibri" panose="020F0502020204030204"/>
+              </a:rPr>
+              <a:pPr defTabSz="914400">
+                <a:spcAft>
+                  <a:spcPts val="600"/>
+                </a:spcAft>
+                <a:defRPr/>
+              </a:pPr>
+              <a:t>10</a:t>
+            </a:fld>
+            <a:endParaRPr lang="en-US">
+              <a:solidFill>
+                <a:prstClr val="black">
+                  <a:tint val="75000"/>
+                </a:prstClr>
+              </a:solidFill>
+              <a:latin typeface="Calibri" panose="020F0502020204030204"/>
+            </a:endParaRPr>
+          </a:p>
+        </p:txBody>
+      </p:sp>
+      <p:sp>
+        <p:nvSpPr>
+          <p:cNvPr id="10" name="Tijdelijke aanduiding voor inhoud 9">
+            <a:extLst>
+              <a:ext uri="{FF2B5EF4-FFF2-40B4-BE49-F238E27FC236}">
+                <a16:creationId xmlns:a16="http://schemas.microsoft.com/office/drawing/2014/main" id="{8B50F8AB-436A-4F43-8953-32EAAC356C2A}"/>
+              </a:ext>
+            </a:extLst>
+          </p:cNvPr>
+          <p:cNvSpPr>
+            <a:spLocks noGrp="1"/>
+          </p:cNvSpPr>
+          <p:nvPr>
+            <p:ph sz="half" idx="2"/>
+          </p:nvPr>
+        </p:nvSpPr>
+        <p:spPr/>
+        <p:txBody>
+          <a:bodyPr/>
+          <a:lstStyle/>
+          <a:p>
+            <a:endParaRPr lang="en-GB"/>
+          </a:p>
+        </p:txBody>
+      </p:sp>
+      <p:pic>
+        <p:nvPicPr>
+          <p:cNvPr id="11" name="Afbeelding 10">
+            <a:extLst>
+              <a:ext uri="{FF2B5EF4-FFF2-40B4-BE49-F238E27FC236}">
+                <a16:creationId xmlns:a16="http://schemas.microsoft.com/office/drawing/2014/main" id="{FB86E529-AC46-4AD2-87B9-20CC29A28322}"/>
+              </a:ext>
+            </a:extLst>
+          </p:cNvPr>
+          <p:cNvPicPr>
+            <a:picLocks noChangeAspect="1"/>
+          </p:cNvPicPr>
+          <p:nvPr/>
+        </p:nvPicPr>
+        <p:blipFill>
+          <a:blip r:embed="rId3"/>
+          <a:stretch>
+            <a:fillRect/>
+          </a:stretch>
+        </p:blipFill>
+        <p:spPr>
+          <a:xfrm>
+            <a:off x="5561125" y="1455969"/>
+            <a:ext cx="6403749" cy="4900381"/>
+          </a:xfrm>
+          <a:prstGeom prst="rect">
+            <a:avLst/>
+          </a:prstGeom>
+        </p:spPr>
+      </p:pic>
+    </p:spTree>
+    <p:extLst>
+      <p:ext uri="{BB962C8B-B14F-4D97-AF65-F5344CB8AC3E}">
+        <p14:creationId xmlns:p14="http://schemas.microsoft.com/office/powerpoint/2010/main" val="163970808"/>
+      </p:ext>
+    </p:extLst>
+  </p:cSld>
+  <p:clrMapOvr>
+    <a:masterClrMapping/>
+  </p:clrMapOvr>
+</p:sld>
+</file>
+
+<file path=ppt/slides/slide11.xml><?xml version="1.0" encoding="utf-8"?>
 <p:sld xmlns:a="http://schemas.openxmlformats.org/drawingml/2006/main" xmlns:r="http://schemas.openxmlformats.org/officeDocument/2006/relationships" xmlns:p="http://schemas.openxmlformats.org/presentationml/2006/main">
   <p:cSld>
     <p:spTree>
@@ -4384,7 +4774,7 @@
           <a:p>
             <a:fld id="{D1892F8F-5571-E246-B053-E27A62D47BEF}" type="slidenum">
               <a:rPr lang="en-GB" smtClean="0"/>
-              <a:t>10</a:t>
+              <a:t>11</a:t>
             </a:fld>
             <a:endParaRPr lang="en-GB"/>
           </a:p>
@@ -4403,7 +4793,7 @@
 </p:sld>
 </file>
 
-<file path=ppt/slides/slide11.xml><?xml version="1.0" encoding="utf-8"?>
+<file path=ppt/slides/slide12.xml><?xml version="1.0" encoding="utf-8"?>
 <p:sld xmlns:a="http://schemas.openxmlformats.org/drawingml/2006/main" xmlns:r="http://schemas.openxmlformats.org/officeDocument/2006/relationships" xmlns:p="http://schemas.openxmlformats.org/presentationml/2006/main">
   <p:cSld>
     <p:spTree>
@@ -4520,7 +4910,7 @@
           <a:p>
             <a:fld id="{D1892F8F-5571-E246-B053-E27A62D47BEF}" type="slidenum">
               <a:rPr lang="en-GB" smtClean="0"/>
-              <a:t>11</a:t>
+              <a:t>12</a:t>
             </a:fld>
             <a:endParaRPr lang="en-GB"/>
           </a:p>
@@ -4735,7 +5125,7 @@
 </p:sld>
 </file>
 
-<file path=ppt/slides/slide12.xml><?xml version="1.0" encoding="utf-8"?>
+<file path=ppt/slides/slide13.xml><?xml version="1.0" encoding="utf-8"?>
 <p:sld xmlns:a="http://schemas.openxmlformats.org/drawingml/2006/main" xmlns:r="http://schemas.openxmlformats.org/officeDocument/2006/relationships" xmlns:p="http://schemas.openxmlformats.org/presentationml/2006/main">
   <p:cSld>
     <p:spTree>
@@ -4852,7 +5242,7 @@
           <a:p>
             <a:fld id="{D1892F8F-5571-E246-B053-E27A62D47BEF}" type="slidenum">
               <a:rPr lang="en-GB" smtClean="0"/>
-              <a:t>12</a:t>
+              <a:t>13</a:t>
             </a:fld>
             <a:endParaRPr lang="en-GB"/>
           </a:p>
@@ -5197,7 +5587,7 @@
 </p:sld>
 </file>
 
-<file path=ppt/slides/slide13.xml><?xml version="1.0" encoding="utf-8"?>
+<file path=ppt/slides/slide14.xml><?xml version="1.0" encoding="utf-8"?>
 <p:sld xmlns:a="http://schemas.openxmlformats.org/drawingml/2006/main" xmlns:r="http://schemas.openxmlformats.org/officeDocument/2006/relationships" xmlns:p="http://schemas.openxmlformats.org/presentationml/2006/main">
   <p:cSld>
     <p:spTree>
@@ -5339,7 +5729,7 @@
           <a:p>
             <a:fld id="{D1892F8F-5571-E246-B053-E27A62D47BEF}" type="slidenum">
               <a:rPr lang="en-GB" smtClean="0"/>
-              <a:t>13</a:t>
+              <a:t>14</a:t>
             </a:fld>
             <a:endParaRPr lang="en-GB"/>
           </a:p>
@@ -5383,7 +5773,7 @@
 </p:sld>
 </file>
 
-<file path=ppt/slides/slide14.xml><?xml version="1.0" encoding="utf-8"?>
+<file path=ppt/slides/slide15.xml><?xml version="1.0" encoding="utf-8"?>
 <p:sld xmlns:a="http://schemas.openxmlformats.org/drawingml/2006/main" xmlns:r="http://schemas.openxmlformats.org/officeDocument/2006/relationships" xmlns:p="http://schemas.openxmlformats.org/presentationml/2006/main">
   <p:cSld>
     <p:spTree>
@@ -5740,7 +6130,7 @@
           <a:p>
             <a:fld id="{D1892F8F-5571-E246-B053-E27A62D47BEF}" type="slidenum">
               <a:rPr lang="en-GB" smtClean="0"/>
-              <a:t>14</a:t>
+              <a:t>15</a:t>
             </a:fld>
             <a:endParaRPr lang="en-GB"/>
           </a:p>
@@ -6792,7 +7182,7 @@
 </p:sld>
 </file>
 
-<file path=ppt/slides/slide15.xml><?xml version="1.0" encoding="utf-8"?>
+<file path=ppt/slides/slide16.xml><?xml version="1.0" encoding="utf-8"?>
 <p:sld xmlns:a="http://schemas.openxmlformats.org/drawingml/2006/main" xmlns:r="http://schemas.openxmlformats.org/officeDocument/2006/relationships" xmlns:p="http://schemas.openxmlformats.org/presentationml/2006/main">
   <p:cSld>
     <p:spTree>
@@ -6890,7 +7280,7 @@
           <a:p>
             <a:fld id="{D1892F8F-5571-E246-B053-E27A62D47BEF}" type="slidenum">
               <a:rPr lang="en-GB" smtClean="0"/>
-              <a:t>15</a:t>
+              <a:t>16</a:t>
             </a:fld>
             <a:endParaRPr lang="en-GB"/>
           </a:p>
@@ -6909,7 +7299,7 @@
 </p:sld>
 </file>
 
-<file path=ppt/slides/slide16.xml><?xml version="1.0" encoding="utf-8"?>
+<file path=ppt/slides/slide17.xml><?xml version="1.0" encoding="utf-8"?>
 <p:sld xmlns:a="http://schemas.openxmlformats.org/drawingml/2006/main" xmlns:r="http://schemas.openxmlformats.org/officeDocument/2006/relationships" xmlns:p="http://schemas.openxmlformats.org/presentationml/2006/main">
   <p:cSld>
     <p:spTree>
@@ -7133,7 +7523,7 @@
           <a:p>
             <a:fld id="{D1892F8F-5571-E246-B053-E27A62D47BEF}" type="slidenum">
               <a:rPr lang="en-GB" smtClean="0"/>
-              <a:t>16</a:t>
+              <a:t>17</a:t>
             </a:fld>
             <a:endParaRPr lang="en-GB"/>
           </a:p>
@@ -7152,7 +7542,7 @@
 </p:sld>
 </file>
 
-<file path=ppt/slides/slide17.xml><?xml version="1.0" encoding="utf-8"?>
+<file path=ppt/slides/slide18.xml><?xml version="1.0" encoding="utf-8"?>
 <p:sld xmlns:a="http://schemas.openxmlformats.org/drawingml/2006/main" xmlns:r="http://schemas.openxmlformats.org/officeDocument/2006/relationships" xmlns:p="http://schemas.openxmlformats.org/presentationml/2006/main">
   <p:cSld>
     <p:spTree>
@@ -7390,7 +7780,7 @@
           <a:p>
             <a:fld id="{D1892F8F-5571-E246-B053-E27A62D47BEF}" type="slidenum">
               <a:rPr lang="en-GB" smtClean="0"/>
-              <a:t>17</a:t>
+              <a:t>18</a:t>
             </a:fld>
             <a:endParaRPr lang="en-GB"/>
           </a:p>
@@ -7409,7 +7799,7 @@
 </p:sld>
 </file>
 
-<file path=ppt/slides/slide18.xml><?xml version="1.0" encoding="utf-8"?>
+<file path=ppt/slides/slide19.xml><?xml version="1.0" encoding="utf-8"?>
 <p:sld xmlns:a="http://schemas.openxmlformats.org/drawingml/2006/main" xmlns:r="http://schemas.openxmlformats.org/officeDocument/2006/relationships" xmlns:p="http://schemas.openxmlformats.org/presentationml/2006/main">
   <p:cSld>
     <p:spTree>
@@ -7473,7 +7863,7 @@
         <p:spPr/>
         <p:txBody>
           <a:bodyPr>
-            <a:normAutofit lnSpcReduction="10000"/>
+            <a:normAutofit fontScale="92500" lnSpcReduction="10000"/>
           </a:bodyPr>
           <a:lstStyle/>
           <a:p>
@@ -7512,6 +7902,12 @@
             <a:r>
               <a:rPr lang="en-GB" dirty="0"/>
               <a:t>Stuck? Start over.</a:t>
+            </a:r>
+          </a:p>
+          <a:p>
+            <a:r>
+              <a:rPr lang="en-GB" dirty="0"/>
+              <a:t>Results in a lot of ‘stuck’ iterations</a:t>
             </a:r>
           </a:p>
         </p:txBody>
@@ -7588,7 +7984,7 @@
           <a:p>
             <a:fld id="{D1892F8F-5571-E246-B053-E27A62D47BEF}" type="slidenum">
               <a:rPr lang="en-GB" smtClean="0"/>
-              <a:t>18</a:t>
+              <a:t>19</a:t>
             </a:fld>
             <a:endParaRPr lang="en-GB"/>
           </a:p>
@@ -7607,7 +8003,7 @@
 </p:sld>
 </file>
 
-<file path=ppt/slides/slide19.xml><?xml version="1.0" encoding="utf-8"?>
+<file path=ppt/slides/slide2.xml><?xml version="1.0" encoding="utf-8"?>
 <p:sld xmlns:a="http://schemas.openxmlformats.org/drawingml/2006/main" xmlns:r="http://schemas.openxmlformats.org/officeDocument/2006/relationships" xmlns:p="http://schemas.openxmlformats.org/presentationml/2006/main">
   <p:cSld>
     <p:spTree>
@@ -7629,6 +8025,181 @@
           <p:cNvPr id="2" name="Titel 1">
             <a:extLst>
               <a:ext uri="{FF2B5EF4-FFF2-40B4-BE49-F238E27FC236}">
+                <a16:creationId xmlns:a16="http://schemas.microsoft.com/office/drawing/2014/main" id="{F7274416-F32F-B544-8C0A-29DD33A5E435}"/>
+              </a:ext>
+            </a:extLst>
+          </p:cNvPr>
+          <p:cNvSpPr>
+            <a:spLocks noGrp="1"/>
+          </p:cNvSpPr>
+          <p:nvPr>
+            <p:ph type="title"/>
+          </p:nvPr>
+        </p:nvSpPr>
+        <p:spPr/>
+        <p:txBody>
+          <a:bodyPr/>
+          <a:lstStyle/>
+          <a:p>
+            <a:r>
+              <a:rPr lang="en-GB" dirty="0"/>
+              <a:t>Format of the presentation	</a:t>
+            </a:r>
+          </a:p>
+        </p:txBody>
+      </p:sp>
+      <p:sp>
+        <p:nvSpPr>
+          <p:cNvPr id="3" name="Tijdelijke aanduiding voor inhoud 2">
+            <a:extLst>
+              <a:ext uri="{FF2B5EF4-FFF2-40B4-BE49-F238E27FC236}">
+                <a16:creationId xmlns:a16="http://schemas.microsoft.com/office/drawing/2014/main" id="{C3CA32CF-5E66-B548-80BE-AA3559B97AF3}"/>
+              </a:ext>
+            </a:extLst>
+          </p:cNvPr>
+          <p:cNvSpPr>
+            <a:spLocks noGrp="1"/>
+          </p:cNvSpPr>
+          <p:nvPr>
+            <p:ph idx="1"/>
+          </p:nvPr>
+        </p:nvSpPr>
+        <p:spPr>
+          <a:xfrm>
+            <a:off x="838200" y="1825625"/>
+            <a:ext cx="5099304" cy="4351338"/>
+          </a:xfrm>
+        </p:spPr>
+        <p:txBody>
+          <a:bodyPr>
+            <a:normAutofit/>
+          </a:bodyPr>
+          <a:lstStyle/>
+          <a:p>
+            <a:pPr marL="0" indent="0">
+              <a:buNone/>
+            </a:pPr>
+            <a:r>
+              <a:rPr lang="en-GB" dirty="0"/>
+              <a:t>1. Introduction in the casus</a:t>
+            </a:r>
+          </a:p>
+          <a:p>
+            <a:pPr lvl="1"/>
+            <a:r>
+              <a:rPr lang="en-GB" dirty="0"/>
+              <a:t>State Space of the problem</a:t>
+            </a:r>
+          </a:p>
+          <a:p>
+            <a:pPr marL="0" indent="0">
+              <a:buNone/>
+            </a:pPr>
+            <a:r>
+              <a:rPr lang="en-GB" dirty="0"/>
+              <a:t>2. Algorithms</a:t>
+            </a:r>
+          </a:p>
+          <a:p>
+            <a:pPr lvl="1"/>
+            <a:r>
+              <a:rPr lang="en-GB" dirty="0"/>
+              <a:t>Random, Greedy and more</a:t>
+            </a:r>
+          </a:p>
+          <a:p>
+            <a:pPr marL="0" indent="0">
+              <a:buNone/>
+            </a:pPr>
+            <a:r>
+              <a:rPr lang="en-GB" dirty="0"/>
+              <a:t>3. Results</a:t>
+            </a:r>
+          </a:p>
+          <a:p>
+            <a:pPr marL="0" indent="0">
+              <a:buNone/>
+            </a:pPr>
+            <a:r>
+              <a:rPr lang="en-GB" dirty="0"/>
+              <a:t>4. Conclusions </a:t>
+            </a:r>
+          </a:p>
+          <a:p>
+            <a:pPr marL="0" indent="0">
+              <a:buNone/>
+            </a:pPr>
+            <a:r>
+              <a:rPr lang="en-GB" dirty="0"/>
+              <a:t>5. Q&amp;A</a:t>
+            </a:r>
+          </a:p>
+        </p:txBody>
+      </p:sp>
+      <p:sp>
+        <p:nvSpPr>
+          <p:cNvPr id="4" name="Tijdelijke aanduiding voor dianummer 3">
+            <a:extLst>
+              <a:ext uri="{FF2B5EF4-FFF2-40B4-BE49-F238E27FC236}">
+                <a16:creationId xmlns:a16="http://schemas.microsoft.com/office/drawing/2014/main" id="{5E9E64F6-13C2-C443-A499-E68EDDD3AAD8}"/>
+              </a:ext>
+            </a:extLst>
+          </p:cNvPr>
+          <p:cNvSpPr>
+            <a:spLocks noGrp="1"/>
+          </p:cNvSpPr>
+          <p:nvPr>
+            <p:ph type="sldNum" sz="quarter" idx="12"/>
+          </p:nvPr>
+        </p:nvSpPr>
+        <p:spPr/>
+        <p:txBody>
+          <a:bodyPr/>
+          <a:lstStyle/>
+          <a:p>
+            <a:fld id="{D1892F8F-5571-E246-B053-E27A62D47BEF}" type="slidenum">
+              <a:rPr lang="en-GB" smtClean="0"/>
+              <a:t>2</a:t>
+            </a:fld>
+            <a:endParaRPr lang="en-GB"/>
+          </a:p>
+        </p:txBody>
+      </p:sp>
+    </p:spTree>
+    <p:extLst>
+      <p:ext uri="{BB962C8B-B14F-4D97-AF65-F5344CB8AC3E}">
+        <p14:creationId xmlns:p14="http://schemas.microsoft.com/office/powerpoint/2010/main" val="2072180750"/>
+      </p:ext>
+    </p:extLst>
+  </p:cSld>
+  <p:clrMapOvr>
+    <a:masterClrMapping/>
+  </p:clrMapOvr>
+</p:sld>
+</file>
+
+<file path=ppt/slides/slide20.xml><?xml version="1.0" encoding="utf-8"?>
+<p:sld xmlns:a="http://schemas.openxmlformats.org/drawingml/2006/main" xmlns:r="http://schemas.openxmlformats.org/officeDocument/2006/relationships" xmlns:p="http://schemas.openxmlformats.org/presentationml/2006/main">
+  <p:cSld>
+    <p:spTree>
+      <p:nvGrpSpPr>
+        <p:cNvPr id="1" name=""/>
+        <p:cNvGrpSpPr/>
+        <p:nvPr/>
+      </p:nvGrpSpPr>
+      <p:grpSpPr>
+        <a:xfrm>
+          <a:off x="0" y="0"/>
+          <a:ext cx="0" cy="0"/>
+          <a:chOff x="0" y="0"/>
+          <a:chExt cx="0" cy="0"/>
+        </a:xfrm>
+      </p:grpSpPr>
+      <p:sp>
+        <p:nvSpPr>
+          <p:cNvPr id="2" name="Titel 1">
+            <a:extLst>
+              <a:ext uri="{FF2B5EF4-FFF2-40B4-BE49-F238E27FC236}">
                 <a16:creationId xmlns:a16="http://schemas.microsoft.com/office/drawing/2014/main" id="{BDECAEB1-542A-F848-9D2C-B10DFE956AB7}"/>
               </a:ext>
             </a:extLst>
@@ -7746,7 +8317,7 @@
           <a:p>
             <a:fld id="{D1892F8F-5571-E246-B053-E27A62D47BEF}" type="slidenum">
               <a:rPr lang="en-GB" smtClean="0"/>
-              <a:t>19</a:t>
+              <a:t>20</a:t>
             </a:fld>
             <a:endParaRPr lang="en-GB"/>
           </a:p>
@@ -7873,181 +8444,6 @@
 </p:sld>
 </file>
 
-<file path=ppt/slides/slide2.xml><?xml version="1.0" encoding="utf-8"?>
-<p:sld xmlns:a="http://schemas.openxmlformats.org/drawingml/2006/main" xmlns:r="http://schemas.openxmlformats.org/officeDocument/2006/relationships" xmlns:p="http://schemas.openxmlformats.org/presentationml/2006/main">
-  <p:cSld>
-    <p:spTree>
-      <p:nvGrpSpPr>
-        <p:cNvPr id="1" name=""/>
-        <p:cNvGrpSpPr/>
-        <p:nvPr/>
-      </p:nvGrpSpPr>
-      <p:grpSpPr>
-        <a:xfrm>
-          <a:off x="0" y="0"/>
-          <a:ext cx="0" cy="0"/>
-          <a:chOff x="0" y="0"/>
-          <a:chExt cx="0" cy="0"/>
-        </a:xfrm>
-      </p:grpSpPr>
-      <p:sp>
-        <p:nvSpPr>
-          <p:cNvPr id="2" name="Titel 1">
-            <a:extLst>
-              <a:ext uri="{FF2B5EF4-FFF2-40B4-BE49-F238E27FC236}">
-                <a16:creationId xmlns:a16="http://schemas.microsoft.com/office/drawing/2014/main" id="{F7274416-F32F-B544-8C0A-29DD33A5E435}"/>
-              </a:ext>
-            </a:extLst>
-          </p:cNvPr>
-          <p:cNvSpPr>
-            <a:spLocks noGrp="1"/>
-          </p:cNvSpPr>
-          <p:nvPr>
-            <p:ph type="title"/>
-          </p:nvPr>
-        </p:nvSpPr>
-        <p:spPr/>
-        <p:txBody>
-          <a:bodyPr/>
-          <a:lstStyle/>
-          <a:p>
-            <a:r>
-              <a:rPr lang="en-GB" dirty="0"/>
-              <a:t>Format of the presentation	</a:t>
-            </a:r>
-          </a:p>
-        </p:txBody>
-      </p:sp>
-      <p:sp>
-        <p:nvSpPr>
-          <p:cNvPr id="3" name="Tijdelijke aanduiding voor inhoud 2">
-            <a:extLst>
-              <a:ext uri="{FF2B5EF4-FFF2-40B4-BE49-F238E27FC236}">
-                <a16:creationId xmlns:a16="http://schemas.microsoft.com/office/drawing/2014/main" id="{C3CA32CF-5E66-B548-80BE-AA3559B97AF3}"/>
-              </a:ext>
-            </a:extLst>
-          </p:cNvPr>
-          <p:cNvSpPr>
-            <a:spLocks noGrp="1"/>
-          </p:cNvSpPr>
-          <p:nvPr>
-            <p:ph idx="1"/>
-          </p:nvPr>
-        </p:nvSpPr>
-        <p:spPr>
-          <a:xfrm>
-            <a:off x="838200" y="1825625"/>
-            <a:ext cx="5099304" cy="4351338"/>
-          </a:xfrm>
-        </p:spPr>
-        <p:txBody>
-          <a:bodyPr>
-            <a:normAutofit/>
-          </a:bodyPr>
-          <a:lstStyle/>
-          <a:p>
-            <a:pPr marL="0" indent="0">
-              <a:buNone/>
-            </a:pPr>
-            <a:r>
-              <a:rPr lang="en-GB" dirty="0"/>
-              <a:t>1. Introduction in the casus</a:t>
-            </a:r>
-          </a:p>
-          <a:p>
-            <a:pPr lvl="1"/>
-            <a:r>
-              <a:rPr lang="en-GB" dirty="0"/>
-              <a:t>State Space of the problem</a:t>
-            </a:r>
-          </a:p>
-          <a:p>
-            <a:pPr marL="0" indent="0">
-              <a:buNone/>
-            </a:pPr>
-            <a:r>
-              <a:rPr lang="en-GB" dirty="0"/>
-              <a:t>2. Algorithms</a:t>
-            </a:r>
-          </a:p>
-          <a:p>
-            <a:pPr lvl="1"/>
-            <a:r>
-              <a:rPr lang="en-GB" dirty="0"/>
-              <a:t>Random, Greedy and more</a:t>
-            </a:r>
-          </a:p>
-          <a:p>
-            <a:pPr marL="0" indent="0">
-              <a:buNone/>
-            </a:pPr>
-            <a:r>
-              <a:rPr lang="en-GB" dirty="0"/>
-              <a:t>3. Results</a:t>
-            </a:r>
-          </a:p>
-          <a:p>
-            <a:pPr marL="0" indent="0">
-              <a:buNone/>
-            </a:pPr>
-            <a:r>
-              <a:rPr lang="en-GB" dirty="0"/>
-              <a:t>4. Conclusions </a:t>
-            </a:r>
-          </a:p>
-          <a:p>
-            <a:pPr marL="0" indent="0">
-              <a:buNone/>
-            </a:pPr>
-            <a:r>
-              <a:rPr lang="en-GB" dirty="0"/>
-              <a:t>5. Q&amp;A</a:t>
-            </a:r>
-          </a:p>
-        </p:txBody>
-      </p:sp>
-      <p:sp>
-        <p:nvSpPr>
-          <p:cNvPr id="4" name="Tijdelijke aanduiding voor dianummer 3">
-            <a:extLst>
-              <a:ext uri="{FF2B5EF4-FFF2-40B4-BE49-F238E27FC236}">
-                <a16:creationId xmlns:a16="http://schemas.microsoft.com/office/drawing/2014/main" id="{5E9E64F6-13C2-C443-A499-E68EDDD3AAD8}"/>
-              </a:ext>
-            </a:extLst>
-          </p:cNvPr>
-          <p:cNvSpPr>
-            <a:spLocks noGrp="1"/>
-          </p:cNvSpPr>
-          <p:nvPr>
-            <p:ph type="sldNum" sz="quarter" idx="12"/>
-          </p:nvPr>
-        </p:nvSpPr>
-        <p:spPr/>
-        <p:txBody>
-          <a:bodyPr/>
-          <a:lstStyle/>
-          <a:p>
-            <a:fld id="{D1892F8F-5571-E246-B053-E27A62D47BEF}" type="slidenum">
-              <a:rPr lang="en-GB" smtClean="0"/>
-              <a:t>2</a:t>
-            </a:fld>
-            <a:endParaRPr lang="en-GB"/>
-          </a:p>
-        </p:txBody>
-      </p:sp>
-    </p:spTree>
-    <p:extLst>
-      <p:ext uri="{BB962C8B-B14F-4D97-AF65-F5344CB8AC3E}">
-        <p14:creationId xmlns:p14="http://schemas.microsoft.com/office/powerpoint/2010/main" val="2072180750"/>
-      </p:ext>
-    </p:extLst>
-  </p:cSld>
-  <p:clrMapOvr>
-    <a:masterClrMapping/>
-  </p:clrMapOvr>
-</p:sld>
-</file>
-
 <file path=ppt/slides/slide3.xml><?xml version="1.0" encoding="utf-8"?>
 <p:sld xmlns:a="http://schemas.openxmlformats.org/drawingml/2006/main" xmlns:r="http://schemas.openxmlformats.org/officeDocument/2006/relationships" xmlns:p="http://schemas.openxmlformats.org/presentationml/2006/main">
   <p:cSld>
@@ -8148,20 +8544,18 @@
             </a:r>
             <a:r>
               <a:rPr lang="en-GB" dirty="0" err="1"/>
-              <a:t>huntington</a:t>
-            </a:r>
-            <a:endParaRPr lang="en-GB" dirty="0"/>
-          </a:p>
-          <a:p>
-            <a:r>
-              <a:rPr lang="en-GB" dirty="0"/>
-              <a:t>Finding “Stable” Proteins can help in the development of </a:t>
-            </a:r>
-            <a:r>
-              <a:rPr lang="en-GB" dirty="0" err="1"/>
-              <a:t>farmaceuticals</a:t>
-            </a:r>
-            <a:endParaRPr lang="en-GB" dirty="0"/>
+              <a:t>Huntingtons</a:t>
+            </a:r>
+            <a:r>
+              <a:rPr lang="en-GB" dirty="0"/>
+              <a:t> Disease</a:t>
+            </a:r>
+          </a:p>
+          <a:p>
+            <a:r>
+              <a:rPr lang="en-GB" dirty="0"/>
+              <a:t>Finding “Stable” Proteins can help in the development of pharmaceuticals</a:t>
+            </a:r>
           </a:p>
           <a:p>
             <a:endParaRPr lang="en-GB" dirty="0"/>
@@ -8345,7 +8739,7 @@
             </a:r>
             <a:r>
               <a:rPr lang="en-GB" dirty="0" err="1"/>
-              <a:t>hydrophic</a:t>
+              <a:t>Hydrophic</a:t>
             </a:r>
             <a:r>
               <a:rPr lang="en-GB" dirty="0"/>
@@ -8765,7 +9159,7 @@
           <p:cNvPr id="2" name="Titel 1">
             <a:extLst>
               <a:ext uri="{FF2B5EF4-FFF2-40B4-BE49-F238E27FC236}">
-                <a16:creationId xmlns:a16="http://schemas.microsoft.com/office/drawing/2014/main" id="{BDECAEB1-542A-F848-9D2C-B10DFE956AB7}"/>
+                <a16:creationId xmlns:a16="http://schemas.microsoft.com/office/drawing/2014/main" id="{4B41A3F9-E4F5-8E49-BB20-18FE9BDEC849}"/>
               </a:ext>
             </a:extLst>
           </p:cNvPr>
@@ -8782,9 +9176,18 @@
           <a:lstStyle/>
           <a:p>
             <a:r>
-              <a:rPr lang="en-GB" dirty="0"/>
-              <a:t>2. Algorithms</a:t>
-            </a:r>
+              <a:rPr lang="nl-NL" dirty="0" err="1"/>
+              <a:t>Objective</a:t>
+            </a:r>
+            <a:r>
+              <a:rPr lang="nl-NL" dirty="0"/>
+              <a:t> </a:t>
+            </a:r>
+            <a:r>
+              <a:rPr lang="nl-NL" dirty="0" err="1"/>
+              <a:t>function</a:t>
+            </a:r>
+            <a:endParaRPr lang="nl-NL" dirty="0"/>
           </a:p>
         </p:txBody>
       </p:sp>
@@ -8793,7 +9196,7 @@
           <p:cNvPr id="3" name="Tijdelijke aanduiding voor inhoud 2">
             <a:extLst>
               <a:ext uri="{FF2B5EF4-FFF2-40B4-BE49-F238E27FC236}">
-                <a16:creationId xmlns:a16="http://schemas.microsoft.com/office/drawing/2014/main" id="{6B57B016-94D5-F646-9976-362E7188E1F0}"/>
+                <a16:creationId xmlns:a16="http://schemas.microsoft.com/office/drawing/2014/main" id="{3AF27507-C6DD-4D4A-B372-7AA5AE378410}"/>
               </a:ext>
             </a:extLst>
           </p:cNvPr>
@@ -8804,87 +9207,91 @@
             <p:ph sz="half" idx="1"/>
           </p:nvPr>
         </p:nvSpPr>
-        <p:spPr/>
+        <p:spPr>
+          <a:xfrm>
+            <a:off x="838200" y="1825625"/>
+            <a:ext cx="9528958" cy="4351338"/>
+          </a:xfrm>
+        </p:spPr>
         <p:txBody>
           <a:bodyPr/>
           <a:lstStyle/>
           <a:p>
-            <a:pPr lvl="1"/>
-            <a:r>
-              <a:rPr lang="en-GB" dirty="0"/>
-              <a:t>Self avoiding random walk (SARW)</a:t>
-            </a:r>
-          </a:p>
-          <a:p>
-            <a:pPr lvl="1"/>
-            <a:r>
-              <a:rPr lang="en-GB" dirty="0"/>
-              <a:t>SARW with Space Confinement</a:t>
-            </a:r>
-          </a:p>
-          <a:p>
-            <a:pPr lvl="1"/>
-            <a:r>
-              <a:rPr lang="en-GB" dirty="0"/>
-              <a:t>Greedy</a:t>
-            </a:r>
-          </a:p>
-          <a:p>
-            <a:pPr lvl="1"/>
-            <a:r>
-              <a:rPr lang="en-GB" dirty="0"/>
-              <a:t>Extended Heuristic Algorithm Plus</a:t>
-            </a:r>
-          </a:p>
-          <a:p>
-            <a:pPr lvl="1"/>
-            <a:r>
-              <a:rPr lang="en-GB" dirty="0"/>
-              <a:t>Breadth-first: Beam Search</a:t>
-            </a:r>
-          </a:p>
-          <a:p>
-            <a:pPr lvl="1"/>
-            <a:r>
-              <a:rPr lang="en-GB" dirty="0"/>
-              <a:t>Hill Climber (pull moves) + Simulated Annealing</a:t>
-            </a:r>
-          </a:p>
-          <a:p>
-            <a:pPr marL="457200" lvl="1" indent="0">
-              <a:buNone/>
-            </a:pPr>
-            <a:endParaRPr lang="en-GB" dirty="0"/>
-          </a:p>
-          <a:p>
-            <a:pPr lvl="1"/>
-            <a:endParaRPr lang="en-GB" dirty="0"/>
-          </a:p>
-        </p:txBody>
-      </p:sp>
-      <p:sp>
-        <p:nvSpPr>
-          <p:cNvPr id="4" name="Tijdelijke aanduiding voor inhoud 3">
-            <a:extLst>
-              <a:ext uri="{FF2B5EF4-FFF2-40B4-BE49-F238E27FC236}">
-                <a16:creationId xmlns:a16="http://schemas.microsoft.com/office/drawing/2014/main" id="{D29CAD77-2AED-E94A-845B-B60D651EF411}"/>
-              </a:ext>
-            </a:extLst>
-          </p:cNvPr>
-          <p:cNvSpPr>
-            <a:spLocks noGrp="1"/>
-          </p:cNvSpPr>
-          <p:nvPr>
-            <p:ph sz="half" idx="2"/>
-          </p:nvPr>
-        </p:nvSpPr>
-        <p:spPr/>
-        <p:txBody>
-          <a:bodyPr/>
-          <a:lstStyle/>
-          <a:p>
-            <a:pPr lvl="1"/>
-            <a:endParaRPr lang="en-GB" dirty="0"/>
+            <a:r>
+              <a:rPr lang="nl-NL" dirty="0" err="1"/>
+              <a:t>Aim</a:t>
+            </a:r>
+            <a:r>
+              <a:rPr lang="nl-NL" dirty="0"/>
+              <a:t> </a:t>
+            </a:r>
+            <a:r>
+              <a:rPr lang="nl-NL" dirty="0" err="1"/>
+              <a:t>for</a:t>
+            </a:r>
+            <a:r>
+              <a:rPr lang="nl-NL" dirty="0"/>
+              <a:t> maximum </a:t>
+            </a:r>
+            <a:r>
+              <a:rPr lang="nl-NL" dirty="0" err="1"/>
+              <a:t>stability</a:t>
+            </a:r>
+            <a:endParaRPr lang="nl-NL" dirty="0"/>
+          </a:p>
+          <a:p>
+            <a:endParaRPr lang="nl-NL" dirty="0"/>
+          </a:p>
+          <a:p>
+            <a:r>
+              <a:rPr lang="nl-NL" dirty="0"/>
+              <a:t>Max </a:t>
+            </a:r>
+            <a:r>
+              <a:rPr lang="nl-NL" dirty="0" err="1"/>
+              <a:t>upper</a:t>
+            </a:r>
+            <a:r>
+              <a:rPr lang="nl-NL" dirty="0"/>
+              <a:t> </a:t>
+            </a:r>
+            <a:r>
+              <a:rPr lang="nl-NL" dirty="0" err="1"/>
+              <a:t>bound</a:t>
+            </a:r>
+            <a:r>
+              <a:rPr lang="nl-NL" dirty="0"/>
+              <a:t>: *best </a:t>
+            </a:r>
+            <a:r>
+              <a:rPr lang="nl-NL" dirty="0" err="1"/>
+              <a:t>known</a:t>
+            </a:r>
+            <a:r>
+              <a:rPr lang="nl-NL" dirty="0"/>
+              <a:t> solution*</a:t>
+            </a:r>
+          </a:p>
+          <a:p>
+            <a:endParaRPr lang="nl-NL"/>
+          </a:p>
+          <a:p>
+            <a:r>
+              <a:rPr lang="nl-NL"/>
+              <a:t>Lower</a:t>
+            </a:r>
+            <a:r>
+              <a:rPr lang="nl-NL" dirty="0"/>
+              <a:t> </a:t>
+            </a:r>
+            <a:r>
+              <a:rPr lang="nl-NL" dirty="0" err="1"/>
+              <a:t>bound</a:t>
+            </a:r>
+            <a:r>
+              <a:rPr lang="nl-NL" dirty="0"/>
+              <a:t>: 0</a:t>
+            </a:r>
           </a:p>
         </p:txBody>
       </p:sp>
@@ -8893,7 +9300,7 @@
           <p:cNvPr id="5" name="Tijdelijke aanduiding voor dianummer 4">
             <a:extLst>
               <a:ext uri="{FF2B5EF4-FFF2-40B4-BE49-F238E27FC236}">
-                <a16:creationId xmlns:a16="http://schemas.microsoft.com/office/drawing/2014/main" id="{59F1D7FF-3A9E-9047-AD7F-A8747FC3F52D}"/>
+                <a16:creationId xmlns:a16="http://schemas.microsoft.com/office/drawing/2014/main" id="{C77DB712-6ADC-FA44-9B9E-568FE81F146F}"/>
               </a:ext>
             </a:extLst>
           </p:cNvPr>
@@ -8920,7 +9327,7 @@
     </p:spTree>
     <p:extLst>
       <p:ext uri="{BB962C8B-B14F-4D97-AF65-F5344CB8AC3E}">
-        <p14:creationId xmlns:p14="http://schemas.microsoft.com/office/powerpoint/2010/main" val="580731881"/>
+        <p14:creationId xmlns:p14="http://schemas.microsoft.com/office/powerpoint/2010/main" val="3874233135"/>
       </p:ext>
     </p:extLst>
   </p:cSld>
@@ -8970,6 +9377,193 @@
           <a:p>
             <a:r>
               <a:rPr lang="en-GB" dirty="0"/>
+              <a:t>2. Algorithms</a:t>
+            </a:r>
+          </a:p>
+        </p:txBody>
+      </p:sp>
+      <p:sp>
+        <p:nvSpPr>
+          <p:cNvPr id="3" name="Tijdelijke aanduiding voor inhoud 2">
+            <a:extLst>
+              <a:ext uri="{FF2B5EF4-FFF2-40B4-BE49-F238E27FC236}">
+                <a16:creationId xmlns:a16="http://schemas.microsoft.com/office/drawing/2014/main" id="{6B57B016-94D5-F646-9976-362E7188E1F0}"/>
+              </a:ext>
+            </a:extLst>
+          </p:cNvPr>
+          <p:cNvSpPr>
+            <a:spLocks noGrp="1"/>
+          </p:cNvSpPr>
+          <p:nvPr>
+            <p:ph sz="half" idx="1"/>
+          </p:nvPr>
+        </p:nvSpPr>
+        <p:spPr/>
+        <p:txBody>
+          <a:bodyPr/>
+          <a:lstStyle/>
+          <a:p>
+            <a:pPr lvl="1"/>
+            <a:r>
+              <a:rPr lang="en-GB" dirty="0"/>
+              <a:t>Self avoiding random walk (SARW)</a:t>
+            </a:r>
+          </a:p>
+          <a:p>
+            <a:pPr lvl="1"/>
+            <a:r>
+              <a:rPr lang="en-GB" dirty="0"/>
+              <a:t>SARW with Space Confinement</a:t>
+            </a:r>
+          </a:p>
+          <a:p>
+            <a:pPr lvl="1"/>
+            <a:r>
+              <a:rPr lang="en-GB" dirty="0"/>
+              <a:t>Greedy</a:t>
+            </a:r>
+          </a:p>
+          <a:p>
+            <a:pPr lvl="1"/>
+            <a:r>
+              <a:rPr lang="en-GB" dirty="0"/>
+              <a:t>Extended Heuristic Algorithm Plus</a:t>
+            </a:r>
+          </a:p>
+          <a:p>
+            <a:pPr lvl="1"/>
+            <a:r>
+              <a:rPr lang="en-GB" dirty="0"/>
+              <a:t>Breadth-first: Beam Search</a:t>
+            </a:r>
+          </a:p>
+          <a:p>
+            <a:pPr lvl="1"/>
+            <a:r>
+              <a:rPr lang="en-GB" dirty="0"/>
+              <a:t>Hill Climber (pull moves) + Simulated Annealing</a:t>
+            </a:r>
+          </a:p>
+          <a:p>
+            <a:pPr marL="457200" lvl="1" indent="0">
+              <a:buNone/>
+            </a:pPr>
+            <a:endParaRPr lang="en-GB" dirty="0"/>
+          </a:p>
+          <a:p>
+            <a:pPr lvl="1"/>
+            <a:endParaRPr lang="en-GB" dirty="0"/>
+          </a:p>
+        </p:txBody>
+      </p:sp>
+      <p:sp>
+        <p:nvSpPr>
+          <p:cNvPr id="4" name="Tijdelijke aanduiding voor inhoud 3">
+            <a:extLst>
+              <a:ext uri="{FF2B5EF4-FFF2-40B4-BE49-F238E27FC236}">
+                <a16:creationId xmlns:a16="http://schemas.microsoft.com/office/drawing/2014/main" id="{D29CAD77-2AED-E94A-845B-B60D651EF411}"/>
+              </a:ext>
+            </a:extLst>
+          </p:cNvPr>
+          <p:cNvSpPr>
+            <a:spLocks noGrp="1"/>
+          </p:cNvSpPr>
+          <p:nvPr>
+            <p:ph sz="half" idx="2"/>
+          </p:nvPr>
+        </p:nvSpPr>
+        <p:spPr/>
+        <p:txBody>
+          <a:bodyPr/>
+          <a:lstStyle/>
+          <a:p>
+            <a:pPr lvl="1"/>
+            <a:endParaRPr lang="en-GB" dirty="0"/>
+          </a:p>
+        </p:txBody>
+      </p:sp>
+      <p:sp>
+        <p:nvSpPr>
+          <p:cNvPr id="5" name="Tijdelijke aanduiding voor dianummer 4">
+            <a:extLst>
+              <a:ext uri="{FF2B5EF4-FFF2-40B4-BE49-F238E27FC236}">
+                <a16:creationId xmlns:a16="http://schemas.microsoft.com/office/drawing/2014/main" id="{59F1D7FF-3A9E-9047-AD7F-A8747FC3F52D}"/>
+              </a:ext>
+            </a:extLst>
+          </p:cNvPr>
+          <p:cNvSpPr>
+            <a:spLocks noGrp="1"/>
+          </p:cNvSpPr>
+          <p:nvPr>
+            <p:ph type="sldNum" sz="quarter" idx="12"/>
+          </p:nvPr>
+        </p:nvSpPr>
+        <p:spPr/>
+        <p:txBody>
+          <a:bodyPr/>
+          <a:lstStyle/>
+          <a:p>
+            <a:fld id="{D1892F8F-5571-E246-B053-E27A62D47BEF}" type="slidenum">
+              <a:rPr lang="en-GB" smtClean="0"/>
+              <a:t>7</a:t>
+            </a:fld>
+            <a:endParaRPr lang="en-GB"/>
+          </a:p>
+        </p:txBody>
+      </p:sp>
+    </p:spTree>
+    <p:extLst>
+      <p:ext uri="{BB962C8B-B14F-4D97-AF65-F5344CB8AC3E}">
+        <p14:creationId xmlns:p14="http://schemas.microsoft.com/office/powerpoint/2010/main" val="580731881"/>
+      </p:ext>
+    </p:extLst>
+  </p:cSld>
+  <p:clrMapOvr>
+    <a:masterClrMapping/>
+  </p:clrMapOvr>
+</p:sld>
+</file>
+
+<file path=ppt/slides/slide8.xml><?xml version="1.0" encoding="utf-8"?>
+<p:sld xmlns:a="http://schemas.openxmlformats.org/drawingml/2006/main" xmlns:r="http://schemas.openxmlformats.org/officeDocument/2006/relationships" xmlns:p="http://schemas.openxmlformats.org/presentationml/2006/main">
+  <p:cSld>
+    <p:spTree>
+      <p:nvGrpSpPr>
+        <p:cNvPr id="1" name=""/>
+        <p:cNvGrpSpPr/>
+        <p:nvPr/>
+      </p:nvGrpSpPr>
+      <p:grpSpPr>
+        <a:xfrm>
+          <a:off x="0" y="0"/>
+          <a:ext cx="0" cy="0"/>
+          <a:chOff x="0" y="0"/>
+          <a:chExt cx="0" cy="0"/>
+        </a:xfrm>
+      </p:grpSpPr>
+      <p:sp>
+        <p:nvSpPr>
+          <p:cNvPr id="2" name="Titel 1">
+            <a:extLst>
+              <a:ext uri="{FF2B5EF4-FFF2-40B4-BE49-F238E27FC236}">
+                <a16:creationId xmlns:a16="http://schemas.microsoft.com/office/drawing/2014/main" id="{BDECAEB1-542A-F848-9D2C-B10DFE956AB7}"/>
+              </a:ext>
+            </a:extLst>
+          </p:cNvPr>
+          <p:cNvSpPr>
+            <a:spLocks noGrp="1"/>
+          </p:cNvSpPr>
+          <p:nvPr>
+            <p:ph type="title"/>
+          </p:nvPr>
+        </p:nvSpPr>
+        <p:spPr/>
+        <p:txBody>
+          <a:bodyPr/>
+          <a:lstStyle/>
+          <a:p>
+            <a:r>
+              <a:rPr lang="en-GB" dirty="0"/>
               <a:t>2. Extended Heuristic Algorithm Plus</a:t>
             </a:r>
           </a:p>
@@ -9235,7 +9829,7 @@
           <a:p>
             <a:fld id="{D1892F8F-5571-E246-B053-E27A62D47BEF}" type="slidenum">
               <a:rPr lang="en-GB" smtClean="0"/>
-              <a:t>7</a:t>
+              <a:t>8</a:t>
             </a:fld>
             <a:endParaRPr lang="en-GB"/>
           </a:p>
@@ -9254,7 +9848,7 @@
 </p:sld>
 </file>
 
-<file path=ppt/slides/slide8.xml><?xml version="1.0" encoding="utf-8"?>
+<file path=ppt/slides/slide9.xml><?xml version="1.0" encoding="utf-8"?>
 <p:sld xmlns:a="http://schemas.openxmlformats.org/drawingml/2006/main" xmlns:r="http://schemas.openxmlformats.org/officeDocument/2006/relationships" xmlns:p="http://schemas.openxmlformats.org/presentationml/2006/main">
   <p:cSld>
     <p:spTree>
@@ -9425,7 +10019,7 @@
           <a:p>
             <a:fld id="{D1892F8F-5571-E246-B053-E27A62D47BEF}" type="slidenum">
               <a:rPr lang="en-GB" smtClean="0"/>
-              <a:t>8</a:t>
+              <a:t>9</a:t>
             </a:fld>
             <a:endParaRPr lang="en-GB"/>
           </a:p>
@@ -9435,395 +10029,6 @@
     <p:extLst>
       <p:ext uri="{BB962C8B-B14F-4D97-AF65-F5344CB8AC3E}">
         <p14:creationId xmlns:p14="http://schemas.microsoft.com/office/powerpoint/2010/main" val="143121407"/>
-      </p:ext>
-    </p:extLst>
-  </p:cSld>
-  <p:clrMapOvr>
-    <a:masterClrMapping/>
-  </p:clrMapOvr>
-</p:sld>
-</file>
-
-<file path=ppt/slides/slide9.xml><?xml version="1.0" encoding="utf-8"?>
-<p:sld xmlns:a="http://schemas.openxmlformats.org/drawingml/2006/main" xmlns:r="http://schemas.openxmlformats.org/officeDocument/2006/relationships" xmlns:p="http://schemas.openxmlformats.org/presentationml/2006/main">
-  <p:cSld>
-    <p:bg>
-      <p:bgPr>
-        <a:solidFill>
-          <a:schemeClr val="bg1"/>
-        </a:solidFill>
-        <a:effectLst/>
-      </p:bgPr>
-    </p:bg>
-    <p:spTree>
-      <p:nvGrpSpPr>
-        <p:cNvPr id="1" name=""/>
-        <p:cNvGrpSpPr/>
-        <p:nvPr/>
-      </p:nvGrpSpPr>
-      <p:grpSpPr>
-        <a:xfrm>
-          <a:off x="0" y="0"/>
-          <a:ext cx="0" cy="0"/>
-          <a:chOff x="0" y="0"/>
-          <a:chExt cx="0" cy="0"/>
-        </a:xfrm>
-      </p:grpSpPr>
-      <p:sp>
-        <p:nvSpPr>
-          <p:cNvPr id="2" name="Titel 1">
-            <a:extLst>
-              <a:ext uri="{FF2B5EF4-FFF2-40B4-BE49-F238E27FC236}">
-                <a16:creationId xmlns:a16="http://schemas.microsoft.com/office/drawing/2014/main" id="{26D56270-1C1B-4B1E-BC4F-ACC759B672F7}"/>
-              </a:ext>
-            </a:extLst>
-          </p:cNvPr>
-          <p:cNvSpPr>
-            <a:spLocks noGrp="1"/>
-          </p:cNvSpPr>
-          <p:nvPr>
-            <p:ph type="title"/>
-          </p:nvPr>
-        </p:nvSpPr>
-        <p:spPr>
-          <a:xfrm>
-            <a:off x="838200" y="365125"/>
-            <a:ext cx="10515600" cy="1325563"/>
-          </a:xfrm>
-        </p:spPr>
-        <p:txBody>
-          <a:bodyPr vert="horz" lIns="91440" tIns="45720" rIns="91440" bIns="45720" rtlCol="0" anchor="ctr">
-            <a:normAutofit/>
-          </a:bodyPr>
-          <a:lstStyle/>
-          <a:p>
-            <a:r>
-              <a:rPr lang="en-US" dirty="0"/>
-              <a:t>3. Results – State Space check</a:t>
-            </a:r>
-          </a:p>
-        </p:txBody>
-      </p:sp>
-      <mc:AlternateContent xmlns:mc="http://schemas.openxmlformats.org/markup-compatibility/2006" xmlns:a14="http://schemas.microsoft.com/office/drawing/2010/main">
-        <mc:Choice Requires="a14">
-          <p:sp>
-            <p:nvSpPr>
-              <p:cNvPr id="3" name="Tijdelijke aanduiding voor inhoud 2">
-                <a:extLst>
-                  <a:ext uri="{FF2B5EF4-FFF2-40B4-BE49-F238E27FC236}">
-                    <a16:creationId xmlns:a16="http://schemas.microsoft.com/office/drawing/2014/main" id="{938874C9-2E1B-4E00-9D04-38873D0AC371}"/>
-                  </a:ext>
-                </a:extLst>
-              </p:cNvPr>
-              <p:cNvSpPr>
-                <a:spLocks noGrp="1"/>
-              </p:cNvSpPr>
-              <p:nvPr>
-                <p:ph sz="half" idx="1"/>
-              </p:nvPr>
-            </p:nvSpPr>
-            <p:spPr>
-              <a:xfrm>
-                <a:off x="838200" y="1825625"/>
-                <a:ext cx="4083121" cy="4351338"/>
-              </a:xfrm>
-            </p:spPr>
-            <p:txBody>
-              <a:bodyPr vert="horz" lIns="91440" tIns="45720" rIns="91440" bIns="45720" rtlCol="0">
-                <a:normAutofit/>
-              </a:bodyPr>
-              <a:lstStyle/>
-              <a:p>
-                <a:r>
-                  <a:rPr lang="en-US" sz="2400" dirty="0"/>
-                  <a:t>Using breadth first algorithm</a:t>
-                </a:r>
-              </a:p>
-              <a:p>
-                <a:pPr marL="0" indent="0">
-                  <a:buNone/>
-                </a:pPr>
-                <a:endParaRPr lang="en-US" sz="2400" dirty="0"/>
-              </a:p>
-              <a:p>
-                <a:r>
-                  <a:rPr lang="en-US" sz="2400" dirty="0"/>
-                  <a:t>Fit:  </a:t>
-                </a:r>
-                <a14:m>
-                  <m:oMath xmlns:m="http://schemas.openxmlformats.org/officeDocument/2006/math">
-                    <m:r>
-                      <a:rPr lang="en-US" sz="2400" b="0" i="1">
-                        <a:latin typeface="Cambria Math" panose="02040503050406030204" pitchFamily="18" charset="0"/>
-                      </a:rPr>
-                      <m:t>𝑁</m:t>
-                    </m:r>
-                    <m:r>
-                      <a:rPr lang="en-US" sz="2400" b="0" i="1">
-                        <a:latin typeface="Cambria Math" panose="02040503050406030204" pitchFamily="18" charset="0"/>
-                      </a:rPr>
-                      <m:t>=</m:t>
-                    </m:r>
-                    <m:r>
-                      <a:rPr lang="en-US" sz="2400" b="0" i="1">
-                        <a:latin typeface="Cambria Math" panose="02040503050406030204" pitchFamily="18" charset="0"/>
-                      </a:rPr>
-                      <m:t>𝐴</m:t>
-                    </m:r>
-                    <m:r>
-                      <a:rPr lang="en-US" sz="2400" b="0" i="1">
-                        <a:latin typeface="Cambria Math" panose="02040503050406030204" pitchFamily="18" charset="0"/>
-                      </a:rPr>
-                      <m:t>∙</m:t>
-                    </m:r>
-                    <m:sSup>
-                      <m:sSupPr>
-                        <m:ctrlPr>
-                          <a:rPr lang="en-US" sz="2400" b="0" i="1">
-                            <a:latin typeface="Cambria Math" panose="02040503050406030204" pitchFamily="18" charset="0"/>
-                          </a:rPr>
-                        </m:ctrlPr>
-                      </m:sSupPr>
-                      <m:e>
-                        <m:r>
-                          <a:rPr lang="en-US" sz="2400" b="0" i="1">
-                            <a:latin typeface="Cambria Math" panose="02040503050406030204" pitchFamily="18" charset="0"/>
-                          </a:rPr>
-                          <m:t>𝑒</m:t>
-                        </m:r>
-                      </m:e>
-                      <m:sup>
-                        <m:r>
-                          <a:rPr lang="en-US" sz="2400" b="0" i="1">
-                            <a:latin typeface="Cambria Math" panose="02040503050406030204" pitchFamily="18" charset="0"/>
-                          </a:rPr>
-                          <m:t>𝑅</m:t>
-                        </m:r>
-                        <m:r>
-                          <a:rPr lang="en-US" sz="2400" b="0" i="1">
-                            <a:latin typeface="Cambria Math" panose="02040503050406030204" pitchFamily="18" charset="0"/>
-                          </a:rPr>
-                          <m:t>∙</m:t>
-                        </m:r>
-                        <m:r>
-                          <a:rPr lang="en-US" sz="2400" b="0" i="1">
-                            <a:latin typeface="Cambria Math" panose="02040503050406030204" pitchFamily="18" charset="0"/>
-                          </a:rPr>
-                          <m:t>𝑛</m:t>
-                        </m:r>
-                      </m:sup>
-                    </m:sSup>
-                  </m:oMath>
-                </a14:m>
-                <a:endParaRPr lang="en-US" sz="2400" dirty="0"/>
-              </a:p>
-              <a:p>
-                <a:r>
-                  <a:rPr lang="en-US" sz="2400" dirty="0"/>
-                  <a:t>N: number of permutations</a:t>
-                </a:r>
-              </a:p>
-              <a:p>
-                <a:r>
-                  <a:rPr lang="en-US" sz="2400" dirty="0"/>
-                  <a:t>A: 0.051 ± 0.001</a:t>
-                </a:r>
-              </a:p>
-              <a:p>
-                <a:r>
-                  <a:rPr lang="en-US" sz="2400" dirty="0"/>
-                  <a:t>R: 1.560 ± 0.001</a:t>
-                </a:r>
-              </a:p>
-              <a:p>
-                <a:r>
-                  <a:rPr lang="en-US" sz="2400" dirty="0"/>
-                  <a:t>n: protein chain length</a:t>
-                </a:r>
-              </a:p>
-              <a:p>
-                <a:endParaRPr lang="en-US" sz="2400" dirty="0"/>
-              </a:p>
-              <a:p>
-                <a:endParaRPr lang="en-US" sz="2000" dirty="0"/>
-              </a:p>
-              <a:p>
-                <a:endParaRPr lang="en-US" sz="2000" dirty="0"/>
-              </a:p>
-              <a:p>
-                <a:endParaRPr lang="en-US" sz="2000" dirty="0"/>
-              </a:p>
-              <a:p>
-                <a:endParaRPr lang="en-US" sz="2000" dirty="0"/>
-              </a:p>
-            </p:txBody>
-          </p:sp>
-        </mc:Choice>
-        <mc:Fallback xmlns="">
-          <p:sp>
-            <p:nvSpPr>
-              <p:cNvPr id="3" name="Tijdelijke aanduiding voor inhoud 2">
-                <a:extLst>
-                  <a:ext uri="{FF2B5EF4-FFF2-40B4-BE49-F238E27FC236}">
-                    <a16:creationId xmlns:a16="http://schemas.microsoft.com/office/drawing/2014/main" id="{938874C9-2E1B-4E00-9D04-38873D0AC371}"/>
-                  </a:ext>
-                </a:extLst>
-              </p:cNvPr>
-              <p:cNvSpPr>
-                <a:spLocks noGrp="1" noRot="1" noChangeAspect="1" noMove="1" noResize="1" noEditPoints="1" noAdjustHandles="1" noChangeArrowheads="1" noChangeShapeType="1" noTextEdit="1"/>
-              </p:cNvSpPr>
-              <p:nvPr>
-                <p:ph sz="half" idx="1"/>
-              </p:nvPr>
-            </p:nvSpPr>
-            <p:spPr>
-              <a:xfrm>
-                <a:off x="838200" y="1825625"/>
-                <a:ext cx="4083121" cy="4351338"/>
-              </a:xfrm>
-              <a:blipFill>
-                <a:blip r:embed="rId2"/>
-                <a:stretch>
-                  <a:fillRect l="-2093" t="-1961"/>
-                </a:stretch>
-              </a:blipFill>
-            </p:spPr>
-            <p:txBody>
-              <a:bodyPr/>
-              <a:lstStyle/>
-              <a:p>
-                <a:r>
-                  <a:rPr lang="en-GB">
-                    <a:noFill/>
-                  </a:rPr>
-                  <a:t> </a:t>
-                </a:r>
-              </a:p>
-            </p:txBody>
-          </p:sp>
-        </mc:Fallback>
-      </mc:AlternateContent>
-      <p:sp>
-        <p:nvSpPr>
-          <p:cNvPr id="4" name="Tijdelijke aanduiding voor dianummer 3">
-            <a:extLst>
-              <a:ext uri="{FF2B5EF4-FFF2-40B4-BE49-F238E27FC236}">
-                <a16:creationId xmlns:a16="http://schemas.microsoft.com/office/drawing/2014/main" id="{6F592BCE-9B97-CA47-BF1B-C09A35D3D8AD}"/>
-              </a:ext>
-            </a:extLst>
-          </p:cNvPr>
-          <p:cNvSpPr>
-            <a:spLocks noGrp="1"/>
-          </p:cNvSpPr>
-          <p:nvPr>
-            <p:ph type="sldNum" sz="quarter" idx="12"/>
-          </p:nvPr>
-        </p:nvSpPr>
-        <p:spPr>
-          <a:xfrm>
-            <a:off x="8610600" y="6356350"/>
-            <a:ext cx="2743200" cy="365125"/>
-          </a:xfrm>
-        </p:spPr>
-        <p:txBody>
-          <a:bodyPr vert="horz" lIns="91440" tIns="45720" rIns="91440" bIns="45720" rtlCol="0" anchor="ctr">
-            <a:normAutofit/>
-          </a:bodyPr>
-          <a:lstStyle/>
-          <a:p>
-            <a:pPr defTabSz="914400">
-              <a:spcAft>
-                <a:spcPts val="600"/>
-              </a:spcAft>
-              <a:defRPr/>
-            </a:pPr>
-            <a:fld id="{D1892F8F-5571-E246-B053-E27A62D47BEF}" type="slidenum">
-              <a:rPr lang="en-US" smtClean="0">
-                <a:solidFill>
-                  <a:prstClr val="black">
-                    <a:tint val="75000"/>
-                  </a:prstClr>
-                </a:solidFill>
-                <a:latin typeface="Calibri" panose="020F0502020204030204"/>
-              </a:rPr>
-              <a:pPr defTabSz="914400">
-                <a:spcAft>
-                  <a:spcPts val="600"/>
-                </a:spcAft>
-                <a:defRPr/>
-              </a:pPr>
-              <a:t>9</a:t>
-            </a:fld>
-            <a:endParaRPr lang="en-US">
-              <a:solidFill>
-                <a:prstClr val="black">
-                  <a:tint val="75000"/>
-                </a:prstClr>
-              </a:solidFill>
-              <a:latin typeface="Calibri" panose="020F0502020204030204"/>
-            </a:endParaRPr>
-          </a:p>
-        </p:txBody>
-      </p:sp>
-      <p:sp>
-        <p:nvSpPr>
-          <p:cNvPr id="10" name="Tijdelijke aanduiding voor inhoud 9">
-            <a:extLst>
-              <a:ext uri="{FF2B5EF4-FFF2-40B4-BE49-F238E27FC236}">
-                <a16:creationId xmlns:a16="http://schemas.microsoft.com/office/drawing/2014/main" id="{8B50F8AB-436A-4F43-8953-32EAAC356C2A}"/>
-              </a:ext>
-            </a:extLst>
-          </p:cNvPr>
-          <p:cNvSpPr>
-            <a:spLocks noGrp="1"/>
-          </p:cNvSpPr>
-          <p:nvPr>
-            <p:ph sz="half" idx="2"/>
-          </p:nvPr>
-        </p:nvSpPr>
-        <p:spPr/>
-        <p:txBody>
-          <a:bodyPr/>
-          <a:lstStyle/>
-          <a:p>
-            <a:endParaRPr lang="en-GB"/>
-          </a:p>
-        </p:txBody>
-      </p:sp>
-      <p:pic>
-        <p:nvPicPr>
-          <p:cNvPr id="11" name="Afbeelding 10">
-            <a:extLst>
-              <a:ext uri="{FF2B5EF4-FFF2-40B4-BE49-F238E27FC236}">
-                <a16:creationId xmlns:a16="http://schemas.microsoft.com/office/drawing/2014/main" id="{FB86E529-AC46-4AD2-87B9-20CC29A28322}"/>
-              </a:ext>
-            </a:extLst>
-          </p:cNvPr>
-          <p:cNvPicPr>
-            <a:picLocks noChangeAspect="1"/>
-          </p:cNvPicPr>
-          <p:nvPr/>
-        </p:nvPicPr>
-        <p:blipFill>
-          <a:blip r:embed="rId3"/>
-          <a:stretch>
-            <a:fillRect/>
-          </a:stretch>
-        </p:blipFill>
-        <p:spPr>
-          <a:xfrm>
-            <a:off x="5561125" y="1455969"/>
-            <a:ext cx="6403749" cy="4900381"/>
-          </a:xfrm>
-          <a:prstGeom prst="rect">
-            <a:avLst/>
-          </a:prstGeom>
-        </p:spPr>
-      </p:pic>
-    </p:spTree>
-    <p:extLst>
-      <p:ext uri="{BB962C8B-B14F-4D97-AF65-F5344CB8AC3E}">
-        <p14:creationId xmlns:p14="http://schemas.microsoft.com/office/powerpoint/2010/main" val="163970808"/>
       </p:ext>
     </p:extLst>
   </p:cSld>

--- a/Docs/PPP, final.pptx
+++ b/Docs/PPP, final.pptx
@@ -5,7 +5,7 @@
     <p:sldMasterId id="2147483672" r:id="rId1"/>
   </p:sldMasterIdLst>
   <p:notesMasterIdLst>
-    <p:notesMasterId r:id="rId22"/>
+    <p:notesMasterId r:id="rId21"/>
   </p:notesMasterIdLst>
   <p:sldIdLst>
     <p:sldId id="256" r:id="rId2"/>
@@ -13,21 +13,20 @@
     <p:sldId id="283" r:id="rId4"/>
     <p:sldId id="284" r:id="rId5"/>
     <p:sldId id="268" r:id="rId6"/>
-    <p:sldId id="292" r:id="rId7"/>
-    <p:sldId id="285" r:id="rId8"/>
-    <p:sldId id="281" r:id="rId9"/>
-    <p:sldId id="282" r:id="rId10"/>
-    <p:sldId id="274" r:id="rId11"/>
-    <p:sldId id="290" r:id="rId12"/>
-    <p:sldId id="288" r:id="rId13"/>
-    <p:sldId id="291" r:id="rId14"/>
-    <p:sldId id="289" r:id="rId15"/>
-    <p:sldId id="276" r:id="rId16"/>
-    <p:sldId id="265" r:id="rId17"/>
-    <p:sldId id="278" r:id="rId18"/>
-    <p:sldId id="279" r:id="rId19"/>
-    <p:sldId id="280" r:id="rId20"/>
-    <p:sldId id="286" r:id="rId21"/>
+    <p:sldId id="285" r:id="rId7"/>
+    <p:sldId id="281" r:id="rId8"/>
+    <p:sldId id="282" r:id="rId9"/>
+    <p:sldId id="274" r:id="rId10"/>
+    <p:sldId id="290" r:id="rId11"/>
+    <p:sldId id="288" r:id="rId12"/>
+    <p:sldId id="291" r:id="rId13"/>
+    <p:sldId id="289" r:id="rId14"/>
+    <p:sldId id="276" r:id="rId15"/>
+    <p:sldId id="265" r:id="rId16"/>
+    <p:sldId id="278" r:id="rId17"/>
+    <p:sldId id="279" r:id="rId18"/>
+    <p:sldId id="280" r:id="rId19"/>
+    <p:sldId id="286" r:id="rId20"/>
   </p:sldIdLst>
   <p:sldSz cx="12192000" cy="6858000"/>
   <p:notesSz cx="6858000" cy="9144000"/>
@@ -216,7 +215,7 @@
           <a:p>
             <a:fld id="{1E47D41A-4042-B543-AE22-1ED09200DB20}" type="datetimeFigureOut">
               <a:rPr lang="en-GB" smtClean="0"/>
-              <a:t>30/01/2020</a:t>
+              <a:t>29/01/2020</a:t>
             </a:fld>
             <a:endParaRPr lang="en-GB"/>
           </a:p>
@@ -633,7 +632,7 @@
           <a:p>
             <a:fld id="{2831AEBB-41E9-A04A-9C64-38B7EC6FB69A}" type="slidenum">
               <a:rPr lang="en-GB" smtClean="0"/>
-              <a:t>7</a:t>
+              <a:t>6</a:t>
             </a:fld>
             <a:endParaRPr lang="en-GB"/>
           </a:p>
@@ -717,7 +716,7 @@
           <a:p>
             <a:fld id="{2831AEBB-41E9-A04A-9C64-38B7EC6FB69A}" type="slidenum">
               <a:rPr lang="en-GB" smtClean="0"/>
-              <a:t>20</a:t>
+              <a:t>19</a:t>
             </a:fld>
             <a:endParaRPr lang="en-GB"/>
           </a:p>
@@ -867,7 +866,7 @@
           <a:p>
             <a:fld id="{14FA74A2-3722-1A41-8512-46265943785A}" type="datetime1">
               <a:rPr lang="nl-NL" smtClean="0"/>
-              <a:t>30-01-2020</a:t>
+              <a:t>29-1-2020</a:t>
             </a:fld>
             <a:endParaRPr lang="en-GB"/>
           </a:p>
@@ -1037,7 +1036,7 @@
           <a:p>
             <a:fld id="{F95A9C9F-8C45-7343-9CDB-F9A485B697FF}" type="datetime1">
               <a:rPr lang="nl-NL" smtClean="0"/>
-              <a:t>30-01-2020</a:t>
+              <a:t>29-1-2020</a:t>
             </a:fld>
             <a:endParaRPr lang="en-GB"/>
           </a:p>
@@ -1217,7 +1216,7 @@
           <a:p>
             <a:fld id="{F023C2D3-547E-4849-B250-ECC27C4ADAB2}" type="datetime1">
               <a:rPr lang="nl-NL" smtClean="0"/>
-              <a:t>30-01-2020</a:t>
+              <a:t>29-1-2020</a:t>
             </a:fld>
             <a:endParaRPr lang="en-GB"/>
           </a:p>
@@ -1387,7 +1386,7 @@
           <a:p>
             <a:fld id="{7ED8645F-302A-FC4F-B65E-BE44BD7D0BFE}" type="datetime1">
               <a:rPr lang="nl-NL" smtClean="0"/>
-              <a:t>30-01-2020</a:t>
+              <a:t>29-1-2020</a:t>
             </a:fld>
             <a:endParaRPr lang="en-GB"/>
           </a:p>
@@ -1633,7 +1632,7 @@
           <a:p>
             <a:fld id="{3F37FD0C-92E3-6147-B017-5A3F3FC940DB}" type="datetime1">
               <a:rPr lang="nl-NL" smtClean="0"/>
-              <a:t>30-01-2020</a:t>
+              <a:t>29-1-2020</a:t>
             </a:fld>
             <a:endParaRPr lang="en-GB"/>
           </a:p>
@@ -1865,7 +1864,7 @@
           <a:p>
             <a:fld id="{12999FB7-638F-064F-9F1B-5A2B67E58CFF}" type="datetime1">
               <a:rPr lang="nl-NL" smtClean="0"/>
-              <a:t>30-01-2020</a:t>
+              <a:t>29-1-2020</a:t>
             </a:fld>
             <a:endParaRPr lang="en-GB"/>
           </a:p>
@@ -2232,7 +2231,7 @@
           <a:p>
             <a:fld id="{A1CFFDEF-85F2-E847-8D85-682A9D98BAB3}" type="datetime1">
               <a:rPr lang="nl-NL" smtClean="0"/>
-              <a:t>30-01-2020</a:t>
+              <a:t>29-1-2020</a:t>
             </a:fld>
             <a:endParaRPr lang="en-GB"/>
           </a:p>
@@ -2350,7 +2349,7 @@
           <a:p>
             <a:fld id="{028B6388-FB3E-614B-A3B7-D097F68BF908}" type="datetime1">
               <a:rPr lang="nl-NL" smtClean="0"/>
-              <a:t>30-01-2020</a:t>
+              <a:t>29-1-2020</a:t>
             </a:fld>
             <a:endParaRPr lang="en-GB"/>
           </a:p>
@@ -2445,7 +2444,7 @@
           <a:p>
             <a:fld id="{139C7612-8A5C-2E4F-AB2E-9CC1B411E701}" type="datetime1">
               <a:rPr lang="nl-NL" smtClean="0"/>
-              <a:t>30-01-2020</a:t>
+              <a:t>29-1-2020</a:t>
             </a:fld>
             <a:endParaRPr lang="en-GB"/>
           </a:p>
@@ -2722,7 +2721,7 @@
           <a:p>
             <a:fld id="{C00946DD-15F0-6346-9ACF-7E04BBC1DA84}" type="datetime1">
               <a:rPr lang="nl-NL" smtClean="0"/>
-              <a:t>30-01-2020</a:t>
+              <a:t>29-1-2020</a:t>
             </a:fld>
             <a:endParaRPr lang="en-GB"/>
           </a:p>
@@ -2979,7 +2978,7 @@
           <a:p>
             <a:fld id="{3D169EF2-A6C6-B04D-A2C4-C446C863F365}" type="datetime1">
               <a:rPr lang="nl-NL" smtClean="0"/>
-              <a:t>30-01-2020</a:t>
+              <a:t>29-1-2020</a:t>
             </a:fld>
             <a:endParaRPr lang="en-GB"/>
           </a:p>
@@ -3192,7 +3191,7 @@
           <a:p>
             <a:fld id="{9C1111A9-A1AF-C34E-B614-37051BC839D5}" type="datetime1">
               <a:rPr lang="nl-NL" smtClean="0"/>
-              <a:t>30-01-2020</a:t>
+              <a:t>29-1-2020</a:t>
             </a:fld>
             <a:endParaRPr lang="en-GB"/>
           </a:p>
@@ -3737,395 +3736,6 @@
 </file>
 
 <file path=ppt/slides/slide10.xml><?xml version="1.0" encoding="utf-8"?>
-<p:sld xmlns:a="http://schemas.openxmlformats.org/drawingml/2006/main" xmlns:r="http://schemas.openxmlformats.org/officeDocument/2006/relationships" xmlns:p="http://schemas.openxmlformats.org/presentationml/2006/main">
-  <p:cSld>
-    <p:bg>
-      <p:bgPr>
-        <a:solidFill>
-          <a:schemeClr val="bg1"/>
-        </a:solidFill>
-        <a:effectLst/>
-      </p:bgPr>
-    </p:bg>
-    <p:spTree>
-      <p:nvGrpSpPr>
-        <p:cNvPr id="1" name=""/>
-        <p:cNvGrpSpPr/>
-        <p:nvPr/>
-      </p:nvGrpSpPr>
-      <p:grpSpPr>
-        <a:xfrm>
-          <a:off x="0" y="0"/>
-          <a:ext cx="0" cy="0"/>
-          <a:chOff x="0" y="0"/>
-          <a:chExt cx="0" cy="0"/>
-        </a:xfrm>
-      </p:grpSpPr>
-      <p:sp>
-        <p:nvSpPr>
-          <p:cNvPr id="2" name="Titel 1">
-            <a:extLst>
-              <a:ext uri="{FF2B5EF4-FFF2-40B4-BE49-F238E27FC236}">
-                <a16:creationId xmlns:a16="http://schemas.microsoft.com/office/drawing/2014/main" id="{26D56270-1C1B-4B1E-BC4F-ACC759B672F7}"/>
-              </a:ext>
-            </a:extLst>
-          </p:cNvPr>
-          <p:cNvSpPr>
-            <a:spLocks noGrp="1"/>
-          </p:cNvSpPr>
-          <p:nvPr>
-            <p:ph type="title"/>
-          </p:nvPr>
-        </p:nvSpPr>
-        <p:spPr>
-          <a:xfrm>
-            <a:off x="838200" y="365125"/>
-            <a:ext cx="10515600" cy="1325563"/>
-          </a:xfrm>
-        </p:spPr>
-        <p:txBody>
-          <a:bodyPr vert="horz" lIns="91440" tIns="45720" rIns="91440" bIns="45720" rtlCol="0" anchor="ctr">
-            <a:normAutofit/>
-          </a:bodyPr>
-          <a:lstStyle/>
-          <a:p>
-            <a:r>
-              <a:rPr lang="en-US" dirty="0"/>
-              <a:t>3. Results – State Space check</a:t>
-            </a:r>
-          </a:p>
-        </p:txBody>
-      </p:sp>
-      <mc:AlternateContent xmlns:mc="http://schemas.openxmlformats.org/markup-compatibility/2006" xmlns:a14="http://schemas.microsoft.com/office/drawing/2010/main">
-        <mc:Choice Requires="a14">
-          <p:sp>
-            <p:nvSpPr>
-              <p:cNvPr id="3" name="Tijdelijke aanduiding voor inhoud 2">
-                <a:extLst>
-                  <a:ext uri="{FF2B5EF4-FFF2-40B4-BE49-F238E27FC236}">
-                    <a16:creationId xmlns:a16="http://schemas.microsoft.com/office/drawing/2014/main" id="{938874C9-2E1B-4E00-9D04-38873D0AC371}"/>
-                  </a:ext>
-                </a:extLst>
-              </p:cNvPr>
-              <p:cNvSpPr>
-                <a:spLocks noGrp="1"/>
-              </p:cNvSpPr>
-              <p:nvPr>
-                <p:ph sz="half" idx="1"/>
-              </p:nvPr>
-            </p:nvSpPr>
-            <p:spPr>
-              <a:xfrm>
-                <a:off x="838200" y="1825625"/>
-                <a:ext cx="4083121" cy="4351338"/>
-              </a:xfrm>
-            </p:spPr>
-            <p:txBody>
-              <a:bodyPr vert="horz" lIns="91440" tIns="45720" rIns="91440" bIns="45720" rtlCol="0">
-                <a:normAutofit/>
-              </a:bodyPr>
-              <a:lstStyle/>
-              <a:p>
-                <a:r>
-                  <a:rPr lang="en-US" sz="2400" dirty="0"/>
-                  <a:t>Using breadth first algorithm</a:t>
-                </a:r>
-              </a:p>
-              <a:p>
-                <a:pPr marL="0" indent="0">
-                  <a:buNone/>
-                </a:pPr>
-                <a:endParaRPr lang="en-US" sz="2400" dirty="0"/>
-              </a:p>
-              <a:p>
-                <a:r>
-                  <a:rPr lang="en-US" sz="2400" dirty="0"/>
-                  <a:t>Fit:  </a:t>
-                </a:r>
-                <a14:m>
-                  <m:oMath xmlns:m="http://schemas.openxmlformats.org/officeDocument/2006/math">
-                    <m:r>
-                      <a:rPr lang="en-US" sz="2400" b="0" i="1">
-                        <a:latin typeface="Cambria Math" panose="02040503050406030204" pitchFamily="18" charset="0"/>
-                      </a:rPr>
-                      <m:t>𝑁</m:t>
-                    </m:r>
-                    <m:r>
-                      <a:rPr lang="en-US" sz="2400" b="0" i="1">
-                        <a:latin typeface="Cambria Math" panose="02040503050406030204" pitchFamily="18" charset="0"/>
-                      </a:rPr>
-                      <m:t>=</m:t>
-                    </m:r>
-                    <m:r>
-                      <a:rPr lang="en-US" sz="2400" b="0" i="1">
-                        <a:latin typeface="Cambria Math" panose="02040503050406030204" pitchFamily="18" charset="0"/>
-                      </a:rPr>
-                      <m:t>𝐴</m:t>
-                    </m:r>
-                    <m:r>
-                      <a:rPr lang="en-US" sz="2400" b="0" i="1">
-                        <a:latin typeface="Cambria Math" panose="02040503050406030204" pitchFamily="18" charset="0"/>
-                      </a:rPr>
-                      <m:t>∙</m:t>
-                    </m:r>
-                    <m:sSup>
-                      <m:sSupPr>
-                        <m:ctrlPr>
-                          <a:rPr lang="en-US" sz="2400" b="0" i="1">
-                            <a:latin typeface="Cambria Math" panose="02040503050406030204" pitchFamily="18" charset="0"/>
-                          </a:rPr>
-                        </m:ctrlPr>
-                      </m:sSupPr>
-                      <m:e>
-                        <m:r>
-                          <a:rPr lang="en-US" sz="2400" b="0" i="1">
-                            <a:latin typeface="Cambria Math" panose="02040503050406030204" pitchFamily="18" charset="0"/>
-                          </a:rPr>
-                          <m:t>𝑒</m:t>
-                        </m:r>
-                      </m:e>
-                      <m:sup>
-                        <m:r>
-                          <a:rPr lang="en-US" sz="2400" b="0" i="1">
-                            <a:latin typeface="Cambria Math" panose="02040503050406030204" pitchFamily="18" charset="0"/>
-                          </a:rPr>
-                          <m:t>𝑅</m:t>
-                        </m:r>
-                        <m:r>
-                          <a:rPr lang="en-US" sz="2400" b="0" i="1">
-                            <a:latin typeface="Cambria Math" panose="02040503050406030204" pitchFamily="18" charset="0"/>
-                          </a:rPr>
-                          <m:t>∙</m:t>
-                        </m:r>
-                        <m:r>
-                          <a:rPr lang="en-US" sz="2400" b="0" i="1">
-                            <a:latin typeface="Cambria Math" panose="02040503050406030204" pitchFamily="18" charset="0"/>
-                          </a:rPr>
-                          <m:t>𝑛</m:t>
-                        </m:r>
-                      </m:sup>
-                    </m:sSup>
-                  </m:oMath>
-                </a14:m>
-                <a:endParaRPr lang="en-US" sz="2400" dirty="0"/>
-              </a:p>
-              <a:p>
-                <a:r>
-                  <a:rPr lang="en-US" sz="2400" dirty="0"/>
-                  <a:t>N: number of permutations</a:t>
-                </a:r>
-              </a:p>
-              <a:p>
-                <a:r>
-                  <a:rPr lang="en-US" sz="2400" dirty="0"/>
-                  <a:t>A: 0.051 ± 0.001</a:t>
-                </a:r>
-              </a:p>
-              <a:p>
-                <a:r>
-                  <a:rPr lang="en-US" sz="2400" dirty="0"/>
-                  <a:t>R: 1.560 ± 0.001</a:t>
-                </a:r>
-              </a:p>
-              <a:p>
-                <a:r>
-                  <a:rPr lang="en-US" sz="2400" dirty="0"/>
-                  <a:t>n: protein chain length</a:t>
-                </a:r>
-              </a:p>
-              <a:p>
-                <a:endParaRPr lang="en-US" sz="2400" dirty="0"/>
-              </a:p>
-              <a:p>
-                <a:endParaRPr lang="en-US" sz="2000" dirty="0"/>
-              </a:p>
-              <a:p>
-                <a:endParaRPr lang="en-US" sz="2000" dirty="0"/>
-              </a:p>
-              <a:p>
-                <a:endParaRPr lang="en-US" sz="2000" dirty="0"/>
-              </a:p>
-              <a:p>
-                <a:endParaRPr lang="en-US" sz="2000" dirty="0"/>
-              </a:p>
-            </p:txBody>
-          </p:sp>
-        </mc:Choice>
-        <mc:Fallback xmlns="">
-          <p:sp>
-            <p:nvSpPr>
-              <p:cNvPr id="3" name="Tijdelijke aanduiding voor inhoud 2">
-                <a:extLst>
-                  <a:ext uri="{FF2B5EF4-FFF2-40B4-BE49-F238E27FC236}">
-                    <a16:creationId xmlns:a16="http://schemas.microsoft.com/office/drawing/2014/main" id="{938874C9-2E1B-4E00-9D04-38873D0AC371}"/>
-                  </a:ext>
-                </a:extLst>
-              </p:cNvPr>
-              <p:cNvSpPr>
-                <a:spLocks noGrp="1" noRot="1" noChangeAspect="1" noMove="1" noResize="1" noEditPoints="1" noAdjustHandles="1" noChangeArrowheads="1" noChangeShapeType="1" noTextEdit="1"/>
-              </p:cNvSpPr>
-              <p:nvPr>
-                <p:ph sz="half" idx="1"/>
-              </p:nvPr>
-            </p:nvSpPr>
-            <p:spPr>
-              <a:xfrm>
-                <a:off x="838200" y="1825625"/>
-                <a:ext cx="4083121" cy="4351338"/>
-              </a:xfrm>
-              <a:blipFill>
-                <a:blip r:embed="rId2"/>
-                <a:stretch>
-                  <a:fillRect l="-2093" t="-1961"/>
-                </a:stretch>
-              </a:blipFill>
-            </p:spPr>
-            <p:txBody>
-              <a:bodyPr/>
-              <a:lstStyle/>
-              <a:p>
-                <a:r>
-                  <a:rPr lang="en-GB">
-                    <a:noFill/>
-                  </a:rPr>
-                  <a:t> </a:t>
-                </a:r>
-              </a:p>
-            </p:txBody>
-          </p:sp>
-        </mc:Fallback>
-      </mc:AlternateContent>
-      <p:sp>
-        <p:nvSpPr>
-          <p:cNvPr id="4" name="Tijdelijke aanduiding voor dianummer 3">
-            <a:extLst>
-              <a:ext uri="{FF2B5EF4-FFF2-40B4-BE49-F238E27FC236}">
-                <a16:creationId xmlns:a16="http://schemas.microsoft.com/office/drawing/2014/main" id="{6F592BCE-9B97-CA47-BF1B-C09A35D3D8AD}"/>
-              </a:ext>
-            </a:extLst>
-          </p:cNvPr>
-          <p:cNvSpPr>
-            <a:spLocks noGrp="1"/>
-          </p:cNvSpPr>
-          <p:nvPr>
-            <p:ph type="sldNum" sz="quarter" idx="12"/>
-          </p:nvPr>
-        </p:nvSpPr>
-        <p:spPr>
-          <a:xfrm>
-            <a:off x="8610600" y="6356350"/>
-            <a:ext cx="2743200" cy="365125"/>
-          </a:xfrm>
-        </p:spPr>
-        <p:txBody>
-          <a:bodyPr vert="horz" lIns="91440" tIns="45720" rIns="91440" bIns="45720" rtlCol="0" anchor="ctr">
-            <a:normAutofit/>
-          </a:bodyPr>
-          <a:lstStyle/>
-          <a:p>
-            <a:pPr defTabSz="914400">
-              <a:spcAft>
-                <a:spcPts val="600"/>
-              </a:spcAft>
-              <a:defRPr/>
-            </a:pPr>
-            <a:fld id="{D1892F8F-5571-E246-B053-E27A62D47BEF}" type="slidenum">
-              <a:rPr lang="en-US" smtClean="0">
-                <a:solidFill>
-                  <a:prstClr val="black">
-                    <a:tint val="75000"/>
-                  </a:prstClr>
-                </a:solidFill>
-                <a:latin typeface="Calibri" panose="020F0502020204030204"/>
-              </a:rPr>
-              <a:pPr defTabSz="914400">
-                <a:spcAft>
-                  <a:spcPts val="600"/>
-                </a:spcAft>
-                <a:defRPr/>
-              </a:pPr>
-              <a:t>10</a:t>
-            </a:fld>
-            <a:endParaRPr lang="en-US">
-              <a:solidFill>
-                <a:prstClr val="black">
-                  <a:tint val="75000"/>
-                </a:prstClr>
-              </a:solidFill>
-              <a:latin typeface="Calibri" panose="020F0502020204030204"/>
-            </a:endParaRPr>
-          </a:p>
-        </p:txBody>
-      </p:sp>
-      <p:sp>
-        <p:nvSpPr>
-          <p:cNvPr id="10" name="Tijdelijke aanduiding voor inhoud 9">
-            <a:extLst>
-              <a:ext uri="{FF2B5EF4-FFF2-40B4-BE49-F238E27FC236}">
-                <a16:creationId xmlns:a16="http://schemas.microsoft.com/office/drawing/2014/main" id="{8B50F8AB-436A-4F43-8953-32EAAC356C2A}"/>
-              </a:ext>
-            </a:extLst>
-          </p:cNvPr>
-          <p:cNvSpPr>
-            <a:spLocks noGrp="1"/>
-          </p:cNvSpPr>
-          <p:nvPr>
-            <p:ph sz="half" idx="2"/>
-          </p:nvPr>
-        </p:nvSpPr>
-        <p:spPr/>
-        <p:txBody>
-          <a:bodyPr/>
-          <a:lstStyle/>
-          <a:p>
-            <a:endParaRPr lang="en-GB"/>
-          </a:p>
-        </p:txBody>
-      </p:sp>
-      <p:pic>
-        <p:nvPicPr>
-          <p:cNvPr id="11" name="Afbeelding 10">
-            <a:extLst>
-              <a:ext uri="{FF2B5EF4-FFF2-40B4-BE49-F238E27FC236}">
-                <a16:creationId xmlns:a16="http://schemas.microsoft.com/office/drawing/2014/main" id="{FB86E529-AC46-4AD2-87B9-20CC29A28322}"/>
-              </a:ext>
-            </a:extLst>
-          </p:cNvPr>
-          <p:cNvPicPr>
-            <a:picLocks noChangeAspect="1"/>
-          </p:cNvPicPr>
-          <p:nvPr/>
-        </p:nvPicPr>
-        <p:blipFill>
-          <a:blip r:embed="rId3"/>
-          <a:stretch>
-            <a:fillRect/>
-          </a:stretch>
-        </p:blipFill>
-        <p:spPr>
-          <a:xfrm>
-            <a:off x="5561125" y="1455969"/>
-            <a:ext cx="6403749" cy="4900381"/>
-          </a:xfrm>
-          <a:prstGeom prst="rect">
-            <a:avLst/>
-          </a:prstGeom>
-        </p:spPr>
-      </p:pic>
-    </p:spTree>
-    <p:extLst>
-      <p:ext uri="{BB962C8B-B14F-4D97-AF65-F5344CB8AC3E}">
-        <p14:creationId xmlns:p14="http://schemas.microsoft.com/office/powerpoint/2010/main" val="163970808"/>
-      </p:ext>
-    </p:extLst>
-  </p:cSld>
-  <p:clrMapOvr>
-    <a:masterClrMapping/>
-  </p:clrMapOvr>
-</p:sld>
-</file>
-
-<file path=ppt/slides/slide11.xml><?xml version="1.0" encoding="utf-8"?>
 <p:sld xmlns:a="http://schemas.openxmlformats.org/drawingml/2006/main" xmlns:r="http://schemas.openxmlformats.org/officeDocument/2006/relationships" xmlns:p="http://schemas.openxmlformats.org/presentationml/2006/main">
   <p:cSld>
     <p:spTree>
@@ -4774,7 +4384,7 @@
           <a:p>
             <a:fld id="{D1892F8F-5571-E246-B053-E27A62D47BEF}" type="slidenum">
               <a:rPr lang="en-GB" smtClean="0"/>
-              <a:t>11</a:t>
+              <a:t>10</a:t>
             </a:fld>
             <a:endParaRPr lang="en-GB"/>
           </a:p>
@@ -4793,7 +4403,7 @@
 </p:sld>
 </file>
 
-<file path=ppt/slides/slide12.xml><?xml version="1.0" encoding="utf-8"?>
+<file path=ppt/slides/slide11.xml><?xml version="1.0" encoding="utf-8"?>
 <p:sld xmlns:a="http://schemas.openxmlformats.org/drawingml/2006/main" xmlns:r="http://schemas.openxmlformats.org/officeDocument/2006/relationships" xmlns:p="http://schemas.openxmlformats.org/presentationml/2006/main">
   <p:cSld>
     <p:spTree>
@@ -4910,7 +4520,7 @@
           <a:p>
             <a:fld id="{D1892F8F-5571-E246-B053-E27A62D47BEF}" type="slidenum">
               <a:rPr lang="en-GB" smtClean="0"/>
-              <a:t>12</a:t>
+              <a:t>11</a:t>
             </a:fld>
             <a:endParaRPr lang="en-GB"/>
           </a:p>
@@ -5125,7 +4735,7 @@
 </p:sld>
 </file>
 
-<file path=ppt/slides/slide13.xml><?xml version="1.0" encoding="utf-8"?>
+<file path=ppt/slides/slide12.xml><?xml version="1.0" encoding="utf-8"?>
 <p:sld xmlns:a="http://schemas.openxmlformats.org/drawingml/2006/main" xmlns:r="http://schemas.openxmlformats.org/officeDocument/2006/relationships" xmlns:p="http://schemas.openxmlformats.org/presentationml/2006/main">
   <p:cSld>
     <p:spTree>
@@ -5242,7 +4852,7 @@
           <a:p>
             <a:fld id="{D1892F8F-5571-E246-B053-E27A62D47BEF}" type="slidenum">
               <a:rPr lang="en-GB" smtClean="0"/>
-              <a:t>13</a:t>
+              <a:t>12</a:t>
             </a:fld>
             <a:endParaRPr lang="en-GB"/>
           </a:p>
@@ -5587,7 +5197,7 @@
 </p:sld>
 </file>
 
-<file path=ppt/slides/slide14.xml><?xml version="1.0" encoding="utf-8"?>
+<file path=ppt/slides/slide13.xml><?xml version="1.0" encoding="utf-8"?>
 <p:sld xmlns:a="http://schemas.openxmlformats.org/drawingml/2006/main" xmlns:r="http://schemas.openxmlformats.org/officeDocument/2006/relationships" xmlns:p="http://schemas.openxmlformats.org/presentationml/2006/main">
   <p:cSld>
     <p:spTree>
@@ -5729,7 +5339,7 @@
           <a:p>
             <a:fld id="{D1892F8F-5571-E246-B053-E27A62D47BEF}" type="slidenum">
               <a:rPr lang="en-GB" smtClean="0"/>
-              <a:t>14</a:t>
+              <a:t>13</a:t>
             </a:fld>
             <a:endParaRPr lang="en-GB"/>
           </a:p>
@@ -5773,7 +5383,7 @@
 </p:sld>
 </file>
 
-<file path=ppt/slides/slide15.xml><?xml version="1.0" encoding="utf-8"?>
+<file path=ppt/slides/slide14.xml><?xml version="1.0" encoding="utf-8"?>
 <p:sld xmlns:a="http://schemas.openxmlformats.org/drawingml/2006/main" xmlns:r="http://schemas.openxmlformats.org/officeDocument/2006/relationships" xmlns:p="http://schemas.openxmlformats.org/presentationml/2006/main">
   <p:cSld>
     <p:spTree>
@@ -6130,7 +5740,7 @@
           <a:p>
             <a:fld id="{D1892F8F-5571-E246-B053-E27A62D47BEF}" type="slidenum">
               <a:rPr lang="en-GB" smtClean="0"/>
-              <a:t>15</a:t>
+              <a:t>14</a:t>
             </a:fld>
             <a:endParaRPr lang="en-GB"/>
           </a:p>
@@ -7182,7 +6792,7 @@
 </p:sld>
 </file>
 
-<file path=ppt/slides/slide16.xml><?xml version="1.0" encoding="utf-8"?>
+<file path=ppt/slides/slide15.xml><?xml version="1.0" encoding="utf-8"?>
 <p:sld xmlns:a="http://schemas.openxmlformats.org/drawingml/2006/main" xmlns:r="http://schemas.openxmlformats.org/officeDocument/2006/relationships" xmlns:p="http://schemas.openxmlformats.org/presentationml/2006/main">
   <p:cSld>
     <p:spTree>
@@ -7280,7 +6890,7 @@
           <a:p>
             <a:fld id="{D1892F8F-5571-E246-B053-E27A62D47BEF}" type="slidenum">
               <a:rPr lang="en-GB" smtClean="0"/>
-              <a:t>16</a:t>
+              <a:t>15</a:t>
             </a:fld>
             <a:endParaRPr lang="en-GB"/>
           </a:p>
@@ -7299,7 +6909,7 @@
 </p:sld>
 </file>
 
-<file path=ppt/slides/slide17.xml><?xml version="1.0" encoding="utf-8"?>
+<file path=ppt/slides/slide16.xml><?xml version="1.0" encoding="utf-8"?>
 <p:sld xmlns:a="http://schemas.openxmlformats.org/drawingml/2006/main" xmlns:r="http://schemas.openxmlformats.org/officeDocument/2006/relationships" xmlns:p="http://schemas.openxmlformats.org/presentationml/2006/main">
   <p:cSld>
     <p:spTree>
@@ -7523,7 +7133,7 @@
           <a:p>
             <a:fld id="{D1892F8F-5571-E246-B053-E27A62D47BEF}" type="slidenum">
               <a:rPr lang="en-GB" smtClean="0"/>
-              <a:t>17</a:t>
+              <a:t>16</a:t>
             </a:fld>
             <a:endParaRPr lang="en-GB"/>
           </a:p>
@@ -7542,7 +7152,7 @@
 </p:sld>
 </file>
 
-<file path=ppt/slides/slide18.xml><?xml version="1.0" encoding="utf-8"?>
+<file path=ppt/slides/slide17.xml><?xml version="1.0" encoding="utf-8"?>
 <p:sld xmlns:a="http://schemas.openxmlformats.org/drawingml/2006/main" xmlns:r="http://schemas.openxmlformats.org/officeDocument/2006/relationships" xmlns:p="http://schemas.openxmlformats.org/presentationml/2006/main">
   <p:cSld>
     <p:spTree>
@@ -7780,7 +7390,7 @@
           <a:p>
             <a:fld id="{D1892F8F-5571-E246-B053-E27A62D47BEF}" type="slidenum">
               <a:rPr lang="en-GB" smtClean="0"/>
-              <a:t>18</a:t>
+              <a:t>17</a:t>
             </a:fld>
             <a:endParaRPr lang="en-GB"/>
           </a:p>
@@ -7799,7 +7409,7 @@
 </p:sld>
 </file>
 
-<file path=ppt/slides/slide19.xml><?xml version="1.0" encoding="utf-8"?>
+<file path=ppt/slides/slide18.xml><?xml version="1.0" encoding="utf-8"?>
 <p:sld xmlns:a="http://schemas.openxmlformats.org/drawingml/2006/main" xmlns:r="http://schemas.openxmlformats.org/officeDocument/2006/relationships" xmlns:p="http://schemas.openxmlformats.org/presentationml/2006/main">
   <p:cSld>
     <p:spTree>
@@ -7863,7 +7473,7 @@
         <p:spPr/>
         <p:txBody>
           <a:bodyPr>
-            <a:normAutofit fontScale="92500" lnSpcReduction="10000"/>
+            <a:normAutofit lnSpcReduction="10000"/>
           </a:bodyPr>
           <a:lstStyle/>
           <a:p>
@@ -7902,12 +7512,6 @@
             <a:r>
               <a:rPr lang="en-GB" dirty="0"/>
               <a:t>Stuck? Start over.</a:t>
-            </a:r>
-          </a:p>
-          <a:p>
-            <a:r>
-              <a:rPr lang="en-GB" dirty="0"/>
-              <a:t>Results in a lot of ‘stuck’ iterations</a:t>
             </a:r>
           </a:p>
         </p:txBody>
@@ -7984,7 +7588,7 @@
           <a:p>
             <a:fld id="{D1892F8F-5571-E246-B053-E27A62D47BEF}" type="slidenum">
               <a:rPr lang="en-GB" smtClean="0"/>
-              <a:t>19</a:t>
+              <a:t>18</a:t>
             </a:fld>
             <a:endParaRPr lang="en-GB"/>
           </a:p>
@@ -8003,7 +7607,7 @@
 </p:sld>
 </file>
 
-<file path=ppt/slides/slide2.xml><?xml version="1.0" encoding="utf-8"?>
+<file path=ppt/slides/slide19.xml><?xml version="1.0" encoding="utf-8"?>
 <p:sld xmlns:a="http://schemas.openxmlformats.org/drawingml/2006/main" xmlns:r="http://schemas.openxmlformats.org/officeDocument/2006/relationships" xmlns:p="http://schemas.openxmlformats.org/presentationml/2006/main">
   <p:cSld>
     <p:spTree>
@@ -8025,181 +7629,6 @@
           <p:cNvPr id="2" name="Titel 1">
             <a:extLst>
               <a:ext uri="{FF2B5EF4-FFF2-40B4-BE49-F238E27FC236}">
-                <a16:creationId xmlns:a16="http://schemas.microsoft.com/office/drawing/2014/main" id="{F7274416-F32F-B544-8C0A-29DD33A5E435}"/>
-              </a:ext>
-            </a:extLst>
-          </p:cNvPr>
-          <p:cNvSpPr>
-            <a:spLocks noGrp="1"/>
-          </p:cNvSpPr>
-          <p:nvPr>
-            <p:ph type="title"/>
-          </p:nvPr>
-        </p:nvSpPr>
-        <p:spPr/>
-        <p:txBody>
-          <a:bodyPr/>
-          <a:lstStyle/>
-          <a:p>
-            <a:r>
-              <a:rPr lang="en-GB" dirty="0"/>
-              <a:t>Format of the presentation	</a:t>
-            </a:r>
-          </a:p>
-        </p:txBody>
-      </p:sp>
-      <p:sp>
-        <p:nvSpPr>
-          <p:cNvPr id="3" name="Tijdelijke aanduiding voor inhoud 2">
-            <a:extLst>
-              <a:ext uri="{FF2B5EF4-FFF2-40B4-BE49-F238E27FC236}">
-                <a16:creationId xmlns:a16="http://schemas.microsoft.com/office/drawing/2014/main" id="{C3CA32CF-5E66-B548-80BE-AA3559B97AF3}"/>
-              </a:ext>
-            </a:extLst>
-          </p:cNvPr>
-          <p:cNvSpPr>
-            <a:spLocks noGrp="1"/>
-          </p:cNvSpPr>
-          <p:nvPr>
-            <p:ph idx="1"/>
-          </p:nvPr>
-        </p:nvSpPr>
-        <p:spPr>
-          <a:xfrm>
-            <a:off x="838200" y="1825625"/>
-            <a:ext cx="5099304" cy="4351338"/>
-          </a:xfrm>
-        </p:spPr>
-        <p:txBody>
-          <a:bodyPr>
-            <a:normAutofit/>
-          </a:bodyPr>
-          <a:lstStyle/>
-          <a:p>
-            <a:pPr marL="0" indent="0">
-              <a:buNone/>
-            </a:pPr>
-            <a:r>
-              <a:rPr lang="en-GB" dirty="0"/>
-              <a:t>1. Introduction in the casus</a:t>
-            </a:r>
-          </a:p>
-          <a:p>
-            <a:pPr lvl="1"/>
-            <a:r>
-              <a:rPr lang="en-GB" dirty="0"/>
-              <a:t>State Space of the problem</a:t>
-            </a:r>
-          </a:p>
-          <a:p>
-            <a:pPr marL="0" indent="0">
-              <a:buNone/>
-            </a:pPr>
-            <a:r>
-              <a:rPr lang="en-GB" dirty="0"/>
-              <a:t>2. Algorithms</a:t>
-            </a:r>
-          </a:p>
-          <a:p>
-            <a:pPr lvl="1"/>
-            <a:r>
-              <a:rPr lang="en-GB" dirty="0"/>
-              <a:t>Random, Greedy and more</a:t>
-            </a:r>
-          </a:p>
-          <a:p>
-            <a:pPr marL="0" indent="0">
-              <a:buNone/>
-            </a:pPr>
-            <a:r>
-              <a:rPr lang="en-GB" dirty="0"/>
-              <a:t>3. Results</a:t>
-            </a:r>
-          </a:p>
-          <a:p>
-            <a:pPr marL="0" indent="0">
-              <a:buNone/>
-            </a:pPr>
-            <a:r>
-              <a:rPr lang="en-GB" dirty="0"/>
-              <a:t>4. Conclusions </a:t>
-            </a:r>
-          </a:p>
-          <a:p>
-            <a:pPr marL="0" indent="0">
-              <a:buNone/>
-            </a:pPr>
-            <a:r>
-              <a:rPr lang="en-GB" dirty="0"/>
-              <a:t>5. Q&amp;A</a:t>
-            </a:r>
-          </a:p>
-        </p:txBody>
-      </p:sp>
-      <p:sp>
-        <p:nvSpPr>
-          <p:cNvPr id="4" name="Tijdelijke aanduiding voor dianummer 3">
-            <a:extLst>
-              <a:ext uri="{FF2B5EF4-FFF2-40B4-BE49-F238E27FC236}">
-                <a16:creationId xmlns:a16="http://schemas.microsoft.com/office/drawing/2014/main" id="{5E9E64F6-13C2-C443-A499-E68EDDD3AAD8}"/>
-              </a:ext>
-            </a:extLst>
-          </p:cNvPr>
-          <p:cNvSpPr>
-            <a:spLocks noGrp="1"/>
-          </p:cNvSpPr>
-          <p:nvPr>
-            <p:ph type="sldNum" sz="quarter" idx="12"/>
-          </p:nvPr>
-        </p:nvSpPr>
-        <p:spPr/>
-        <p:txBody>
-          <a:bodyPr/>
-          <a:lstStyle/>
-          <a:p>
-            <a:fld id="{D1892F8F-5571-E246-B053-E27A62D47BEF}" type="slidenum">
-              <a:rPr lang="en-GB" smtClean="0"/>
-              <a:t>2</a:t>
-            </a:fld>
-            <a:endParaRPr lang="en-GB"/>
-          </a:p>
-        </p:txBody>
-      </p:sp>
-    </p:spTree>
-    <p:extLst>
-      <p:ext uri="{BB962C8B-B14F-4D97-AF65-F5344CB8AC3E}">
-        <p14:creationId xmlns:p14="http://schemas.microsoft.com/office/powerpoint/2010/main" val="2072180750"/>
-      </p:ext>
-    </p:extLst>
-  </p:cSld>
-  <p:clrMapOvr>
-    <a:masterClrMapping/>
-  </p:clrMapOvr>
-</p:sld>
-</file>
-
-<file path=ppt/slides/slide20.xml><?xml version="1.0" encoding="utf-8"?>
-<p:sld xmlns:a="http://schemas.openxmlformats.org/drawingml/2006/main" xmlns:r="http://schemas.openxmlformats.org/officeDocument/2006/relationships" xmlns:p="http://schemas.openxmlformats.org/presentationml/2006/main">
-  <p:cSld>
-    <p:spTree>
-      <p:nvGrpSpPr>
-        <p:cNvPr id="1" name=""/>
-        <p:cNvGrpSpPr/>
-        <p:nvPr/>
-      </p:nvGrpSpPr>
-      <p:grpSpPr>
-        <a:xfrm>
-          <a:off x="0" y="0"/>
-          <a:ext cx="0" cy="0"/>
-          <a:chOff x="0" y="0"/>
-          <a:chExt cx="0" cy="0"/>
-        </a:xfrm>
-      </p:grpSpPr>
-      <p:sp>
-        <p:nvSpPr>
-          <p:cNvPr id="2" name="Titel 1">
-            <a:extLst>
-              <a:ext uri="{FF2B5EF4-FFF2-40B4-BE49-F238E27FC236}">
                 <a16:creationId xmlns:a16="http://schemas.microsoft.com/office/drawing/2014/main" id="{BDECAEB1-542A-F848-9D2C-B10DFE956AB7}"/>
               </a:ext>
             </a:extLst>
@@ -8317,7 +7746,7 @@
           <a:p>
             <a:fld id="{D1892F8F-5571-E246-B053-E27A62D47BEF}" type="slidenum">
               <a:rPr lang="en-GB" smtClean="0"/>
-              <a:t>20</a:t>
+              <a:t>19</a:t>
             </a:fld>
             <a:endParaRPr lang="en-GB"/>
           </a:p>
@@ -8444,6 +7873,181 @@
 </p:sld>
 </file>
 
+<file path=ppt/slides/slide2.xml><?xml version="1.0" encoding="utf-8"?>
+<p:sld xmlns:a="http://schemas.openxmlformats.org/drawingml/2006/main" xmlns:r="http://schemas.openxmlformats.org/officeDocument/2006/relationships" xmlns:p="http://schemas.openxmlformats.org/presentationml/2006/main">
+  <p:cSld>
+    <p:spTree>
+      <p:nvGrpSpPr>
+        <p:cNvPr id="1" name=""/>
+        <p:cNvGrpSpPr/>
+        <p:nvPr/>
+      </p:nvGrpSpPr>
+      <p:grpSpPr>
+        <a:xfrm>
+          <a:off x="0" y="0"/>
+          <a:ext cx="0" cy="0"/>
+          <a:chOff x="0" y="0"/>
+          <a:chExt cx="0" cy="0"/>
+        </a:xfrm>
+      </p:grpSpPr>
+      <p:sp>
+        <p:nvSpPr>
+          <p:cNvPr id="2" name="Titel 1">
+            <a:extLst>
+              <a:ext uri="{FF2B5EF4-FFF2-40B4-BE49-F238E27FC236}">
+                <a16:creationId xmlns:a16="http://schemas.microsoft.com/office/drawing/2014/main" id="{F7274416-F32F-B544-8C0A-29DD33A5E435}"/>
+              </a:ext>
+            </a:extLst>
+          </p:cNvPr>
+          <p:cNvSpPr>
+            <a:spLocks noGrp="1"/>
+          </p:cNvSpPr>
+          <p:nvPr>
+            <p:ph type="title"/>
+          </p:nvPr>
+        </p:nvSpPr>
+        <p:spPr/>
+        <p:txBody>
+          <a:bodyPr/>
+          <a:lstStyle/>
+          <a:p>
+            <a:r>
+              <a:rPr lang="en-GB" dirty="0"/>
+              <a:t>Format of the presentation	</a:t>
+            </a:r>
+          </a:p>
+        </p:txBody>
+      </p:sp>
+      <p:sp>
+        <p:nvSpPr>
+          <p:cNvPr id="3" name="Tijdelijke aanduiding voor inhoud 2">
+            <a:extLst>
+              <a:ext uri="{FF2B5EF4-FFF2-40B4-BE49-F238E27FC236}">
+                <a16:creationId xmlns:a16="http://schemas.microsoft.com/office/drawing/2014/main" id="{C3CA32CF-5E66-B548-80BE-AA3559B97AF3}"/>
+              </a:ext>
+            </a:extLst>
+          </p:cNvPr>
+          <p:cNvSpPr>
+            <a:spLocks noGrp="1"/>
+          </p:cNvSpPr>
+          <p:nvPr>
+            <p:ph idx="1"/>
+          </p:nvPr>
+        </p:nvSpPr>
+        <p:spPr>
+          <a:xfrm>
+            <a:off x="838200" y="1825625"/>
+            <a:ext cx="5099304" cy="4351338"/>
+          </a:xfrm>
+        </p:spPr>
+        <p:txBody>
+          <a:bodyPr>
+            <a:normAutofit/>
+          </a:bodyPr>
+          <a:lstStyle/>
+          <a:p>
+            <a:pPr marL="0" indent="0">
+              <a:buNone/>
+            </a:pPr>
+            <a:r>
+              <a:rPr lang="en-GB" dirty="0"/>
+              <a:t>1. Introduction in the casus</a:t>
+            </a:r>
+          </a:p>
+          <a:p>
+            <a:pPr lvl="1"/>
+            <a:r>
+              <a:rPr lang="en-GB" dirty="0"/>
+              <a:t>State Space of the problem</a:t>
+            </a:r>
+          </a:p>
+          <a:p>
+            <a:pPr marL="0" indent="0">
+              <a:buNone/>
+            </a:pPr>
+            <a:r>
+              <a:rPr lang="en-GB" dirty="0"/>
+              <a:t>2. Algorithms</a:t>
+            </a:r>
+          </a:p>
+          <a:p>
+            <a:pPr lvl="1"/>
+            <a:r>
+              <a:rPr lang="en-GB" dirty="0"/>
+              <a:t>Random, Greedy and more</a:t>
+            </a:r>
+          </a:p>
+          <a:p>
+            <a:pPr marL="0" indent="0">
+              <a:buNone/>
+            </a:pPr>
+            <a:r>
+              <a:rPr lang="en-GB" dirty="0"/>
+              <a:t>3. Results</a:t>
+            </a:r>
+          </a:p>
+          <a:p>
+            <a:pPr marL="0" indent="0">
+              <a:buNone/>
+            </a:pPr>
+            <a:r>
+              <a:rPr lang="en-GB" dirty="0"/>
+              <a:t>4. Conclusions </a:t>
+            </a:r>
+          </a:p>
+          <a:p>
+            <a:pPr marL="0" indent="0">
+              <a:buNone/>
+            </a:pPr>
+            <a:r>
+              <a:rPr lang="en-GB" dirty="0"/>
+              <a:t>5. Q&amp;A</a:t>
+            </a:r>
+          </a:p>
+        </p:txBody>
+      </p:sp>
+      <p:sp>
+        <p:nvSpPr>
+          <p:cNvPr id="4" name="Tijdelijke aanduiding voor dianummer 3">
+            <a:extLst>
+              <a:ext uri="{FF2B5EF4-FFF2-40B4-BE49-F238E27FC236}">
+                <a16:creationId xmlns:a16="http://schemas.microsoft.com/office/drawing/2014/main" id="{5E9E64F6-13C2-C443-A499-E68EDDD3AAD8}"/>
+              </a:ext>
+            </a:extLst>
+          </p:cNvPr>
+          <p:cNvSpPr>
+            <a:spLocks noGrp="1"/>
+          </p:cNvSpPr>
+          <p:nvPr>
+            <p:ph type="sldNum" sz="quarter" idx="12"/>
+          </p:nvPr>
+        </p:nvSpPr>
+        <p:spPr/>
+        <p:txBody>
+          <a:bodyPr/>
+          <a:lstStyle/>
+          <a:p>
+            <a:fld id="{D1892F8F-5571-E246-B053-E27A62D47BEF}" type="slidenum">
+              <a:rPr lang="en-GB" smtClean="0"/>
+              <a:t>2</a:t>
+            </a:fld>
+            <a:endParaRPr lang="en-GB"/>
+          </a:p>
+        </p:txBody>
+      </p:sp>
+    </p:spTree>
+    <p:extLst>
+      <p:ext uri="{BB962C8B-B14F-4D97-AF65-F5344CB8AC3E}">
+        <p14:creationId xmlns:p14="http://schemas.microsoft.com/office/powerpoint/2010/main" val="2072180750"/>
+      </p:ext>
+    </p:extLst>
+  </p:cSld>
+  <p:clrMapOvr>
+    <a:masterClrMapping/>
+  </p:clrMapOvr>
+</p:sld>
+</file>
+
 <file path=ppt/slides/slide3.xml><?xml version="1.0" encoding="utf-8"?>
 <p:sld xmlns:a="http://schemas.openxmlformats.org/drawingml/2006/main" xmlns:r="http://schemas.openxmlformats.org/officeDocument/2006/relationships" xmlns:p="http://schemas.openxmlformats.org/presentationml/2006/main">
   <p:cSld>
@@ -8544,18 +8148,20 @@
             </a:r>
             <a:r>
               <a:rPr lang="en-GB" dirty="0" err="1"/>
-              <a:t>Huntingtons</a:t>
-            </a:r>
-            <a:r>
-              <a:rPr lang="en-GB" dirty="0"/>
-              <a:t> Disease</a:t>
-            </a:r>
-          </a:p>
-          <a:p>
-            <a:r>
-              <a:rPr lang="en-GB" dirty="0"/>
-              <a:t>Finding “Stable” Proteins can help in the development of pharmaceuticals</a:t>
-            </a:r>
+              <a:t>huntington</a:t>
+            </a:r>
+            <a:endParaRPr lang="en-GB" dirty="0"/>
+          </a:p>
+          <a:p>
+            <a:r>
+              <a:rPr lang="en-GB" dirty="0"/>
+              <a:t>Finding “Stable” Proteins can help in the development of </a:t>
+            </a:r>
+            <a:r>
+              <a:rPr lang="en-GB" dirty="0" err="1"/>
+              <a:t>farmaceuticals</a:t>
+            </a:r>
+            <a:endParaRPr lang="en-GB" dirty="0"/>
           </a:p>
           <a:p>
             <a:endParaRPr lang="en-GB" dirty="0"/>
@@ -8739,7 +8345,7 @@
             </a:r>
             <a:r>
               <a:rPr lang="en-GB" dirty="0" err="1"/>
-              <a:t>Hydrophic</a:t>
+              <a:t>hydrophic</a:t>
             </a:r>
             <a:r>
               <a:rPr lang="en-GB" dirty="0"/>
@@ -9159,7 +8765,7 @@
           <p:cNvPr id="2" name="Titel 1">
             <a:extLst>
               <a:ext uri="{FF2B5EF4-FFF2-40B4-BE49-F238E27FC236}">
-                <a16:creationId xmlns:a16="http://schemas.microsoft.com/office/drawing/2014/main" id="{4B41A3F9-E4F5-8E49-BB20-18FE9BDEC849}"/>
+                <a16:creationId xmlns:a16="http://schemas.microsoft.com/office/drawing/2014/main" id="{BDECAEB1-542A-F848-9D2C-B10DFE956AB7}"/>
               </a:ext>
             </a:extLst>
           </p:cNvPr>
@@ -9176,18 +8782,9 @@
           <a:lstStyle/>
           <a:p>
             <a:r>
-              <a:rPr lang="nl-NL" dirty="0" err="1"/>
-              <a:t>Objective</a:t>
-            </a:r>
-            <a:r>
-              <a:rPr lang="nl-NL" dirty="0"/>
-              <a:t> </a:t>
-            </a:r>
-            <a:r>
-              <a:rPr lang="nl-NL" dirty="0" err="1"/>
-              <a:t>function</a:t>
-            </a:r>
-            <a:endParaRPr lang="nl-NL" dirty="0"/>
+              <a:rPr lang="en-GB" dirty="0"/>
+              <a:t>2. Algorithms</a:t>
+            </a:r>
           </a:p>
         </p:txBody>
       </p:sp>
@@ -9196,7 +8793,7 @@
           <p:cNvPr id="3" name="Tijdelijke aanduiding voor inhoud 2">
             <a:extLst>
               <a:ext uri="{FF2B5EF4-FFF2-40B4-BE49-F238E27FC236}">
-                <a16:creationId xmlns:a16="http://schemas.microsoft.com/office/drawing/2014/main" id="{3AF27507-C6DD-4D4A-B372-7AA5AE378410}"/>
+                <a16:creationId xmlns:a16="http://schemas.microsoft.com/office/drawing/2014/main" id="{6B57B016-94D5-F646-9976-362E7188E1F0}"/>
               </a:ext>
             </a:extLst>
           </p:cNvPr>
@@ -9207,91 +8804,87 @@
             <p:ph sz="half" idx="1"/>
           </p:nvPr>
         </p:nvSpPr>
-        <p:spPr>
-          <a:xfrm>
-            <a:off x="838200" y="1825625"/>
-            <a:ext cx="9528958" cy="4351338"/>
-          </a:xfrm>
-        </p:spPr>
+        <p:spPr/>
         <p:txBody>
           <a:bodyPr/>
           <a:lstStyle/>
           <a:p>
-            <a:r>
-              <a:rPr lang="nl-NL" dirty="0" err="1"/>
-              <a:t>Aim</a:t>
-            </a:r>
-            <a:r>
-              <a:rPr lang="nl-NL" dirty="0"/>
-              <a:t> </a:t>
-            </a:r>
-            <a:r>
-              <a:rPr lang="nl-NL" dirty="0" err="1"/>
-              <a:t>for</a:t>
-            </a:r>
-            <a:r>
-              <a:rPr lang="nl-NL" dirty="0"/>
-              <a:t> maximum </a:t>
-            </a:r>
-            <a:r>
-              <a:rPr lang="nl-NL" dirty="0" err="1"/>
-              <a:t>stability</a:t>
-            </a:r>
-            <a:endParaRPr lang="nl-NL" dirty="0"/>
-          </a:p>
-          <a:p>
-            <a:endParaRPr lang="nl-NL" dirty="0"/>
-          </a:p>
-          <a:p>
-            <a:r>
-              <a:rPr lang="nl-NL" dirty="0"/>
-              <a:t>Max </a:t>
-            </a:r>
-            <a:r>
-              <a:rPr lang="nl-NL" dirty="0" err="1"/>
-              <a:t>upper</a:t>
-            </a:r>
-            <a:r>
-              <a:rPr lang="nl-NL" dirty="0"/>
-              <a:t> </a:t>
-            </a:r>
-            <a:r>
-              <a:rPr lang="nl-NL" dirty="0" err="1"/>
-              <a:t>bound</a:t>
-            </a:r>
-            <a:r>
-              <a:rPr lang="nl-NL" dirty="0"/>
-              <a:t>: *best </a:t>
-            </a:r>
-            <a:r>
-              <a:rPr lang="nl-NL" dirty="0" err="1"/>
-              <a:t>known</a:t>
-            </a:r>
-            <a:r>
-              <a:rPr lang="nl-NL" dirty="0"/>
-              <a:t> solution*</a:t>
-            </a:r>
-          </a:p>
-          <a:p>
-            <a:endParaRPr lang="nl-NL"/>
-          </a:p>
-          <a:p>
-            <a:r>
-              <a:rPr lang="nl-NL"/>
-              <a:t>Lower</a:t>
-            </a:r>
-            <a:r>
-              <a:rPr lang="nl-NL" dirty="0"/>
-              <a:t> </a:t>
-            </a:r>
-            <a:r>
-              <a:rPr lang="nl-NL" dirty="0" err="1"/>
-              <a:t>bound</a:t>
-            </a:r>
-            <a:r>
-              <a:rPr lang="nl-NL" dirty="0"/>
-              <a:t>: 0</a:t>
-            </a:r>
+            <a:pPr lvl="1"/>
+            <a:r>
+              <a:rPr lang="en-GB" dirty="0"/>
+              <a:t>Self avoiding random walk (SARW)</a:t>
+            </a:r>
+          </a:p>
+          <a:p>
+            <a:pPr lvl="1"/>
+            <a:r>
+              <a:rPr lang="en-GB" dirty="0"/>
+              <a:t>SARW with Space Confinement</a:t>
+            </a:r>
+          </a:p>
+          <a:p>
+            <a:pPr lvl="1"/>
+            <a:r>
+              <a:rPr lang="en-GB" dirty="0"/>
+              <a:t>Greedy</a:t>
+            </a:r>
+          </a:p>
+          <a:p>
+            <a:pPr lvl="1"/>
+            <a:r>
+              <a:rPr lang="en-GB" dirty="0"/>
+              <a:t>Extended Heuristic Algorithm Plus</a:t>
+            </a:r>
+          </a:p>
+          <a:p>
+            <a:pPr lvl="1"/>
+            <a:r>
+              <a:rPr lang="en-GB" dirty="0"/>
+              <a:t>Breadth-first: Beam Search</a:t>
+            </a:r>
+          </a:p>
+          <a:p>
+            <a:pPr lvl="1"/>
+            <a:r>
+              <a:rPr lang="en-GB" dirty="0"/>
+              <a:t>Hill Climber (pull moves) + Simulated Annealing</a:t>
+            </a:r>
+          </a:p>
+          <a:p>
+            <a:pPr marL="457200" lvl="1" indent="0">
+              <a:buNone/>
+            </a:pPr>
+            <a:endParaRPr lang="en-GB" dirty="0"/>
+          </a:p>
+          <a:p>
+            <a:pPr lvl="1"/>
+            <a:endParaRPr lang="en-GB" dirty="0"/>
+          </a:p>
+        </p:txBody>
+      </p:sp>
+      <p:sp>
+        <p:nvSpPr>
+          <p:cNvPr id="4" name="Tijdelijke aanduiding voor inhoud 3">
+            <a:extLst>
+              <a:ext uri="{FF2B5EF4-FFF2-40B4-BE49-F238E27FC236}">
+                <a16:creationId xmlns:a16="http://schemas.microsoft.com/office/drawing/2014/main" id="{D29CAD77-2AED-E94A-845B-B60D651EF411}"/>
+              </a:ext>
+            </a:extLst>
+          </p:cNvPr>
+          <p:cNvSpPr>
+            <a:spLocks noGrp="1"/>
+          </p:cNvSpPr>
+          <p:nvPr>
+            <p:ph sz="half" idx="2"/>
+          </p:nvPr>
+        </p:nvSpPr>
+        <p:spPr/>
+        <p:txBody>
+          <a:bodyPr/>
+          <a:lstStyle/>
+          <a:p>
+            <a:pPr lvl="1"/>
+            <a:endParaRPr lang="en-GB" dirty="0"/>
           </a:p>
         </p:txBody>
       </p:sp>
@@ -9300,7 +8893,7 @@
           <p:cNvPr id="5" name="Tijdelijke aanduiding voor dianummer 4">
             <a:extLst>
               <a:ext uri="{FF2B5EF4-FFF2-40B4-BE49-F238E27FC236}">
-                <a16:creationId xmlns:a16="http://schemas.microsoft.com/office/drawing/2014/main" id="{C77DB712-6ADC-FA44-9B9E-568FE81F146F}"/>
+                <a16:creationId xmlns:a16="http://schemas.microsoft.com/office/drawing/2014/main" id="{59F1D7FF-3A9E-9047-AD7F-A8747FC3F52D}"/>
               </a:ext>
             </a:extLst>
           </p:cNvPr>
@@ -9327,7 +8920,7 @@
     </p:spTree>
     <p:extLst>
       <p:ext uri="{BB962C8B-B14F-4D97-AF65-F5344CB8AC3E}">
-        <p14:creationId xmlns:p14="http://schemas.microsoft.com/office/powerpoint/2010/main" val="3874233135"/>
+        <p14:creationId xmlns:p14="http://schemas.microsoft.com/office/powerpoint/2010/main" val="580731881"/>
       </p:ext>
     </p:extLst>
   </p:cSld>
@@ -9377,193 +8970,6 @@
           <a:p>
             <a:r>
               <a:rPr lang="en-GB" dirty="0"/>
-              <a:t>2. Algorithms</a:t>
-            </a:r>
-          </a:p>
-        </p:txBody>
-      </p:sp>
-      <p:sp>
-        <p:nvSpPr>
-          <p:cNvPr id="3" name="Tijdelijke aanduiding voor inhoud 2">
-            <a:extLst>
-              <a:ext uri="{FF2B5EF4-FFF2-40B4-BE49-F238E27FC236}">
-                <a16:creationId xmlns:a16="http://schemas.microsoft.com/office/drawing/2014/main" id="{6B57B016-94D5-F646-9976-362E7188E1F0}"/>
-              </a:ext>
-            </a:extLst>
-          </p:cNvPr>
-          <p:cNvSpPr>
-            <a:spLocks noGrp="1"/>
-          </p:cNvSpPr>
-          <p:nvPr>
-            <p:ph sz="half" idx="1"/>
-          </p:nvPr>
-        </p:nvSpPr>
-        <p:spPr/>
-        <p:txBody>
-          <a:bodyPr/>
-          <a:lstStyle/>
-          <a:p>
-            <a:pPr lvl="1"/>
-            <a:r>
-              <a:rPr lang="en-GB" dirty="0"/>
-              <a:t>Self avoiding random walk (SARW)</a:t>
-            </a:r>
-          </a:p>
-          <a:p>
-            <a:pPr lvl="1"/>
-            <a:r>
-              <a:rPr lang="en-GB" dirty="0"/>
-              <a:t>SARW with Space Confinement</a:t>
-            </a:r>
-          </a:p>
-          <a:p>
-            <a:pPr lvl="1"/>
-            <a:r>
-              <a:rPr lang="en-GB" dirty="0"/>
-              <a:t>Greedy</a:t>
-            </a:r>
-          </a:p>
-          <a:p>
-            <a:pPr lvl="1"/>
-            <a:r>
-              <a:rPr lang="en-GB" dirty="0"/>
-              <a:t>Extended Heuristic Algorithm Plus</a:t>
-            </a:r>
-          </a:p>
-          <a:p>
-            <a:pPr lvl="1"/>
-            <a:r>
-              <a:rPr lang="en-GB" dirty="0"/>
-              <a:t>Breadth-first: Beam Search</a:t>
-            </a:r>
-          </a:p>
-          <a:p>
-            <a:pPr lvl="1"/>
-            <a:r>
-              <a:rPr lang="en-GB" dirty="0"/>
-              <a:t>Hill Climber (pull moves) + Simulated Annealing</a:t>
-            </a:r>
-          </a:p>
-          <a:p>
-            <a:pPr marL="457200" lvl="1" indent="0">
-              <a:buNone/>
-            </a:pPr>
-            <a:endParaRPr lang="en-GB" dirty="0"/>
-          </a:p>
-          <a:p>
-            <a:pPr lvl="1"/>
-            <a:endParaRPr lang="en-GB" dirty="0"/>
-          </a:p>
-        </p:txBody>
-      </p:sp>
-      <p:sp>
-        <p:nvSpPr>
-          <p:cNvPr id="4" name="Tijdelijke aanduiding voor inhoud 3">
-            <a:extLst>
-              <a:ext uri="{FF2B5EF4-FFF2-40B4-BE49-F238E27FC236}">
-                <a16:creationId xmlns:a16="http://schemas.microsoft.com/office/drawing/2014/main" id="{D29CAD77-2AED-E94A-845B-B60D651EF411}"/>
-              </a:ext>
-            </a:extLst>
-          </p:cNvPr>
-          <p:cNvSpPr>
-            <a:spLocks noGrp="1"/>
-          </p:cNvSpPr>
-          <p:nvPr>
-            <p:ph sz="half" idx="2"/>
-          </p:nvPr>
-        </p:nvSpPr>
-        <p:spPr/>
-        <p:txBody>
-          <a:bodyPr/>
-          <a:lstStyle/>
-          <a:p>
-            <a:pPr lvl="1"/>
-            <a:endParaRPr lang="en-GB" dirty="0"/>
-          </a:p>
-        </p:txBody>
-      </p:sp>
-      <p:sp>
-        <p:nvSpPr>
-          <p:cNvPr id="5" name="Tijdelijke aanduiding voor dianummer 4">
-            <a:extLst>
-              <a:ext uri="{FF2B5EF4-FFF2-40B4-BE49-F238E27FC236}">
-                <a16:creationId xmlns:a16="http://schemas.microsoft.com/office/drawing/2014/main" id="{59F1D7FF-3A9E-9047-AD7F-A8747FC3F52D}"/>
-              </a:ext>
-            </a:extLst>
-          </p:cNvPr>
-          <p:cNvSpPr>
-            <a:spLocks noGrp="1"/>
-          </p:cNvSpPr>
-          <p:nvPr>
-            <p:ph type="sldNum" sz="quarter" idx="12"/>
-          </p:nvPr>
-        </p:nvSpPr>
-        <p:spPr/>
-        <p:txBody>
-          <a:bodyPr/>
-          <a:lstStyle/>
-          <a:p>
-            <a:fld id="{D1892F8F-5571-E246-B053-E27A62D47BEF}" type="slidenum">
-              <a:rPr lang="en-GB" smtClean="0"/>
-              <a:t>7</a:t>
-            </a:fld>
-            <a:endParaRPr lang="en-GB"/>
-          </a:p>
-        </p:txBody>
-      </p:sp>
-    </p:spTree>
-    <p:extLst>
-      <p:ext uri="{BB962C8B-B14F-4D97-AF65-F5344CB8AC3E}">
-        <p14:creationId xmlns:p14="http://schemas.microsoft.com/office/powerpoint/2010/main" val="580731881"/>
-      </p:ext>
-    </p:extLst>
-  </p:cSld>
-  <p:clrMapOvr>
-    <a:masterClrMapping/>
-  </p:clrMapOvr>
-</p:sld>
-</file>
-
-<file path=ppt/slides/slide8.xml><?xml version="1.0" encoding="utf-8"?>
-<p:sld xmlns:a="http://schemas.openxmlformats.org/drawingml/2006/main" xmlns:r="http://schemas.openxmlformats.org/officeDocument/2006/relationships" xmlns:p="http://schemas.openxmlformats.org/presentationml/2006/main">
-  <p:cSld>
-    <p:spTree>
-      <p:nvGrpSpPr>
-        <p:cNvPr id="1" name=""/>
-        <p:cNvGrpSpPr/>
-        <p:nvPr/>
-      </p:nvGrpSpPr>
-      <p:grpSpPr>
-        <a:xfrm>
-          <a:off x="0" y="0"/>
-          <a:ext cx="0" cy="0"/>
-          <a:chOff x="0" y="0"/>
-          <a:chExt cx="0" cy="0"/>
-        </a:xfrm>
-      </p:grpSpPr>
-      <p:sp>
-        <p:nvSpPr>
-          <p:cNvPr id="2" name="Titel 1">
-            <a:extLst>
-              <a:ext uri="{FF2B5EF4-FFF2-40B4-BE49-F238E27FC236}">
-                <a16:creationId xmlns:a16="http://schemas.microsoft.com/office/drawing/2014/main" id="{BDECAEB1-542A-F848-9D2C-B10DFE956AB7}"/>
-              </a:ext>
-            </a:extLst>
-          </p:cNvPr>
-          <p:cNvSpPr>
-            <a:spLocks noGrp="1"/>
-          </p:cNvSpPr>
-          <p:nvPr>
-            <p:ph type="title"/>
-          </p:nvPr>
-        </p:nvSpPr>
-        <p:spPr/>
-        <p:txBody>
-          <a:bodyPr/>
-          <a:lstStyle/>
-          <a:p>
-            <a:r>
-              <a:rPr lang="en-GB" dirty="0"/>
               <a:t>2. Extended Heuristic Algorithm Plus</a:t>
             </a:r>
           </a:p>
@@ -9829,7 +9235,7 @@
           <a:p>
             <a:fld id="{D1892F8F-5571-E246-B053-E27A62D47BEF}" type="slidenum">
               <a:rPr lang="en-GB" smtClean="0"/>
-              <a:t>8</a:t>
+              <a:t>7</a:t>
             </a:fld>
             <a:endParaRPr lang="en-GB"/>
           </a:p>
@@ -9848,7 +9254,7 @@
 </p:sld>
 </file>
 
-<file path=ppt/slides/slide9.xml><?xml version="1.0" encoding="utf-8"?>
+<file path=ppt/slides/slide8.xml><?xml version="1.0" encoding="utf-8"?>
 <p:sld xmlns:a="http://schemas.openxmlformats.org/drawingml/2006/main" xmlns:r="http://schemas.openxmlformats.org/officeDocument/2006/relationships" xmlns:p="http://schemas.openxmlformats.org/presentationml/2006/main">
   <p:cSld>
     <p:spTree>
@@ -10019,7 +9425,7 @@
           <a:p>
             <a:fld id="{D1892F8F-5571-E246-B053-E27A62D47BEF}" type="slidenum">
               <a:rPr lang="en-GB" smtClean="0"/>
-              <a:t>9</a:t>
+              <a:t>8</a:t>
             </a:fld>
             <a:endParaRPr lang="en-GB"/>
           </a:p>
@@ -10029,6 +9435,395 @@
     <p:extLst>
       <p:ext uri="{BB962C8B-B14F-4D97-AF65-F5344CB8AC3E}">
         <p14:creationId xmlns:p14="http://schemas.microsoft.com/office/powerpoint/2010/main" val="143121407"/>
+      </p:ext>
+    </p:extLst>
+  </p:cSld>
+  <p:clrMapOvr>
+    <a:masterClrMapping/>
+  </p:clrMapOvr>
+</p:sld>
+</file>
+
+<file path=ppt/slides/slide9.xml><?xml version="1.0" encoding="utf-8"?>
+<p:sld xmlns:a="http://schemas.openxmlformats.org/drawingml/2006/main" xmlns:r="http://schemas.openxmlformats.org/officeDocument/2006/relationships" xmlns:p="http://schemas.openxmlformats.org/presentationml/2006/main">
+  <p:cSld>
+    <p:bg>
+      <p:bgPr>
+        <a:solidFill>
+          <a:schemeClr val="bg1"/>
+        </a:solidFill>
+        <a:effectLst/>
+      </p:bgPr>
+    </p:bg>
+    <p:spTree>
+      <p:nvGrpSpPr>
+        <p:cNvPr id="1" name=""/>
+        <p:cNvGrpSpPr/>
+        <p:nvPr/>
+      </p:nvGrpSpPr>
+      <p:grpSpPr>
+        <a:xfrm>
+          <a:off x="0" y="0"/>
+          <a:ext cx="0" cy="0"/>
+          <a:chOff x="0" y="0"/>
+          <a:chExt cx="0" cy="0"/>
+        </a:xfrm>
+      </p:grpSpPr>
+      <p:sp>
+        <p:nvSpPr>
+          <p:cNvPr id="2" name="Titel 1">
+            <a:extLst>
+              <a:ext uri="{FF2B5EF4-FFF2-40B4-BE49-F238E27FC236}">
+                <a16:creationId xmlns:a16="http://schemas.microsoft.com/office/drawing/2014/main" id="{26D56270-1C1B-4B1E-BC4F-ACC759B672F7}"/>
+              </a:ext>
+            </a:extLst>
+          </p:cNvPr>
+          <p:cNvSpPr>
+            <a:spLocks noGrp="1"/>
+          </p:cNvSpPr>
+          <p:nvPr>
+            <p:ph type="title"/>
+          </p:nvPr>
+        </p:nvSpPr>
+        <p:spPr>
+          <a:xfrm>
+            <a:off x="838200" y="365125"/>
+            <a:ext cx="10515600" cy="1325563"/>
+          </a:xfrm>
+        </p:spPr>
+        <p:txBody>
+          <a:bodyPr vert="horz" lIns="91440" tIns="45720" rIns="91440" bIns="45720" rtlCol="0" anchor="ctr">
+            <a:normAutofit/>
+          </a:bodyPr>
+          <a:lstStyle/>
+          <a:p>
+            <a:r>
+              <a:rPr lang="en-US" dirty="0"/>
+              <a:t>3. Results – State Space check</a:t>
+            </a:r>
+          </a:p>
+        </p:txBody>
+      </p:sp>
+      <mc:AlternateContent xmlns:mc="http://schemas.openxmlformats.org/markup-compatibility/2006" xmlns:a14="http://schemas.microsoft.com/office/drawing/2010/main">
+        <mc:Choice Requires="a14">
+          <p:sp>
+            <p:nvSpPr>
+              <p:cNvPr id="3" name="Tijdelijke aanduiding voor inhoud 2">
+                <a:extLst>
+                  <a:ext uri="{FF2B5EF4-FFF2-40B4-BE49-F238E27FC236}">
+                    <a16:creationId xmlns:a16="http://schemas.microsoft.com/office/drawing/2014/main" id="{938874C9-2E1B-4E00-9D04-38873D0AC371}"/>
+                  </a:ext>
+                </a:extLst>
+              </p:cNvPr>
+              <p:cNvSpPr>
+                <a:spLocks noGrp="1"/>
+              </p:cNvSpPr>
+              <p:nvPr>
+                <p:ph sz="half" idx="1"/>
+              </p:nvPr>
+            </p:nvSpPr>
+            <p:spPr>
+              <a:xfrm>
+                <a:off x="838200" y="1825625"/>
+                <a:ext cx="4083121" cy="4351338"/>
+              </a:xfrm>
+            </p:spPr>
+            <p:txBody>
+              <a:bodyPr vert="horz" lIns="91440" tIns="45720" rIns="91440" bIns="45720" rtlCol="0">
+                <a:normAutofit/>
+              </a:bodyPr>
+              <a:lstStyle/>
+              <a:p>
+                <a:r>
+                  <a:rPr lang="en-US" sz="2400" dirty="0"/>
+                  <a:t>Using breadth first algorithm</a:t>
+                </a:r>
+              </a:p>
+              <a:p>
+                <a:pPr marL="0" indent="0">
+                  <a:buNone/>
+                </a:pPr>
+                <a:endParaRPr lang="en-US" sz="2400" dirty="0"/>
+              </a:p>
+              <a:p>
+                <a:r>
+                  <a:rPr lang="en-US" sz="2400" dirty="0"/>
+                  <a:t>Fit:  </a:t>
+                </a:r>
+                <a14:m>
+                  <m:oMath xmlns:m="http://schemas.openxmlformats.org/officeDocument/2006/math">
+                    <m:r>
+                      <a:rPr lang="en-US" sz="2400" b="0" i="1">
+                        <a:latin typeface="Cambria Math" panose="02040503050406030204" pitchFamily="18" charset="0"/>
+                      </a:rPr>
+                      <m:t>𝑁</m:t>
+                    </m:r>
+                    <m:r>
+                      <a:rPr lang="en-US" sz="2400" b="0" i="1">
+                        <a:latin typeface="Cambria Math" panose="02040503050406030204" pitchFamily="18" charset="0"/>
+                      </a:rPr>
+                      <m:t>=</m:t>
+                    </m:r>
+                    <m:r>
+                      <a:rPr lang="en-US" sz="2400" b="0" i="1">
+                        <a:latin typeface="Cambria Math" panose="02040503050406030204" pitchFamily="18" charset="0"/>
+                      </a:rPr>
+                      <m:t>𝐴</m:t>
+                    </m:r>
+                    <m:r>
+                      <a:rPr lang="en-US" sz="2400" b="0" i="1">
+                        <a:latin typeface="Cambria Math" panose="02040503050406030204" pitchFamily="18" charset="0"/>
+                      </a:rPr>
+                      <m:t>∙</m:t>
+                    </m:r>
+                    <m:sSup>
+                      <m:sSupPr>
+                        <m:ctrlPr>
+                          <a:rPr lang="en-US" sz="2400" b="0" i="1">
+                            <a:latin typeface="Cambria Math" panose="02040503050406030204" pitchFamily="18" charset="0"/>
+                          </a:rPr>
+                        </m:ctrlPr>
+                      </m:sSupPr>
+                      <m:e>
+                        <m:r>
+                          <a:rPr lang="en-US" sz="2400" b="0" i="1">
+                            <a:latin typeface="Cambria Math" panose="02040503050406030204" pitchFamily="18" charset="0"/>
+                          </a:rPr>
+                          <m:t>𝑒</m:t>
+                        </m:r>
+                      </m:e>
+                      <m:sup>
+                        <m:r>
+                          <a:rPr lang="en-US" sz="2400" b="0" i="1">
+                            <a:latin typeface="Cambria Math" panose="02040503050406030204" pitchFamily="18" charset="0"/>
+                          </a:rPr>
+                          <m:t>𝑅</m:t>
+                        </m:r>
+                        <m:r>
+                          <a:rPr lang="en-US" sz="2400" b="0" i="1">
+                            <a:latin typeface="Cambria Math" panose="02040503050406030204" pitchFamily="18" charset="0"/>
+                          </a:rPr>
+                          <m:t>∙</m:t>
+                        </m:r>
+                        <m:r>
+                          <a:rPr lang="en-US" sz="2400" b="0" i="1">
+                            <a:latin typeface="Cambria Math" panose="02040503050406030204" pitchFamily="18" charset="0"/>
+                          </a:rPr>
+                          <m:t>𝑛</m:t>
+                        </m:r>
+                      </m:sup>
+                    </m:sSup>
+                  </m:oMath>
+                </a14:m>
+                <a:endParaRPr lang="en-US" sz="2400" dirty="0"/>
+              </a:p>
+              <a:p>
+                <a:r>
+                  <a:rPr lang="en-US" sz="2400" dirty="0"/>
+                  <a:t>N: number of permutations</a:t>
+                </a:r>
+              </a:p>
+              <a:p>
+                <a:r>
+                  <a:rPr lang="en-US" sz="2400" dirty="0"/>
+                  <a:t>A: 0.051 ± 0.001</a:t>
+                </a:r>
+              </a:p>
+              <a:p>
+                <a:r>
+                  <a:rPr lang="en-US" sz="2400" dirty="0"/>
+                  <a:t>R: 1.560 ± 0.001</a:t>
+                </a:r>
+              </a:p>
+              <a:p>
+                <a:r>
+                  <a:rPr lang="en-US" sz="2400" dirty="0"/>
+                  <a:t>n: protein chain length</a:t>
+                </a:r>
+              </a:p>
+              <a:p>
+                <a:endParaRPr lang="en-US" sz="2400" dirty="0"/>
+              </a:p>
+              <a:p>
+                <a:endParaRPr lang="en-US" sz="2000" dirty="0"/>
+              </a:p>
+              <a:p>
+                <a:endParaRPr lang="en-US" sz="2000" dirty="0"/>
+              </a:p>
+              <a:p>
+                <a:endParaRPr lang="en-US" sz="2000" dirty="0"/>
+              </a:p>
+              <a:p>
+                <a:endParaRPr lang="en-US" sz="2000" dirty="0"/>
+              </a:p>
+            </p:txBody>
+          </p:sp>
+        </mc:Choice>
+        <mc:Fallback xmlns="">
+          <p:sp>
+            <p:nvSpPr>
+              <p:cNvPr id="3" name="Tijdelijke aanduiding voor inhoud 2">
+                <a:extLst>
+                  <a:ext uri="{FF2B5EF4-FFF2-40B4-BE49-F238E27FC236}">
+                    <a16:creationId xmlns:a16="http://schemas.microsoft.com/office/drawing/2014/main" id="{938874C9-2E1B-4E00-9D04-38873D0AC371}"/>
+                  </a:ext>
+                </a:extLst>
+              </p:cNvPr>
+              <p:cNvSpPr>
+                <a:spLocks noGrp="1" noRot="1" noChangeAspect="1" noMove="1" noResize="1" noEditPoints="1" noAdjustHandles="1" noChangeArrowheads="1" noChangeShapeType="1" noTextEdit="1"/>
+              </p:cNvSpPr>
+              <p:nvPr>
+                <p:ph sz="half" idx="1"/>
+              </p:nvPr>
+            </p:nvSpPr>
+            <p:spPr>
+              <a:xfrm>
+                <a:off x="838200" y="1825625"/>
+                <a:ext cx="4083121" cy="4351338"/>
+              </a:xfrm>
+              <a:blipFill>
+                <a:blip r:embed="rId2"/>
+                <a:stretch>
+                  <a:fillRect l="-2093" t="-1961"/>
+                </a:stretch>
+              </a:blipFill>
+            </p:spPr>
+            <p:txBody>
+              <a:bodyPr/>
+              <a:lstStyle/>
+              <a:p>
+                <a:r>
+                  <a:rPr lang="en-GB">
+                    <a:noFill/>
+                  </a:rPr>
+                  <a:t> </a:t>
+                </a:r>
+              </a:p>
+            </p:txBody>
+          </p:sp>
+        </mc:Fallback>
+      </mc:AlternateContent>
+      <p:sp>
+        <p:nvSpPr>
+          <p:cNvPr id="4" name="Tijdelijke aanduiding voor dianummer 3">
+            <a:extLst>
+              <a:ext uri="{FF2B5EF4-FFF2-40B4-BE49-F238E27FC236}">
+                <a16:creationId xmlns:a16="http://schemas.microsoft.com/office/drawing/2014/main" id="{6F592BCE-9B97-CA47-BF1B-C09A35D3D8AD}"/>
+              </a:ext>
+            </a:extLst>
+          </p:cNvPr>
+          <p:cNvSpPr>
+            <a:spLocks noGrp="1"/>
+          </p:cNvSpPr>
+          <p:nvPr>
+            <p:ph type="sldNum" sz="quarter" idx="12"/>
+          </p:nvPr>
+        </p:nvSpPr>
+        <p:spPr>
+          <a:xfrm>
+            <a:off x="8610600" y="6356350"/>
+            <a:ext cx="2743200" cy="365125"/>
+          </a:xfrm>
+        </p:spPr>
+        <p:txBody>
+          <a:bodyPr vert="horz" lIns="91440" tIns="45720" rIns="91440" bIns="45720" rtlCol="0" anchor="ctr">
+            <a:normAutofit/>
+          </a:bodyPr>
+          <a:lstStyle/>
+          <a:p>
+            <a:pPr defTabSz="914400">
+              <a:spcAft>
+                <a:spcPts val="600"/>
+              </a:spcAft>
+              <a:defRPr/>
+            </a:pPr>
+            <a:fld id="{D1892F8F-5571-E246-B053-E27A62D47BEF}" type="slidenum">
+              <a:rPr lang="en-US" smtClean="0">
+                <a:solidFill>
+                  <a:prstClr val="black">
+                    <a:tint val="75000"/>
+                  </a:prstClr>
+                </a:solidFill>
+                <a:latin typeface="Calibri" panose="020F0502020204030204"/>
+              </a:rPr>
+              <a:pPr defTabSz="914400">
+                <a:spcAft>
+                  <a:spcPts val="600"/>
+                </a:spcAft>
+                <a:defRPr/>
+              </a:pPr>
+              <a:t>9</a:t>
+            </a:fld>
+            <a:endParaRPr lang="en-US">
+              <a:solidFill>
+                <a:prstClr val="black">
+                  <a:tint val="75000"/>
+                </a:prstClr>
+              </a:solidFill>
+              <a:latin typeface="Calibri" panose="020F0502020204030204"/>
+            </a:endParaRPr>
+          </a:p>
+        </p:txBody>
+      </p:sp>
+      <p:sp>
+        <p:nvSpPr>
+          <p:cNvPr id="10" name="Tijdelijke aanduiding voor inhoud 9">
+            <a:extLst>
+              <a:ext uri="{FF2B5EF4-FFF2-40B4-BE49-F238E27FC236}">
+                <a16:creationId xmlns:a16="http://schemas.microsoft.com/office/drawing/2014/main" id="{8B50F8AB-436A-4F43-8953-32EAAC356C2A}"/>
+              </a:ext>
+            </a:extLst>
+          </p:cNvPr>
+          <p:cNvSpPr>
+            <a:spLocks noGrp="1"/>
+          </p:cNvSpPr>
+          <p:nvPr>
+            <p:ph sz="half" idx="2"/>
+          </p:nvPr>
+        </p:nvSpPr>
+        <p:spPr/>
+        <p:txBody>
+          <a:bodyPr/>
+          <a:lstStyle/>
+          <a:p>
+            <a:endParaRPr lang="en-GB"/>
+          </a:p>
+        </p:txBody>
+      </p:sp>
+      <p:pic>
+        <p:nvPicPr>
+          <p:cNvPr id="11" name="Afbeelding 10">
+            <a:extLst>
+              <a:ext uri="{FF2B5EF4-FFF2-40B4-BE49-F238E27FC236}">
+                <a16:creationId xmlns:a16="http://schemas.microsoft.com/office/drawing/2014/main" id="{FB86E529-AC46-4AD2-87B9-20CC29A28322}"/>
+              </a:ext>
+            </a:extLst>
+          </p:cNvPr>
+          <p:cNvPicPr>
+            <a:picLocks noChangeAspect="1"/>
+          </p:cNvPicPr>
+          <p:nvPr/>
+        </p:nvPicPr>
+        <p:blipFill>
+          <a:blip r:embed="rId3"/>
+          <a:stretch>
+            <a:fillRect/>
+          </a:stretch>
+        </p:blipFill>
+        <p:spPr>
+          <a:xfrm>
+            <a:off x="5561125" y="1455969"/>
+            <a:ext cx="6403749" cy="4900381"/>
+          </a:xfrm>
+          <a:prstGeom prst="rect">
+            <a:avLst/>
+          </a:prstGeom>
+        </p:spPr>
+      </p:pic>
+    </p:spTree>
+    <p:extLst>
+      <p:ext uri="{BB962C8B-B14F-4D97-AF65-F5344CB8AC3E}">
+        <p14:creationId xmlns:p14="http://schemas.microsoft.com/office/powerpoint/2010/main" val="163970808"/>
       </p:ext>
     </p:extLst>
   </p:cSld>

--- a/Docs/PPP, final.pptx
+++ b/Docs/PPP, final.pptx
@@ -10036,8 +10036,8 @@
           </a:p>
         </p:txBody>
       </p:sp>
-      <mc:AlternateContent xmlns:mc="http://schemas.openxmlformats.org/markup-compatibility/2006">
-        <mc:Choice xmlns:a14="http://schemas.microsoft.com/office/drawing/2010/main" Requires="a14">
+      <mc:AlternateContent xmlns:mc="http://schemas.openxmlformats.org/markup-compatibility/2006" xmlns:a14="http://schemas.microsoft.com/office/drawing/2010/main">
+        <mc:Choice Requires="a14">
           <p:sp>
             <p:nvSpPr>
               <p:cNvPr id="3" name="Tijdelijke aanduiding voor inhoud 2">
@@ -10191,7 +10191,7 @@
             </p:txBody>
           </p:sp>
         </mc:Choice>
-        <mc:Fallback>
+        <mc:Fallback xmlns="">
           <p:sp>
             <p:nvSpPr>
               <p:cNvPr id="3" name="Tijdelijke aanduiding voor inhoud 2">
